--- a/U3/Notes/Lesson 2 - Hello World.pptx
+++ b/U3/Notes/Lesson 2 - Hello World.pptx
@@ -12311,11 +12311,11 @@
             </a:r>
             <a:r>
               <a:rPr lang="en"/>
-              <a:t>u or idle</a:t>
+              <a:t>u</a:t>
             </a:r>
             <a:r>
               <a:rPr lang="en"/>
-              <a:t> by clicking the New icon in Mu or open a new file in Idle.</a:t>
+              <a:t> by clicking the New icon or open a new file in Idle.</a:t>
             </a:r>
             <a:br>
               <a:rPr lang="en"/>
@@ -12828,6 +12828,285 @@
 </file>
 
 <file path=ppt/theme/theme1.xml><?xml version="1.0" encoding="utf-8"?>
+<a:theme xmlns:a="http://schemas.openxmlformats.org/drawingml/2006/main" xmlns:r="http://schemas.openxmlformats.org/officeDocument/2006/relationships">
+  <a:themeElements>
+    <a:clrScheme name="Default">
+      <a:dk1>
+        <a:srgbClr val="000000"/>
+      </a:dk1>
+      <a:lt1>
+        <a:srgbClr val="FFFFFF"/>
+      </a:lt1>
+      <a:dk2>
+        <a:srgbClr val="158158"/>
+      </a:dk2>
+      <a:lt2>
+        <a:srgbClr val="F3F3F3"/>
+      </a:lt2>
+      <a:accent1>
+        <a:srgbClr val="058DC7"/>
+      </a:accent1>
+      <a:accent2>
+        <a:srgbClr val="50B432"/>
+      </a:accent2>
+      <a:accent3>
+        <a:srgbClr val="ED561B"/>
+      </a:accent3>
+      <a:accent4>
+        <a:srgbClr val="EDEF00"/>
+      </a:accent4>
+      <a:accent5>
+        <a:srgbClr val="24CBE5"/>
+      </a:accent5>
+      <a:accent6>
+        <a:srgbClr val="64E572"/>
+      </a:accent6>
+      <a:hlink>
+        <a:srgbClr val="2200CC"/>
+      </a:hlink>
+      <a:folHlink>
+        <a:srgbClr val="551A8B"/>
+      </a:folHlink>
+    </a:clrScheme>
+    <a:fontScheme name="Office">
+      <a:majorFont>
+        <a:latin typeface="Arial"/>
+        <a:ea typeface=""/>
+        <a:cs typeface=""/>
+        <a:font script="Jpan" typeface="ＭＳ Ｐゴシック"/>
+        <a:font script="Hang" typeface="맑은 고딕"/>
+        <a:font script="Hans" typeface="宋体"/>
+        <a:font script="Hant" typeface="新細明體"/>
+        <a:font script="Arab" typeface="Times New Roman"/>
+        <a:font script="Hebr" typeface="Times New Roman"/>
+        <a:font script="Thai" typeface="Angsana New"/>
+        <a:font script="Ethi" typeface="Nyala"/>
+        <a:font script="Beng" typeface="Vrinda"/>
+        <a:font script="Gujr" typeface="Shruti"/>
+        <a:font script="Khmr" typeface="MoolBoran"/>
+        <a:font script="Knda" typeface="Tunga"/>
+        <a:font script="Guru" typeface="Raavi"/>
+        <a:font script="Cans" typeface="Euphemia"/>
+        <a:font script="Cher" typeface="Plantagenet Cherokee"/>
+        <a:font script="Yiii" typeface="Microsoft Yi Baiti"/>
+        <a:font script="Tibt" typeface="Microsoft Himalaya"/>
+        <a:font script="Thaa" typeface="MV Boli"/>
+        <a:font script="Deva" typeface="Mangal"/>
+        <a:font script="Telu" typeface="Gautami"/>
+        <a:font script="Taml" typeface="Latha"/>
+        <a:font script="Syrc" typeface="Estrangelo Edessa"/>
+        <a:font script="Orya" typeface="Kalinga"/>
+        <a:font script="Mlym" typeface="Kartika"/>
+        <a:font script="Laoo" typeface="DokChampa"/>
+        <a:font script="Sinh" typeface="Iskoola Pota"/>
+        <a:font script="Mong" typeface="Mongolian Baiti"/>
+        <a:font script="Viet" typeface="Times New Roman"/>
+        <a:font script="Uigh" typeface="Microsoft Uighur"/>
+        <a:font script="Geor" typeface="Sylfaen"/>
+      </a:majorFont>
+      <a:minorFont>
+        <a:latin typeface="Arial"/>
+        <a:ea typeface=""/>
+        <a:cs typeface=""/>
+        <a:font script="Jpan" typeface="ＭＳ Ｐゴシック"/>
+        <a:font script="Hang" typeface="맑은 고딕"/>
+        <a:font script="Hans" typeface="宋体"/>
+        <a:font script="Hant" typeface="新細明體"/>
+        <a:font script="Arab" typeface="Arial"/>
+        <a:font script="Hebr" typeface="Arial"/>
+        <a:font script="Thai" typeface="Cordia New"/>
+        <a:font script="Ethi" typeface="Nyala"/>
+        <a:font script="Beng" typeface="Vrinda"/>
+        <a:font script="Gujr" typeface="Shruti"/>
+        <a:font script="Khmr" typeface="DaunPenh"/>
+        <a:font script="Knda" typeface="Tunga"/>
+        <a:font script="Guru" typeface="Raavi"/>
+        <a:font script="Cans" typeface="Euphemia"/>
+        <a:font script="Cher" typeface="Plantagenet Cherokee"/>
+        <a:font script="Yiii" typeface="Microsoft Yi Baiti"/>
+        <a:font script="Tibt" typeface="Microsoft Himalaya"/>
+        <a:font script="Thaa" typeface="MV Boli"/>
+        <a:font script="Deva" typeface="Mangal"/>
+        <a:font script="Telu" typeface="Gautami"/>
+        <a:font script="Taml" typeface="Latha"/>
+        <a:font script="Syrc" typeface="Estrangelo Edessa"/>
+        <a:font script="Orya" typeface="Kalinga"/>
+        <a:font script="Mlym" typeface="Kartika"/>
+        <a:font script="Laoo" typeface="DokChampa"/>
+        <a:font script="Sinh" typeface="Iskoola Pota"/>
+        <a:font script="Mong" typeface="Mongolian Baiti"/>
+        <a:font script="Viet" typeface="Arial"/>
+        <a:font script="Uigh" typeface="Microsoft Uighur"/>
+        <a:font script="Geor" typeface="Sylfaen"/>
+      </a:minorFont>
+    </a:fontScheme>
+    <a:fmtScheme name="Office">
+      <a:fillStyleLst>
+        <a:solidFill>
+          <a:schemeClr val="phClr"/>
+        </a:solidFill>
+        <a:gradFill rotWithShape="1">
+          <a:gsLst>
+            <a:gs pos="0">
+              <a:schemeClr val="phClr">
+                <a:tint val="50000"/>
+                <a:satMod val="300000"/>
+              </a:schemeClr>
+            </a:gs>
+            <a:gs pos="35000">
+              <a:schemeClr val="phClr">
+                <a:tint val="37000"/>
+                <a:satMod val="300000"/>
+              </a:schemeClr>
+            </a:gs>
+            <a:gs pos="100000">
+              <a:schemeClr val="phClr">
+                <a:tint val="15000"/>
+                <a:satMod val="350000"/>
+              </a:schemeClr>
+            </a:gs>
+          </a:gsLst>
+          <a:lin ang="16200000" scaled="1"/>
+        </a:gradFill>
+        <a:gradFill rotWithShape="1">
+          <a:gsLst>
+            <a:gs pos="0">
+              <a:schemeClr val="phClr">
+                <a:tint val="100000"/>
+                <a:shade val="100000"/>
+                <a:satMod val="130000"/>
+              </a:schemeClr>
+            </a:gs>
+            <a:gs pos="100000">
+              <a:schemeClr val="phClr">
+                <a:tint val="50000"/>
+                <a:shade val="100000"/>
+                <a:satMod val="350000"/>
+              </a:schemeClr>
+            </a:gs>
+          </a:gsLst>
+          <a:lin ang="16200000" scaled="0"/>
+        </a:gradFill>
+      </a:fillStyleLst>
+      <a:lnStyleLst>
+        <a:ln w="9525" cap="flat" cmpd="sng" algn="ctr">
+          <a:solidFill>
+            <a:schemeClr val="phClr">
+              <a:shade val="95000"/>
+              <a:satMod val="105000"/>
+            </a:schemeClr>
+          </a:solidFill>
+          <a:prstDash val="solid"/>
+        </a:ln>
+        <a:ln w="25400" cap="flat" cmpd="sng" algn="ctr">
+          <a:solidFill>
+            <a:schemeClr val="phClr"/>
+          </a:solidFill>
+          <a:prstDash val="solid"/>
+        </a:ln>
+        <a:ln w="38100" cap="flat" cmpd="sng" algn="ctr">
+          <a:solidFill>
+            <a:schemeClr val="phClr"/>
+          </a:solidFill>
+          <a:prstDash val="solid"/>
+        </a:ln>
+      </a:lnStyleLst>
+      <a:effectStyleLst>
+        <a:effectStyle>
+          <a:effectLst>
+            <a:outerShdw blurRad="40000" dist="20000" dir="5400000" rotWithShape="0">
+              <a:srgbClr val="000000">
+                <a:alpha val="38000"/>
+              </a:srgbClr>
+            </a:outerShdw>
+          </a:effectLst>
+        </a:effectStyle>
+        <a:effectStyle>
+          <a:effectLst>
+            <a:outerShdw blurRad="40000" dist="23000" dir="5400000" rotWithShape="0">
+              <a:srgbClr val="000000">
+                <a:alpha val="35000"/>
+              </a:srgbClr>
+            </a:outerShdw>
+          </a:effectLst>
+        </a:effectStyle>
+        <a:effectStyle>
+          <a:effectLst>
+            <a:outerShdw blurRad="40000" dist="23000" dir="5400000" rotWithShape="0">
+              <a:srgbClr val="000000">
+                <a:alpha val="35000"/>
+              </a:srgbClr>
+            </a:outerShdw>
+          </a:effectLst>
+          <a:scene3d>
+            <a:camera prst="orthographicFront">
+              <a:rot lat="0" lon="0" rev="0"/>
+            </a:camera>
+            <a:lightRig rig="threePt" dir="t">
+              <a:rot lat="0" lon="0" rev="1200000"/>
+            </a:lightRig>
+          </a:scene3d>
+          <a:sp3d>
+            <a:bevelT w="63500" h="25400"/>
+          </a:sp3d>
+        </a:effectStyle>
+      </a:effectStyleLst>
+      <a:bgFillStyleLst>
+        <a:solidFill>
+          <a:schemeClr val="phClr"/>
+        </a:solidFill>
+        <a:gradFill rotWithShape="1">
+          <a:gsLst>
+            <a:gs pos="0">
+              <a:schemeClr val="phClr">
+                <a:tint val="40000"/>
+                <a:satMod val="350000"/>
+              </a:schemeClr>
+            </a:gs>
+            <a:gs pos="40000">
+              <a:schemeClr val="phClr">
+                <a:tint val="45000"/>
+                <a:shade val="99000"/>
+                <a:satMod val="350000"/>
+              </a:schemeClr>
+            </a:gs>
+            <a:gs pos="100000">
+              <a:schemeClr val="phClr">
+                <a:shade val="20000"/>
+                <a:satMod val="255000"/>
+              </a:schemeClr>
+            </a:gs>
+          </a:gsLst>
+          <a:path path="circle">
+            <a:fillToRect l="50000" t="-80000" r="50000" b="180000"/>
+          </a:path>
+        </a:gradFill>
+        <a:gradFill rotWithShape="1">
+          <a:gsLst>
+            <a:gs pos="0">
+              <a:schemeClr val="phClr">
+                <a:tint val="80000"/>
+                <a:satMod val="300000"/>
+              </a:schemeClr>
+            </a:gs>
+            <a:gs pos="100000">
+              <a:schemeClr val="phClr">
+                <a:shade val="30000"/>
+                <a:satMod val="200000"/>
+              </a:schemeClr>
+            </a:gs>
+          </a:gsLst>
+          <a:path path="circle">
+            <a:fillToRect l="50000" t="50000" r="50000" b="50000"/>
+          </a:path>
+        </a:gradFill>
+      </a:bgFillStyleLst>
+    </a:fmtScheme>
+  </a:themeElements>
+</a:theme>
+</file>
+
+<file path=ppt/theme/theme2.xml><?xml version="1.0" encoding="utf-8"?>
 <a:theme xmlns:a="http://schemas.openxmlformats.org/drawingml/2006/main" xmlns:r="http://schemas.openxmlformats.org/officeDocument/2006/relationships" name="Spearmint">
   <a:themeElements>
     <a:clrScheme name="Spearmint">
@@ -13104,283 +13383,4 @@
     </a:fmtScheme>
   </a:themeElements>
 </a:theme>
-</file>
-
-<file path=ppt/theme/theme2.xml><?xml version="1.0" encoding="utf-8"?>
-<a:theme xmlns:a="http://schemas.openxmlformats.org/drawingml/2006/main" xmlns:r="http://schemas.openxmlformats.org/officeDocument/2006/relationships">
-  <a:themeElements>
-    <a:clrScheme name="Default">
-      <a:dk1>
-        <a:srgbClr val="000000"/>
-      </a:dk1>
-      <a:lt1>
-        <a:srgbClr val="FFFFFF"/>
-      </a:lt1>
-      <a:dk2>
-        <a:srgbClr val="158158"/>
-      </a:dk2>
-      <a:lt2>
-        <a:srgbClr val="F3F3F3"/>
-      </a:lt2>
-      <a:accent1>
-        <a:srgbClr val="058DC7"/>
-      </a:accent1>
-      <a:accent2>
-        <a:srgbClr val="50B432"/>
-      </a:accent2>
-      <a:accent3>
-        <a:srgbClr val="ED561B"/>
-      </a:accent3>
-      <a:accent4>
-        <a:srgbClr val="EDEF00"/>
-      </a:accent4>
-      <a:accent5>
-        <a:srgbClr val="24CBE5"/>
-      </a:accent5>
-      <a:accent6>
-        <a:srgbClr val="64E572"/>
-      </a:accent6>
-      <a:hlink>
-        <a:srgbClr val="2200CC"/>
-      </a:hlink>
-      <a:folHlink>
-        <a:srgbClr val="551A8B"/>
-      </a:folHlink>
-    </a:clrScheme>
-    <a:fontScheme name="Office">
-      <a:majorFont>
-        <a:latin typeface="Arial"/>
-        <a:ea typeface=""/>
-        <a:cs typeface=""/>
-        <a:font script="Jpan" typeface="ＭＳ Ｐゴシック"/>
-        <a:font script="Hang" typeface="맑은 고딕"/>
-        <a:font script="Hans" typeface="宋体"/>
-        <a:font script="Hant" typeface="新細明體"/>
-        <a:font script="Arab" typeface="Times New Roman"/>
-        <a:font script="Hebr" typeface="Times New Roman"/>
-        <a:font script="Thai" typeface="Angsana New"/>
-        <a:font script="Ethi" typeface="Nyala"/>
-        <a:font script="Beng" typeface="Vrinda"/>
-        <a:font script="Gujr" typeface="Shruti"/>
-        <a:font script="Khmr" typeface="MoolBoran"/>
-        <a:font script="Knda" typeface="Tunga"/>
-        <a:font script="Guru" typeface="Raavi"/>
-        <a:font script="Cans" typeface="Euphemia"/>
-        <a:font script="Cher" typeface="Plantagenet Cherokee"/>
-        <a:font script="Yiii" typeface="Microsoft Yi Baiti"/>
-        <a:font script="Tibt" typeface="Microsoft Himalaya"/>
-        <a:font script="Thaa" typeface="MV Boli"/>
-        <a:font script="Deva" typeface="Mangal"/>
-        <a:font script="Telu" typeface="Gautami"/>
-        <a:font script="Taml" typeface="Latha"/>
-        <a:font script="Syrc" typeface="Estrangelo Edessa"/>
-        <a:font script="Orya" typeface="Kalinga"/>
-        <a:font script="Mlym" typeface="Kartika"/>
-        <a:font script="Laoo" typeface="DokChampa"/>
-        <a:font script="Sinh" typeface="Iskoola Pota"/>
-        <a:font script="Mong" typeface="Mongolian Baiti"/>
-        <a:font script="Viet" typeface="Times New Roman"/>
-        <a:font script="Uigh" typeface="Microsoft Uighur"/>
-        <a:font script="Geor" typeface="Sylfaen"/>
-      </a:majorFont>
-      <a:minorFont>
-        <a:latin typeface="Arial"/>
-        <a:ea typeface=""/>
-        <a:cs typeface=""/>
-        <a:font script="Jpan" typeface="ＭＳ Ｐゴシック"/>
-        <a:font script="Hang" typeface="맑은 고딕"/>
-        <a:font script="Hans" typeface="宋体"/>
-        <a:font script="Hant" typeface="新細明體"/>
-        <a:font script="Arab" typeface="Arial"/>
-        <a:font script="Hebr" typeface="Arial"/>
-        <a:font script="Thai" typeface="Cordia New"/>
-        <a:font script="Ethi" typeface="Nyala"/>
-        <a:font script="Beng" typeface="Vrinda"/>
-        <a:font script="Gujr" typeface="Shruti"/>
-        <a:font script="Khmr" typeface="DaunPenh"/>
-        <a:font script="Knda" typeface="Tunga"/>
-        <a:font script="Guru" typeface="Raavi"/>
-        <a:font script="Cans" typeface="Euphemia"/>
-        <a:font script="Cher" typeface="Plantagenet Cherokee"/>
-        <a:font script="Yiii" typeface="Microsoft Yi Baiti"/>
-        <a:font script="Tibt" typeface="Microsoft Himalaya"/>
-        <a:font script="Thaa" typeface="MV Boli"/>
-        <a:font script="Deva" typeface="Mangal"/>
-        <a:font script="Telu" typeface="Gautami"/>
-        <a:font script="Taml" typeface="Latha"/>
-        <a:font script="Syrc" typeface="Estrangelo Edessa"/>
-        <a:font script="Orya" typeface="Kalinga"/>
-        <a:font script="Mlym" typeface="Kartika"/>
-        <a:font script="Laoo" typeface="DokChampa"/>
-        <a:font script="Sinh" typeface="Iskoola Pota"/>
-        <a:font script="Mong" typeface="Mongolian Baiti"/>
-        <a:font script="Viet" typeface="Arial"/>
-        <a:font script="Uigh" typeface="Microsoft Uighur"/>
-        <a:font script="Geor" typeface="Sylfaen"/>
-      </a:minorFont>
-    </a:fontScheme>
-    <a:fmtScheme name="Office">
-      <a:fillStyleLst>
-        <a:solidFill>
-          <a:schemeClr val="phClr"/>
-        </a:solidFill>
-        <a:gradFill rotWithShape="1">
-          <a:gsLst>
-            <a:gs pos="0">
-              <a:schemeClr val="phClr">
-                <a:tint val="50000"/>
-                <a:satMod val="300000"/>
-              </a:schemeClr>
-            </a:gs>
-            <a:gs pos="35000">
-              <a:schemeClr val="phClr">
-                <a:tint val="37000"/>
-                <a:satMod val="300000"/>
-              </a:schemeClr>
-            </a:gs>
-            <a:gs pos="100000">
-              <a:schemeClr val="phClr">
-                <a:tint val="15000"/>
-                <a:satMod val="350000"/>
-              </a:schemeClr>
-            </a:gs>
-          </a:gsLst>
-          <a:lin ang="16200000" scaled="1"/>
-        </a:gradFill>
-        <a:gradFill rotWithShape="1">
-          <a:gsLst>
-            <a:gs pos="0">
-              <a:schemeClr val="phClr">
-                <a:tint val="100000"/>
-                <a:shade val="100000"/>
-                <a:satMod val="130000"/>
-              </a:schemeClr>
-            </a:gs>
-            <a:gs pos="100000">
-              <a:schemeClr val="phClr">
-                <a:tint val="50000"/>
-                <a:shade val="100000"/>
-                <a:satMod val="350000"/>
-              </a:schemeClr>
-            </a:gs>
-          </a:gsLst>
-          <a:lin ang="16200000" scaled="0"/>
-        </a:gradFill>
-      </a:fillStyleLst>
-      <a:lnStyleLst>
-        <a:ln w="9525" cap="flat" cmpd="sng" algn="ctr">
-          <a:solidFill>
-            <a:schemeClr val="phClr">
-              <a:shade val="95000"/>
-              <a:satMod val="105000"/>
-            </a:schemeClr>
-          </a:solidFill>
-          <a:prstDash val="solid"/>
-        </a:ln>
-        <a:ln w="25400" cap="flat" cmpd="sng" algn="ctr">
-          <a:solidFill>
-            <a:schemeClr val="phClr"/>
-          </a:solidFill>
-          <a:prstDash val="solid"/>
-        </a:ln>
-        <a:ln w="38100" cap="flat" cmpd="sng" algn="ctr">
-          <a:solidFill>
-            <a:schemeClr val="phClr"/>
-          </a:solidFill>
-          <a:prstDash val="solid"/>
-        </a:ln>
-      </a:lnStyleLst>
-      <a:effectStyleLst>
-        <a:effectStyle>
-          <a:effectLst>
-            <a:outerShdw blurRad="40000" dist="20000" dir="5400000" rotWithShape="0">
-              <a:srgbClr val="000000">
-                <a:alpha val="38000"/>
-              </a:srgbClr>
-            </a:outerShdw>
-          </a:effectLst>
-        </a:effectStyle>
-        <a:effectStyle>
-          <a:effectLst>
-            <a:outerShdw blurRad="40000" dist="23000" dir="5400000" rotWithShape="0">
-              <a:srgbClr val="000000">
-                <a:alpha val="35000"/>
-              </a:srgbClr>
-            </a:outerShdw>
-          </a:effectLst>
-        </a:effectStyle>
-        <a:effectStyle>
-          <a:effectLst>
-            <a:outerShdw blurRad="40000" dist="23000" dir="5400000" rotWithShape="0">
-              <a:srgbClr val="000000">
-                <a:alpha val="35000"/>
-              </a:srgbClr>
-            </a:outerShdw>
-          </a:effectLst>
-          <a:scene3d>
-            <a:camera prst="orthographicFront">
-              <a:rot lat="0" lon="0" rev="0"/>
-            </a:camera>
-            <a:lightRig rig="threePt" dir="t">
-              <a:rot lat="0" lon="0" rev="1200000"/>
-            </a:lightRig>
-          </a:scene3d>
-          <a:sp3d>
-            <a:bevelT w="63500" h="25400"/>
-          </a:sp3d>
-        </a:effectStyle>
-      </a:effectStyleLst>
-      <a:bgFillStyleLst>
-        <a:solidFill>
-          <a:schemeClr val="phClr"/>
-        </a:solidFill>
-        <a:gradFill rotWithShape="1">
-          <a:gsLst>
-            <a:gs pos="0">
-              <a:schemeClr val="phClr">
-                <a:tint val="40000"/>
-                <a:satMod val="350000"/>
-              </a:schemeClr>
-            </a:gs>
-            <a:gs pos="40000">
-              <a:schemeClr val="phClr">
-                <a:tint val="45000"/>
-                <a:shade val="99000"/>
-                <a:satMod val="350000"/>
-              </a:schemeClr>
-            </a:gs>
-            <a:gs pos="100000">
-              <a:schemeClr val="phClr">
-                <a:shade val="20000"/>
-                <a:satMod val="255000"/>
-              </a:schemeClr>
-            </a:gs>
-          </a:gsLst>
-          <a:path path="circle">
-            <a:fillToRect l="50000" t="-80000" r="50000" b="180000"/>
-          </a:path>
-        </a:gradFill>
-        <a:gradFill rotWithShape="1">
-          <a:gsLst>
-            <a:gs pos="0">
-              <a:schemeClr val="phClr">
-                <a:tint val="80000"/>
-                <a:satMod val="300000"/>
-              </a:schemeClr>
-            </a:gs>
-            <a:gs pos="100000">
-              <a:schemeClr val="phClr">
-                <a:shade val="30000"/>
-                <a:satMod val="200000"/>
-              </a:schemeClr>
-            </a:gs>
-          </a:gsLst>
-          <a:path path="circle">
-            <a:fillToRect l="50000" t="50000" r="50000" b="50000"/>
-          </a:path>
-        </a:gradFill>
-      </a:bgFillStyleLst>
-    </a:fmtScheme>
-  </a:themeElements>
-</a:theme>
 </file>
--- a/U3/Notes/Lesson 2 - Hello World.pptx
+++ b/U3/Notes/Lesson 2 - Hello World.pptx
@@ -1,40 +1,40 @@
 
 <file path=ppt/presentation.xml><?xml version="1.0" encoding="utf-8"?>
-<p:presentation xmlns:a="http://schemas.openxmlformats.org/drawingml/2006/main" xmlns:r="http://schemas.openxmlformats.org/officeDocument/2006/relationships" xmlns:mc="http://schemas.openxmlformats.org/markup-compatibility/2006" xmlns:mv="urn:schemas-microsoft-com:mac:vml" xmlns:p="http://schemas.openxmlformats.org/presentationml/2006/main" xmlns:c="http://schemas.openxmlformats.org/drawingml/2006/chart" xmlns:dgm="http://schemas.openxmlformats.org/drawingml/2006/diagram" xmlns:o="urn:schemas-microsoft-com:office:office" xmlns:v="urn:schemas-microsoft-com:vml" xmlns:pvml="urn:schemas-microsoft-com:office:powerpoint" xmlns:com="http://schemas.openxmlformats.org/drawingml/2006/compatibility" xmlns:p14="http://schemas.microsoft.com/office/powerpoint/2010/main" xmlns:p15="http://schemas.microsoft.com/office/powerpoint/2012/main" xmlns:ahyp="http://schemas.microsoft.com/office/drawing/2018/hyperlinkcolor" autoCompressPictures="0" embedTrueTypeFonts="1" strictFirstAndLastChars="0" saveSubsetFonts="1">
+<p:presentation xmlns:a="http://schemas.openxmlformats.org/drawingml/2006/main" xmlns:r="http://schemas.openxmlformats.org/officeDocument/2006/relationships" xmlns:p="http://schemas.openxmlformats.org/presentationml/2006/main" strictFirstAndLastChars="0" embedTrueTypeFonts="1" saveSubsetFonts="1" autoCompressPictures="0">
   <p:sldMasterIdLst>
-    <p:sldMasterId id="2147483659" r:id="rId4"/>
+    <p:sldMasterId id="2147483659" r:id="rId1"/>
   </p:sldMasterIdLst>
   <p:notesMasterIdLst>
-    <p:notesMasterId r:id="rId5"/>
+    <p:notesMasterId r:id="rId15"/>
   </p:notesMasterIdLst>
   <p:sldIdLst>
-    <p:sldId id="256" r:id="rId6"/>
-    <p:sldId id="257" r:id="rId7"/>
-    <p:sldId id="258" r:id="rId8"/>
-    <p:sldId id="259" r:id="rId9"/>
-    <p:sldId id="260" r:id="rId10"/>
-    <p:sldId id="261" r:id="rId11"/>
-    <p:sldId id="262" r:id="rId12"/>
-    <p:sldId id="263" r:id="rId13"/>
-    <p:sldId id="264" r:id="rId14"/>
-    <p:sldId id="265" r:id="rId15"/>
-    <p:sldId id="266" r:id="rId16"/>
-    <p:sldId id="267" r:id="rId17"/>
-    <p:sldId id="268" r:id="rId18"/>
+    <p:sldId id="256" r:id="rId2"/>
+    <p:sldId id="257" r:id="rId3"/>
+    <p:sldId id="258" r:id="rId4"/>
+    <p:sldId id="259" r:id="rId5"/>
+    <p:sldId id="260" r:id="rId6"/>
+    <p:sldId id="261" r:id="rId7"/>
+    <p:sldId id="262" r:id="rId8"/>
+    <p:sldId id="263" r:id="rId9"/>
+    <p:sldId id="264" r:id="rId10"/>
+    <p:sldId id="265" r:id="rId11"/>
+    <p:sldId id="266" r:id="rId12"/>
+    <p:sldId id="267" r:id="rId13"/>
+    <p:sldId id="268" r:id="rId14"/>
   </p:sldIdLst>
-  <p:sldSz cy="5143500" cx="9144000"/>
+  <p:sldSz cx="9144000" cy="5143500" type="screen16x9"/>
   <p:notesSz cx="6858000" cy="9144000"/>
   <p:embeddedFontLst>
     <p:embeddedFont>
-      <p:font typeface="Proxima Nova"/>
-      <p:regular r:id="rId19"/>
-      <p:bold r:id="rId20"/>
-      <p:italic r:id="rId21"/>
-      <p:boldItalic r:id="rId22"/>
+      <p:font typeface="Proxima Nova" panose="020B0604020202020204" charset="0"/>
+      <p:regular r:id="rId16"/>
+      <p:bold r:id="rId17"/>
+      <p:italic r:id="rId18"/>
+      <p:boldItalic r:id="rId19"/>
     </p:embeddedFont>
   </p:embeddedFontLst>
   <p:defaultTextStyle>
-    <a:defPPr lvl="0" marR="0" rtl="0" algn="l">
+    <a:defPPr marR="0" lvl="0" algn="l" rtl="0">
       <a:lnSpc>
         <a:spcPct val="100000"/>
       </a:lnSpc>
@@ -45,7 +45,7 @@
         <a:spcPts val="0"/>
       </a:spcAft>
     </a:defPPr>
-    <a:lvl1pPr lvl="0" marR="0" rtl="0" algn="l">
+    <a:lvl1pPr marR="0" lvl="0" algn="l" rtl="0">
       <a:lnSpc>
         <a:spcPct val="100000"/>
       </a:lnSpc>
@@ -59,7 +59,7 @@
         <a:srgbClr val="000000"/>
       </a:buClr>
       <a:buFont typeface="Arial"/>
-      <a:defRPr b="0" i="0" sz="1400" u="none" cap="none" strike="noStrike">
+      <a:defRPr sz="1400" b="0" i="0" u="none" strike="noStrike" cap="none">
         <a:solidFill>
           <a:srgbClr val="000000"/>
         </a:solidFill>
@@ -69,7 +69,7 @@
         <a:sym typeface="Arial"/>
       </a:defRPr>
     </a:lvl1pPr>
-    <a:lvl2pPr lvl="1" marR="0" rtl="0" algn="l">
+    <a:lvl2pPr marR="0" lvl="1" algn="l" rtl="0">
       <a:lnSpc>
         <a:spcPct val="100000"/>
       </a:lnSpc>
@@ -83,7 +83,7 @@
         <a:srgbClr val="000000"/>
       </a:buClr>
       <a:buFont typeface="Arial"/>
-      <a:defRPr b="0" i="0" sz="1400" u="none" cap="none" strike="noStrike">
+      <a:defRPr sz="1400" b="0" i="0" u="none" strike="noStrike" cap="none">
         <a:solidFill>
           <a:srgbClr val="000000"/>
         </a:solidFill>
@@ -93,7 +93,7 @@
         <a:sym typeface="Arial"/>
       </a:defRPr>
     </a:lvl2pPr>
-    <a:lvl3pPr lvl="2" marR="0" rtl="0" algn="l">
+    <a:lvl3pPr marR="0" lvl="2" algn="l" rtl="0">
       <a:lnSpc>
         <a:spcPct val="100000"/>
       </a:lnSpc>
@@ -107,7 +107,7 @@
         <a:srgbClr val="000000"/>
       </a:buClr>
       <a:buFont typeface="Arial"/>
-      <a:defRPr b="0" i="0" sz="1400" u="none" cap="none" strike="noStrike">
+      <a:defRPr sz="1400" b="0" i="0" u="none" strike="noStrike" cap="none">
         <a:solidFill>
           <a:srgbClr val="000000"/>
         </a:solidFill>
@@ -117,7 +117,7 @@
         <a:sym typeface="Arial"/>
       </a:defRPr>
     </a:lvl3pPr>
-    <a:lvl4pPr lvl="3" marR="0" rtl="0" algn="l">
+    <a:lvl4pPr marR="0" lvl="3" algn="l" rtl="0">
       <a:lnSpc>
         <a:spcPct val="100000"/>
       </a:lnSpc>
@@ -131,7 +131,7 @@
         <a:srgbClr val="000000"/>
       </a:buClr>
       <a:buFont typeface="Arial"/>
-      <a:defRPr b="0" i="0" sz="1400" u="none" cap="none" strike="noStrike">
+      <a:defRPr sz="1400" b="0" i="0" u="none" strike="noStrike" cap="none">
         <a:solidFill>
           <a:srgbClr val="000000"/>
         </a:solidFill>
@@ -141,7 +141,7 @@
         <a:sym typeface="Arial"/>
       </a:defRPr>
     </a:lvl4pPr>
-    <a:lvl5pPr lvl="4" marR="0" rtl="0" algn="l">
+    <a:lvl5pPr marR="0" lvl="4" algn="l" rtl="0">
       <a:lnSpc>
         <a:spcPct val="100000"/>
       </a:lnSpc>
@@ -155,7 +155,7 @@
         <a:srgbClr val="000000"/>
       </a:buClr>
       <a:buFont typeface="Arial"/>
-      <a:defRPr b="0" i="0" sz="1400" u="none" cap="none" strike="noStrike">
+      <a:defRPr sz="1400" b="0" i="0" u="none" strike="noStrike" cap="none">
         <a:solidFill>
           <a:srgbClr val="000000"/>
         </a:solidFill>
@@ -165,7 +165,7 @@
         <a:sym typeface="Arial"/>
       </a:defRPr>
     </a:lvl5pPr>
-    <a:lvl6pPr lvl="5" marR="0" rtl="0" algn="l">
+    <a:lvl6pPr marR="0" lvl="5" algn="l" rtl="0">
       <a:lnSpc>
         <a:spcPct val="100000"/>
       </a:lnSpc>
@@ -179,7 +179,7 @@
         <a:srgbClr val="000000"/>
       </a:buClr>
       <a:buFont typeface="Arial"/>
-      <a:defRPr b="0" i="0" sz="1400" u="none" cap="none" strike="noStrike">
+      <a:defRPr sz="1400" b="0" i="0" u="none" strike="noStrike" cap="none">
         <a:solidFill>
           <a:srgbClr val="000000"/>
         </a:solidFill>
@@ -189,7 +189,7 @@
         <a:sym typeface="Arial"/>
       </a:defRPr>
     </a:lvl6pPr>
-    <a:lvl7pPr lvl="6" marR="0" rtl="0" algn="l">
+    <a:lvl7pPr marR="0" lvl="6" algn="l" rtl="0">
       <a:lnSpc>
         <a:spcPct val="100000"/>
       </a:lnSpc>
@@ -203,7 +203,7 @@
         <a:srgbClr val="000000"/>
       </a:buClr>
       <a:buFont typeface="Arial"/>
-      <a:defRPr b="0" i="0" sz="1400" u="none" cap="none" strike="noStrike">
+      <a:defRPr sz="1400" b="0" i="0" u="none" strike="noStrike" cap="none">
         <a:solidFill>
           <a:srgbClr val="000000"/>
         </a:solidFill>
@@ -213,7 +213,7 @@
         <a:sym typeface="Arial"/>
       </a:defRPr>
     </a:lvl7pPr>
-    <a:lvl8pPr lvl="7" marR="0" rtl="0" algn="l">
+    <a:lvl8pPr marR="0" lvl="7" algn="l" rtl="0">
       <a:lnSpc>
         <a:spcPct val="100000"/>
       </a:lnSpc>
@@ -227,7 +227,7 @@
         <a:srgbClr val="000000"/>
       </a:buClr>
       <a:buFont typeface="Arial"/>
-      <a:defRPr b="0" i="0" sz="1400" u="none" cap="none" strike="noStrike">
+      <a:defRPr sz="1400" b="0" i="0" u="none" strike="noStrike" cap="none">
         <a:solidFill>
           <a:srgbClr val="000000"/>
         </a:solidFill>
@@ -237,7 +237,7 @@
         <a:sym typeface="Arial"/>
       </a:defRPr>
     </a:lvl8pPr>
-    <a:lvl9pPr lvl="8" marR="0" rtl="0" algn="l">
+    <a:lvl9pPr marR="0" lvl="8" algn="l" rtl="0">
       <a:lnSpc>
         <a:spcPct val="100000"/>
       </a:lnSpc>
@@ -251,7 +251,7 @@
         <a:srgbClr val="000000"/>
       </a:buClr>
       <a:buFont typeface="Arial"/>
-      <a:defRPr b="0" i="0" sz="1400" u="none" cap="none" strike="noStrike">
+      <a:defRPr sz="1400" b="0" i="0" u="none" strike="noStrike" cap="none">
         <a:solidFill>
           <a:srgbClr val="000000"/>
         </a:solidFill>
@@ -264,7 +264,7 @@
   </p:defaultTextStyle>
   <p:extLst>
     <p:ext uri="{EFAFB233-063F-42B5-8137-9DF3F51BA10A}">
-      <p15:sldGuideLst>
+      <p15:sldGuideLst xmlns:p15="http://schemas.microsoft.com/office/powerpoint/2012/main">
         <p15:guide id="1" orient="horz" pos="1620">
           <p15:clr>
             <a:srgbClr val="A4A3A4"/>
@@ -282,11 +282,16 @@
 </file>
 
 <file path=ppt/notesMasters/notesMaster1.xml><?xml version="1.0" encoding="utf-8"?>
-<p:notesMaster xmlns:a="http://schemas.openxmlformats.org/drawingml/2006/main" xmlns:r="http://schemas.openxmlformats.org/officeDocument/2006/relationships" xmlns:mc="http://schemas.openxmlformats.org/markup-compatibility/2006" xmlns:mv="urn:schemas-microsoft-com:mac:vml" xmlns:p="http://schemas.openxmlformats.org/presentationml/2006/main" xmlns:c="http://schemas.openxmlformats.org/drawingml/2006/chart" xmlns:dgm="http://schemas.openxmlformats.org/drawingml/2006/diagram" xmlns:o="urn:schemas-microsoft-com:office:office" xmlns:v="urn:schemas-microsoft-com:vml" xmlns:pvml="urn:schemas-microsoft-com:office:powerpoint" xmlns:com="http://schemas.openxmlformats.org/drawingml/2006/compatibility" xmlns:p14="http://schemas.microsoft.com/office/powerpoint/2010/main" xmlns:p15="http://schemas.microsoft.com/office/powerpoint/2012/main" xmlns:ahyp="http://schemas.microsoft.com/office/drawing/2018/hyperlinkcolor">
+<p:notesMaster xmlns:a="http://schemas.openxmlformats.org/drawingml/2006/main" xmlns:r="http://schemas.openxmlformats.org/officeDocument/2006/relationships" xmlns:p="http://schemas.openxmlformats.org/presentationml/2006/main">
   <p:cSld>
+    <p:bg>
+      <p:bgRef idx="1001">
+        <a:schemeClr val="bg1"/>
+      </p:bgRef>
+    </p:bg>
     <p:spTree>
       <p:nvGrpSpPr>
-        <p:cNvPr id="2" name="Shape 2"/>
+        <p:cNvPr id="1" name="Shape 2"/>
         <p:cNvGrpSpPr/>
         <p:nvPr/>
       </p:nvGrpSpPr>
@@ -301,9 +306,11 @@
       <p:sp>
         <p:nvSpPr>
           <p:cNvPr id="3" name="Google Shape;3;n"/>
-          <p:cNvSpPr/>
+          <p:cNvSpPr>
+            <a:spLocks noGrp="1" noRot="1" noChangeAspect="1"/>
+          </p:cNvSpPr>
           <p:nvPr>
-            <p:ph idx="2" type="sldImg"/>
+            <p:ph type="sldImg" idx="2"/>
           </p:nvPr>
         </p:nvSpPr>
         <p:spPr>
@@ -312,9 +319,13 @@
             <a:ext cx="6096075" cy="3429000"/>
           </a:xfrm>
           <a:custGeom>
-            <a:rect b="b" l="l" r="r" t="t"/>
+            <a:avLst/>
+            <a:gdLst/>
+            <a:ahLst/>
+            <a:cxnLst/>
+            <a:rect l="l" t="t" r="r" b="b"/>
             <a:pathLst>
-              <a:path extrusionOk="0" h="120000" w="120000">
+              <a:path w="120000" h="120000" extrusionOk="0">
                 <a:moveTo>
                   <a:pt x="0" y="0"/>
                 </a:moveTo>
@@ -332,23 +343,25 @@
             </a:pathLst>
           </a:custGeom>
           <a:noFill/>
-          <a:ln cap="flat" cmpd="sng" w="9525">
+          <a:ln w="9525" cap="flat" cmpd="sng">
             <a:solidFill>
               <a:srgbClr val="000000"/>
             </a:solidFill>
             <a:prstDash val="solid"/>
             <a:round/>
-            <a:headEnd len="sm" w="sm" type="none"/>
-            <a:tailEnd len="sm" w="sm" type="none"/>
+            <a:headEnd type="none" w="sm" len="sm"/>
+            <a:tailEnd type="none" w="sm" len="sm"/>
           </a:ln>
         </p:spPr>
       </p:sp>
       <p:sp>
         <p:nvSpPr>
           <p:cNvPr id="4" name="Google Shape;4;n"/>
-          <p:cNvSpPr txBox="1"/>
+          <p:cNvSpPr txBox="1">
+            <a:spLocks noGrp="1"/>
+          </p:cNvSpPr>
           <p:nvPr>
-            <p:ph idx="1" type="body"/>
+            <p:ph type="body" idx="1"/>
           </p:nvPr>
         </p:nvSpPr>
         <p:spPr>
@@ -365,11 +378,11 @@
           </a:ln>
         </p:spPr>
         <p:txBody>
-          <a:bodyPr anchorCtr="0" anchor="t" bIns="91425" lIns="91425" spcFirstLastPara="1" rIns="91425" wrap="square" tIns="91425">
+          <a:bodyPr spcFirstLastPara="1" wrap="square" lIns="91425" tIns="91425" rIns="91425" bIns="91425" anchor="t" anchorCtr="0">
             <a:noAutofit/>
           </a:bodyPr>
           <a:lstStyle>
-            <a:lvl1pPr indent="-298450" lvl="0" marL="457200" marR="0" rtl="0" algn="l">
+            <a:lvl1pPr marL="457200" marR="0" lvl="0" indent="-298450" algn="l" rtl="0">
               <a:lnSpc>
                 <a:spcPct val="100000"/>
               </a:lnSpc>
@@ -385,7 +398,7 @@
               <a:buSzPts val="1100"/>
               <a:buFont typeface="Arial"/>
               <a:buChar char="●"/>
-              <a:defRPr b="0" i="0" sz="1100" u="none" cap="none" strike="noStrike">
+              <a:defRPr sz="1100" b="0" i="0" u="none" strike="noStrike" cap="none">
                 <a:solidFill>
                   <a:srgbClr val="000000"/>
                 </a:solidFill>
@@ -395,7 +408,7 @@
                 <a:sym typeface="Arial"/>
               </a:defRPr>
             </a:lvl1pPr>
-            <a:lvl2pPr indent="-298450" lvl="1" marL="914400" marR="0" rtl="0" algn="l">
+            <a:lvl2pPr marL="914400" marR="0" lvl="1" indent="-298450" algn="l" rtl="0">
               <a:lnSpc>
                 <a:spcPct val="100000"/>
               </a:lnSpc>
@@ -411,7 +424,7 @@
               <a:buSzPts val="1100"/>
               <a:buFont typeface="Arial"/>
               <a:buChar char="○"/>
-              <a:defRPr b="0" i="0" sz="1100" u="none" cap="none" strike="noStrike">
+              <a:defRPr sz="1100" b="0" i="0" u="none" strike="noStrike" cap="none">
                 <a:solidFill>
                   <a:srgbClr val="000000"/>
                 </a:solidFill>
@@ -421,7 +434,7 @@
                 <a:sym typeface="Arial"/>
               </a:defRPr>
             </a:lvl2pPr>
-            <a:lvl3pPr indent="-298450" lvl="2" marL="1371600" marR="0" rtl="0" algn="l">
+            <a:lvl3pPr marL="1371600" marR="0" lvl="2" indent="-298450" algn="l" rtl="0">
               <a:lnSpc>
                 <a:spcPct val="100000"/>
               </a:lnSpc>
@@ -437,7 +450,7 @@
               <a:buSzPts val="1100"/>
               <a:buFont typeface="Arial"/>
               <a:buChar char="■"/>
-              <a:defRPr b="0" i="0" sz="1100" u="none" cap="none" strike="noStrike">
+              <a:defRPr sz="1100" b="0" i="0" u="none" strike="noStrike" cap="none">
                 <a:solidFill>
                   <a:srgbClr val="000000"/>
                 </a:solidFill>
@@ -447,7 +460,7 @@
                 <a:sym typeface="Arial"/>
               </a:defRPr>
             </a:lvl3pPr>
-            <a:lvl4pPr indent="-298450" lvl="3" marL="1828800" marR="0" rtl="0" algn="l">
+            <a:lvl4pPr marL="1828800" marR="0" lvl="3" indent="-298450" algn="l" rtl="0">
               <a:lnSpc>
                 <a:spcPct val="100000"/>
               </a:lnSpc>
@@ -463,7 +476,7 @@
               <a:buSzPts val="1100"/>
               <a:buFont typeface="Arial"/>
               <a:buChar char="●"/>
-              <a:defRPr b="0" i="0" sz="1100" u="none" cap="none" strike="noStrike">
+              <a:defRPr sz="1100" b="0" i="0" u="none" strike="noStrike" cap="none">
                 <a:solidFill>
                   <a:srgbClr val="000000"/>
                 </a:solidFill>
@@ -473,7 +486,7 @@
                 <a:sym typeface="Arial"/>
               </a:defRPr>
             </a:lvl4pPr>
-            <a:lvl5pPr indent="-298450" lvl="4" marL="2286000" marR="0" rtl="0" algn="l">
+            <a:lvl5pPr marL="2286000" marR="0" lvl="4" indent="-298450" algn="l" rtl="0">
               <a:lnSpc>
                 <a:spcPct val="100000"/>
               </a:lnSpc>
@@ -489,7 +502,7 @@
               <a:buSzPts val="1100"/>
               <a:buFont typeface="Arial"/>
               <a:buChar char="○"/>
-              <a:defRPr b="0" i="0" sz="1100" u="none" cap="none" strike="noStrike">
+              <a:defRPr sz="1100" b="0" i="0" u="none" strike="noStrike" cap="none">
                 <a:solidFill>
                   <a:srgbClr val="000000"/>
                 </a:solidFill>
@@ -499,7 +512,7 @@
                 <a:sym typeface="Arial"/>
               </a:defRPr>
             </a:lvl5pPr>
-            <a:lvl6pPr indent="-298450" lvl="5" marL="2743200" marR="0" rtl="0" algn="l">
+            <a:lvl6pPr marL="2743200" marR="0" lvl="5" indent="-298450" algn="l" rtl="0">
               <a:lnSpc>
                 <a:spcPct val="100000"/>
               </a:lnSpc>
@@ -515,7 +528,7 @@
               <a:buSzPts val="1100"/>
               <a:buFont typeface="Arial"/>
               <a:buChar char="■"/>
-              <a:defRPr b="0" i="0" sz="1100" u="none" cap="none" strike="noStrike">
+              <a:defRPr sz="1100" b="0" i="0" u="none" strike="noStrike" cap="none">
                 <a:solidFill>
                   <a:srgbClr val="000000"/>
                 </a:solidFill>
@@ -525,7 +538,7 @@
                 <a:sym typeface="Arial"/>
               </a:defRPr>
             </a:lvl6pPr>
-            <a:lvl7pPr indent="-298450" lvl="6" marL="3200400" marR="0" rtl="0" algn="l">
+            <a:lvl7pPr marL="3200400" marR="0" lvl="6" indent="-298450" algn="l" rtl="0">
               <a:lnSpc>
                 <a:spcPct val="100000"/>
               </a:lnSpc>
@@ -541,7 +554,7 @@
               <a:buSzPts val="1100"/>
               <a:buFont typeface="Arial"/>
               <a:buChar char="●"/>
-              <a:defRPr b="0" i="0" sz="1100" u="none" cap="none" strike="noStrike">
+              <a:defRPr sz="1100" b="0" i="0" u="none" strike="noStrike" cap="none">
                 <a:solidFill>
                   <a:srgbClr val="000000"/>
                 </a:solidFill>
@@ -551,7 +564,7 @@
                 <a:sym typeface="Arial"/>
               </a:defRPr>
             </a:lvl7pPr>
-            <a:lvl8pPr indent="-298450" lvl="7" marL="3657600" marR="0" rtl="0" algn="l">
+            <a:lvl8pPr marL="3657600" marR="0" lvl="7" indent="-298450" algn="l" rtl="0">
               <a:lnSpc>
                 <a:spcPct val="100000"/>
               </a:lnSpc>
@@ -567,7 +580,7 @@
               <a:buSzPts val="1100"/>
               <a:buFont typeface="Arial"/>
               <a:buChar char="○"/>
-              <a:defRPr b="0" i="0" sz="1100" u="none" cap="none" strike="noStrike">
+              <a:defRPr sz="1100" b="0" i="0" u="none" strike="noStrike" cap="none">
                 <a:solidFill>
                   <a:srgbClr val="000000"/>
                 </a:solidFill>
@@ -577,7 +590,7 @@
                 <a:sym typeface="Arial"/>
               </a:defRPr>
             </a:lvl8pPr>
-            <a:lvl9pPr indent="-298450" lvl="8" marL="4114800" marR="0" rtl="0" algn="l">
+            <a:lvl9pPr marL="4114800" marR="0" lvl="8" indent="-298450" algn="l" rtl="0">
               <a:lnSpc>
                 <a:spcPct val="100000"/>
               </a:lnSpc>
@@ -593,7 +606,7 @@
               <a:buSzPts val="1100"/>
               <a:buFont typeface="Arial"/>
               <a:buChar char="■"/>
-              <a:defRPr b="0" i="0" sz="1100" u="none" cap="none" strike="noStrike">
+              <a:defRPr sz="1100" b="0" i="0" u="none" strike="noStrike" cap="none">
                 <a:solidFill>
                   <a:srgbClr val="000000"/>
                 </a:solidFill>
@@ -604,14 +617,16 @@
               </a:defRPr>
             </a:lvl9pPr>
           </a:lstStyle>
-          <a:p/>
+          <a:p>
+            <a:endParaRPr/>
+          </a:p>
         </p:txBody>
       </p:sp>
     </p:spTree>
   </p:cSld>
-  <p:clrMap accent1="accent1" accent2="accent2" accent3="accent3" accent4="accent4" accent5="accent5" accent6="accent6" bg1="lt1" bg2="dk2" tx1="dk1" tx2="lt2" folHlink="folHlink" hlink="hlink"/>
+  <p:clrMap bg1="lt1" tx1="dk1" bg2="dk2" tx2="lt2" accent1="accent1" accent2="accent2" accent3="accent3" accent4="accent4" accent5="accent5" accent6="accent6" hlink="hlink" folHlink="folHlink"/>
   <p:notesStyle>
-    <a:defPPr lvl="0" marR="0" rtl="0" algn="l">
+    <a:defPPr marR="0" lvl="0" algn="l" rtl="0">
       <a:lnSpc>
         <a:spcPct val="100000"/>
       </a:lnSpc>
@@ -622,7 +637,7 @@
         <a:spcPts val="0"/>
       </a:spcAft>
     </a:defPPr>
-    <a:lvl1pPr lvl="0" marR="0" rtl="0" algn="l">
+    <a:lvl1pPr marR="0" lvl="0" algn="l" rtl="0">
       <a:lnSpc>
         <a:spcPct val="100000"/>
       </a:lnSpc>
@@ -636,7 +651,7 @@
         <a:srgbClr val="000000"/>
       </a:buClr>
       <a:buFont typeface="Arial"/>
-      <a:defRPr b="0" i="0" sz="1400" u="none" cap="none" strike="noStrike">
+      <a:defRPr sz="1400" b="0" i="0" u="none" strike="noStrike" cap="none">
         <a:solidFill>
           <a:srgbClr val="000000"/>
         </a:solidFill>
@@ -646,7 +661,7 @@
         <a:sym typeface="Arial"/>
       </a:defRPr>
     </a:lvl1pPr>
-    <a:lvl2pPr lvl="1" marR="0" rtl="0" algn="l">
+    <a:lvl2pPr marR="0" lvl="1" algn="l" rtl="0">
       <a:lnSpc>
         <a:spcPct val="100000"/>
       </a:lnSpc>
@@ -660,7 +675,7 @@
         <a:srgbClr val="000000"/>
       </a:buClr>
       <a:buFont typeface="Arial"/>
-      <a:defRPr b="0" i="0" sz="1400" u="none" cap="none" strike="noStrike">
+      <a:defRPr sz="1400" b="0" i="0" u="none" strike="noStrike" cap="none">
         <a:solidFill>
           <a:srgbClr val="000000"/>
         </a:solidFill>
@@ -670,7 +685,7 @@
         <a:sym typeface="Arial"/>
       </a:defRPr>
     </a:lvl2pPr>
-    <a:lvl3pPr lvl="2" marR="0" rtl="0" algn="l">
+    <a:lvl3pPr marR="0" lvl="2" algn="l" rtl="0">
       <a:lnSpc>
         <a:spcPct val="100000"/>
       </a:lnSpc>
@@ -684,7 +699,7 @@
         <a:srgbClr val="000000"/>
       </a:buClr>
       <a:buFont typeface="Arial"/>
-      <a:defRPr b="0" i="0" sz="1400" u="none" cap="none" strike="noStrike">
+      <a:defRPr sz="1400" b="0" i="0" u="none" strike="noStrike" cap="none">
         <a:solidFill>
           <a:srgbClr val="000000"/>
         </a:solidFill>
@@ -694,7 +709,7 @@
         <a:sym typeface="Arial"/>
       </a:defRPr>
     </a:lvl3pPr>
-    <a:lvl4pPr lvl="3" marR="0" rtl="0" algn="l">
+    <a:lvl4pPr marR="0" lvl="3" algn="l" rtl="0">
       <a:lnSpc>
         <a:spcPct val="100000"/>
       </a:lnSpc>
@@ -708,7 +723,7 @@
         <a:srgbClr val="000000"/>
       </a:buClr>
       <a:buFont typeface="Arial"/>
-      <a:defRPr b="0" i="0" sz="1400" u="none" cap="none" strike="noStrike">
+      <a:defRPr sz="1400" b="0" i="0" u="none" strike="noStrike" cap="none">
         <a:solidFill>
           <a:srgbClr val="000000"/>
         </a:solidFill>
@@ -718,7 +733,7 @@
         <a:sym typeface="Arial"/>
       </a:defRPr>
     </a:lvl4pPr>
-    <a:lvl5pPr lvl="4" marR="0" rtl="0" algn="l">
+    <a:lvl5pPr marR="0" lvl="4" algn="l" rtl="0">
       <a:lnSpc>
         <a:spcPct val="100000"/>
       </a:lnSpc>
@@ -732,7 +747,7 @@
         <a:srgbClr val="000000"/>
       </a:buClr>
       <a:buFont typeface="Arial"/>
-      <a:defRPr b="0" i="0" sz="1400" u="none" cap="none" strike="noStrike">
+      <a:defRPr sz="1400" b="0" i="0" u="none" strike="noStrike" cap="none">
         <a:solidFill>
           <a:srgbClr val="000000"/>
         </a:solidFill>
@@ -742,7 +757,7 @@
         <a:sym typeface="Arial"/>
       </a:defRPr>
     </a:lvl5pPr>
-    <a:lvl6pPr lvl="5" marR="0" rtl="0" algn="l">
+    <a:lvl6pPr marR="0" lvl="5" algn="l" rtl="0">
       <a:lnSpc>
         <a:spcPct val="100000"/>
       </a:lnSpc>
@@ -756,7 +771,7 @@
         <a:srgbClr val="000000"/>
       </a:buClr>
       <a:buFont typeface="Arial"/>
-      <a:defRPr b="0" i="0" sz="1400" u="none" cap="none" strike="noStrike">
+      <a:defRPr sz="1400" b="0" i="0" u="none" strike="noStrike" cap="none">
         <a:solidFill>
           <a:srgbClr val="000000"/>
         </a:solidFill>
@@ -766,7 +781,7 @@
         <a:sym typeface="Arial"/>
       </a:defRPr>
     </a:lvl6pPr>
-    <a:lvl7pPr lvl="6" marR="0" rtl="0" algn="l">
+    <a:lvl7pPr marR="0" lvl="6" algn="l" rtl="0">
       <a:lnSpc>
         <a:spcPct val="100000"/>
       </a:lnSpc>
@@ -780,7 +795,7 @@
         <a:srgbClr val="000000"/>
       </a:buClr>
       <a:buFont typeface="Arial"/>
-      <a:defRPr b="0" i="0" sz="1400" u="none" cap="none" strike="noStrike">
+      <a:defRPr sz="1400" b="0" i="0" u="none" strike="noStrike" cap="none">
         <a:solidFill>
           <a:srgbClr val="000000"/>
         </a:solidFill>
@@ -790,7 +805,7 @@
         <a:sym typeface="Arial"/>
       </a:defRPr>
     </a:lvl7pPr>
-    <a:lvl8pPr lvl="7" marR="0" rtl="0" algn="l">
+    <a:lvl8pPr marR="0" lvl="7" algn="l" rtl="0">
       <a:lnSpc>
         <a:spcPct val="100000"/>
       </a:lnSpc>
@@ -804,7 +819,7 @@
         <a:srgbClr val="000000"/>
       </a:buClr>
       <a:buFont typeface="Arial"/>
-      <a:defRPr b="0" i="0" sz="1400" u="none" cap="none" strike="noStrike">
+      <a:defRPr sz="1400" b="0" i="0" u="none" strike="noStrike" cap="none">
         <a:solidFill>
           <a:srgbClr val="000000"/>
         </a:solidFill>
@@ -814,7 +829,7 @@
         <a:sym typeface="Arial"/>
       </a:defRPr>
     </a:lvl8pPr>
-    <a:lvl9pPr lvl="8" marR="0" rtl="0" algn="l">
+    <a:lvl9pPr marR="0" lvl="8" algn="l" rtl="0">
       <a:lnSpc>
         <a:spcPct val="100000"/>
       </a:lnSpc>
@@ -828,7 +843,7 @@
         <a:srgbClr val="000000"/>
       </a:buClr>
       <a:buFont typeface="Arial"/>
-      <a:defRPr b="0" i="0" sz="1400" u="none" cap="none" strike="noStrike">
+      <a:defRPr sz="1400" b="0" i="0" u="none" strike="noStrike" cap="none">
         <a:solidFill>
           <a:srgbClr val="000000"/>
         </a:solidFill>
@@ -843,11 +858,11 @@
 </file>
 
 <file path=ppt/notesSlides/notesSlide1.xml><?xml version="1.0" encoding="utf-8"?>
-<p:notes xmlns:a="http://schemas.openxmlformats.org/drawingml/2006/main" xmlns:r="http://schemas.openxmlformats.org/officeDocument/2006/relationships" xmlns:mc="http://schemas.openxmlformats.org/markup-compatibility/2006" xmlns:mv="urn:schemas-microsoft-com:mac:vml" xmlns:p="http://schemas.openxmlformats.org/presentationml/2006/main" xmlns:c="http://schemas.openxmlformats.org/drawingml/2006/chart" xmlns:dgm="http://schemas.openxmlformats.org/drawingml/2006/diagram" xmlns:o="urn:schemas-microsoft-com:office:office" xmlns:v="urn:schemas-microsoft-com:vml" xmlns:pvml="urn:schemas-microsoft-com:office:powerpoint" xmlns:com="http://schemas.openxmlformats.org/drawingml/2006/compatibility" xmlns:p14="http://schemas.microsoft.com/office/powerpoint/2010/main" xmlns:p15="http://schemas.microsoft.com/office/powerpoint/2012/main" xmlns:ahyp="http://schemas.microsoft.com/office/drawing/2018/hyperlinkcolor" showMasterPhAnim="0" showMasterSp="0">
+<p:notes xmlns:a="http://schemas.openxmlformats.org/drawingml/2006/main" xmlns:r="http://schemas.openxmlformats.org/officeDocument/2006/relationships" xmlns:p="http://schemas.openxmlformats.org/presentationml/2006/main" showMasterSp="0" showMasterPhAnim="0">
   <p:cSld>
     <p:spTree>
       <p:nvGrpSpPr>
-        <p:cNvPr id="55" name="Shape 55"/>
+        <p:cNvPr id="1" name="Shape 55"/>
         <p:cNvGrpSpPr/>
         <p:nvPr/>
       </p:nvGrpSpPr>
@@ -862,20 +877,26 @@
       <p:sp>
         <p:nvSpPr>
           <p:cNvPr id="56" name="Google Shape;56;p1:notes"/>
-          <p:cNvSpPr/>
+          <p:cNvSpPr>
+            <a:spLocks noGrp="1" noRot="1" noChangeAspect="1"/>
+          </p:cNvSpPr>
           <p:nvPr>
-            <p:ph idx="2" type="sldImg"/>
+            <p:ph type="sldImg" idx="2"/>
           </p:nvPr>
         </p:nvSpPr>
         <p:spPr>
           <a:xfrm>
-            <a:off x="381300" y="685800"/>
-            <a:ext cx="6096075" cy="3429000"/>
+            <a:off x="381000" y="685800"/>
+            <a:ext cx="6096000" cy="3429000"/>
           </a:xfrm>
           <a:custGeom>
-            <a:rect b="b" l="l" r="r" t="t"/>
+            <a:avLst/>
+            <a:gdLst/>
+            <a:ahLst/>
+            <a:cxnLst/>
+            <a:rect l="l" t="t" r="r" b="b"/>
             <a:pathLst>
-              <a:path extrusionOk="0" h="120000" w="120000">
+              <a:path w="120000" h="120000" extrusionOk="0">
                 <a:moveTo>
                   <a:pt x="0" y="0"/>
                 </a:moveTo>
@@ -893,23 +914,25 @@
             </a:pathLst>
           </a:custGeom>
           <a:noFill/>
-          <a:ln cap="flat" cmpd="sng" w="9525">
+          <a:ln w="9525" cap="flat" cmpd="sng">
             <a:solidFill>
               <a:srgbClr val="000000"/>
             </a:solidFill>
             <a:prstDash val="solid"/>
             <a:round/>
-            <a:headEnd len="sm" w="sm" type="none"/>
-            <a:tailEnd len="sm" w="sm" type="none"/>
+            <a:headEnd type="none" w="sm" len="sm"/>
+            <a:tailEnd type="none" w="sm" len="sm"/>
           </a:ln>
         </p:spPr>
       </p:sp>
       <p:sp>
         <p:nvSpPr>
           <p:cNvPr id="57" name="Google Shape;57;p1:notes"/>
-          <p:cNvSpPr txBox="1"/>
+          <p:cNvSpPr txBox="1">
+            <a:spLocks noGrp="1"/>
+          </p:cNvSpPr>
           <p:nvPr>
-            <p:ph idx="1" type="body"/>
+            <p:ph type="body" idx="1"/>
           </p:nvPr>
         </p:nvSpPr>
         <p:spPr>
@@ -926,12 +949,12 @@
           </a:ln>
         </p:spPr>
         <p:txBody>
-          <a:bodyPr anchorCtr="0" anchor="t" bIns="91425" lIns="91425" spcFirstLastPara="1" rIns="91425" wrap="square" tIns="91425">
+          <a:bodyPr spcFirstLastPara="1" wrap="square" lIns="91425" tIns="91425" rIns="91425" bIns="91425" anchor="t" anchorCtr="0">
             <a:noAutofit/>
           </a:bodyPr>
           <a:lstStyle/>
           <a:p>
-            <a:pPr indent="0" lvl="0" marL="0" rtl="0" algn="l">
+            <a:pPr marL="0" lvl="0" indent="0" algn="l" rtl="0">
               <a:lnSpc>
                 <a:spcPct val="100000"/>
               </a:lnSpc>
@@ -944,9 +967,6 @@
               <a:buSzPts val="1100"/>
               <a:buNone/>
             </a:pPr>
-            <a:r>
-              <a:t/>
-            </a:r>
             <a:endParaRPr/>
           </a:p>
         </p:txBody>
@@ -960,11 +980,11 @@
 </file>
 
 <file path=ppt/notesSlides/notesSlide10.xml><?xml version="1.0" encoding="utf-8"?>
-<p:notes xmlns:a="http://schemas.openxmlformats.org/drawingml/2006/main" xmlns:r="http://schemas.openxmlformats.org/officeDocument/2006/relationships" xmlns:mc="http://schemas.openxmlformats.org/markup-compatibility/2006" xmlns:mv="urn:schemas-microsoft-com:mac:vml" xmlns:p="http://schemas.openxmlformats.org/presentationml/2006/main" xmlns:c="http://schemas.openxmlformats.org/drawingml/2006/chart" xmlns:dgm="http://schemas.openxmlformats.org/drawingml/2006/diagram" xmlns:o="urn:schemas-microsoft-com:office:office" xmlns:v="urn:schemas-microsoft-com:vml" xmlns:pvml="urn:schemas-microsoft-com:office:powerpoint" xmlns:com="http://schemas.openxmlformats.org/drawingml/2006/compatibility" xmlns:p14="http://schemas.microsoft.com/office/powerpoint/2010/main" xmlns:p15="http://schemas.microsoft.com/office/powerpoint/2012/main" xmlns:ahyp="http://schemas.microsoft.com/office/drawing/2018/hyperlinkcolor" showMasterPhAnim="0" showMasterSp="0">
+<p:notes xmlns:a="http://schemas.openxmlformats.org/drawingml/2006/main" xmlns:r="http://schemas.openxmlformats.org/officeDocument/2006/relationships" xmlns:p="http://schemas.openxmlformats.org/presentationml/2006/main" showMasterSp="0" showMasterPhAnim="0">
   <p:cSld>
     <p:spTree>
       <p:nvGrpSpPr>
-        <p:cNvPr id="111" name="Shape 111"/>
+        <p:cNvPr id="1" name="Shape 111"/>
         <p:cNvGrpSpPr/>
         <p:nvPr/>
       </p:nvGrpSpPr>
@@ -979,9 +999,11 @@
       <p:sp>
         <p:nvSpPr>
           <p:cNvPr id="112" name="Google Shape;112;p14:notes"/>
-          <p:cNvSpPr/>
+          <p:cNvSpPr>
+            <a:spLocks noGrp="1" noRot="1" noChangeAspect="1"/>
+          </p:cNvSpPr>
           <p:nvPr>
-            <p:ph idx="2" type="sldImg"/>
+            <p:ph type="sldImg" idx="2"/>
           </p:nvPr>
         </p:nvSpPr>
         <p:spPr>
@@ -990,9 +1012,13 @@
             <a:ext cx="6096000" cy="3429000"/>
           </a:xfrm>
           <a:custGeom>
-            <a:rect b="b" l="l" r="r" t="t"/>
+            <a:avLst/>
+            <a:gdLst/>
+            <a:ahLst/>
+            <a:cxnLst/>
+            <a:rect l="l" t="t" r="r" b="b"/>
             <a:pathLst>
-              <a:path extrusionOk="0" h="120000" w="120000">
+              <a:path w="120000" h="120000" extrusionOk="0">
                 <a:moveTo>
                   <a:pt x="0" y="0"/>
                 </a:moveTo>
@@ -1010,23 +1036,25 @@
             </a:pathLst>
           </a:custGeom>
           <a:noFill/>
-          <a:ln cap="flat" cmpd="sng" w="9525">
+          <a:ln w="9525" cap="flat" cmpd="sng">
             <a:solidFill>
               <a:srgbClr val="000000"/>
             </a:solidFill>
             <a:prstDash val="solid"/>
             <a:round/>
-            <a:headEnd len="sm" w="sm" type="none"/>
-            <a:tailEnd len="sm" w="sm" type="none"/>
+            <a:headEnd type="none" w="sm" len="sm"/>
+            <a:tailEnd type="none" w="sm" len="sm"/>
           </a:ln>
         </p:spPr>
       </p:sp>
       <p:sp>
         <p:nvSpPr>
           <p:cNvPr id="113" name="Google Shape;113;p14:notes"/>
-          <p:cNvSpPr txBox="1"/>
+          <p:cNvSpPr txBox="1">
+            <a:spLocks noGrp="1"/>
+          </p:cNvSpPr>
           <p:nvPr>
-            <p:ph idx="1" type="body"/>
+            <p:ph type="body" idx="1"/>
           </p:nvPr>
         </p:nvSpPr>
         <p:spPr>
@@ -1043,12 +1071,12 @@
           </a:ln>
         </p:spPr>
         <p:txBody>
-          <a:bodyPr anchorCtr="0" anchor="t" bIns="91425" lIns="91425" spcFirstLastPara="1" rIns="91425" wrap="square" tIns="91425">
+          <a:bodyPr spcFirstLastPara="1" wrap="square" lIns="91425" tIns="91425" rIns="91425" bIns="91425" anchor="t" anchorCtr="0">
             <a:noAutofit/>
           </a:bodyPr>
           <a:lstStyle/>
           <a:p>
-            <a:pPr indent="0" lvl="0" marL="0" rtl="0" algn="l">
+            <a:pPr marL="0" lvl="0" indent="0" algn="l" rtl="0">
               <a:lnSpc>
                 <a:spcPct val="100000"/>
               </a:lnSpc>
@@ -1061,9 +1089,6 @@
               <a:buSzPts val="1100"/>
               <a:buNone/>
             </a:pPr>
-            <a:r>
-              <a:t/>
-            </a:r>
             <a:endParaRPr/>
           </a:p>
         </p:txBody>
@@ -1077,11 +1102,11 @@
 </file>
 
 <file path=ppt/notesSlides/notesSlide11.xml><?xml version="1.0" encoding="utf-8"?>
-<p:notes xmlns:a="http://schemas.openxmlformats.org/drawingml/2006/main" xmlns:r="http://schemas.openxmlformats.org/officeDocument/2006/relationships" xmlns:mc="http://schemas.openxmlformats.org/markup-compatibility/2006" xmlns:mv="urn:schemas-microsoft-com:mac:vml" xmlns:p="http://schemas.openxmlformats.org/presentationml/2006/main" xmlns:c="http://schemas.openxmlformats.org/drawingml/2006/chart" xmlns:dgm="http://schemas.openxmlformats.org/drawingml/2006/diagram" xmlns:o="urn:schemas-microsoft-com:office:office" xmlns:v="urn:schemas-microsoft-com:vml" xmlns:pvml="urn:schemas-microsoft-com:office:powerpoint" xmlns:com="http://schemas.openxmlformats.org/drawingml/2006/compatibility" xmlns:p14="http://schemas.microsoft.com/office/powerpoint/2010/main" xmlns:p15="http://schemas.microsoft.com/office/powerpoint/2012/main" xmlns:ahyp="http://schemas.microsoft.com/office/drawing/2018/hyperlinkcolor" showMasterPhAnim="0" showMasterSp="0">
+<p:notes xmlns:a="http://schemas.openxmlformats.org/drawingml/2006/main" xmlns:r="http://schemas.openxmlformats.org/officeDocument/2006/relationships" xmlns:p="http://schemas.openxmlformats.org/presentationml/2006/main" showMasterSp="0" showMasterPhAnim="0">
   <p:cSld>
     <p:spTree>
       <p:nvGrpSpPr>
-        <p:cNvPr id="118" name="Shape 118"/>
+        <p:cNvPr id="1" name="Shape 118"/>
         <p:cNvGrpSpPr/>
         <p:nvPr/>
       </p:nvGrpSpPr>
@@ -1096,9 +1121,11 @@
       <p:sp>
         <p:nvSpPr>
           <p:cNvPr id="119" name="Google Shape;119;p15:notes"/>
-          <p:cNvSpPr/>
+          <p:cNvSpPr>
+            <a:spLocks noGrp="1" noRot="1" noChangeAspect="1"/>
+          </p:cNvSpPr>
           <p:nvPr>
-            <p:ph idx="2" type="sldImg"/>
+            <p:ph type="sldImg" idx="2"/>
           </p:nvPr>
         </p:nvSpPr>
         <p:spPr>
@@ -1107,9 +1134,13 @@
             <a:ext cx="6096000" cy="3429000"/>
           </a:xfrm>
           <a:custGeom>
-            <a:rect b="b" l="l" r="r" t="t"/>
+            <a:avLst/>
+            <a:gdLst/>
+            <a:ahLst/>
+            <a:cxnLst/>
+            <a:rect l="l" t="t" r="r" b="b"/>
             <a:pathLst>
-              <a:path extrusionOk="0" h="120000" w="120000">
+              <a:path w="120000" h="120000" extrusionOk="0">
                 <a:moveTo>
                   <a:pt x="0" y="0"/>
                 </a:moveTo>
@@ -1127,23 +1158,25 @@
             </a:pathLst>
           </a:custGeom>
           <a:noFill/>
-          <a:ln cap="flat" cmpd="sng" w="9525">
+          <a:ln w="9525" cap="flat" cmpd="sng">
             <a:solidFill>
               <a:srgbClr val="000000"/>
             </a:solidFill>
             <a:prstDash val="solid"/>
             <a:round/>
-            <a:headEnd len="sm" w="sm" type="none"/>
-            <a:tailEnd len="sm" w="sm" type="none"/>
+            <a:headEnd type="none" w="sm" len="sm"/>
+            <a:tailEnd type="none" w="sm" len="sm"/>
           </a:ln>
         </p:spPr>
       </p:sp>
       <p:sp>
         <p:nvSpPr>
           <p:cNvPr id="120" name="Google Shape;120;p15:notes"/>
-          <p:cNvSpPr txBox="1"/>
+          <p:cNvSpPr txBox="1">
+            <a:spLocks noGrp="1"/>
+          </p:cNvSpPr>
           <p:nvPr>
-            <p:ph idx="1" type="body"/>
+            <p:ph type="body" idx="1"/>
           </p:nvPr>
         </p:nvSpPr>
         <p:spPr>
@@ -1160,12 +1193,12 @@
           </a:ln>
         </p:spPr>
         <p:txBody>
-          <a:bodyPr anchorCtr="0" anchor="t" bIns="91425" lIns="91425" spcFirstLastPara="1" rIns="91425" wrap="square" tIns="91425">
+          <a:bodyPr spcFirstLastPara="1" wrap="square" lIns="91425" tIns="91425" rIns="91425" bIns="91425" anchor="t" anchorCtr="0">
             <a:noAutofit/>
           </a:bodyPr>
           <a:lstStyle/>
           <a:p>
-            <a:pPr indent="0" lvl="0" marL="0" rtl="0" algn="l">
+            <a:pPr marL="0" lvl="0" indent="0" algn="l" rtl="0">
               <a:lnSpc>
                 <a:spcPct val="100000"/>
               </a:lnSpc>
@@ -1178,9 +1211,6 @@
               <a:buSzPts val="1100"/>
               <a:buNone/>
             </a:pPr>
-            <a:r>
-              <a:t/>
-            </a:r>
             <a:endParaRPr/>
           </a:p>
         </p:txBody>
@@ -1194,11 +1224,11 @@
 </file>
 
 <file path=ppt/notesSlides/notesSlide12.xml><?xml version="1.0" encoding="utf-8"?>
-<p:notes xmlns:a="http://schemas.openxmlformats.org/drawingml/2006/main" xmlns:r="http://schemas.openxmlformats.org/officeDocument/2006/relationships" xmlns:mc="http://schemas.openxmlformats.org/markup-compatibility/2006" xmlns:mv="urn:schemas-microsoft-com:mac:vml" xmlns:p="http://schemas.openxmlformats.org/presentationml/2006/main" xmlns:c="http://schemas.openxmlformats.org/drawingml/2006/chart" xmlns:dgm="http://schemas.openxmlformats.org/drawingml/2006/diagram" xmlns:o="urn:schemas-microsoft-com:office:office" xmlns:v="urn:schemas-microsoft-com:vml" xmlns:pvml="urn:schemas-microsoft-com:office:powerpoint" xmlns:com="http://schemas.openxmlformats.org/drawingml/2006/compatibility" xmlns:p14="http://schemas.microsoft.com/office/powerpoint/2010/main" xmlns:p15="http://schemas.microsoft.com/office/powerpoint/2012/main" xmlns:ahyp="http://schemas.microsoft.com/office/drawing/2018/hyperlinkcolor" showMasterPhAnim="0" showMasterSp="0">
+<p:notes xmlns:a="http://schemas.openxmlformats.org/drawingml/2006/main" xmlns:r="http://schemas.openxmlformats.org/officeDocument/2006/relationships" xmlns:p="http://schemas.openxmlformats.org/presentationml/2006/main" showMasterSp="0" showMasterPhAnim="0">
   <p:cSld>
     <p:spTree>
       <p:nvGrpSpPr>
-        <p:cNvPr id="125" name="Shape 125"/>
+        <p:cNvPr id="1" name="Shape 125"/>
         <p:cNvGrpSpPr/>
         <p:nvPr/>
       </p:nvGrpSpPr>
@@ -1213,9 +1243,11 @@
       <p:sp>
         <p:nvSpPr>
           <p:cNvPr id="126" name="Google Shape;126;p16:notes"/>
-          <p:cNvSpPr/>
+          <p:cNvSpPr>
+            <a:spLocks noGrp="1" noRot="1" noChangeAspect="1"/>
+          </p:cNvSpPr>
           <p:nvPr>
-            <p:ph idx="2" type="sldImg"/>
+            <p:ph type="sldImg" idx="2"/>
           </p:nvPr>
         </p:nvSpPr>
         <p:spPr>
@@ -1224,9 +1256,13 @@
             <a:ext cx="6096000" cy="3429000"/>
           </a:xfrm>
           <a:custGeom>
-            <a:rect b="b" l="l" r="r" t="t"/>
+            <a:avLst/>
+            <a:gdLst/>
+            <a:ahLst/>
+            <a:cxnLst/>
+            <a:rect l="l" t="t" r="r" b="b"/>
             <a:pathLst>
-              <a:path extrusionOk="0" h="120000" w="120000">
+              <a:path w="120000" h="120000" extrusionOk="0">
                 <a:moveTo>
                   <a:pt x="0" y="0"/>
                 </a:moveTo>
@@ -1244,23 +1280,25 @@
             </a:pathLst>
           </a:custGeom>
           <a:noFill/>
-          <a:ln cap="flat" cmpd="sng" w="9525">
+          <a:ln w="9525" cap="flat" cmpd="sng">
             <a:solidFill>
               <a:srgbClr val="000000"/>
             </a:solidFill>
             <a:prstDash val="solid"/>
             <a:round/>
-            <a:headEnd len="sm" w="sm" type="none"/>
-            <a:tailEnd len="sm" w="sm" type="none"/>
+            <a:headEnd type="none" w="sm" len="sm"/>
+            <a:tailEnd type="none" w="sm" len="sm"/>
           </a:ln>
         </p:spPr>
       </p:sp>
       <p:sp>
         <p:nvSpPr>
           <p:cNvPr id="127" name="Google Shape;127;p16:notes"/>
-          <p:cNvSpPr txBox="1"/>
+          <p:cNvSpPr txBox="1">
+            <a:spLocks noGrp="1"/>
+          </p:cNvSpPr>
           <p:nvPr>
-            <p:ph idx="1" type="body"/>
+            <p:ph type="body" idx="1"/>
           </p:nvPr>
         </p:nvSpPr>
         <p:spPr>
@@ -1277,12 +1315,12 @@
           </a:ln>
         </p:spPr>
         <p:txBody>
-          <a:bodyPr anchorCtr="0" anchor="t" bIns="91425" lIns="91425" spcFirstLastPara="1" rIns="91425" wrap="square" tIns="91425">
+          <a:bodyPr spcFirstLastPara="1" wrap="square" lIns="91425" tIns="91425" rIns="91425" bIns="91425" anchor="t" anchorCtr="0">
             <a:noAutofit/>
           </a:bodyPr>
           <a:lstStyle/>
           <a:p>
-            <a:pPr indent="0" lvl="0" marL="0" rtl="0" algn="l">
+            <a:pPr marL="0" lvl="0" indent="0" algn="l" rtl="0">
               <a:lnSpc>
                 <a:spcPct val="100000"/>
               </a:lnSpc>
@@ -1295,9 +1333,6 @@
               <a:buSzPts val="1100"/>
               <a:buNone/>
             </a:pPr>
-            <a:r>
-              <a:t/>
-            </a:r>
             <a:endParaRPr/>
           </a:p>
         </p:txBody>
@@ -1311,11 +1346,11 @@
 </file>
 
 <file path=ppt/notesSlides/notesSlide13.xml><?xml version="1.0" encoding="utf-8"?>
-<p:notes xmlns:a="http://schemas.openxmlformats.org/drawingml/2006/main" xmlns:r="http://schemas.openxmlformats.org/officeDocument/2006/relationships" xmlns:mc="http://schemas.openxmlformats.org/markup-compatibility/2006" xmlns:mv="urn:schemas-microsoft-com:mac:vml" xmlns:p="http://schemas.openxmlformats.org/presentationml/2006/main" xmlns:c="http://schemas.openxmlformats.org/drawingml/2006/chart" xmlns:dgm="http://schemas.openxmlformats.org/drawingml/2006/diagram" xmlns:o="urn:schemas-microsoft-com:office:office" xmlns:v="urn:schemas-microsoft-com:vml" xmlns:pvml="urn:schemas-microsoft-com:office:powerpoint" xmlns:com="http://schemas.openxmlformats.org/drawingml/2006/compatibility" xmlns:p14="http://schemas.microsoft.com/office/powerpoint/2010/main" xmlns:p15="http://schemas.microsoft.com/office/powerpoint/2012/main" xmlns:ahyp="http://schemas.microsoft.com/office/drawing/2018/hyperlinkcolor" showMasterPhAnim="0" showMasterSp="0">
+<p:notes xmlns:a="http://schemas.openxmlformats.org/drawingml/2006/main" xmlns:r="http://schemas.openxmlformats.org/officeDocument/2006/relationships" xmlns:p="http://schemas.openxmlformats.org/presentationml/2006/main" showMasterSp="0" showMasterPhAnim="0">
   <p:cSld>
     <p:spTree>
       <p:nvGrpSpPr>
-        <p:cNvPr id="131" name="Shape 131"/>
+        <p:cNvPr id="1" name="Shape 131"/>
         <p:cNvGrpSpPr/>
         <p:nvPr/>
       </p:nvGrpSpPr>
@@ -1330,9 +1365,11 @@
       <p:sp>
         <p:nvSpPr>
           <p:cNvPr id="132" name="Google Shape;132;p17:notes"/>
-          <p:cNvSpPr/>
+          <p:cNvSpPr>
+            <a:spLocks noGrp="1" noRot="1" noChangeAspect="1"/>
+          </p:cNvSpPr>
           <p:nvPr>
-            <p:ph idx="2" type="sldImg"/>
+            <p:ph type="sldImg" idx="2"/>
           </p:nvPr>
         </p:nvSpPr>
         <p:spPr>
@@ -1341,9 +1378,13 @@
             <a:ext cx="6096000" cy="3429000"/>
           </a:xfrm>
           <a:custGeom>
-            <a:rect b="b" l="l" r="r" t="t"/>
+            <a:avLst/>
+            <a:gdLst/>
+            <a:ahLst/>
+            <a:cxnLst/>
+            <a:rect l="l" t="t" r="r" b="b"/>
             <a:pathLst>
-              <a:path extrusionOk="0" h="120000" w="120000">
+              <a:path w="120000" h="120000" extrusionOk="0">
                 <a:moveTo>
                   <a:pt x="0" y="0"/>
                 </a:moveTo>
@@ -1361,23 +1402,25 @@
             </a:pathLst>
           </a:custGeom>
           <a:noFill/>
-          <a:ln cap="flat" cmpd="sng" w="9525">
+          <a:ln w="9525" cap="flat" cmpd="sng">
             <a:solidFill>
               <a:srgbClr val="000000"/>
             </a:solidFill>
             <a:prstDash val="solid"/>
             <a:round/>
-            <a:headEnd len="sm" w="sm" type="none"/>
-            <a:tailEnd len="sm" w="sm" type="none"/>
+            <a:headEnd type="none" w="sm" len="sm"/>
+            <a:tailEnd type="none" w="sm" len="sm"/>
           </a:ln>
         </p:spPr>
       </p:sp>
       <p:sp>
         <p:nvSpPr>
           <p:cNvPr id="133" name="Google Shape;133;p17:notes"/>
-          <p:cNvSpPr txBox="1"/>
+          <p:cNvSpPr txBox="1">
+            <a:spLocks noGrp="1"/>
+          </p:cNvSpPr>
           <p:nvPr>
-            <p:ph idx="1" type="body"/>
+            <p:ph type="body" idx="1"/>
           </p:nvPr>
         </p:nvSpPr>
         <p:spPr>
@@ -1394,12 +1437,12 @@
           </a:ln>
         </p:spPr>
         <p:txBody>
-          <a:bodyPr anchorCtr="0" anchor="t" bIns="91425" lIns="91425" spcFirstLastPara="1" rIns="91425" wrap="square" tIns="91425">
+          <a:bodyPr spcFirstLastPara="1" wrap="square" lIns="91425" tIns="91425" rIns="91425" bIns="91425" anchor="t" anchorCtr="0">
             <a:noAutofit/>
           </a:bodyPr>
           <a:lstStyle/>
           <a:p>
-            <a:pPr indent="0" lvl="0" marL="0" rtl="0" algn="l">
+            <a:pPr marL="0" lvl="0" indent="0" algn="l" rtl="0">
               <a:lnSpc>
                 <a:spcPct val="100000"/>
               </a:lnSpc>
@@ -1412,9 +1455,6 @@
               <a:buSzPts val="1100"/>
               <a:buNone/>
             </a:pPr>
-            <a:r>
-              <a:t/>
-            </a:r>
             <a:endParaRPr/>
           </a:p>
         </p:txBody>
@@ -1428,11 +1468,11 @@
 </file>
 
 <file path=ppt/notesSlides/notesSlide2.xml><?xml version="1.0" encoding="utf-8"?>
-<p:notes xmlns:a="http://schemas.openxmlformats.org/drawingml/2006/main" xmlns:r="http://schemas.openxmlformats.org/officeDocument/2006/relationships" xmlns:mc="http://schemas.openxmlformats.org/markup-compatibility/2006" xmlns:mv="urn:schemas-microsoft-com:mac:vml" xmlns:p="http://schemas.openxmlformats.org/presentationml/2006/main" xmlns:c="http://schemas.openxmlformats.org/drawingml/2006/chart" xmlns:dgm="http://schemas.openxmlformats.org/drawingml/2006/diagram" xmlns:o="urn:schemas-microsoft-com:office:office" xmlns:v="urn:schemas-microsoft-com:vml" xmlns:pvml="urn:schemas-microsoft-com:office:powerpoint" xmlns:com="http://schemas.openxmlformats.org/drawingml/2006/compatibility" xmlns:p14="http://schemas.microsoft.com/office/powerpoint/2010/main" xmlns:p15="http://schemas.microsoft.com/office/powerpoint/2012/main" xmlns:ahyp="http://schemas.microsoft.com/office/drawing/2018/hyperlinkcolor" showMasterPhAnim="0" showMasterSp="0">
+<p:notes xmlns:a="http://schemas.openxmlformats.org/drawingml/2006/main" xmlns:r="http://schemas.openxmlformats.org/officeDocument/2006/relationships" xmlns:p="http://schemas.openxmlformats.org/presentationml/2006/main" showMasterSp="0" showMasterPhAnim="0">
   <p:cSld>
     <p:spTree>
       <p:nvGrpSpPr>
-        <p:cNvPr id="61" name="Shape 61"/>
+        <p:cNvPr id="1" name="Shape 61"/>
         <p:cNvGrpSpPr/>
         <p:nvPr/>
       </p:nvGrpSpPr>
@@ -1447,9 +1487,11 @@
       <p:sp>
         <p:nvSpPr>
           <p:cNvPr id="62" name="Google Shape;62;p2:notes"/>
-          <p:cNvSpPr/>
+          <p:cNvSpPr>
+            <a:spLocks noGrp="1" noRot="1" noChangeAspect="1"/>
+          </p:cNvSpPr>
           <p:nvPr>
-            <p:ph idx="2" type="sldImg"/>
+            <p:ph type="sldImg" idx="2"/>
           </p:nvPr>
         </p:nvSpPr>
         <p:spPr>
@@ -1458,9 +1500,13 @@
             <a:ext cx="6096000" cy="3429000"/>
           </a:xfrm>
           <a:custGeom>
-            <a:rect b="b" l="l" r="r" t="t"/>
+            <a:avLst/>
+            <a:gdLst/>
+            <a:ahLst/>
+            <a:cxnLst/>
+            <a:rect l="l" t="t" r="r" b="b"/>
             <a:pathLst>
-              <a:path extrusionOk="0" h="120000" w="120000">
+              <a:path w="120000" h="120000" extrusionOk="0">
                 <a:moveTo>
                   <a:pt x="0" y="0"/>
                 </a:moveTo>
@@ -1478,23 +1524,25 @@
             </a:pathLst>
           </a:custGeom>
           <a:noFill/>
-          <a:ln cap="flat" cmpd="sng" w="9525">
+          <a:ln w="9525" cap="flat" cmpd="sng">
             <a:solidFill>
               <a:srgbClr val="000000"/>
             </a:solidFill>
             <a:prstDash val="solid"/>
             <a:round/>
-            <a:headEnd len="sm" w="sm" type="none"/>
-            <a:tailEnd len="sm" w="sm" type="none"/>
+            <a:headEnd type="none" w="sm" len="sm"/>
+            <a:tailEnd type="none" w="sm" len="sm"/>
           </a:ln>
         </p:spPr>
       </p:sp>
       <p:sp>
         <p:nvSpPr>
           <p:cNvPr id="63" name="Google Shape;63;p2:notes"/>
-          <p:cNvSpPr txBox="1"/>
+          <p:cNvSpPr txBox="1">
+            <a:spLocks noGrp="1"/>
+          </p:cNvSpPr>
           <p:nvPr>
-            <p:ph idx="1" type="body"/>
+            <p:ph type="body" idx="1"/>
           </p:nvPr>
         </p:nvSpPr>
         <p:spPr>
@@ -1511,12 +1559,12 @@
           </a:ln>
         </p:spPr>
         <p:txBody>
-          <a:bodyPr anchorCtr="0" anchor="t" bIns="91425" lIns="91425" spcFirstLastPara="1" rIns="91425" wrap="square" tIns="91425">
+          <a:bodyPr spcFirstLastPara="1" wrap="square" lIns="91425" tIns="91425" rIns="91425" bIns="91425" anchor="t" anchorCtr="0">
             <a:noAutofit/>
           </a:bodyPr>
           <a:lstStyle/>
           <a:p>
-            <a:pPr indent="0" lvl="0" marL="0" rtl="0" algn="l">
+            <a:pPr marL="0" lvl="0" indent="0" algn="l" rtl="0">
               <a:lnSpc>
                 <a:spcPct val="100000"/>
               </a:lnSpc>
@@ -1529,9 +1577,6 @@
               <a:buSzPts val="1100"/>
               <a:buNone/>
             </a:pPr>
-            <a:r>
-              <a:t/>
-            </a:r>
             <a:endParaRPr/>
           </a:p>
         </p:txBody>
@@ -1545,11 +1590,11 @@
 </file>
 
 <file path=ppt/notesSlides/notesSlide3.xml><?xml version="1.0" encoding="utf-8"?>
-<p:notes xmlns:a="http://schemas.openxmlformats.org/drawingml/2006/main" xmlns:r="http://schemas.openxmlformats.org/officeDocument/2006/relationships" xmlns:mc="http://schemas.openxmlformats.org/markup-compatibility/2006" xmlns:mv="urn:schemas-microsoft-com:mac:vml" xmlns:p="http://schemas.openxmlformats.org/presentationml/2006/main" xmlns:c="http://schemas.openxmlformats.org/drawingml/2006/chart" xmlns:dgm="http://schemas.openxmlformats.org/drawingml/2006/diagram" xmlns:o="urn:schemas-microsoft-com:office:office" xmlns:v="urn:schemas-microsoft-com:vml" xmlns:pvml="urn:schemas-microsoft-com:office:powerpoint" xmlns:com="http://schemas.openxmlformats.org/drawingml/2006/compatibility" xmlns:p14="http://schemas.microsoft.com/office/powerpoint/2010/main" xmlns:p15="http://schemas.microsoft.com/office/powerpoint/2012/main" xmlns:ahyp="http://schemas.microsoft.com/office/drawing/2018/hyperlinkcolor" showMasterPhAnim="0" showMasterSp="0">
+<p:notes xmlns:a="http://schemas.openxmlformats.org/drawingml/2006/main" xmlns:r="http://schemas.openxmlformats.org/officeDocument/2006/relationships" xmlns:p="http://schemas.openxmlformats.org/presentationml/2006/main" showMasterSp="0" showMasterPhAnim="0">
   <p:cSld>
     <p:spTree>
       <p:nvGrpSpPr>
-        <p:cNvPr id="67" name="Shape 67"/>
+        <p:cNvPr id="1" name="Shape 67"/>
         <p:cNvGrpSpPr/>
         <p:nvPr/>
       </p:nvGrpSpPr>
@@ -1564,9 +1609,11 @@
       <p:sp>
         <p:nvSpPr>
           <p:cNvPr id="68" name="Google Shape;68;p3:notes"/>
-          <p:cNvSpPr/>
+          <p:cNvSpPr>
+            <a:spLocks noGrp="1" noRot="1" noChangeAspect="1"/>
+          </p:cNvSpPr>
           <p:nvPr>
-            <p:ph idx="2" type="sldImg"/>
+            <p:ph type="sldImg" idx="2"/>
           </p:nvPr>
         </p:nvSpPr>
         <p:spPr>
@@ -1575,9 +1622,13 @@
             <a:ext cx="6096000" cy="3429000"/>
           </a:xfrm>
           <a:custGeom>
-            <a:rect b="b" l="l" r="r" t="t"/>
+            <a:avLst/>
+            <a:gdLst/>
+            <a:ahLst/>
+            <a:cxnLst/>
+            <a:rect l="l" t="t" r="r" b="b"/>
             <a:pathLst>
-              <a:path extrusionOk="0" h="120000" w="120000">
+              <a:path w="120000" h="120000" extrusionOk="0">
                 <a:moveTo>
                   <a:pt x="0" y="0"/>
                 </a:moveTo>
@@ -1595,23 +1646,25 @@
             </a:pathLst>
           </a:custGeom>
           <a:noFill/>
-          <a:ln cap="flat" cmpd="sng" w="9525">
+          <a:ln w="9525" cap="flat" cmpd="sng">
             <a:solidFill>
               <a:srgbClr val="000000"/>
             </a:solidFill>
             <a:prstDash val="solid"/>
             <a:round/>
-            <a:headEnd len="sm" w="sm" type="none"/>
-            <a:tailEnd len="sm" w="sm" type="none"/>
+            <a:headEnd type="none" w="sm" len="sm"/>
+            <a:tailEnd type="none" w="sm" len="sm"/>
           </a:ln>
         </p:spPr>
       </p:sp>
       <p:sp>
         <p:nvSpPr>
           <p:cNvPr id="69" name="Google Shape;69;p3:notes"/>
-          <p:cNvSpPr txBox="1"/>
+          <p:cNvSpPr txBox="1">
+            <a:spLocks noGrp="1"/>
+          </p:cNvSpPr>
           <p:nvPr>
-            <p:ph idx="1" type="body"/>
+            <p:ph type="body" idx="1"/>
           </p:nvPr>
         </p:nvSpPr>
         <p:spPr>
@@ -1628,12 +1681,12 @@
           </a:ln>
         </p:spPr>
         <p:txBody>
-          <a:bodyPr anchorCtr="0" anchor="t" bIns="91425" lIns="91425" spcFirstLastPara="1" rIns="91425" wrap="square" tIns="91425">
+          <a:bodyPr spcFirstLastPara="1" wrap="square" lIns="91425" tIns="91425" rIns="91425" bIns="91425" anchor="t" anchorCtr="0">
             <a:noAutofit/>
           </a:bodyPr>
           <a:lstStyle/>
           <a:p>
-            <a:pPr indent="0" lvl="0" marL="0" rtl="0" algn="l">
+            <a:pPr marL="0" lvl="0" indent="0" algn="l" rtl="0">
               <a:lnSpc>
                 <a:spcPct val="100000"/>
               </a:lnSpc>
@@ -1646,9 +1699,6 @@
               <a:buSzPts val="1100"/>
               <a:buNone/>
             </a:pPr>
-            <a:r>
-              <a:t/>
-            </a:r>
             <a:endParaRPr/>
           </a:p>
         </p:txBody>
@@ -1662,11 +1712,11 @@
 </file>
 
 <file path=ppt/notesSlides/notesSlide4.xml><?xml version="1.0" encoding="utf-8"?>
-<p:notes xmlns:a="http://schemas.openxmlformats.org/drawingml/2006/main" xmlns:r="http://schemas.openxmlformats.org/officeDocument/2006/relationships" xmlns:mc="http://schemas.openxmlformats.org/markup-compatibility/2006" xmlns:mv="urn:schemas-microsoft-com:mac:vml" xmlns:p="http://schemas.openxmlformats.org/presentationml/2006/main" xmlns:c="http://schemas.openxmlformats.org/drawingml/2006/chart" xmlns:dgm="http://schemas.openxmlformats.org/drawingml/2006/diagram" xmlns:o="urn:schemas-microsoft-com:office:office" xmlns:v="urn:schemas-microsoft-com:vml" xmlns:pvml="urn:schemas-microsoft-com:office:powerpoint" xmlns:com="http://schemas.openxmlformats.org/drawingml/2006/compatibility" xmlns:p14="http://schemas.microsoft.com/office/powerpoint/2010/main" xmlns:p15="http://schemas.microsoft.com/office/powerpoint/2012/main" xmlns:ahyp="http://schemas.microsoft.com/office/drawing/2018/hyperlinkcolor" showMasterPhAnim="0" showMasterSp="0">
+<p:notes xmlns:a="http://schemas.openxmlformats.org/drawingml/2006/main" xmlns:r="http://schemas.openxmlformats.org/officeDocument/2006/relationships" xmlns:p="http://schemas.openxmlformats.org/presentationml/2006/main" showMasterSp="0" showMasterPhAnim="0">
   <p:cSld>
     <p:spTree>
       <p:nvGrpSpPr>
-        <p:cNvPr id="73" name="Shape 73"/>
+        <p:cNvPr id="1" name="Shape 73"/>
         <p:cNvGrpSpPr/>
         <p:nvPr/>
       </p:nvGrpSpPr>
@@ -1681,9 +1731,11 @@
       <p:sp>
         <p:nvSpPr>
           <p:cNvPr id="74" name="Google Shape;74;p4:notes"/>
-          <p:cNvSpPr/>
+          <p:cNvSpPr>
+            <a:spLocks noGrp="1" noRot="1" noChangeAspect="1"/>
+          </p:cNvSpPr>
           <p:nvPr>
-            <p:ph idx="2" type="sldImg"/>
+            <p:ph type="sldImg" idx="2"/>
           </p:nvPr>
         </p:nvSpPr>
         <p:spPr>
@@ -1692,9 +1744,13 @@
             <a:ext cx="6096000" cy="3429000"/>
           </a:xfrm>
           <a:custGeom>
-            <a:rect b="b" l="l" r="r" t="t"/>
+            <a:avLst/>
+            <a:gdLst/>
+            <a:ahLst/>
+            <a:cxnLst/>
+            <a:rect l="l" t="t" r="r" b="b"/>
             <a:pathLst>
-              <a:path extrusionOk="0" h="120000" w="120000">
+              <a:path w="120000" h="120000" extrusionOk="0">
                 <a:moveTo>
                   <a:pt x="0" y="0"/>
                 </a:moveTo>
@@ -1712,23 +1768,25 @@
             </a:pathLst>
           </a:custGeom>
           <a:noFill/>
-          <a:ln cap="flat" cmpd="sng" w="9525">
+          <a:ln w="9525" cap="flat" cmpd="sng">
             <a:solidFill>
               <a:srgbClr val="000000"/>
             </a:solidFill>
             <a:prstDash val="solid"/>
             <a:round/>
-            <a:headEnd len="sm" w="sm" type="none"/>
-            <a:tailEnd len="sm" w="sm" type="none"/>
+            <a:headEnd type="none" w="sm" len="sm"/>
+            <a:tailEnd type="none" w="sm" len="sm"/>
           </a:ln>
         </p:spPr>
       </p:sp>
       <p:sp>
         <p:nvSpPr>
           <p:cNvPr id="75" name="Google Shape;75;p4:notes"/>
-          <p:cNvSpPr txBox="1"/>
+          <p:cNvSpPr txBox="1">
+            <a:spLocks noGrp="1"/>
+          </p:cNvSpPr>
           <p:nvPr>
-            <p:ph idx="1" type="body"/>
+            <p:ph type="body" idx="1"/>
           </p:nvPr>
         </p:nvSpPr>
         <p:spPr>
@@ -1745,12 +1803,12 @@
           </a:ln>
         </p:spPr>
         <p:txBody>
-          <a:bodyPr anchorCtr="0" anchor="t" bIns="91425" lIns="91425" spcFirstLastPara="1" rIns="91425" wrap="square" tIns="91425">
+          <a:bodyPr spcFirstLastPara="1" wrap="square" lIns="91425" tIns="91425" rIns="91425" bIns="91425" anchor="t" anchorCtr="0">
             <a:noAutofit/>
           </a:bodyPr>
           <a:lstStyle/>
           <a:p>
-            <a:pPr indent="0" lvl="0" marL="0" rtl="0" algn="l">
+            <a:pPr marL="0" lvl="0" indent="0" algn="l" rtl="0">
               <a:lnSpc>
                 <a:spcPct val="100000"/>
               </a:lnSpc>
@@ -1763,9 +1821,6 @@
               <a:buSzPts val="1100"/>
               <a:buNone/>
             </a:pPr>
-            <a:r>
-              <a:t/>
-            </a:r>
             <a:endParaRPr/>
           </a:p>
         </p:txBody>
@@ -1779,11 +1834,11 @@
 </file>
 
 <file path=ppt/notesSlides/notesSlide5.xml><?xml version="1.0" encoding="utf-8"?>
-<p:notes xmlns:a="http://schemas.openxmlformats.org/drawingml/2006/main" xmlns:r="http://schemas.openxmlformats.org/officeDocument/2006/relationships" xmlns:mc="http://schemas.openxmlformats.org/markup-compatibility/2006" xmlns:mv="urn:schemas-microsoft-com:mac:vml" xmlns:p="http://schemas.openxmlformats.org/presentationml/2006/main" xmlns:c="http://schemas.openxmlformats.org/drawingml/2006/chart" xmlns:dgm="http://schemas.openxmlformats.org/drawingml/2006/diagram" xmlns:o="urn:schemas-microsoft-com:office:office" xmlns:v="urn:schemas-microsoft-com:vml" xmlns:pvml="urn:schemas-microsoft-com:office:powerpoint" xmlns:com="http://schemas.openxmlformats.org/drawingml/2006/compatibility" xmlns:p14="http://schemas.microsoft.com/office/powerpoint/2010/main" xmlns:p15="http://schemas.microsoft.com/office/powerpoint/2012/main" xmlns:ahyp="http://schemas.microsoft.com/office/drawing/2018/hyperlinkcolor" showMasterPhAnim="0" showMasterSp="0">
+<p:notes xmlns:a="http://schemas.openxmlformats.org/drawingml/2006/main" xmlns:r="http://schemas.openxmlformats.org/officeDocument/2006/relationships" xmlns:p="http://schemas.openxmlformats.org/presentationml/2006/main" showMasterSp="0" showMasterPhAnim="0">
   <p:cSld>
     <p:spTree>
       <p:nvGrpSpPr>
-        <p:cNvPr id="79" name="Shape 79"/>
+        <p:cNvPr id="1" name="Shape 79"/>
         <p:cNvGrpSpPr/>
         <p:nvPr/>
       </p:nvGrpSpPr>
@@ -1798,9 +1853,11 @@
       <p:sp>
         <p:nvSpPr>
           <p:cNvPr id="80" name="Google Shape;80;p5:notes"/>
-          <p:cNvSpPr/>
+          <p:cNvSpPr>
+            <a:spLocks noGrp="1" noRot="1" noChangeAspect="1"/>
+          </p:cNvSpPr>
           <p:nvPr>
-            <p:ph idx="2" type="sldImg"/>
+            <p:ph type="sldImg" idx="2"/>
           </p:nvPr>
         </p:nvSpPr>
         <p:spPr>
@@ -1809,9 +1866,13 @@
             <a:ext cx="6096000" cy="3429000"/>
           </a:xfrm>
           <a:custGeom>
-            <a:rect b="b" l="l" r="r" t="t"/>
+            <a:avLst/>
+            <a:gdLst/>
+            <a:ahLst/>
+            <a:cxnLst/>
+            <a:rect l="l" t="t" r="r" b="b"/>
             <a:pathLst>
-              <a:path extrusionOk="0" h="120000" w="120000">
+              <a:path w="120000" h="120000" extrusionOk="0">
                 <a:moveTo>
                   <a:pt x="0" y="0"/>
                 </a:moveTo>
@@ -1829,23 +1890,25 @@
             </a:pathLst>
           </a:custGeom>
           <a:noFill/>
-          <a:ln cap="flat" cmpd="sng" w="9525">
+          <a:ln w="9525" cap="flat" cmpd="sng">
             <a:solidFill>
               <a:srgbClr val="000000"/>
             </a:solidFill>
             <a:prstDash val="solid"/>
             <a:round/>
-            <a:headEnd len="sm" w="sm" type="none"/>
-            <a:tailEnd len="sm" w="sm" type="none"/>
+            <a:headEnd type="none" w="sm" len="sm"/>
+            <a:tailEnd type="none" w="sm" len="sm"/>
           </a:ln>
         </p:spPr>
       </p:sp>
       <p:sp>
         <p:nvSpPr>
           <p:cNvPr id="81" name="Google Shape;81;p5:notes"/>
-          <p:cNvSpPr txBox="1"/>
+          <p:cNvSpPr txBox="1">
+            <a:spLocks noGrp="1"/>
+          </p:cNvSpPr>
           <p:nvPr>
-            <p:ph idx="1" type="body"/>
+            <p:ph type="body" idx="1"/>
           </p:nvPr>
         </p:nvSpPr>
         <p:spPr>
@@ -1862,12 +1925,12 @@
           </a:ln>
         </p:spPr>
         <p:txBody>
-          <a:bodyPr anchorCtr="0" anchor="t" bIns="91425" lIns="91425" spcFirstLastPara="1" rIns="91425" wrap="square" tIns="91425">
+          <a:bodyPr spcFirstLastPara="1" wrap="square" lIns="91425" tIns="91425" rIns="91425" bIns="91425" anchor="t" anchorCtr="0">
             <a:noAutofit/>
           </a:bodyPr>
           <a:lstStyle/>
           <a:p>
-            <a:pPr indent="0" lvl="0" marL="0" rtl="0" algn="l">
+            <a:pPr marL="0" lvl="0" indent="0" algn="l" rtl="0">
               <a:lnSpc>
                 <a:spcPct val="100000"/>
               </a:lnSpc>
@@ -1880,9 +1943,6 @@
               <a:buSzPts val="1100"/>
               <a:buNone/>
             </a:pPr>
-            <a:r>
-              <a:t/>
-            </a:r>
             <a:endParaRPr/>
           </a:p>
         </p:txBody>
@@ -1896,11 +1956,11 @@
 </file>
 
 <file path=ppt/notesSlides/notesSlide6.xml><?xml version="1.0" encoding="utf-8"?>
-<p:notes xmlns:a="http://schemas.openxmlformats.org/drawingml/2006/main" xmlns:r="http://schemas.openxmlformats.org/officeDocument/2006/relationships" xmlns:mc="http://schemas.openxmlformats.org/markup-compatibility/2006" xmlns:mv="urn:schemas-microsoft-com:mac:vml" xmlns:p="http://schemas.openxmlformats.org/presentationml/2006/main" xmlns:c="http://schemas.openxmlformats.org/drawingml/2006/chart" xmlns:dgm="http://schemas.openxmlformats.org/drawingml/2006/diagram" xmlns:o="urn:schemas-microsoft-com:office:office" xmlns:v="urn:schemas-microsoft-com:vml" xmlns:pvml="urn:schemas-microsoft-com:office:powerpoint" xmlns:com="http://schemas.openxmlformats.org/drawingml/2006/compatibility" xmlns:p14="http://schemas.microsoft.com/office/powerpoint/2010/main" xmlns:p15="http://schemas.microsoft.com/office/powerpoint/2012/main" xmlns:ahyp="http://schemas.microsoft.com/office/drawing/2018/hyperlinkcolor" showMasterPhAnim="0" showMasterSp="0">
+<p:notes xmlns:a="http://schemas.openxmlformats.org/drawingml/2006/main" xmlns:r="http://schemas.openxmlformats.org/officeDocument/2006/relationships" xmlns:p="http://schemas.openxmlformats.org/presentationml/2006/main" showMasterSp="0" showMasterPhAnim="0">
   <p:cSld>
     <p:spTree>
       <p:nvGrpSpPr>
-        <p:cNvPr id="85" name="Shape 85"/>
+        <p:cNvPr id="1" name="Shape 85"/>
         <p:cNvGrpSpPr/>
         <p:nvPr/>
       </p:nvGrpSpPr>
@@ -1915,9 +1975,11 @@
       <p:sp>
         <p:nvSpPr>
           <p:cNvPr id="86" name="Google Shape;86;p9:notes"/>
-          <p:cNvSpPr/>
+          <p:cNvSpPr>
+            <a:spLocks noGrp="1" noRot="1" noChangeAspect="1"/>
+          </p:cNvSpPr>
           <p:nvPr>
-            <p:ph idx="2" type="sldImg"/>
+            <p:ph type="sldImg" idx="2"/>
           </p:nvPr>
         </p:nvSpPr>
         <p:spPr>
@@ -1926,9 +1988,13 @@
             <a:ext cx="6096000" cy="3429000"/>
           </a:xfrm>
           <a:custGeom>
-            <a:rect b="b" l="l" r="r" t="t"/>
+            <a:avLst/>
+            <a:gdLst/>
+            <a:ahLst/>
+            <a:cxnLst/>
+            <a:rect l="l" t="t" r="r" b="b"/>
             <a:pathLst>
-              <a:path extrusionOk="0" h="120000" w="120000">
+              <a:path w="120000" h="120000" extrusionOk="0">
                 <a:moveTo>
                   <a:pt x="0" y="0"/>
                 </a:moveTo>
@@ -1946,23 +2012,25 @@
             </a:pathLst>
           </a:custGeom>
           <a:noFill/>
-          <a:ln cap="flat" cmpd="sng" w="9525">
+          <a:ln w="9525" cap="flat" cmpd="sng">
             <a:solidFill>
               <a:srgbClr val="000000"/>
             </a:solidFill>
             <a:prstDash val="solid"/>
             <a:round/>
-            <a:headEnd len="sm" w="sm" type="none"/>
-            <a:tailEnd len="sm" w="sm" type="none"/>
+            <a:headEnd type="none" w="sm" len="sm"/>
+            <a:tailEnd type="none" w="sm" len="sm"/>
           </a:ln>
         </p:spPr>
       </p:sp>
       <p:sp>
         <p:nvSpPr>
           <p:cNvPr id="87" name="Google Shape;87;p9:notes"/>
-          <p:cNvSpPr txBox="1"/>
+          <p:cNvSpPr txBox="1">
+            <a:spLocks noGrp="1"/>
+          </p:cNvSpPr>
           <p:nvPr>
-            <p:ph idx="1" type="body"/>
+            <p:ph type="body" idx="1"/>
           </p:nvPr>
         </p:nvSpPr>
         <p:spPr>
@@ -1979,12 +2047,12 @@
           </a:ln>
         </p:spPr>
         <p:txBody>
-          <a:bodyPr anchorCtr="0" anchor="t" bIns="91425" lIns="91425" spcFirstLastPara="1" rIns="91425" wrap="square" tIns="91425">
+          <a:bodyPr spcFirstLastPara="1" wrap="square" lIns="91425" tIns="91425" rIns="91425" bIns="91425" anchor="t" anchorCtr="0">
             <a:noAutofit/>
           </a:bodyPr>
           <a:lstStyle/>
           <a:p>
-            <a:pPr indent="0" lvl="0" marL="0" rtl="0" algn="l">
+            <a:pPr marL="0" lvl="0" indent="0" algn="l" rtl="0">
               <a:lnSpc>
                 <a:spcPct val="100000"/>
               </a:lnSpc>
@@ -1997,9 +2065,6 @@
               <a:buSzPts val="1100"/>
               <a:buNone/>
             </a:pPr>
-            <a:r>
-              <a:t/>
-            </a:r>
             <a:endParaRPr/>
           </a:p>
         </p:txBody>
@@ -2013,11 +2078,11 @@
 </file>
 
 <file path=ppt/notesSlides/notesSlide7.xml><?xml version="1.0" encoding="utf-8"?>
-<p:notes xmlns:a="http://schemas.openxmlformats.org/drawingml/2006/main" xmlns:r="http://schemas.openxmlformats.org/officeDocument/2006/relationships" xmlns:mc="http://schemas.openxmlformats.org/markup-compatibility/2006" xmlns:mv="urn:schemas-microsoft-com:mac:vml" xmlns:p="http://schemas.openxmlformats.org/presentationml/2006/main" xmlns:c="http://schemas.openxmlformats.org/drawingml/2006/chart" xmlns:dgm="http://schemas.openxmlformats.org/drawingml/2006/diagram" xmlns:o="urn:schemas-microsoft-com:office:office" xmlns:v="urn:schemas-microsoft-com:vml" xmlns:pvml="urn:schemas-microsoft-com:office:powerpoint" xmlns:com="http://schemas.openxmlformats.org/drawingml/2006/compatibility" xmlns:p14="http://schemas.microsoft.com/office/powerpoint/2010/main" xmlns:p15="http://schemas.microsoft.com/office/powerpoint/2012/main" xmlns:ahyp="http://schemas.microsoft.com/office/drawing/2018/hyperlinkcolor" showMasterPhAnim="0" showMasterSp="0">
+<p:notes xmlns:a="http://schemas.openxmlformats.org/drawingml/2006/main" xmlns:r="http://schemas.openxmlformats.org/officeDocument/2006/relationships" xmlns:p="http://schemas.openxmlformats.org/presentationml/2006/main" showMasterSp="0" showMasterPhAnim="0">
   <p:cSld>
     <p:spTree>
       <p:nvGrpSpPr>
-        <p:cNvPr id="91" name="Shape 91"/>
+        <p:cNvPr id="1" name="Shape 91"/>
         <p:cNvGrpSpPr/>
         <p:nvPr/>
       </p:nvGrpSpPr>
@@ -2032,9 +2097,11 @@
       <p:sp>
         <p:nvSpPr>
           <p:cNvPr id="92" name="Google Shape;92;p10:notes"/>
-          <p:cNvSpPr/>
+          <p:cNvSpPr>
+            <a:spLocks noGrp="1" noRot="1" noChangeAspect="1"/>
+          </p:cNvSpPr>
           <p:nvPr>
-            <p:ph idx="2" type="sldImg"/>
+            <p:ph type="sldImg" idx="2"/>
           </p:nvPr>
         </p:nvSpPr>
         <p:spPr>
@@ -2043,9 +2110,13 @@
             <a:ext cx="6096000" cy="3429000"/>
           </a:xfrm>
           <a:custGeom>
-            <a:rect b="b" l="l" r="r" t="t"/>
+            <a:avLst/>
+            <a:gdLst/>
+            <a:ahLst/>
+            <a:cxnLst/>
+            <a:rect l="l" t="t" r="r" b="b"/>
             <a:pathLst>
-              <a:path extrusionOk="0" h="120000" w="120000">
+              <a:path w="120000" h="120000" extrusionOk="0">
                 <a:moveTo>
                   <a:pt x="0" y="0"/>
                 </a:moveTo>
@@ -2063,23 +2134,25 @@
             </a:pathLst>
           </a:custGeom>
           <a:noFill/>
-          <a:ln cap="flat" cmpd="sng" w="9525">
+          <a:ln w="9525" cap="flat" cmpd="sng">
             <a:solidFill>
               <a:srgbClr val="000000"/>
             </a:solidFill>
             <a:prstDash val="solid"/>
             <a:round/>
-            <a:headEnd len="sm" w="sm" type="none"/>
-            <a:tailEnd len="sm" w="sm" type="none"/>
+            <a:headEnd type="none" w="sm" len="sm"/>
+            <a:tailEnd type="none" w="sm" len="sm"/>
           </a:ln>
         </p:spPr>
       </p:sp>
       <p:sp>
         <p:nvSpPr>
           <p:cNvPr id="93" name="Google Shape;93;p10:notes"/>
-          <p:cNvSpPr txBox="1"/>
+          <p:cNvSpPr txBox="1">
+            <a:spLocks noGrp="1"/>
+          </p:cNvSpPr>
           <p:nvPr>
-            <p:ph idx="1" type="body"/>
+            <p:ph type="body" idx="1"/>
           </p:nvPr>
         </p:nvSpPr>
         <p:spPr>
@@ -2096,12 +2169,12 @@
           </a:ln>
         </p:spPr>
         <p:txBody>
-          <a:bodyPr anchorCtr="0" anchor="t" bIns="91425" lIns="91425" spcFirstLastPara="1" rIns="91425" wrap="square" tIns="91425">
+          <a:bodyPr spcFirstLastPara="1" wrap="square" lIns="91425" tIns="91425" rIns="91425" bIns="91425" anchor="t" anchorCtr="0">
             <a:noAutofit/>
           </a:bodyPr>
           <a:lstStyle/>
           <a:p>
-            <a:pPr indent="0" lvl="0" marL="0" rtl="0" algn="l">
+            <a:pPr marL="0" lvl="0" indent="0" algn="l" rtl="0">
               <a:lnSpc>
                 <a:spcPct val="100000"/>
               </a:lnSpc>
@@ -2114,9 +2187,6 @@
               <a:buSzPts val="1100"/>
               <a:buNone/>
             </a:pPr>
-            <a:r>
-              <a:t/>
-            </a:r>
             <a:endParaRPr/>
           </a:p>
         </p:txBody>
@@ -2130,11 +2200,11 @@
 </file>
 
 <file path=ppt/notesSlides/notesSlide8.xml><?xml version="1.0" encoding="utf-8"?>
-<p:notes xmlns:a="http://schemas.openxmlformats.org/drawingml/2006/main" xmlns:r="http://schemas.openxmlformats.org/officeDocument/2006/relationships" xmlns:mc="http://schemas.openxmlformats.org/markup-compatibility/2006" xmlns:mv="urn:schemas-microsoft-com:mac:vml" xmlns:p="http://schemas.openxmlformats.org/presentationml/2006/main" xmlns:c="http://schemas.openxmlformats.org/drawingml/2006/chart" xmlns:dgm="http://schemas.openxmlformats.org/drawingml/2006/diagram" xmlns:o="urn:schemas-microsoft-com:office:office" xmlns:v="urn:schemas-microsoft-com:vml" xmlns:pvml="urn:schemas-microsoft-com:office:powerpoint" xmlns:com="http://schemas.openxmlformats.org/drawingml/2006/compatibility" xmlns:p14="http://schemas.microsoft.com/office/powerpoint/2010/main" xmlns:p15="http://schemas.microsoft.com/office/powerpoint/2012/main" xmlns:ahyp="http://schemas.microsoft.com/office/drawing/2018/hyperlinkcolor" showMasterPhAnim="0" showMasterSp="0">
+<p:notes xmlns:a="http://schemas.openxmlformats.org/drawingml/2006/main" xmlns:r="http://schemas.openxmlformats.org/officeDocument/2006/relationships" xmlns:p="http://schemas.openxmlformats.org/presentationml/2006/main" showMasterSp="0" showMasterPhAnim="0">
   <p:cSld>
     <p:spTree>
       <p:nvGrpSpPr>
-        <p:cNvPr id="98" name="Shape 98"/>
+        <p:cNvPr id="1" name="Shape 98"/>
         <p:cNvGrpSpPr/>
         <p:nvPr/>
       </p:nvGrpSpPr>
@@ -2149,20 +2219,26 @@
       <p:sp>
         <p:nvSpPr>
           <p:cNvPr id="99" name="Google Shape;99;p11:notes"/>
-          <p:cNvSpPr/>
+          <p:cNvSpPr>
+            <a:spLocks noGrp="1" noRot="1" noChangeAspect="1"/>
+          </p:cNvSpPr>
           <p:nvPr>
-            <p:ph idx="2" type="sldImg"/>
+            <p:ph type="sldImg" idx="2"/>
           </p:nvPr>
         </p:nvSpPr>
         <p:spPr>
           <a:xfrm>
-            <a:off x="381300" y="685800"/>
+            <a:off x="381000" y="685800"/>
             <a:ext cx="6096000" cy="3429000"/>
           </a:xfrm>
           <a:custGeom>
-            <a:rect b="b" l="l" r="r" t="t"/>
+            <a:avLst/>
+            <a:gdLst/>
+            <a:ahLst/>
+            <a:cxnLst/>
+            <a:rect l="l" t="t" r="r" b="b"/>
             <a:pathLst>
-              <a:path extrusionOk="0" h="120000" w="120000">
+              <a:path w="120000" h="120000" extrusionOk="0">
                 <a:moveTo>
                   <a:pt x="0" y="0"/>
                 </a:moveTo>
@@ -2180,23 +2256,25 @@
             </a:pathLst>
           </a:custGeom>
           <a:noFill/>
-          <a:ln cap="flat" cmpd="sng" w="9525">
+          <a:ln w="9525" cap="flat" cmpd="sng">
             <a:solidFill>
               <a:srgbClr val="000000"/>
             </a:solidFill>
             <a:prstDash val="solid"/>
             <a:round/>
-            <a:headEnd len="sm" w="sm" type="none"/>
-            <a:tailEnd len="sm" w="sm" type="none"/>
+            <a:headEnd type="none" w="sm" len="sm"/>
+            <a:tailEnd type="none" w="sm" len="sm"/>
           </a:ln>
         </p:spPr>
       </p:sp>
       <p:sp>
         <p:nvSpPr>
           <p:cNvPr id="100" name="Google Shape;100;p11:notes"/>
-          <p:cNvSpPr txBox="1"/>
+          <p:cNvSpPr txBox="1">
+            <a:spLocks noGrp="1"/>
+          </p:cNvSpPr>
           <p:nvPr>
-            <p:ph idx="1" type="body"/>
+            <p:ph type="body" idx="1"/>
           </p:nvPr>
         </p:nvSpPr>
         <p:spPr>
@@ -2213,12 +2291,12 @@
           </a:ln>
         </p:spPr>
         <p:txBody>
-          <a:bodyPr anchorCtr="0" anchor="t" bIns="91425" lIns="91425" spcFirstLastPara="1" rIns="91425" wrap="square" tIns="91425">
+          <a:bodyPr spcFirstLastPara="1" wrap="square" lIns="91425" tIns="91425" rIns="91425" bIns="91425" anchor="t" anchorCtr="0">
             <a:noAutofit/>
           </a:bodyPr>
           <a:lstStyle/>
           <a:p>
-            <a:pPr indent="0" lvl="0" marL="0" rtl="0" algn="l">
+            <a:pPr marL="0" lvl="0" indent="0" algn="l" rtl="0">
               <a:lnSpc>
                 <a:spcPct val="100000"/>
               </a:lnSpc>
@@ -2231,9 +2309,6 @@
               <a:buSzPts val="1100"/>
               <a:buNone/>
             </a:pPr>
-            <a:r>
-              <a:t/>
-            </a:r>
             <a:endParaRPr/>
           </a:p>
         </p:txBody>
@@ -2247,11 +2322,11 @@
 </file>
 
 <file path=ppt/notesSlides/notesSlide9.xml><?xml version="1.0" encoding="utf-8"?>
-<p:notes xmlns:a="http://schemas.openxmlformats.org/drawingml/2006/main" xmlns:r="http://schemas.openxmlformats.org/officeDocument/2006/relationships" xmlns:mc="http://schemas.openxmlformats.org/markup-compatibility/2006" xmlns:mv="urn:schemas-microsoft-com:mac:vml" xmlns:p="http://schemas.openxmlformats.org/presentationml/2006/main" xmlns:c="http://schemas.openxmlformats.org/drawingml/2006/chart" xmlns:dgm="http://schemas.openxmlformats.org/drawingml/2006/diagram" xmlns:o="urn:schemas-microsoft-com:office:office" xmlns:v="urn:schemas-microsoft-com:vml" xmlns:pvml="urn:schemas-microsoft-com:office:powerpoint" xmlns:com="http://schemas.openxmlformats.org/drawingml/2006/compatibility" xmlns:p14="http://schemas.microsoft.com/office/powerpoint/2010/main" xmlns:p15="http://schemas.microsoft.com/office/powerpoint/2012/main" xmlns:ahyp="http://schemas.microsoft.com/office/drawing/2018/hyperlinkcolor" showMasterPhAnim="0" showMasterSp="0">
+<p:notes xmlns:a="http://schemas.openxmlformats.org/drawingml/2006/main" xmlns:r="http://schemas.openxmlformats.org/officeDocument/2006/relationships" xmlns:p="http://schemas.openxmlformats.org/presentationml/2006/main" showMasterSp="0" showMasterPhAnim="0">
   <p:cSld>
     <p:spTree>
       <p:nvGrpSpPr>
-        <p:cNvPr id="104" name="Shape 104"/>
+        <p:cNvPr id="1" name="Shape 104"/>
         <p:cNvGrpSpPr/>
         <p:nvPr/>
       </p:nvGrpSpPr>
@@ -2266,9 +2341,11 @@
       <p:sp>
         <p:nvSpPr>
           <p:cNvPr id="105" name="Google Shape;105;p13:notes"/>
-          <p:cNvSpPr/>
+          <p:cNvSpPr>
+            <a:spLocks noGrp="1" noRot="1" noChangeAspect="1"/>
+          </p:cNvSpPr>
           <p:nvPr>
-            <p:ph idx="2" type="sldImg"/>
+            <p:ph type="sldImg" idx="2"/>
           </p:nvPr>
         </p:nvSpPr>
         <p:spPr>
@@ -2277,9 +2354,13 @@
             <a:ext cx="6096000" cy="3429000"/>
           </a:xfrm>
           <a:custGeom>
-            <a:rect b="b" l="l" r="r" t="t"/>
+            <a:avLst/>
+            <a:gdLst/>
+            <a:ahLst/>
+            <a:cxnLst/>
+            <a:rect l="l" t="t" r="r" b="b"/>
             <a:pathLst>
-              <a:path extrusionOk="0" h="120000" w="120000">
+              <a:path w="120000" h="120000" extrusionOk="0">
                 <a:moveTo>
                   <a:pt x="0" y="0"/>
                 </a:moveTo>
@@ -2297,23 +2378,25 @@
             </a:pathLst>
           </a:custGeom>
           <a:noFill/>
-          <a:ln cap="flat" cmpd="sng" w="9525">
+          <a:ln w="9525" cap="flat" cmpd="sng">
             <a:solidFill>
               <a:srgbClr val="000000"/>
             </a:solidFill>
             <a:prstDash val="solid"/>
             <a:round/>
-            <a:headEnd len="sm" w="sm" type="none"/>
-            <a:tailEnd len="sm" w="sm" type="none"/>
+            <a:headEnd type="none" w="sm" len="sm"/>
+            <a:tailEnd type="none" w="sm" len="sm"/>
           </a:ln>
         </p:spPr>
       </p:sp>
       <p:sp>
         <p:nvSpPr>
           <p:cNvPr id="106" name="Google Shape;106;p13:notes"/>
-          <p:cNvSpPr txBox="1"/>
+          <p:cNvSpPr txBox="1">
+            <a:spLocks noGrp="1"/>
+          </p:cNvSpPr>
           <p:nvPr>
-            <p:ph idx="1" type="body"/>
+            <p:ph type="body" idx="1"/>
           </p:nvPr>
         </p:nvSpPr>
         <p:spPr>
@@ -2330,12 +2413,12 @@
           </a:ln>
         </p:spPr>
         <p:txBody>
-          <a:bodyPr anchorCtr="0" anchor="t" bIns="91425" lIns="91425" spcFirstLastPara="1" rIns="91425" wrap="square" tIns="91425">
+          <a:bodyPr spcFirstLastPara="1" wrap="square" lIns="91425" tIns="91425" rIns="91425" bIns="91425" anchor="t" anchorCtr="0">
             <a:noAutofit/>
           </a:bodyPr>
           <a:lstStyle/>
           <a:p>
-            <a:pPr indent="0" lvl="0" marL="0" rtl="0" algn="l">
+            <a:pPr marL="0" lvl="0" indent="0" algn="l" rtl="0">
               <a:lnSpc>
                 <a:spcPct val="100000"/>
               </a:lnSpc>
@@ -2348,9 +2431,6 @@
               <a:buSzPts val="1100"/>
               <a:buNone/>
             </a:pPr>
-            <a:r>
-              <a:t/>
-            </a:r>
             <a:endParaRPr/>
           </a:p>
         </p:txBody>
@@ -2364,18 +2444,19 @@
 </file>
 
 <file path=ppt/slideLayouts/slideLayout1.xml><?xml version="1.0" encoding="utf-8"?>
-<p:sldLayout xmlns:a="http://schemas.openxmlformats.org/drawingml/2006/main" xmlns:r="http://schemas.openxmlformats.org/officeDocument/2006/relationships" xmlns:mc="http://schemas.openxmlformats.org/markup-compatibility/2006" xmlns:mv="urn:schemas-microsoft-com:mac:vml" xmlns:p="http://schemas.openxmlformats.org/presentationml/2006/main" xmlns:c="http://schemas.openxmlformats.org/drawingml/2006/chart" xmlns:dgm="http://schemas.openxmlformats.org/drawingml/2006/diagram" xmlns:o="urn:schemas-microsoft-com:office:office" xmlns:v="urn:schemas-microsoft-com:vml" xmlns:pvml="urn:schemas-microsoft-com:office:powerpoint" xmlns:com="http://schemas.openxmlformats.org/drawingml/2006/compatibility" xmlns:p14="http://schemas.microsoft.com/office/powerpoint/2010/main" xmlns:p15="http://schemas.microsoft.com/office/powerpoint/2012/main" xmlns:ahyp="http://schemas.microsoft.com/office/drawing/2018/hyperlinkcolor" matchingName="Title slide" type="title">
+<p:sldLayout xmlns:a="http://schemas.openxmlformats.org/drawingml/2006/main" xmlns:r="http://schemas.openxmlformats.org/officeDocument/2006/relationships" xmlns:p="http://schemas.openxmlformats.org/presentationml/2006/main" matchingName="Title slide" type="title">
   <p:cSld name="TITLE">
     <p:bg>
       <p:bgPr>
         <a:solidFill>
           <a:schemeClr val="dk1"/>
         </a:solidFill>
+        <a:effectLst/>
       </p:bgPr>
     </p:bg>
     <p:spTree>
       <p:nvGrpSpPr>
-        <p:cNvPr id="9" name="Shape 9"/>
+        <p:cNvPr id="1" name="Shape 9"/>
         <p:cNvGrpSpPr/>
         <p:nvPr/>
       </p:nvGrpSpPr>
@@ -2402,21 +2483,23 @@
             <a:avLst/>
           </a:prstGeom>
           <a:noFill/>
-          <a:ln cap="flat" cmpd="sng" w="19050">
+          <a:ln w="19050" cap="flat" cmpd="sng">
             <a:solidFill>
               <a:schemeClr val="lt2"/>
             </a:solidFill>
             <a:prstDash val="solid"/>
             <a:round/>
-            <a:headEnd len="sm" w="sm" type="none"/>
-            <a:tailEnd len="sm" w="sm" type="none"/>
+            <a:headEnd type="none" w="sm" len="sm"/>
+            <a:tailEnd type="none" w="sm" len="sm"/>
           </a:ln>
         </p:spPr>
       </p:cxnSp>
       <p:sp>
         <p:nvSpPr>
           <p:cNvPr id="11" name="Google Shape;11;p2"/>
-          <p:cNvSpPr txBox="1"/>
+          <p:cNvSpPr txBox="1">
+            <a:spLocks noGrp="1"/>
+          </p:cNvSpPr>
           <p:nvPr>
             <p:ph type="ctrTitle"/>
           </p:nvPr>
@@ -2435,7 +2518,7 @@
           </a:ln>
         </p:spPr>
         <p:txBody>
-          <a:bodyPr anchorCtr="0" anchor="b" bIns="91425" lIns="91425" spcFirstLastPara="1" rIns="91425" wrap="square" tIns="91425">
+          <a:bodyPr spcFirstLastPara="1" wrap="square" lIns="91425" tIns="91425" rIns="91425" bIns="91425" anchor="b" anchorCtr="0">
             <a:noAutofit/>
           </a:bodyPr>
           <a:lstStyle>
@@ -2629,15 +2712,19 @@
               </a:defRPr>
             </a:lvl9pPr>
           </a:lstStyle>
-          <a:p/>
+          <a:p>
+            <a:endParaRPr/>
+          </a:p>
         </p:txBody>
       </p:sp>
       <p:sp>
         <p:nvSpPr>
           <p:cNvPr id="12" name="Google Shape;12;p2"/>
-          <p:cNvSpPr txBox="1"/>
+          <p:cNvSpPr txBox="1">
+            <a:spLocks noGrp="1"/>
+          </p:cNvSpPr>
           <p:nvPr>
-            <p:ph idx="1" type="subTitle"/>
+            <p:ph type="subTitle" idx="1"/>
           </p:nvPr>
         </p:nvSpPr>
         <p:spPr>
@@ -2654,7 +2741,7 @@
           </a:ln>
         </p:spPr>
         <p:txBody>
-          <a:bodyPr anchorCtr="0" anchor="t" bIns="91425" lIns="91425" spcFirstLastPara="1" rIns="91425" wrap="square" tIns="91425">
+          <a:bodyPr spcFirstLastPara="1" wrap="square" lIns="91425" tIns="91425" rIns="91425" bIns="91425" anchor="t" anchorCtr="0">
             <a:noAutofit/>
           </a:bodyPr>
           <a:lstStyle>
@@ -2848,15 +2935,19 @@
               </a:defRPr>
             </a:lvl9pPr>
           </a:lstStyle>
-          <a:p/>
+          <a:p>
+            <a:endParaRPr/>
+          </a:p>
         </p:txBody>
       </p:sp>
       <p:sp>
         <p:nvSpPr>
           <p:cNvPr id="13" name="Google Shape;13;p2"/>
-          <p:cNvSpPr txBox="1"/>
+          <p:cNvSpPr txBox="1">
+            <a:spLocks noGrp="1"/>
+          </p:cNvSpPr>
           <p:nvPr>
-            <p:ph idx="12" type="sldNum"/>
+            <p:ph type="sldNum" idx="12"/>
           </p:nvPr>
         </p:nvSpPr>
         <p:spPr>
@@ -2873,11 +2964,11 @@
           </a:ln>
         </p:spPr>
         <p:txBody>
-          <a:bodyPr anchorCtr="0" anchor="ctr" bIns="91425" lIns="91425" spcFirstLastPara="1" rIns="91425" wrap="square" tIns="91425">
+          <a:bodyPr spcFirstLastPara="1" wrap="square" lIns="91425" tIns="91425" rIns="91425" bIns="91425" anchor="ctr" anchorCtr="0">
             <a:noAutofit/>
           </a:bodyPr>
           <a:lstStyle>
-            <a:lvl1pPr indent="0" lvl="0" marL="0" marR="0" algn="r">
+            <a:lvl1pPr marL="0" marR="0" lvl="0" indent="0" algn="r">
               <a:lnSpc>
                 <a:spcPct val="100000"/>
               </a:lnSpc>
@@ -2893,7 +2984,7 @@
               <a:buSzPts val="1000"/>
               <a:buFont typeface="Arial"/>
               <a:buNone/>
-              <a:defRPr b="0" i="0" sz="1000" u="none" cap="none" strike="noStrike">
+              <a:defRPr sz="1000" b="0" i="0" u="none" strike="noStrike" cap="none">
                 <a:solidFill>
                   <a:schemeClr val="lt1"/>
                 </a:solidFill>
@@ -2903,7 +2994,7 @@
                 <a:sym typeface="Proxima Nova"/>
               </a:defRPr>
             </a:lvl1pPr>
-            <a:lvl2pPr indent="0" lvl="1" marL="0" marR="0" algn="r">
+            <a:lvl2pPr marL="0" marR="0" lvl="1" indent="0" algn="r">
               <a:lnSpc>
                 <a:spcPct val="100000"/>
               </a:lnSpc>
@@ -2919,7 +3010,7 @@
               <a:buSzPts val="1000"/>
               <a:buFont typeface="Arial"/>
               <a:buNone/>
-              <a:defRPr b="0" i="0" sz="1000" u="none" cap="none" strike="noStrike">
+              <a:defRPr sz="1000" b="0" i="0" u="none" strike="noStrike" cap="none">
                 <a:solidFill>
                   <a:schemeClr val="lt1"/>
                 </a:solidFill>
@@ -2929,7 +3020,7 @@
                 <a:sym typeface="Proxima Nova"/>
               </a:defRPr>
             </a:lvl2pPr>
-            <a:lvl3pPr indent="0" lvl="2" marL="0" marR="0" algn="r">
+            <a:lvl3pPr marL="0" marR="0" lvl="2" indent="0" algn="r">
               <a:lnSpc>
                 <a:spcPct val="100000"/>
               </a:lnSpc>
@@ -2945,7 +3036,7 @@
               <a:buSzPts val="1000"/>
               <a:buFont typeface="Arial"/>
               <a:buNone/>
-              <a:defRPr b="0" i="0" sz="1000" u="none" cap="none" strike="noStrike">
+              <a:defRPr sz="1000" b="0" i="0" u="none" strike="noStrike" cap="none">
                 <a:solidFill>
                   <a:schemeClr val="lt1"/>
                 </a:solidFill>
@@ -2955,7 +3046,7 @@
                 <a:sym typeface="Proxima Nova"/>
               </a:defRPr>
             </a:lvl3pPr>
-            <a:lvl4pPr indent="0" lvl="3" marL="0" marR="0" algn="r">
+            <a:lvl4pPr marL="0" marR="0" lvl="3" indent="0" algn="r">
               <a:lnSpc>
                 <a:spcPct val="100000"/>
               </a:lnSpc>
@@ -2971,7 +3062,7 @@
               <a:buSzPts val="1000"/>
               <a:buFont typeface="Arial"/>
               <a:buNone/>
-              <a:defRPr b="0" i="0" sz="1000" u="none" cap="none" strike="noStrike">
+              <a:defRPr sz="1000" b="0" i="0" u="none" strike="noStrike" cap="none">
                 <a:solidFill>
                   <a:schemeClr val="lt1"/>
                 </a:solidFill>
@@ -2981,7 +3072,7 @@
                 <a:sym typeface="Proxima Nova"/>
               </a:defRPr>
             </a:lvl4pPr>
-            <a:lvl5pPr indent="0" lvl="4" marL="0" marR="0" algn="r">
+            <a:lvl5pPr marL="0" marR="0" lvl="4" indent="0" algn="r">
               <a:lnSpc>
                 <a:spcPct val="100000"/>
               </a:lnSpc>
@@ -2997,7 +3088,7 @@
               <a:buSzPts val="1000"/>
               <a:buFont typeface="Arial"/>
               <a:buNone/>
-              <a:defRPr b="0" i="0" sz="1000" u="none" cap="none" strike="noStrike">
+              <a:defRPr sz="1000" b="0" i="0" u="none" strike="noStrike" cap="none">
                 <a:solidFill>
                   <a:schemeClr val="lt1"/>
                 </a:solidFill>
@@ -3007,7 +3098,7 @@
                 <a:sym typeface="Proxima Nova"/>
               </a:defRPr>
             </a:lvl5pPr>
-            <a:lvl6pPr indent="0" lvl="5" marL="0" marR="0" algn="r">
+            <a:lvl6pPr marL="0" marR="0" lvl="5" indent="0" algn="r">
               <a:lnSpc>
                 <a:spcPct val="100000"/>
               </a:lnSpc>
@@ -3023,7 +3114,7 @@
               <a:buSzPts val="1000"/>
               <a:buFont typeface="Arial"/>
               <a:buNone/>
-              <a:defRPr b="0" i="0" sz="1000" u="none" cap="none" strike="noStrike">
+              <a:defRPr sz="1000" b="0" i="0" u="none" strike="noStrike" cap="none">
                 <a:solidFill>
                   <a:schemeClr val="lt1"/>
                 </a:solidFill>
@@ -3033,7 +3124,7 @@
                 <a:sym typeface="Proxima Nova"/>
               </a:defRPr>
             </a:lvl6pPr>
-            <a:lvl7pPr indent="0" lvl="6" marL="0" marR="0" algn="r">
+            <a:lvl7pPr marL="0" marR="0" lvl="6" indent="0" algn="r">
               <a:lnSpc>
                 <a:spcPct val="100000"/>
               </a:lnSpc>
@@ -3049,7 +3140,7 @@
               <a:buSzPts val="1000"/>
               <a:buFont typeface="Arial"/>
               <a:buNone/>
-              <a:defRPr b="0" i="0" sz="1000" u="none" cap="none" strike="noStrike">
+              <a:defRPr sz="1000" b="0" i="0" u="none" strike="noStrike" cap="none">
                 <a:solidFill>
                   <a:schemeClr val="lt1"/>
                 </a:solidFill>
@@ -3059,7 +3150,7 @@
                 <a:sym typeface="Proxima Nova"/>
               </a:defRPr>
             </a:lvl7pPr>
-            <a:lvl8pPr indent="0" lvl="7" marL="0" marR="0" algn="r">
+            <a:lvl8pPr marL="0" marR="0" lvl="7" indent="0" algn="r">
               <a:lnSpc>
                 <a:spcPct val="100000"/>
               </a:lnSpc>
@@ -3075,7 +3166,7 @@
               <a:buSzPts val="1000"/>
               <a:buFont typeface="Arial"/>
               <a:buNone/>
-              <a:defRPr b="0" i="0" sz="1000" u="none" cap="none" strike="noStrike">
+              <a:defRPr sz="1000" b="0" i="0" u="none" strike="noStrike" cap="none">
                 <a:solidFill>
                   <a:schemeClr val="lt1"/>
                 </a:solidFill>
@@ -3085,7 +3176,7 @@
                 <a:sym typeface="Proxima Nova"/>
               </a:defRPr>
             </a:lvl8pPr>
-            <a:lvl9pPr indent="0" lvl="8" marL="0" marR="0" algn="r">
+            <a:lvl9pPr marL="0" marR="0" lvl="8" indent="0" algn="r">
               <a:lnSpc>
                 <a:spcPct val="100000"/>
               </a:lnSpc>
@@ -3101,7 +3192,7 @@
               <a:buSzPts val="1000"/>
               <a:buFont typeface="Arial"/>
               <a:buNone/>
-              <a:defRPr b="0" i="0" sz="1000" u="none" cap="none" strike="noStrike">
+              <a:defRPr sz="1000" b="0" i="0" u="none" strike="noStrike" cap="none">
                 <a:solidFill>
                   <a:schemeClr val="lt1"/>
                 </a:solidFill>
@@ -3113,7 +3204,7 @@
             </a:lvl9pPr>
           </a:lstStyle>
           <a:p>
-            <a:pPr indent="0" lvl="0" marL="0" rtl="0" algn="r">
+            <a:pPr marL="0" lvl="0" indent="0" algn="r" rtl="0">
               <a:spcBef>
                 <a:spcPts val="0"/>
               </a:spcBef>
@@ -3139,11 +3230,11 @@
 </file>
 
 <file path=ppt/slideLayouts/slideLayout10.xml><?xml version="1.0" encoding="utf-8"?>
-<p:sldLayout xmlns:a="http://schemas.openxmlformats.org/drawingml/2006/main" xmlns:r="http://schemas.openxmlformats.org/officeDocument/2006/relationships" xmlns:mc="http://schemas.openxmlformats.org/markup-compatibility/2006" xmlns:mv="urn:schemas-microsoft-com:mac:vml" xmlns:p="http://schemas.openxmlformats.org/presentationml/2006/main" xmlns:c="http://schemas.openxmlformats.org/drawingml/2006/chart" xmlns:dgm="http://schemas.openxmlformats.org/drawingml/2006/diagram" xmlns:o="urn:schemas-microsoft-com:office:office" xmlns:v="urn:schemas-microsoft-com:vml" xmlns:pvml="urn:schemas-microsoft-com:office:powerpoint" xmlns:com="http://schemas.openxmlformats.org/drawingml/2006/compatibility" xmlns:p14="http://schemas.microsoft.com/office/powerpoint/2010/main" xmlns:p15="http://schemas.microsoft.com/office/powerpoint/2012/main" xmlns:ahyp="http://schemas.microsoft.com/office/drawing/2018/hyperlinkcolor" matchingName="Big number">
+<p:sldLayout xmlns:a="http://schemas.openxmlformats.org/drawingml/2006/main" xmlns:r="http://schemas.openxmlformats.org/officeDocument/2006/relationships" xmlns:p="http://schemas.openxmlformats.org/presentationml/2006/main" matchingName="Big number">
   <p:cSld name="BIG_NUMBER">
     <p:spTree>
       <p:nvGrpSpPr>
-        <p:cNvPr id="48" name="Shape 48"/>
+        <p:cNvPr id="1" name="Shape 48"/>
         <p:cNvGrpSpPr/>
         <p:nvPr/>
       </p:nvGrpSpPr>
@@ -3177,12 +3268,12 @@
           </a:ln>
         </p:spPr>
         <p:txBody>
-          <a:bodyPr anchorCtr="0" anchor="ctr" bIns="91425" lIns="91425" spcFirstLastPara="1" rIns="91425" wrap="square" tIns="91425">
+          <a:bodyPr spcFirstLastPara="1" wrap="square" lIns="91425" tIns="91425" rIns="91425" bIns="91425" anchor="ctr" anchorCtr="0">
             <a:noAutofit/>
           </a:bodyPr>
           <a:lstStyle/>
           <a:p>
-            <a:pPr indent="0" lvl="0" marL="0" marR="0" rtl="0" algn="l">
+            <a:pPr marL="0" marR="0" lvl="0" indent="0" algn="l" rtl="0">
               <a:lnSpc>
                 <a:spcPct val="100000"/>
               </a:lnSpc>
@@ -3199,10 +3290,7 @@
               <a:buFont typeface="Arial"/>
               <a:buNone/>
             </a:pPr>
-            <a:r>
-              <a:t/>
-            </a:r>
-            <a:endParaRPr b="0" i="0" sz="1400" u="none" cap="none" strike="noStrike">
+            <a:endParaRPr sz="1400" b="0" i="0" u="none" strike="noStrike" cap="none">
               <a:solidFill>
                 <a:srgbClr val="000000"/>
               </a:solidFill>
@@ -3217,9 +3305,11 @@
       <p:sp>
         <p:nvSpPr>
           <p:cNvPr id="50" name="Google Shape;50;p11"/>
-          <p:cNvSpPr txBox="1"/>
+          <p:cNvSpPr txBox="1">
+            <a:spLocks noGrp="1"/>
+          </p:cNvSpPr>
           <p:nvPr>
-            <p:ph hasCustomPrompt="1" type="title"/>
+            <p:ph type="title" hasCustomPrompt="1"/>
           </p:nvPr>
         </p:nvSpPr>
         <p:spPr>
@@ -3236,7 +3326,7 @@
           </a:ln>
         </p:spPr>
         <p:txBody>
-          <a:bodyPr anchorCtr="0" anchor="ctr" bIns="91425" lIns="91425" spcFirstLastPara="1" rIns="91425" wrap="square" tIns="91425">
+          <a:bodyPr spcFirstLastPara="1" wrap="square" lIns="91425" tIns="91425" rIns="91425" bIns="91425" anchor="ctr" anchorCtr="0">
             <a:noAutofit/>
           </a:bodyPr>
           <a:lstStyle>
@@ -3252,7 +3342,7 @@
               </a:spcAft>
               <a:buSzPts val="14000"/>
               <a:buNone/>
-              <a:defRPr b="1" sz="14000"/>
+              <a:defRPr sz="14000" b="1"/>
             </a:lvl1pPr>
             <a:lvl2pPr lvl="1" algn="ctr">
               <a:lnSpc>
@@ -3266,7 +3356,7 @@
               </a:spcAft>
               <a:buSzPts val="14000"/>
               <a:buNone/>
-              <a:defRPr b="1" sz="14000"/>
+              <a:defRPr sz="14000" b="1"/>
             </a:lvl2pPr>
             <a:lvl3pPr lvl="2" algn="ctr">
               <a:lnSpc>
@@ -3280,7 +3370,7 @@
               </a:spcAft>
               <a:buSzPts val="14000"/>
               <a:buNone/>
-              <a:defRPr b="1" sz="14000"/>
+              <a:defRPr sz="14000" b="1"/>
             </a:lvl3pPr>
             <a:lvl4pPr lvl="3" algn="ctr">
               <a:lnSpc>
@@ -3294,7 +3384,7 @@
               </a:spcAft>
               <a:buSzPts val="14000"/>
               <a:buNone/>
-              <a:defRPr b="1" sz="14000"/>
+              <a:defRPr sz="14000" b="1"/>
             </a:lvl4pPr>
             <a:lvl5pPr lvl="4" algn="ctr">
               <a:lnSpc>
@@ -3308,7 +3398,7 @@
               </a:spcAft>
               <a:buSzPts val="14000"/>
               <a:buNone/>
-              <a:defRPr b="1" sz="14000"/>
+              <a:defRPr sz="14000" b="1"/>
             </a:lvl5pPr>
             <a:lvl6pPr lvl="5" algn="ctr">
               <a:lnSpc>
@@ -3322,7 +3412,7 @@
               </a:spcAft>
               <a:buSzPts val="14000"/>
               <a:buNone/>
-              <a:defRPr b="1" sz="14000"/>
+              <a:defRPr sz="14000" b="1"/>
             </a:lvl6pPr>
             <a:lvl7pPr lvl="6" algn="ctr">
               <a:lnSpc>
@@ -3336,7 +3426,7 @@
               </a:spcAft>
               <a:buSzPts val="14000"/>
               <a:buNone/>
-              <a:defRPr b="1" sz="14000"/>
+              <a:defRPr sz="14000" b="1"/>
             </a:lvl7pPr>
             <a:lvl8pPr lvl="7" algn="ctr">
               <a:lnSpc>
@@ -3350,7 +3440,7 @@
               </a:spcAft>
               <a:buSzPts val="14000"/>
               <a:buNone/>
-              <a:defRPr b="1" sz="14000"/>
+              <a:defRPr sz="14000" b="1"/>
             </a:lvl8pPr>
             <a:lvl9pPr lvl="8" algn="ctr">
               <a:lnSpc>
@@ -3364,7 +3454,7 @@
               </a:spcAft>
               <a:buSzPts val="14000"/>
               <a:buNone/>
-              <a:defRPr b="1" sz="14000"/>
+              <a:defRPr sz="14000" b="1"/>
             </a:lvl9pPr>
           </a:lstStyle>
           <a:p>
@@ -3377,9 +3467,11 @@
       <p:sp>
         <p:nvSpPr>
           <p:cNvPr id="51" name="Google Shape;51;p11"/>
-          <p:cNvSpPr txBox="1"/>
+          <p:cNvSpPr txBox="1">
+            <a:spLocks noGrp="1"/>
+          </p:cNvSpPr>
           <p:nvPr>
-            <p:ph idx="1" type="body"/>
+            <p:ph type="body" idx="1"/>
           </p:nvPr>
         </p:nvSpPr>
         <p:spPr>
@@ -3396,11 +3488,11 @@
           </a:ln>
         </p:spPr>
         <p:txBody>
-          <a:bodyPr anchorCtr="0" anchor="t" bIns="91425" lIns="91425" spcFirstLastPara="1" rIns="91425" wrap="square" tIns="91425">
+          <a:bodyPr spcFirstLastPara="1" wrap="square" lIns="91425" tIns="91425" rIns="91425" bIns="91425" anchor="t" anchorCtr="0">
             <a:noAutofit/>
           </a:bodyPr>
           <a:lstStyle>
-            <a:lvl1pPr indent="-342900" lvl="0" marL="457200" algn="ctr">
+            <a:lvl1pPr marL="457200" lvl="0" indent="-342900" algn="ctr">
               <a:lnSpc>
                 <a:spcPct val="115000"/>
               </a:lnSpc>
@@ -3414,7 +3506,7 @@
               <a:buChar char="●"/>
               <a:defRPr/>
             </a:lvl1pPr>
-            <a:lvl2pPr indent="-317500" lvl="1" marL="914400" algn="ctr">
+            <a:lvl2pPr marL="914400" lvl="1" indent="-317500" algn="ctr">
               <a:lnSpc>
                 <a:spcPct val="115000"/>
               </a:lnSpc>
@@ -3428,7 +3520,7 @@
               <a:buChar char="○"/>
               <a:defRPr/>
             </a:lvl2pPr>
-            <a:lvl3pPr indent="-317500" lvl="2" marL="1371600" algn="ctr">
+            <a:lvl3pPr marL="1371600" lvl="2" indent="-317500" algn="ctr">
               <a:lnSpc>
                 <a:spcPct val="115000"/>
               </a:lnSpc>
@@ -3442,7 +3534,7 @@
               <a:buChar char="■"/>
               <a:defRPr/>
             </a:lvl3pPr>
-            <a:lvl4pPr indent="-317500" lvl="3" marL="1828800" algn="ctr">
+            <a:lvl4pPr marL="1828800" lvl="3" indent="-317500" algn="ctr">
               <a:lnSpc>
                 <a:spcPct val="115000"/>
               </a:lnSpc>
@@ -3456,7 +3548,7 @@
               <a:buChar char="●"/>
               <a:defRPr/>
             </a:lvl4pPr>
-            <a:lvl5pPr indent="-317500" lvl="4" marL="2286000" algn="ctr">
+            <a:lvl5pPr marL="2286000" lvl="4" indent="-317500" algn="ctr">
               <a:lnSpc>
                 <a:spcPct val="115000"/>
               </a:lnSpc>
@@ -3470,7 +3562,7 @@
               <a:buChar char="○"/>
               <a:defRPr/>
             </a:lvl5pPr>
-            <a:lvl6pPr indent="-317500" lvl="5" marL="2743200" algn="ctr">
+            <a:lvl6pPr marL="2743200" lvl="5" indent="-317500" algn="ctr">
               <a:lnSpc>
                 <a:spcPct val="115000"/>
               </a:lnSpc>
@@ -3484,7 +3576,7 @@
               <a:buChar char="■"/>
               <a:defRPr/>
             </a:lvl6pPr>
-            <a:lvl7pPr indent="-317500" lvl="6" marL="3200400" algn="ctr">
+            <a:lvl7pPr marL="3200400" lvl="6" indent="-317500" algn="ctr">
               <a:lnSpc>
                 <a:spcPct val="115000"/>
               </a:lnSpc>
@@ -3498,7 +3590,7 @@
               <a:buChar char="●"/>
               <a:defRPr/>
             </a:lvl7pPr>
-            <a:lvl8pPr indent="-317500" lvl="7" marL="3657600" algn="ctr">
+            <a:lvl8pPr marL="3657600" lvl="7" indent="-317500" algn="ctr">
               <a:lnSpc>
                 <a:spcPct val="115000"/>
               </a:lnSpc>
@@ -3512,7 +3604,7 @@
               <a:buChar char="○"/>
               <a:defRPr/>
             </a:lvl8pPr>
-            <a:lvl9pPr indent="-317500" lvl="8" marL="4114800" algn="ctr">
+            <a:lvl9pPr marL="4114800" lvl="8" indent="-317500" algn="ctr">
               <a:lnSpc>
                 <a:spcPct val="115000"/>
               </a:lnSpc>
@@ -3527,15 +3619,19 @@
               <a:defRPr/>
             </a:lvl9pPr>
           </a:lstStyle>
-          <a:p/>
+          <a:p>
+            <a:endParaRPr/>
+          </a:p>
         </p:txBody>
       </p:sp>
       <p:sp>
         <p:nvSpPr>
           <p:cNvPr id="52" name="Google Shape;52;p11"/>
-          <p:cNvSpPr txBox="1"/>
+          <p:cNvSpPr txBox="1">
+            <a:spLocks noGrp="1"/>
+          </p:cNvSpPr>
           <p:nvPr>
-            <p:ph idx="12" type="sldNum"/>
+            <p:ph type="sldNum" idx="12"/>
           </p:nvPr>
         </p:nvSpPr>
         <p:spPr>
@@ -3552,11 +3648,11 @@
           </a:ln>
         </p:spPr>
         <p:txBody>
-          <a:bodyPr anchorCtr="0" anchor="ctr" bIns="91425" lIns="91425" spcFirstLastPara="1" rIns="91425" wrap="square" tIns="91425">
+          <a:bodyPr spcFirstLastPara="1" wrap="square" lIns="91425" tIns="91425" rIns="91425" bIns="91425" anchor="ctr" anchorCtr="0">
             <a:noAutofit/>
           </a:bodyPr>
           <a:lstStyle>
-            <a:lvl1pPr indent="0" lvl="0" marL="0" marR="0" algn="r">
+            <a:lvl1pPr marL="0" marR="0" lvl="0" indent="0" algn="r">
               <a:lnSpc>
                 <a:spcPct val="100000"/>
               </a:lnSpc>
@@ -3572,7 +3668,7 @@
               <a:buSzPts val="1000"/>
               <a:buFont typeface="Arial"/>
               <a:buNone/>
-              <a:defRPr b="0" i="0" sz="1000" u="none" cap="none" strike="noStrike">
+              <a:defRPr sz="1000" b="0" i="0" u="none" strike="noStrike" cap="none">
                 <a:solidFill>
                   <a:schemeClr val="dk1"/>
                 </a:solidFill>
@@ -3582,7 +3678,7 @@
                 <a:sym typeface="Proxima Nova"/>
               </a:defRPr>
             </a:lvl1pPr>
-            <a:lvl2pPr indent="0" lvl="1" marL="0" marR="0" algn="r">
+            <a:lvl2pPr marL="0" marR="0" lvl="1" indent="0" algn="r">
               <a:lnSpc>
                 <a:spcPct val="100000"/>
               </a:lnSpc>
@@ -3598,7 +3694,7 @@
               <a:buSzPts val="1000"/>
               <a:buFont typeface="Arial"/>
               <a:buNone/>
-              <a:defRPr b="0" i="0" sz="1000" u="none" cap="none" strike="noStrike">
+              <a:defRPr sz="1000" b="0" i="0" u="none" strike="noStrike" cap="none">
                 <a:solidFill>
                   <a:schemeClr val="dk1"/>
                 </a:solidFill>
@@ -3608,7 +3704,7 @@
                 <a:sym typeface="Proxima Nova"/>
               </a:defRPr>
             </a:lvl2pPr>
-            <a:lvl3pPr indent="0" lvl="2" marL="0" marR="0" algn="r">
+            <a:lvl3pPr marL="0" marR="0" lvl="2" indent="0" algn="r">
               <a:lnSpc>
                 <a:spcPct val="100000"/>
               </a:lnSpc>
@@ -3624,7 +3720,7 @@
               <a:buSzPts val="1000"/>
               <a:buFont typeface="Arial"/>
               <a:buNone/>
-              <a:defRPr b="0" i="0" sz="1000" u="none" cap="none" strike="noStrike">
+              <a:defRPr sz="1000" b="0" i="0" u="none" strike="noStrike" cap="none">
                 <a:solidFill>
                   <a:schemeClr val="dk1"/>
                 </a:solidFill>
@@ -3634,7 +3730,7 @@
                 <a:sym typeface="Proxima Nova"/>
               </a:defRPr>
             </a:lvl3pPr>
-            <a:lvl4pPr indent="0" lvl="3" marL="0" marR="0" algn="r">
+            <a:lvl4pPr marL="0" marR="0" lvl="3" indent="0" algn="r">
               <a:lnSpc>
                 <a:spcPct val="100000"/>
               </a:lnSpc>
@@ -3650,7 +3746,7 @@
               <a:buSzPts val="1000"/>
               <a:buFont typeface="Arial"/>
               <a:buNone/>
-              <a:defRPr b="0" i="0" sz="1000" u="none" cap="none" strike="noStrike">
+              <a:defRPr sz="1000" b="0" i="0" u="none" strike="noStrike" cap="none">
                 <a:solidFill>
                   <a:schemeClr val="dk1"/>
                 </a:solidFill>
@@ -3660,7 +3756,7 @@
                 <a:sym typeface="Proxima Nova"/>
               </a:defRPr>
             </a:lvl4pPr>
-            <a:lvl5pPr indent="0" lvl="4" marL="0" marR="0" algn="r">
+            <a:lvl5pPr marL="0" marR="0" lvl="4" indent="0" algn="r">
               <a:lnSpc>
                 <a:spcPct val="100000"/>
               </a:lnSpc>
@@ -3676,7 +3772,7 @@
               <a:buSzPts val="1000"/>
               <a:buFont typeface="Arial"/>
               <a:buNone/>
-              <a:defRPr b="0" i="0" sz="1000" u="none" cap="none" strike="noStrike">
+              <a:defRPr sz="1000" b="0" i="0" u="none" strike="noStrike" cap="none">
                 <a:solidFill>
                   <a:schemeClr val="dk1"/>
                 </a:solidFill>
@@ -3686,7 +3782,7 @@
                 <a:sym typeface="Proxima Nova"/>
               </a:defRPr>
             </a:lvl5pPr>
-            <a:lvl6pPr indent="0" lvl="5" marL="0" marR="0" algn="r">
+            <a:lvl6pPr marL="0" marR="0" lvl="5" indent="0" algn="r">
               <a:lnSpc>
                 <a:spcPct val="100000"/>
               </a:lnSpc>
@@ -3702,7 +3798,7 @@
               <a:buSzPts val="1000"/>
               <a:buFont typeface="Arial"/>
               <a:buNone/>
-              <a:defRPr b="0" i="0" sz="1000" u="none" cap="none" strike="noStrike">
+              <a:defRPr sz="1000" b="0" i="0" u="none" strike="noStrike" cap="none">
                 <a:solidFill>
                   <a:schemeClr val="dk1"/>
                 </a:solidFill>
@@ -3712,7 +3808,7 @@
                 <a:sym typeface="Proxima Nova"/>
               </a:defRPr>
             </a:lvl6pPr>
-            <a:lvl7pPr indent="0" lvl="6" marL="0" marR="0" algn="r">
+            <a:lvl7pPr marL="0" marR="0" lvl="6" indent="0" algn="r">
               <a:lnSpc>
                 <a:spcPct val="100000"/>
               </a:lnSpc>
@@ -3728,7 +3824,7 @@
               <a:buSzPts val="1000"/>
               <a:buFont typeface="Arial"/>
               <a:buNone/>
-              <a:defRPr b="0" i="0" sz="1000" u="none" cap="none" strike="noStrike">
+              <a:defRPr sz="1000" b="0" i="0" u="none" strike="noStrike" cap="none">
                 <a:solidFill>
                   <a:schemeClr val="dk1"/>
                 </a:solidFill>
@@ -3738,7 +3834,7 @@
                 <a:sym typeface="Proxima Nova"/>
               </a:defRPr>
             </a:lvl7pPr>
-            <a:lvl8pPr indent="0" lvl="7" marL="0" marR="0" algn="r">
+            <a:lvl8pPr marL="0" marR="0" lvl="7" indent="0" algn="r">
               <a:lnSpc>
                 <a:spcPct val="100000"/>
               </a:lnSpc>
@@ -3754,7 +3850,7 @@
               <a:buSzPts val="1000"/>
               <a:buFont typeface="Arial"/>
               <a:buNone/>
-              <a:defRPr b="0" i="0" sz="1000" u="none" cap="none" strike="noStrike">
+              <a:defRPr sz="1000" b="0" i="0" u="none" strike="noStrike" cap="none">
                 <a:solidFill>
                   <a:schemeClr val="dk1"/>
                 </a:solidFill>
@@ -3764,7 +3860,7 @@
                 <a:sym typeface="Proxima Nova"/>
               </a:defRPr>
             </a:lvl8pPr>
-            <a:lvl9pPr indent="0" lvl="8" marL="0" marR="0" algn="r">
+            <a:lvl9pPr marL="0" marR="0" lvl="8" indent="0" algn="r">
               <a:lnSpc>
                 <a:spcPct val="100000"/>
               </a:lnSpc>
@@ -3780,7 +3876,7 @@
               <a:buSzPts val="1000"/>
               <a:buFont typeface="Arial"/>
               <a:buNone/>
-              <a:defRPr b="0" i="0" sz="1000" u="none" cap="none" strike="noStrike">
+              <a:defRPr sz="1000" b="0" i="0" u="none" strike="noStrike" cap="none">
                 <a:solidFill>
                   <a:schemeClr val="dk1"/>
                 </a:solidFill>
@@ -3792,7 +3888,7 @@
             </a:lvl9pPr>
           </a:lstStyle>
           <a:p>
-            <a:pPr indent="0" lvl="0" marL="0" rtl="0" algn="r">
+            <a:pPr marL="0" lvl="0" indent="0" algn="r" rtl="0">
               <a:spcBef>
                 <a:spcPts val="0"/>
               </a:spcBef>
@@ -3818,11 +3914,11 @@
 </file>
 
 <file path=ppt/slideLayouts/slideLayout11.xml><?xml version="1.0" encoding="utf-8"?>
-<p:sldLayout xmlns:a="http://schemas.openxmlformats.org/drawingml/2006/main" xmlns:r="http://schemas.openxmlformats.org/officeDocument/2006/relationships" xmlns:mc="http://schemas.openxmlformats.org/markup-compatibility/2006" xmlns:mv="urn:schemas-microsoft-com:mac:vml" xmlns:p="http://schemas.openxmlformats.org/presentationml/2006/main" xmlns:c="http://schemas.openxmlformats.org/drawingml/2006/chart" xmlns:dgm="http://schemas.openxmlformats.org/drawingml/2006/diagram" xmlns:o="urn:schemas-microsoft-com:office:office" xmlns:v="urn:schemas-microsoft-com:vml" xmlns:pvml="urn:schemas-microsoft-com:office:powerpoint" xmlns:com="http://schemas.openxmlformats.org/drawingml/2006/compatibility" xmlns:p14="http://schemas.microsoft.com/office/powerpoint/2010/main" xmlns:p15="http://schemas.microsoft.com/office/powerpoint/2012/main" xmlns:ahyp="http://schemas.microsoft.com/office/drawing/2018/hyperlinkcolor" matchingName="Blank" type="blank">
+<p:sldLayout xmlns:a="http://schemas.openxmlformats.org/drawingml/2006/main" xmlns:r="http://schemas.openxmlformats.org/officeDocument/2006/relationships" xmlns:p="http://schemas.openxmlformats.org/presentationml/2006/main" matchingName="Blank" type="blank">
   <p:cSld name="BLANK">
     <p:spTree>
       <p:nvGrpSpPr>
-        <p:cNvPr id="53" name="Shape 53"/>
+        <p:cNvPr id="1" name="Shape 53"/>
         <p:cNvGrpSpPr/>
         <p:nvPr/>
       </p:nvGrpSpPr>
@@ -3837,9 +3933,11 @@
       <p:sp>
         <p:nvSpPr>
           <p:cNvPr id="54" name="Google Shape;54;p12"/>
-          <p:cNvSpPr txBox="1"/>
+          <p:cNvSpPr txBox="1">
+            <a:spLocks noGrp="1"/>
+          </p:cNvSpPr>
           <p:nvPr>
-            <p:ph idx="12" type="sldNum"/>
+            <p:ph type="sldNum" idx="12"/>
           </p:nvPr>
         </p:nvSpPr>
         <p:spPr>
@@ -3856,11 +3954,11 @@
           </a:ln>
         </p:spPr>
         <p:txBody>
-          <a:bodyPr anchorCtr="0" anchor="ctr" bIns="91425" lIns="91425" spcFirstLastPara="1" rIns="91425" wrap="square" tIns="91425">
+          <a:bodyPr spcFirstLastPara="1" wrap="square" lIns="91425" tIns="91425" rIns="91425" bIns="91425" anchor="ctr" anchorCtr="0">
             <a:noAutofit/>
           </a:bodyPr>
           <a:lstStyle>
-            <a:lvl1pPr indent="0" lvl="0" marL="0" marR="0" algn="r">
+            <a:lvl1pPr marL="0" marR="0" lvl="0" indent="0" algn="r">
               <a:lnSpc>
                 <a:spcPct val="100000"/>
               </a:lnSpc>
@@ -3876,7 +3974,7 @@
               <a:buSzPts val="1000"/>
               <a:buFont typeface="Arial"/>
               <a:buNone/>
-              <a:defRPr b="0" i="0" sz="1000" u="none" cap="none" strike="noStrike">
+              <a:defRPr sz="1000" b="0" i="0" u="none" strike="noStrike" cap="none">
                 <a:solidFill>
                   <a:schemeClr val="dk1"/>
                 </a:solidFill>
@@ -3886,7 +3984,7 @@
                 <a:sym typeface="Proxima Nova"/>
               </a:defRPr>
             </a:lvl1pPr>
-            <a:lvl2pPr indent="0" lvl="1" marL="0" marR="0" algn="r">
+            <a:lvl2pPr marL="0" marR="0" lvl="1" indent="0" algn="r">
               <a:lnSpc>
                 <a:spcPct val="100000"/>
               </a:lnSpc>
@@ -3902,7 +4000,7 @@
               <a:buSzPts val="1000"/>
               <a:buFont typeface="Arial"/>
               <a:buNone/>
-              <a:defRPr b="0" i="0" sz="1000" u="none" cap="none" strike="noStrike">
+              <a:defRPr sz="1000" b="0" i="0" u="none" strike="noStrike" cap="none">
                 <a:solidFill>
                   <a:schemeClr val="dk1"/>
                 </a:solidFill>
@@ -3912,7 +4010,7 @@
                 <a:sym typeface="Proxima Nova"/>
               </a:defRPr>
             </a:lvl2pPr>
-            <a:lvl3pPr indent="0" lvl="2" marL="0" marR="0" algn="r">
+            <a:lvl3pPr marL="0" marR="0" lvl="2" indent="0" algn="r">
               <a:lnSpc>
                 <a:spcPct val="100000"/>
               </a:lnSpc>
@@ -3928,7 +4026,7 @@
               <a:buSzPts val="1000"/>
               <a:buFont typeface="Arial"/>
               <a:buNone/>
-              <a:defRPr b="0" i="0" sz="1000" u="none" cap="none" strike="noStrike">
+              <a:defRPr sz="1000" b="0" i="0" u="none" strike="noStrike" cap="none">
                 <a:solidFill>
                   <a:schemeClr val="dk1"/>
                 </a:solidFill>
@@ -3938,7 +4036,7 @@
                 <a:sym typeface="Proxima Nova"/>
               </a:defRPr>
             </a:lvl3pPr>
-            <a:lvl4pPr indent="0" lvl="3" marL="0" marR="0" algn="r">
+            <a:lvl4pPr marL="0" marR="0" lvl="3" indent="0" algn="r">
               <a:lnSpc>
                 <a:spcPct val="100000"/>
               </a:lnSpc>
@@ -3954,7 +4052,7 @@
               <a:buSzPts val="1000"/>
               <a:buFont typeface="Arial"/>
               <a:buNone/>
-              <a:defRPr b="0" i="0" sz="1000" u="none" cap="none" strike="noStrike">
+              <a:defRPr sz="1000" b="0" i="0" u="none" strike="noStrike" cap="none">
                 <a:solidFill>
                   <a:schemeClr val="dk1"/>
                 </a:solidFill>
@@ -3964,7 +4062,7 @@
                 <a:sym typeface="Proxima Nova"/>
               </a:defRPr>
             </a:lvl4pPr>
-            <a:lvl5pPr indent="0" lvl="4" marL="0" marR="0" algn="r">
+            <a:lvl5pPr marL="0" marR="0" lvl="4" indent="0" algn="r">
               <a:lnSpc>
                 <a:spcPct val="100000"/>
               </a:lnSpc>
@@ -3980,7 +4078,7 @@
               <a:buSzPts val="1000"/>
               <a:buFont typeface="Arial"/>
               <a:buNone/>
-              <a:defRPr b="0" i="0" sz="1000" u="none" cap="none" strike="noStrike">
+              <a:defRPr sz="1000" b="0" i="0" u="none" strike="noStrike" cap="none">
                 <a:solidFill>
                   <a:schemeClr val="dk1"/>
                 </a:solidFill>
@@ -3990,7 +4088,7 @@
                 <a:sym typeface="Proxima Nova"/>
               </a:defRPr>
             </a:lvl5pPr>
-            <a:lvl6pPr indent="0" lvl="5" marL="0" marR="0" algn="r">
+            <a:lvl6pPr marL="0" marR="0" lvl="5" indent="0" algn="r">
               <a:lnSpc>
                 <a:spcPct val="100000"/>
               </a:lnSpc>
@@ -4006,7 +4104,7 @@
               <a:buSzPts val="1000"/>
               <a:buFont typeface="Arial"/>
               <a:buNone/>
-              <a:defRPr b="0" i="0" sz="1000" u="none" cap="none" strike="noStrike">
+              <a:defRPr sz="1000" b="0" i="0" u="none" strike="noStrike" cap="none">
                 <a:solidFill>
                   <a:schemeClr val="dk1"/>
                 </a:solidFill>
@@ -4016,7 +4114,7 @@
                 <a:sym typeface="Proxima Nova"/>
               </a:defRPr>
             </a:lvl6pPr>
-            <a:lvl7pPr indent="0" lvl="6" marL="0" marR="0" algn="r">
+            <a:lvl7pPr marL="0" marR="0" lvl="6" indent="0" algn="r">
               <a:lnSpc>
                 <a:spcPct val="100000"/>
               </a:lnSpc>
@@ -4032,7 +4130,7 @@
               <a:buSzPts val="1000"/>
               <a:buFont typeface="Arial"/>
               <a:buNone/>
-              <a:defRPr b="0" i="0" sz="1000" u="none" cap="none" strike="noStrike">
+              <a:defRPr sz="1000" b="0" i="0" u="none" strike="noStrike" cap="none">
                 <a:solidFill>
                   <a:schemeClr val="dk1"/>
                 </a:solidFill>
@@ -4042,7 +4140,7 @@
                 <a:sym typeface="Proxima Nova"/>
               </a:defRPr>
             </a:lvl7pPr>
-            <a:lvl8pPr indent="0" lvl="7" marL="0" marR="0" algn="r">
+            <a:lvl8pPr marL="0" marR="0" lvl="7" indent="0" algn="r">
               <a:lnSpc>
                 <a:spcPct val="100000"/>
               </a:lnSpc>
@@ -4058,7 +4156,7 @@
               <a:buSzPts val="1000"/>
               <a:buFont typeface="Arial"/>
               <a:buNone/>
-              <a:defRPr b="0" i="0" sz="1000" u="none" cap="none" strike="noStrike">
+              <a:defRPr sz="1000" b="0" i="0" u="none" strike="noStrike" cap="none">
                 <a:solidFill>
                   <a:schemeClr val="dk1"/>
                 </a:solidFill>
@@ -4068,7 +4166,7 @@
                 <a:sym typeface="Proxima Nova"/>
               </a:defRPr>
             </a:lvl8pPr>
-            <a:lvl9pPr indent="0" lvl="8" marL="0" marR="0" algn="r">
+            <a:lvl9pPr marL="0" marR="0" lvl="8" indent="0" algn="r">
               <a:lnSpc>
                 <a:spcPct val="100000"/>
               </a:lnSpc>
@@ -4084,7 +4182,7 @@
               <a:buSzPts val="1000"/>
               <a:buFont typeface="Arial"/>
               <a:buNone/>
-              <a:defRPr b="0" i="0" sz="1000" u="none" cap="none" strike="noStrike">
+              <a:defRPr sz="1000" b="0" i="0" u="none" strike="noStrike" cap="none">
                 <a:solidFill>
                   <a:schemeClr val="dk1"/>
                 </a:solidFill>
@@ -4096,7 +4194,7 @@
             </a:lvl9pPr>
           </a:lstStyle>
           <a:p>
-            <a:pPr indent="0" lvl="0" marL="0" rtl="0" algn="r">
+            <a:pPr marL="0" lvl="0" indent="0" algn="r" rtl="0">
               <a:spcBef>
                 <a:spcPts val="0"/>
               </a:spcBef>
@@ -4122,11 +4220,11 @@
 </file>
 
 <file path=ppt/slideLayouts/slideLayout2.xml><?xml version="1.0" encoding="utf-8"?>
-<p:sldLayout xmlns:a="http://schemas.openxmlformats.org/drawingml/2006/main" xmlns:r="http://schemas.openxmlformats.org/officeDocument/2006/relationships" xmlns:mc="http://schemas.openxmlformats.org/markup-compatibility/2006" xmlns:mv="urn:schemas-microsoft-com:mac:vml" xmlns:p="http://schemas.openxmlformats.org/presentationml/2006/main" xmlns:c="http://schemas.openxmlformats.org/drawingml/2006/chart" xmlns:dgm="http://schemas.openxmlformats.org/drawingml/2006/diagram" xmlns:o="urn:schemas-microsoft-com:office:office" xmlns:v="urn:schemas-microsoft-com:vml" xmlns:pvml="urn:schemas-microsoft-com:office:powerpoint" xmlns:com="http://schemas.openxmlformats.org/drawingml/2006/compatibility" xmlns:p14="http://schemas.microsoft.com/office/powerpoint/2010/main" xmlns:p15="http://schemas.microsoft.com/office/powerpoint/2012/main" xmlns:ahyp="http://schemas.microsoft.com/office/drawing/2018/hyperlinkcolor" matchingName="Title and body" type="tx">
+<p:sldLayout xmlns:a="http://schemas.openxmlformats.org/drawingml/2006/main" xmlns:r="http://schemas.openxmlformats.org/officeDocument/2006/relationships" xmlns:p="http://schemas.openxmlformats.org/presentationml/2006/main" matchingName="Title and body" type="tx">
   <p:cSld name="TITLE_AND_BODY">
     <p:spTree>
       <p:nvGrpSpPr>
-        <p:cNvPr id="14" name="Shape 14"/>
+        <p:cNvPr id="1" name="Shape 14"/>
         <p:cNvGrpSpPr/>
         <p:nvPr/>
       </p:nvGrpSpPr>
@@ -4160,12 +4258,12 @@
           </a:ln>
         </p:spPr>
         <p:txBody>
-          <a:bodyPr anchorCtr="0" anchor="ctr" bIns="91425" lIns="91425" spcFirstLastPara="1" rIns="91425" wrap="square" tIns="91425">
+          <a:bodyPr spcFirstLastPara="1" wrap="square" lIns="91425" tIns="91425" rIns="91425" bIns="91425" anchor="ctr" anchorCtr="0">
             <a:noAutofit/>
           </a:bodyPr>
           <a:lstStyle/>
           <a:p>
-            <a:pPr indent="0" lvl="0" marL="0" marR="0" rtl="0" algn="l">
+            <a:pPr marL="0" marR="0" lvl="0" indent="0" algn="l" rtl="0">
               <a:lnSpc>
                 <a:spcPct val="100000"/>
               </a:lnSpc>
@@ -4182,10 +4280,7 @@
               <a:buFont typeface="Arial"/>
               <a:buNone/>
             </a:pPr>
-            <a:r>
-              <a:t/>
-            </a:r>
-            <a:endParaRPr b="0" i="0" sz="1400" u="none" cap="none" strike="noStrike">
+            <a:endParaRPr sz="1400" b="0" i="0" u="none" strike="noStrike" cap="none">
               <a:solidFill>
                 <a:srgbClr val="000000"/>
               </a:solidFill>
@@ -4200,7 +4295,9 @@
       <p:sp>
         <p:nvSpPr>
           <p:cNvPr id="16" name="Google Shape;16;p3"/>
-          <p:cNvSpPr txBox="1"/>
+          <p:cNvSpPr txBox="1">
+            <a:spLocks noGrp="1"/>
+          </p:cNvSpPr>
           <p:nvPr>
             <p:ph type="title"/>
           </p:nvPr>
@@ -4219,7 +4316,7 @@
           </a:ln>
         </p:spPr>
         <p:txBody>
-          <a:bodyPr anchorCtr="0" anchor="t" bIns="91425" lIns="91425" spcFirstLastPara="1" rIns="91425" wrap="square" tIns="91425">
+          <a:bodyPr spcFirstLastPara="1" wrap="square" lIns="91425" tIns="91425" rIns="91425" bIns="91425" anchor="t" anchorCtr="0">
             <a:noAutofit/>
           </a:bodyPr>
           <a:lstStyle>
@@ -4350,15 +4447,19 @@
               <a:defRPr/>
             </a:lvl9pPr>
           </a:lstStyle>
-          <a:p/>
+          <a:p>
+            <a:endParaRPr/>
+          </a:p>
         </p:txBody>
       </p:sp>
       <p:sp>
         <p:nvSpPr>
           <p:cNvPr id="17" name="Google Shape;17;p3"/>
-          <p:cNvSpPr txBox="1"/>
+          <p:cNvSpPr txBox="1">
+            <a:spLocks noGrp="1"/>
+          </p:cNvSpPr>
           <p:nvPr>
-            <p:ph idx="1" type="body"/>
+            <p:ph type="body" idx="1"/>
           </p:nvPr>
         </p:nvSpPr>
         <p:spPr>
@@ -4375,11 +4476,11 @@
           </a:ln>
         </p:spPr>
         <p:txBody>
-          <a:bodyPr anchorCtr="0" anchor="t" bIns="91425" lIns="91425" spcFirstLastPara="1" rIns="91425" wrap="square" tIns="91425">
+          <a:bodyPr spcFirstLastPara="1" wrap="square" lIns="91425" tIns="91425" rIns="91425" bIns="91425" anchor="t" anchorCtr="0">
             <a:noAutofit/>
           </a:bodyPr>
           <a:lstStyle>
-            <a:lvl1pPr indent="-342900" lvl="0" marL="457200" algn="l">
+            <a:lvl1pPr marL="457200" lvl="0" indent="-342900" algn="l">
               <a:lnSpc>
                 <a:spcPct val="115000"/>
               </a:lnSpc>
@@ -4393,7 +4494,7 @@
               <a:buChar char="●"/>
               <a:defRPr/>
             </a:lvl1pPr>
-            <a:lvl2pPr indent="-317500" lvl="1" marL="914400" algn="l">
+            <a:lvl2pPr marL="914400" lvl="1" indent="-317500" algn="l">
               <a:lnSpc>
                 <a:spcPct val="115000"/>
               </a:lnSpc>
@@ -4407,7 +4508,7 @@
               <a:buChar char="○"/>
               <a:defRPr/>
             </a:lvl2pPr>
-            <a:lvl3pPr indent="-317500" lvl="2" marL="1371600" algn="l">
+            <a:lvl3pPr marL="1371600" lvl="2" indent="-317500" algn="l">
               <a:lnSpc>
                 <a:spcPct val="115000"/>
               </a:lnSpc>
@@ -4421,7 +4522,7 @@
               <a:buChar char="■"/>
               <a:defRPr/>
             </a:lvl3pPr>
-            <a:lvl4pPr indent="-317500" lvl="3" marL="1828800" algn="l">
+            <a:lvl4pPr marL="1828800" lvl="3" indent="-317500" algn="l">
               <a:lnSpc>
                 <a:spcPct val="115000"/>
               </a:lnSpc>
@@ -4435,7 +4536,7 @@
               <a:buChar char="●"/>
               <a:defRPr/>
             </a:lvl4pPr>
-            <a:lvl5pPr indent="-317500" lvl="4" marL="2286000" algn="l">
+            <a:lvl5pPr marL="2286000" lvl="4" indent="-317500" algn="l">
               <a:lnSpc>
                 <a:spcPct val="115000"/>
               </a:lnSpc>
@@ -4449,7 +4550,7 @@
               <a:buChar char="○"/>
               <a:defRPr/>
             </a:lvl5pPr>
-            <a:lvl6pPr indent="-317500" lvl="5" marL="2743200" algn="l">
+            <a:lvl6pPr marL="2743200" lvl="5" indent="-317500" algn="l">
               <a:lnSpc>
                 <a:spcPct val="115000"/>
               </a:lnSpc>
@@ -4463,7 +4564,7 @@
               <a:buChar char="■"/>
               <a:defRPr/>
             </a:lvl6pPr>
-            <a:lvl7pPr indent="-317500" lvl="6" marL="3200400" algn="l">
+            <a:lvl7pPr marL="3200400" lvl="6" indent="-317500" algn="l">
               <a:lnSpc>
                 <a:spcPct val="115000"/>
               </a:lnSpc>
@@ -4477,7 +4578,7 @@
               <a:buChar char="●"/>
               <a:defRPr/>
             </a:lvl7pPr>
-            <a:lvl8pPr indent="-317500" lvl="7" marL="3657600" algn="l">
+            <a:lvl8pPr marL="3657600" lvl="7" indent="-317500" algn="l">
               <a:lnSpc>
                 <a:spcPct val="115000"/>
               </a:lnSpc>
@@ -4491,7 +4592,7 @@
               <a:buChar char="○"/>
               <a:defRPr/>
             </a:lvl8pPr>
-            <a:lvl9pPr indent="-317500" lvl="8" marL="4114800" algn="l">
+            <a:lvl9pPr marL="4114800" lvl="8" indent="-317500" algn="l">
               <a:lnSpc>
                 <a:spcPct val="115000"/>
               </a:lnSpc>
@@ -4506,15 +4607,19 @@
               <a:defRPr/>
             </a:lvl9pPr>
           </a:lstStyle>
-          <a:p/>
+          <a:p>
+            <a:endParaRPr/>
+          </a:p>
         </p:txBody>
       </p:sp>
       <p:sp>
         <p:nvSpPr>
           <p:cNvPr id="18" name="Google Shape;18;p3"/>
-          <p:cNvSpPr txBox="1"/>
+          <p:cNvSpPr txBox="1">
+            <a:spLocks noGrp="1"/>
+          </p:cNvSpPr>
           <p:nvPr>
-            <p:ph idx="12" type="sldNum"/>
+            <p:ph type="sldNum" idx="12"/>
           </p:nvPr>
         </p:nvSpPr>
         <p:spPr>
@@ -4531,11 +4636,11 @@
           </a:ln>
         </p:spPr>
         <p:txBody>
-          <a:bodyPr anchorCtr="0" anchor="ctr" bIns="91425" lIns="91425" spcFirstLastPara="1" rIns="91425" wrap="square" tIns="91425">
+          <a:bodyPr spcFirstLastPara="1" wrap="square" lIns="91425" tIns="91425" rIns="91425" bIns="91425" anchor="ctr" anchorCtr="0">
             <a:noAutofit/>
           </a:bodyPr>
           <a:lstStyle>
-            <a:lvl1pPr indent="0" lvl="0" marL="0" marR="0" algn="r">
+            <a:lvl1pPr marL="0" marR="0" lvl="0" indent="0" algn="r">
               <a:lnSpc>
                 <a:spcPct val="100000"/>
               </a:lnSpc>
@@ -4551,7 +4656,7 @@
               <a:buSzPts val="1000"/>
               <a:buFont typeface="Arial"/>
               <a:buNone/>
-              <a:defRPr b="0" i="0" sz="1000" u="none" cap="none" strike="noStrike">
+              <a:defRPr sz="1000" b="0" i="0" u="none" strike="noStrike" cap="none">
                 <a:solidFill>
                   <a:schemeClr val="dk1"/>
                 </a:solidFill>
@@ -4561,7 +4666,7 @@
                 <a:sym typeface="Proxima Nova"/>
               </a:defRPr>
             </a:lvl1pPr>
-            <a:lvl2pPr indent="0" lvl="1" marL="0" marR="0" algn="r">
+            <a:lvl2pPr marL="0" marR="0" lvl="1" indent="0" algn="r">
               <a:lnSpc>
                 <a:spcPct val="100000"/>
               </a:lnSpc>
@@ -4577,7 +4682,7 @@
               <a:buSzPts val="1000"/>
               <a:buFont typeface="Arial"/>
               <a:buNone/>
-              <a:defRPr b="0" i="0" sz="1000" u="none" cap="none" strike="noStrike">
+              <a:defRPr sz="1000" b="0" i="0" u="none" strike="noStrike" cap="none">
                 <a:solidFill>
                   <a:schemeClr val="dk1"/>
                 </a:solidFill>
@@ -4587,7 +4692,7 @@
                 <a:sym typeface="Proxima Nova"/>
               </a:defRPr>
             </a:lvl2pPr>
-            <a:lvl3pPr indent="0" lvl="2" marL="0" marR="0" algn="r">
+            <a:lvl3pPr marL="0" marR="0" lvl="2" indent="0" algn="r">
               <a:lnSpc>
                 <a:spcPct val="100000"/>
               </a:lnSpc>
@@ -4603,7 +4708,7 @@
               <a:buSzPts val="1000"/>
               <a:buFont typeface="Arial"/>
               <a:buNone/>
-              <a:defRPr b="0" i="0" sz="1000" u="none" cap="none" strike="noStrike">
+              <a:defRPr sz="1000" b="0" i="0" u="none" strike="noStrike" cap="none">
                 <a:solidFill>
                   <a:schemeClr val="dk1"/>
                 </a:solidFill>
@@ -4613,7 +4718,7 @@
                 <a:sym typeface="Proxima Nova"/>
               </a:defRPr>
             </a:lvl3pPr>
-            <a:lvl4pPr indent="0" lvl="3" marL="0" marR="0" algn="r">
+            <a:lvl4pPr marL="0" marR="0" lvl="3" indent="0" algn="r">
               <a:lnSpc>
                 <a:spcPct val="100000"/>
               </a:lnSpc>
@@ -4629,7 +4734,7 @@
               <a:buSzPts val="1000"/>
               <a:buFont typeface="Arial"/>
               <a:buNone/>
-              <a:defRPr b="0" i="0" sz="1000" u="none" cap="none" strike="noStrike">
+              <a:defRPr sz="1000" b="0" i="0" u="none" strike="noStrike" cap="none">
                 <a:solidFill>
                   <a:schemeClr val="dk1"/>
                 </a:solidFill>
@@ -4639,7 +4744,7 @@
                 <a:sym typeface="Proxima Nova"/>
               </a:defRPr>
             </a:lvl4pPr>
-            <a:lvl5pPr indent="0" lvl="4" marL="0" marR="0" algn="r">
+            <a:lvl5pPr marL="0" marR="0" lvl="4" indent="0" algn="r">
               <a:lnSpc>
                 <a:spcPct val="100000"/>
               </a:lnSpc>
@@ -4655,7 +4760,7 @@
               <a:buSzPts val="1000"/>
               <a:buFont typeface="Arial"/>
               <a:buNone/>
-              <a:defRPr b="0" i="0" sz="1000" u="none" cap="none" strike="noStrike">
+              <a:defRPr sz="1000" b="0" i="0" u="none" strike="noStrike" cap="none">
                 <a:solidFill>
                   <a:schemeClr val="dk1"/>
                 </a:solidFill>
@@ -4665,7 +4770,7 @@
                 <a:sym typeface="Proxima Nova"/>
               </a:defRPr>
             </a:lvl5pPr>
-            <a:lvl6pPr indent="0" lvl="5" marL="0" marR="0" algn="r">
+            <a:lvl6pPr marL="0" marR="0" lvl="5" indent="0" algn="r">
               <a:lnSpc>
                 <a:spcPct val="100000"/>
               </a:lnSpc>
@@ -4681,7 +4786,7 @@
               <a:buSzPts val="1000"/>
               <a:buFont typeface="Arial"/>
               <a:buNone/>
-              <a:defRPr b="0" i="0" sz="1000" u="none" cap="none" strike="noStrike">
+              <a:defRPr sz="1000" b="0" i="0" u="none" strike="noStrike" cap="none">
                 <a:solidFill>
                   <a:schemeClr val="dk1"/>
                 </a:solidFill>
@@ -4691,7 +4796,7 @@
                 <a:sym typeface="Proxima Nova"/>
               </a:defRPr>
             </a:lvl6pPr>
-            <a:lvl7pPr indent="0" lvl="6" marL="0" marR="0" algn="r">
+            <a:lvl7pPr marL="0" marR="0" lvl="6" indent="0" algn="r">
               <a:lnSpc>
                 <a:spcPct val="100000"/>
               </a:lnSpc>
@@ -4707,7 +4812,7 @@
               <a:buSzPts val="1000"/>
               <a:buFont typeface="Arial"/>
               <a:buNone/>
-              <a:defRPr b="0" i="0" sz="1000" u="none" cap="none" strike="noStrike">
+              <a:defRPr sz="1000" b="0" i="0" u="none" strike="noStrike" cap="none">
                 <a:solidFill>
                   <a:schemeClr val="dk1"/>
                 </a:solidFill>
@@ -4717,7 +4822,7 @@
                 <a:sym typeface="Proxima Nova"/>
               </a:defRPr>
             </a:lvl7pPr>
-            <a:lvl8pPr indent="0" lvl="7" marL="0" marR="0" algn="r">
+            <a:lvl8pPr marL="0" marR="0" lvl="7" indent="0" algn="r">
               <a:lnSpc>
                 <a:spcPct val="100000"/>
               </a:lnSpc>
@@ -4733,7 +4838,7 @@
               <a:buSzPts val="1000"/>
               <a:buFont typeface="Arial"/>
               <a:buNone/>
-              <a:defRPr b="0" i="0" sz="1000" u="none" cap="none" strike="noStrike">
+              <a:defRPr sz="1000" b="0" i="0" u="none" strike="noStrike" cap="none">
                 <a:solidFill>
                   <a:schemeClr val="dk1"/>
                 </a:solidFill>
@@ -4743,7 +4848,7 @@
                 <a:sym typeface="Proxima Nova"/>
               </a:defRPr>
             </a:lvl8pPr>
-            <a:lvl9pPr indent="0" lvl="8" marL="0" marR="0" algn="r">
+            <a:lvl9pPr marL="0" marR="0" lvl="8" indent="0" algn="r">
               <a:lnSpc>
                 <a:spcPct val="100000"/>
               </a:lnSpc>
@@ -4759,7 +4864,7 @@
               <a:buSzPts val="1000"/>
               <a:buFont typeface="Arial"/>
               <a:buNone/>
-              <a:defRPr b="0" i="0" sz="1000" u="none" cap="none" strike="noStrike">
+              <a:defRPr sz="1000" b="0" i="0" u="none" strike="noStrike" cap="none">
                 <a:solidFill>
                   <a:schemeClr val="dk1"/>
                 </a:solidFill>
@@ -4771,7 +4876,7 @@
             </a:lvl9pPr>
           </a:lstStyle>
           <a:p>
-            <a:pPr indent="0" lvl="0" marL="0" rtl="0" algn="r">
+            <a:pPr marL="0" lvl="0" indent="0" algn="r" rtl="0">
               <a:spcBef>
                 <a:spcPts val="0"/>
               </a:spcBef>
@@ -4797,18 +4902,19 @@
 </file>
 
 <file path=ppt/slideLayouts/slideLayout3.xml><?xml version="1.0" encoding="utf-8"?>
-<p:sldLayout xmlns:a="http://schemas.openxmlformats.org/drawingml/2006/main" xmlns:r="http://schemas.openxmlformats.org/officeDocument/2006/relationships" xmlns:mc="http://schemas.openxmlformats.org/markup-compatibility/2006" xmlns:mv="urn:schemas-microsoft-com:mac:vml" xmlns:p="http://schemas.openxmlformats.org/presentationml/2006/main" xmlns:c="http://schemas.openxmlformats.org/drawingml/2006/chart" xmlns:dgm="http://schemas.openxmlformats.org/drawingml/2006/diagram" xmlns:o="urn:schemas-microsoft-com:office:office" xmlns:v="urn:schemas-microsoft-com:vml" xmlns:pvml="urn:schemas-microsoft-com:office:powerpoint" xmlns:com="http://schemas.openxmlformats.org/drawingml/2006/compatibility" xmlns:p14="http://schemas.microsoft.com/office/powerpoint/2010/main" xmlns:p15="http://schemas.microsoft.com/office/powerpoint/2012/main" xmlns:ahyp="http://schemas.microsoft.com/office/drawing/2018/hyperlinkcolor" matchingName="Section header" type="secHead">
+<p:sldLayout xmlns:a="http://schemas.openxmlformats.org/drawingml/2006/main" xmlns:r="http://schemas.openxmlformats.org/officeDocument/2006/relationships" xmlns:p="http://schemas.openxmlformats.org/presentationml/2006/main" matchingName="Section header" type="secHead">
   <p:cSld name="SECTION_HEADER">
     <p:bg>
       <p:bgPr>
         <a:solidFill>
           <a:schemeClr val="dk1"/>
         </a:solidFill>
+        <a:effectLst/>
       </p:bgPr>
     </p:bg>
     <p:spTree>
       <p:nvGrpSpPr>
-        <p:cNvPr id="19" name="Shape 19"/>
+        <p:cNvPr id="1" name="Shape 19"/>
         <p:cNvGrpSpPr/>
         <p:nvPr/>
       </p:nvGrpSpPr>
@@ -4835,21 +4941,23 @@
             <a:avLst/>
           </a:prstGeom>
           <a:noFill/>
-          <a:ln cap="flat" cmpd="sng" w="19050">
+          <a:ln w="19050" cap="flat" cmpd="sng">
             <a:solidFill>
               <a:schemeClr val="lt2"/>
             </a:solidFill>
             <a:prstDash val="solid"/>
             <a:round/>
-            <a:headEnd len="sm" w="sm" type="none"/>
-            <a:tailEnd len="sm" w="sm" type="none"/>
+            <a:headEnd type="none" w="sm" len="sm"/>
+            <a:tailEnd type="none" w="sm" len="sm"/>
           </a:ln>
         </p:spPr>
       </p:cxnSp>
       <p:sp>
         <p:nvSpPr>
           <p:cNvPr id="21" name="Google Shape;21;p4"/>
-          <p:cNvSpPr txBox="1"/>
+          <p:cNvSpPr txBox="1">
+            <a:spLocks noGrp="1"/>
+          </p:cNvSpPr>
           <p:nvPr>
             <p:ph type="title"/>
           </p:nvPr>
@@ -4868,7 +4976,7 @@
           </a:ln>
         </p:spPr>
         <p:txBody>
-          <a:bodyPr anchorCtr="0" anchor="b" bIns="91425" lIns="91425" spcFirstLastPara="1" rIns="91425" wrap="square" tIns="91425">
+          <a:bodyPr spcFirstLastPara="1" wrap="square" lIns="91425" tIns="91425" rIns="91425" bIns="91425" anchor="b" anchorCtr="0">
             <a:noAutofit/>
           </a:bodyPr>
           <a:lstStyle>
@@ -5062,15 +5170,19 @@
               </a:defRPr>
             </a:lvl9pPr>
           </a:lstStyle>
-          <a:p/>
+          <a:p>
+            <a:endParaRPr/>
+          </a:p>
         </p:txBody>
       </p:sp>
       <p:sp>
         <p:nvSpPr>
           <p:cNvPr id="22" name="Google Shape;22;p4"/>
-          <p:cNvSpPr txBox="1"/>
+          <p:cNvSpPr txBox="1">
+            <a:spLocks noGrp="1"/>
+          </p:cNvSpPr>
           <p:nvPr>
-            <p:ph idx="12" type="sldNum"/>
+            <p:ph type="sldNum" idx="12"/>
           </p:nvPr>
         </p:nvSpPr>
         <p:spPr>
@@ -5087,11 +5199,11 @@
           </a:ln>
         </p:spPr>
         <p:txBody>
-          <a:bodyPr anchorCtr="0" anchor="ctr" bIns="91425" lIns="91425" spcFirstLastPara="1" rIns="91425" wrap="square" tIns="91425">
+          <a:bodyPr spcFirstLastPara="1" wrap="square" lIns="91425" tIns="91425" rIns="91425" bIns="91425" anchor="ctr" anchorCtr="0">
             <a:noAutofit/>
           </a:bodyPr>
           <a:lstStyle>
-            <a:lvl1pPr indent="0" lvl="0" marL="0" marR="0" algn="r">
+            <a:lvl1pPr marL="0" marR="0" lvl="0" indent="0" algn="r">
               <a:lnSpc>
                 <a:spcPct val="100000"/>
               </a:lnSpc>
@@ -5107,7 +5219,7 @@
               <a:buSzPts val="1000"/>
               <a:buFont typeface="Arial"/>
               <a:buNone/>
-              <a:defRPr b="0" i="0" sz="1000" u="none" cap="none" strike="noStrike">
+              <a:defRPr sz="1000" b="0" i="0" u="none" strike="noStrike" cap="none">
                 <a:solidFill>
                   <a:schemeClr val="lt1"/>
                 </a:solidFill>
@@ -5117,7 +5229,7 @@
                 <a:sym typeface="Proxima Nova"/>
               </a:defRPr>
             </a:lvl1pPr>
-            <a:lvl2pPr indent="0" lvl="1" marL="0" marR="0" algn="r">
+            <a:lvl2pPr marL="0" marR="0" lvl="1" indent="0" algn="r">
               <a:lnSpc>
                 <a:spcPct val="100000"/>
               </a:lnSpc>
@@ -5133,7 +5245,7 @@
               <a:buSzPts val="1000"/>
               <a:buFont typeface="Arial"/>
               <a:buNone/>
-              <a:defRPr b="0" i="0" sz="1000" u="none" cap="none" strike="noStrike">
+              <a:defRPr sz="1000" b="0" i="0" u="none" strike="noStrike" cap="none">
                 <a:solidFill>
                   <a:schemeClr val="lt1"/>
                 </a:solidFill>
@@ -5143,7 +5255,7 @@
                 <a:sym typeface="Proxima Nova"/>
               </a:defRPr>
             </a:lvl2pPr>
-            <a:lvl3pPr indent="0" lvl="2" marL="0" marR="0" algn="r">
+            <a:lvl3pPr marL="0" marR="0" lvl="2" indent="0" algn="r">
               <a:lnSpc>
                 <a:spcPct val="100000"/>
               </a:lnSpc>
@@ -5159,7 +5271,7 @@
               <a:buSzPts val="1000"/>
               <a:buFont typeface="Arial"/>
               <a:buNone/>
-              <a:defRPr b="0" i="0" sz="1000" u="none" cap="none" strike="noStrike">
+              <a:defRPr sz="1000" b="0" i="0" u="none" strike="noStrike" cap="none">
                 <a:solidFill>
                   <a:schemeClr val="lt1"/>
                 </a:solidFill>
@@ -5169,7 +5281,7 @@
                 <a:sym typeface="Proxima Nova"/>
               </a:defRPr>
             </a:lvl3pPr>
-            <a:lvl4pPr indent="0" lvl="3" marL="0" marR="0" algn="r">
+            <a:lvl4pPr marL="0" marR="0" lvl="3" indent="0" algn="r">
               <a:lnSpc>
                 <a:spcPct val="100000"/>
               </a:lnSpc>
@@ -5185,7 +5297,7 @@
               <a:buSzPts val="1000"/>
               <a:buFont typeface="Arial"/>
               <a:buNone/>
-              <a:defRPr b="0" i="0" sz="1000" u="none" cap="none" strike="noStrike">
+              <a:defRPr sz="1000" b="0" i="0" u="none" strike="noStrike" cap="none">
                 <a:solidFill>
                   <a:schemeClr val="lt1"/>
                 </a:solidFill>
@@ -5195,7 +5307,7 @@
                 <a:sym typeface="Proxima Nova"/>
               </a:defRPr>
             </a:lvl4pPr>
-            <a:lvl5pPr indent="0" lvl="4" marL="0" marR="0" algn="r">
+            <a:lvl5pPr marL="0" marR="0" lvl="4" indent="0" algn="r">
               <a:lnSpc>
                 <a:spcPct val="100000"/>
               </a:lnSpc>
@@ -5211,7 +5323,7 @@
               <a:buSzPts val="1000"/>
               <a:buFont typeface="Arial"/>
               <a:buNone/>
-              <a:defRPr b="0" i="0" sz="1000" u="none" cap="none" strike="noStrike">
+              <a:defRPr sz="1000" b="0" i="0" u="none" strike="noStrike" cap="none">
                 <a:solidFill>
                   <a:schemeClr val="lt1"/>
                 </a:solidFill>
@@ -5221,7 +5333,7 @@
                 <a:sym typeface="Proxima Nova"/>
               </a:defRPr>
             </a:lvl5pPr>
-            <a:lvl6pPr indent="0" lvl="5" marL="0" marR="0" algn="r">
+            <a:lvl6pPr marL="0" marR="0" lvl="5" indent="0" algn="r">
               <a:lnSpc>
                 <a:spcPct val="100000"/>
               </a:lnSpc>
@@ -5237,7 +5349,7 @@
               <a:buSzPts val="1000"/>
               <a:buFont typeface="Arial"/>
               <a:buNone/>
-              <a:defRPr b="0" i="0" sz="1000" u="none" cap="none" strike="noStrike">
+              <a:defRPr sz="1000" b="0" i="0" u="none" strike="noStrike" cap="none">
                 <a:solidFill>
                   <a:schemeClr val="lt1"/>
                 </a:solidFill>
@@ -5247,7 +5359,7 @@
                 <a:sym typeface="Proxima Nova"/>
               </a:defRPr>
             </a:lvl6pPr>
-            <a:lvl7pPr indent="0" lvl="6" marL="0" marR="0" algn="r">
+            <a:lvl7pPr marL="0" marR="0" lvl="6" indent="0" algn="r">
               <a:lnSpc>
                 <a:spcPct val="100000"/>
               </a:lnSpc>
@@ -5263,7 +5375,7 @@
               <a:buSzPts val="1000"/>
               <a:buFont typeface="Arial"/>
               <a:buNone/>
-              <a:defRPr b="0" i="0" sz="1000" u="none" cap="none" strike="noStrike">
+              <a:defRPr sz="1000" b="0" i="0" u="none" strike="noStrike" cap="none">
                 <a:solidFill>
                   <a:schemeClr val="lt1"/>
                 </a:solidFill>
@@ -5273,7 +5385,7 @@
                 <a:sym typeface="Proxima Nova"/>
               </a:defRPr>
             </a:lvl7pPr>
-            <a:lvl8pPr indent="0" lvl="7" marL="0" marR="0" algn="r">
+            <a:lvl8pPr marL="0" marR="0" lvl="7" indent="0" algn="r">
               <a:lnSpc>
                 <a:spcPct val="100000"/>
               </a:lnSpc>
@@ -5289,7 +5401,7 @@
               <a:buSzPts val="1000"/>
               <a:buFont typeface="Arial"/>
               <a:buNone/>
-              <a:defRPr b="0" i="0" sz="1000" u="none" cap="none" strike="noStrike">
+              <a:defRPr sz="1000" b="0" i="0" u="none" strike="noStrike" cap="none">
                 <a:solidFill>
                   <a:schemeClr val="lt1"/>
                 </a:solidFill>
@@ -5299,7 +5411,7 @@
                 <a:sym typeface="Proxima Nova"/>
               </a:defRPr>
             </a:lvl8pPr>
-            <a:lvl9pPr indent="0" lvl="8" marL="0" marR="0" algn="r">
+            <a:lvl9pPr marL="0" marR="0" lvl="8" indent="0" algn="r">
               <a:lnSpc>
                 <a:spcPct val="100000"/>
               </a:lnSpc>
@@ -5315,7 +5427,7 @@
               <a:buSzPts val="1000"/>
               <a:buFont typeface="Arial"/>
               <a:buNone/>
-              <a:defRPr b="0" i="0" sz="1000" u="none" cap="none" strike="noStrike">
+              <a:defRPr sz="1000" b="0" i="0" u="none" strike="noStrike" cap="none">
                 <a:solidFill>
                   <a:schemeClr val="lt1"/>
                 </a:solidFill>
@@ -5327,7 +5439,7 @@
             </a:lvl9pPr>
           </a:lstStyle>
           <a:p>
-            <a:pPr indent="0" lvl="0" marL="0" rtl="0" algn="r">
+            <a:pPr marL="0" lvl="0" indent="0" algn="r" rtl="0">
               <a:spcBef>
                 <a:spcPts val="0"/>
               </a:spcBef>
@@ -5353,11 +5465,11 @@
 </file>
 
 <file path=ppt/slideLayouts/slideLayout4.xml><?xml version="1.0" encoding="utf-8"?>
-<p:sldLayout xmlns:a="http://schemas.openxmlformats.org/drawingml/2006/main" xmlns:r="http://schemas.openxmlformats.org/officeDocument/2006/relationships" xmlns:mc="http://schemas.openxmlformats.org/markup-compatibility/2006" xmlns:mv="urn:schemas-microsoft-com:mac:vml" xmlns:p="http://schemas.openxmlformats.org/presentationml/2006/main" xmlns:c="http://schemas.openxmlformats.org/drawingml/2006/chart" xmlns:dgm="http://schemas.openxmlformats.org/drawingml/2006/diagram" xmlns:o="urn:schemas-microsoft-com:office:office" xmlns:v="urn:schemas-microsoft-com:vml" xmlns:pvml="urn:schemas-microsoft-com:office:powerpoint" xmlns:com="http://schemas.openxmlformats.org/drawingml/2006/compatibility" xmlns:p14="http://schemas.microsoft.com/office/powerpoint/2010/main" xmlns:p15="http://schemas.microsoft.com/office/powerpoint/2012/main" xmlns:ahyp="http://schemas.microsoft.com/office/drawing/2018/hyperlinkcolor" matchingName="Title and two columns" type="twoColTx">
+<p:sldLayout xmlns:a="http://schemas.openxmlformats.org/drawingml/2006/main" xmlns:r="http://schemas.openxmlformats.org/officeDocument/2006/relationships" xmlns:p="http://schemas.openxmlformats.org/presentationml/2006/main" matchingName="Title and two columns" type="twoColTx">
   <p:cSld name="TITLE_AND_TWO_COLUMNS">
     <p:spTree>
       <p:nvGrpSpPr>
-        <p:cNvPr id="23" name="Shape 23"/>
+        <p:cNvPr id="1" name="Shape 23"/>
         <p:cNvGrpSpPr/>
         <p:nvPr/>
       </p:nvGrpSpPr>
@@ -5372,7 +5484,9 @@
       <p:sp>
         <p:nvSpPr>
           <p:cNvPr id="24" name="Google Shape;24;p5"/>
-          <p:cNvSpPr txBox="1"/>
+          <p:cNvSpPr txBox="1">
+            <a:spLocks noGrp="1"/>
+          </p:cNvSpPr>
           <p:nvPr>
             <p:ph type="title"/>
           </p:nvPr>
@@ -5391,7 +5505,7 @@
           </a:ln>
         </p:spPr>
         <p:txBody>
-          <a:bodyPr anchorCtr="0" anchor="t" bIns="91425" lIns="91425" spcFirstLastPara="1" rIns="91425" wrap="square" tIns="91425">
+          <a:bodyPr spcFirstLastPara="1" wrap="square" lIns="91425" tIns="91425" rIns="91425" bIns="91425" anchor="t" anchorCtr="0">
             <a:noAutofit/>
           </a:bodyPr>
           <a:lstStyle>
@@ -5522,15 +5636,19 @@
               <a:defRPr/>
             </a:lvl9pPr>
           </a:lstStyle>
-          <a:p/>
+          <a:p>
+            <a:endParaRPr/>
+          </a:p>
         </p:txBody>
       </p:sp>
       <p:sp>
         <p:nvSpPr>
           <p:cNvPr id="25" name="Google Shape;25;p5"/>
-          <p:cNvSpPr txBox="1"/>
+          <p:cNvSpPr txBox="1">
+            <a:spLocks noGrp="1"/>
+          </p:cNvSpPr>
           <p:nvPr>
-            <p:ph idx="1" type="body"/>
+            <p:ph type="body" idx="1"/>
           </p:nvPr>
         </p:nvSpPr>
         <p:spPr>
@@ -5547,11 +5665,11 @@
           </a:ln>
         </p:spPr>
         <p:txBody>
-          <a:bodyPr anchorCtr="0" anchor="t" bIns="91425" lIns="91425" spcFirstLastPara="1" rIns="91425" wrap="square" tIns="91425">
+          <a:bodyPr spcFirstLastPara="1" wrap="square" lIns="91425" tIns="91425" rIns="91425" bIns="91425" anchor="t" anchorCtr="0">
             <a:noAutofit/>
           </a:bodyPr>
           <a:lstStyle>
-            <a:lvl1pPr indent="-317500" lvl="0" marL="457200" algn="l">
+            <a:lvl1pPr marL="457200" lvl="0" indent="-317500" algn="l">
               <a:lnSpc>
                 <a:spcPct val="115000"/>
               </a:lnSpc>
@@ -5565,7 +5683,7 @@
               <a:buChar char="●"/>
               <a:defRPr sz="1400"/>
             </a:lvl1pPr>
-            <a:lvl2pPr indent="-304800" lvl="1" marL="914400" algn="l">
+            <a:lvl2pPr marL="914400" lvl="1" indent="-304800" algn="l">
               <a:lnSpc>
                 <a:spcPct val="115000"/>
               </a:lnSpc>
@@ -5579,7 +5697,7 @@
               <a:buChar char="○"/>
               <a:defRPr sz="1200"/>
             </a:lvl2pPr>
-            <a:lvl3pPr indent="-304800" lvl="2" marL="1371600" algn="l">
+            <a:lvl3pPr marL="1371600" lvl="2" indent="-304800" algn="l">
               <a:lnSpc>
                 <a:spcPct val="115000"/>
               </a:lnSpc>
@@ -5593,7 +5711,7 @@
               <a:buChar char="■"/>
               <a:defRPr sz="1200"/>
             </a:lvl3pPr>
-            <a:lvl4pPr indent="-304800" lvl="3" marL="1828800" algn="l">
+            <a:lvl4pPr marL="1828800" lvl="3" indent="-304800" algn="l">
               <a:lnSpc>
                 <a:spcPct val="115000"/>
               </a:lnSpc>
@@ -5607,7 +5725,7 @@
               <a:buChar char="●"/>
               <a:defRPr sz="1200"/>
             </a:lvl4pPr>
-            <a:lvl5pPr indent="-304800" lvl="4" marL="2286000" algn="l">
+            <a:lvl5pPr marL="2286000" lvl="4" indent="-304800" algn="l">
               <a:lnSpc>
                 <a:spcPct val="115000"/>
               </a:lnSpc>
@@ -5621,7 +5739,7 @@
               <a:buChar char="○"/>
               <a:defRPr sz="1200"/>
             </a:lvl5pPr>
-            <a:lvl6pPr indent="-304800" lvl="5" marL="2743200" algn="l">
+            <a:lvl6pPr marL="2743200" lvl="5" indent="-304800" algn="l">
               <a:lnSpc>
                 <a:spcPct val="115000"/>
               </a:lnSpc>
@@ -5635,7 +5753,7 @@
               <a:buChar char="■"/>
               <a:defRPr sz="1200"/>
             </a:lvl6pPr>
-            <a:lvl7pPr indent="-304800" lvl="6" marL="3200400" algn="l">
+            <a:lvl7pPr marL="3200400" lvl="6" indent="-304800" algn="l">
               <a:lnSpc>
                 <a:spcPct val="115000"/>
               </a:lnSpc>
@@ -5649,7 +5767,7 @@
               <a:buChar char="●"/>
               <a:defRPr sz="1200"/>
             </a:lvl7pPr>
-            <a:lvl8pPr indent="-304800" lvl="7" marL="3657600" algn="l">
+            <a:lvl8pPr marL="3657600" lvl="7" indent="-304800" algn="l">
               <a:lnSpc>
                 <a:spcPct val="115000"/>
               </a:lnSpc>
@@ -5663,7 +5781,7 @@
               <a:buChar char="○"/>
               <a:defRPr sz="1200"/>
             </a:lvl8pPr>
-            <a:lvl9pPr indent="-304800" lvl="8" marL="4114800" algn="l">
+            <a:lvl9pPr marL="4114800" lvl="8" indent="-304800" algn="l">
               <a:lnSpc>
                 <a:spcPct val="115000"/>
               </a:lnSpc>
@@ -5678,15 +5796,19 @@
               <a:defRPr sz="1200"/>
             </a:lvl9pPr>
           </a:lstStyle>
-          <a:p/>
+          <a:p>
+            <a:endParaRPr/>
+          </a:p>
         </p:txBody>
       </p:sp>
       <p:sp>
         <p:nvSpPr>
           <p:cNvPr id="26" name="Google Shape;26;p5"/>
-          <p:cNvSpPr txBox="1"/>
+          <p:cNvSpPr txBox="1">
+            <a:spLocks noGrp="1"/>
+          </p:cNvSpPr>
           <p:nvPr>
-            <p:ph idx="2" type="body"/>
+            <p:ph type="body" idx="2"/>
           </p:nvPr>
         </p:nvSpPr>
         <p:spPr>
@@ -5703,11 +5825,11 @@
           </a:ln>
         </p:spPr>
         <p:txBody>
-          <a:bodyPr anchorCtr="0" anchor="t" bIns="91425" lIns="91425" spcFirstLastPara="1" rIns="91425" wrap="square" tIns="91425">
+          <a:bodyPr spcFirstLastPara="1" wrap="square" lIns="91425" tIns="91425" rIns="91425" bIns="91425" anchor="t" anchorCtr="0">
             <a:noAutofit/>
           </a:bodyPr>
           <a:lstStyle>
-            <a:lvl1pPr indent="-317500" lvl="0" marL="457200" algn="l">
+            <a:lvl1pPr marL="457200" lvl="0" indent="-317500" algn="l">
               <a:lnSpc>
                 <a:spcPct val="115000"/>
               </a:lnSpc>
@@ -5721,7 +5843,7 @@
               <a:buChar char="●"/>
               <a:defRPr sz="1400"/>
             </a:lvl1pPr>
-            <a:lvl2pPr indent="-304800" lvl="1" marL="914400" algn="l">
+            <a:lvl2pPr marL="914400" lvl="1" indent="-304800" algn="l">
               <a:lnSpc>
                 <a:spcPct val="115000"/>
               </a:lnSpc>
@@ -5735,7 +5857,7 @@
               <a:buChar char="○"/>
               <a:defRPr sz="1200"/>
             </a:lvl2pPr>
-            <a:lvl3pPr indent="-304800" lvl="2" marL="1371600" algn="l">
+            <a:lvl3pPr marL="1371600" lvl="2" indent="-304800" algn="l">
               <a:lnSpc>
                 <a:spcPct val="115000"/>
               </a:lnSpc>
@@ -5749,7 +5871,7 @@
               <a:buChar char="■"/>
               <a:defRPr sz="1200"/>
             </a:lvl3pPr>
-            <a:lvl4pPr indent="-304800" lvl="3" marL="1828800" algn="l">
+            <a:lvl4pPr marL="1828800" lvl="3" indent="-304800" algn="l">
               <a:lnSpc>
                 <a:spcPct val="115000"/>
               </a:lnSpc>
@@ -5763,7 +5885,7 @@
               <a:buChar char="●"/>
               <a:defRPr sz="1200"/>
             </a:lvl4pPr>
-            <a:lvl5pPr indent="-304800" lvl="4" marL="2286000" algn="l">
+            <a:lvl5pPr marL="2286000" lvl="4" indent="-304800" algn="l">
               <a:lnSpc>
                 <a:spcPct val="115000"/>
               </a:lnSpc>
@@ -5777,7 +5899,7 @@
               <a:buChar char="○"/>
               <a:defRPr sz="1200"/>
             </a:lvl5pPr>
-            <a:lvl6pPr indent="-304800" lvl="5" marL="2743200" algn="l">
+            <a:lvl6pPr marL="2743200" lvl="5" indent="-304800" algn="l">
               <a:lnSpc>
                 <a:spcPct val="115000"/>
               </a:lnSpc>
@@ -5791,7 +5913,7 @@
               <a:buChar char="■"/>
               <a:defRPr sz="1200"/>
             </a:lvl6pPr>
-            <a:lvl7pPr indent="-304800" lvl="6" marL="3200400" algn="l">
+            <a:lvl7pPr marL="3200400" lvl="6" indent="-304800" algn="l">
               <a:lnSpc>
                 <a:spcPct val="115000"/>
               </a:lnSpc>
@@ -5805,7 +5927,7 @@
               <a:buChar char="●"/>
               <a:defRPr sz="1200"/>
             </a:lvl7pPr>
-            <a:lvl8pPr indent="-304800" lvl="7" marL="3657600" algn="l">
+            <a:lvl8pPr marL="3657600" lvl="7" indent="-304800" algn="l">
               <a:lnSpc>
                 <a:spcPct val="115000"/>
               </a:lnSpc>
@@ -5819,7 +5941,7 @@
               <a:buChar char="○"/>
               <a:defRPr sz="1200"/>
             </a:lvl8pPr>
-            <a:lvl9pPr indent="-304800" lvl="8" marL="4114800" algn="l">
+            <a:lvl9pPr marL="4114800" lvl="8" indent="-304800" algn="l">
               <a:lnSpc>
                 <a:spcPct val="115000"/>
               </a:lnSpc>
@@ -5834,15 +5956,19 @@
               <a:defRPr sz="1200"/>
             </a:lvl9pPr>
           </a:lstStyle>
-          <a:p/>
+          <a:p>
+            <a:endParaRPr/>
+          </a:p>
         </p:txBody>
       </p:sp>
       <p:sp>
         <p:nvSpPr>
           <p:cNvPr id="27" name="Google Shape;27;p5"/>
-          <p:cNvSpPr txBox="1"/>
+          <p:cNvSpPr txBox="1">
+            <a:spLocks noGrp="1"/>
+          </p:cNvSpPr>
           <p:nvPr>
-            <p:ph idx="12" type="sldNum"/>
+            <p:ph type="sldNum" idx="12"/>
           </p:nvPr>
         </p:nvSpPr>
         <p:spPr>
@@ -5859,11 +5985,11 @@
           </a:ln>
         </p:spPr>
         <p:txBody>
-          <a:bodyPr anchorCtr="0" anchor="ctr" bIns="91425" lIns="91425" spcFirstLastPara="1" rIns="91425" wrap="square" tIns="91425">
+          <a:bodyPr spcFirstLastPara="1" wrap="square" lIns="91425" tIns="91425" rIns="91425" bIns="91425" anchor="ctr" anchorCtr="0">
             <a:noAutofit/>
           </a:bodyPr>
           <a:lstStyle>
-            <a:lvl1pPr indent="0" lvl="0" marL="0" marR="0" algn="r">
+            <a:lvl1pPr marL="0" marR="0" lvl="0" indent="0" algn="r">
               <a:lnSpc>
                 <a:spcPct val="100000"/>
               </a:lnSpc>
@@ -5879,7 +6005,7 @@
               <a:buSzPts val="1000"/>
               <a:buFont typeface="Arial"/>
               <a:buNone/>
-              <a:defRPr b="0" i="0" sz="1000" u="none" cap="none" strike="noStrike">
+              <a:defRPr sz="1000" b="0" i="0" u="none" strike="noStrike" cap="none">
                 <a:solidFill>
                   <a:schemeClr val="dk1"/>
                 </a:solidFill>
@@ -5889,7 +6015,7 @@
                 <a:sym typeface="Proxima Nova"/>
               </a:defRPr>
             </a:lvl1pPr>
-            <a:lvl2pPr indent="0" lvl="1" marL="0" marR="0" algn="r">
+            <a:lvl2pPr marL="0" marR="0" lvl="1" indent="0" algn="r">
               <a:lnSpc>
                 <a:spcPct val="100000"/>
               </a:lnSpc>
@@ -5905,7 +6031,7 @@
               <a:buSzPts val="1000"/>
               <a:buFont typeface="Arial"/>
               <a:buNone/>
-              <a:defRPr b="0" i="0" sz="1000" u="none" cap="none" strike="noStrike">
+              <a:defRPr sz="1000" b="0" i="0" u="none" strike="noStrike" cap="none">
                 <a:solidFill>
                   <a:schemeClr val="dk1"/>
                 </a:solidFill>
@@ -5915,7 +6041,7 @@
                 <a:sym typeface="Proxima Nova"/>
               </a:defRPr>
             </a:lvl2pPr>
-            <a:lvl3pPr indent="0" lvl="2" marL="0" marR="0" algn="r">
+            <a:lvl3pPr marL="0" marR="0" lvl="2" indent="0" algn="r">
               <a:lnSpc>
                 <a:spcPct val="100000"/>
               </a:lnSpc>
@@ -5931,7 +6057,7 @@
               <a:buSzPts val="1000"/>
               <a:buFont typeface="Arial"/>
               <a:buNone/>
-              <a:defRPr b="0" i="0" sz="1000" u="none" cap="none" strike="noStrike">
+              <a:defRPr sz="1000" b="0" i="0" u="none" strike="noStrike" cap="none">
                 <a:solidFill>
                   <a:schemeClr val="dk1"/>
                 </a:solidFill>
@@ -5941,7 +6067,7 @@
                 <a:sym typeface="Proxima Nova"/>
               </a:defRPr>
             </a:lvl3pPr>
-            <a:lvl4pPr indent="0" lvl="3" marL="0" marR="0" algn="r">
+            <a:lvl4pPr marL="0" marR="0" lvl="3" indent="0" algn="r">
               <a:lnSpc>
                 <a:spcPct val="100000"/>
               </a:lnSpc>
@@ -5957,7 +6083,7 @@
               <a:buSzPts val="1000"/>
               <a:buFont typeface="Arial"/>
               <a:buNone/>
-              <a:defRPr b="0" i="0" sz="1000" u="none" cap="none" strike="noStrike">
+              <a:defRPr sz="1000" b="0" i="0" u="none" strike="noStrike" cap="none">
                 <a:solidFill>
                   <a:schemeClr val="dk1"/>
                 </a:solidFill>
@@ -5967,7 +6093,7 @@
                 <a:sym typeface="Proxima Nova"/>
               </a:defRPr>
             </a:lvl4pPr>
-            <a:lvl5pPr indent="0" lvl="4" marL="0" marR="0" algn="r">
+            <a:lvl5pPr marL="0" marR="0" lvl="4" indent="0" algn="r">
               <a:lnSpc>
                 <a:spcPct val="100000"/>
               </a:lnSpc>
@@ -5983,7 +6109,7 @@
               <a:buSzPts val="1000"/>
               <a:buFont typeface="Arial"/>
               <a:buNone/>
-              <a:defRPr b="0" i="0" sz="1000" u="none" cap="none" strike="noStrike">
+              <a:defRPr sz="1000" b="0" i="0" u="none" strike="noStrike" cap="none">
                 <a:solidFill>
                   <a:schemeClr val="dk1"/>
                 </a:solidFill>
@@ -5993,7 +6119,7 @@
                 <a:sym typeface="Proxima Nova"/>
               </a:defRPr>
             </a:lvl5pPr>
-            <a:lvl6pPr indent="0" lvl="5" marL="0" marR="0" algn="r">
+            <a:lvl6pPr marL="0" marR="0" lvl="5" indent="0" algn="r">
               <a:lnSpc>
                 <a:spcPct val="100000"/>
               </a:lnSpc>
@@ -6009,7 +6135,7 @@
               <a:buSzPts val="1000"/>
               <a:buFont typeface="Arial"/>
               <a:buNone/>
-              <a:defRPr b="0" i="0" sz="1000" u="none" cap="none" strike="noStrike">
+              <a:defRPr sz="1000" b="0" i="0" u="none" strike="noStrike" cap="none">
                 <a:solidFill>
                   <a:schemeClr val="dk1"/>
                 </a:solidFill>
@@ -6019,7 +6145,7 @@
                 <a:sym typeface="Proxima Nova"/>
               </a:defRPr>
             </a:lvl6pPr>
-            <a:lvl7pPr indent="0" lvl="6" marL="0" marR="0" algn="r">
+            <a:lvl7pPr marL="0" marR="0" lvl="6" indent="0" algn="r">
               <a:lnSpc>
                 <a:spcPct val="100000"/>
               </a:lnSpc>
@@ -6035,7 +6161,7 @@
               <a:buSzPts val="1000"/>
               <a:buFont typeface="Arial"/>
               <a:buNone/>
-              <a:defRPr b="0" i="0" sz="1000" u="none" cap="none" strike="noStrike">
+              <a:defRPr sz="1000" b="0" i="0" u="none" strike="noStrike" cap="none">
                 <a:solidFill>
                   <a:schemeClr val="dk1"/>
                 </a:solidFill>
@@ -6045,7 +6171,7 @@
                 <a:sym typeface="Proxima Nova"/>
               </a:defRPr>
             </a:lvl7pPr>
-            <a:lvl8pPr indent="0" lvl="7" marL="0" marR="0" algn="r">
+            <a:lvl8pPr marL="0" marR="0" lvl="7" indent="0" algn="r">
               <a:lnSpc>
                 <a:spcPct val="100000"/>
               </a:lnSpc>
@@ -6061,7 +6187,7 @@
               <a:buSzPts val="1000"/>
               <a:buFont typeface="Arial"/>
               <a:buNone/>
-              <a:defRPr b="0" i="0" sz="1000" u="none" cap="none" strike="noStrike">
+              <a:defRPr sz="1000" b="0" i="0" u="none" strike="noStrike" cap="none">
                 <a:solidFill>
                   <a:schemeClr val="dk1"/>
                 </a:solidFill>
@@ -6071,7 +6197,7 @@
                 <a:sym typeface="Proxima Nova"/>
               </a:defRPr>
             </a:lvl8pPr>
-            <a:lvl9pPr indent="0" lvl="8" marL="0" marR="0" algn="r">
+            <a:lvl9pPr marL="0" marR="0" lvl="8" indent="0" algn="r">
               <a:lnSpc>
                 <a:spcPct val="100000"/>
               </a:lnSpc>
@@ -6087,7 +6213,7 @@
               <a:buSzPts val="1000"/>
               <a:buFont typeface="Arial"/>
               <a:buNone/>
-              <a:defRPr b="0" i="0" sz="1000" u="none" cap="none" strike="noStrike">
+              <a:defRPr sz="1000" b="0" i="0" u="none" strike="noStrike" cap="none">
                 <a:solidFill>
                   <a:schemeClr val="dk1"/>
                 </a:solidFill>
@@ -6099,7 +6225,7 @@
             </a:lvl9pPr>
           </a:lstStyle>
           <a:p>
-            <a:pPr indent="0" lvl="0" marL="0" rtl="0" algn="r">
+            <a:pPr marL="0" lvl="0" indent="0" algn="r" rtl="0">
               <a:spcBef>
                 <a:spcPts val="0"/>
               </a:spcBef>
@@ -6125,11 +6251,11 @@
 </file>
 
 <file path=ppt/slideLayouts/slideLayout5.xml><?xml version="1.0" encoding="utf-8"?>
-<p:sldLayout xmlns:a="http://schemas.openxmlformats.org/drawingml/2006/main" xmlns:r="http://schemas.openxmlformats.org/officeDocument/2006/relationships" xmlns:mc="http://schemas.openxmlformats.org/markup-compatibility/2006" xmlns:mv="urn:schemas-microsoft-com:mac:vml" xmlns:p="http://schemas.openxmlformats.org/presentationml/2006/main" xmlns:c="http://schemas.openxmlformats.org/drawingml/2006/chart" xmlns:dgm="http://schemas.openxmlformats.org/drawingml/2006/diagram" xmlns:o="urn:schemas-microsoft-com:office:office" xmlns:v="urn:schemas-microsoft-com:vml" xmlns:pvml="urn:schemas-microsoft-com:office:powerpoint" xmlns:com="http://schemas.openxmlformats.org/drawingml/2006/compatibility" xmlns:p14="http://schemas.microsoft.com/office/powerpoint/2010/main" xmlns:p15="http://schemas.microsoft.com/office/powerpoint/2012/main" xmlns:ahyp="http://schemas.microsoft.com/office/drawing/2018/hyperlinkcolor" matchingName="Title only" type="titleOnly">
+<p:sldLayout xmlns:a="http://schemas.openxmlformats.org/drawingml/2006/main" xmlns:r="http://schemas.openxmlformats.org/officeDocument/2006/relationships" xmlns:p="http://schemas.openxmlformats.org/presentationml/2006/main" matchingName="Title only" type="titleOnly">
   <p:cSld name="TITLE_ONLY">
     <p:spTree>
       <p:nvGrpSpPr>
-        <p:cNvPr id="28" name="Shape 28"/>
+        <p:cNvPr id="1" name="Shape 28"/>
         <p:cNvGrpSpPr/>
         <p:nvPr/>
       </p:nvGrpSpPr>
@@ -6144,7 +6270,9 @@
       <p:sp>
         <p:nvSpPr>
           <p:cNvPr id="29" name="Google Shape;29;p6"/>
-          <p:cNvSpPr txBox="1"/>
+          <p:cNvSpPr txBox="1">
+            <a:spLocks noGrp="1"/>
+          </p:cNvSpPr>
           <p:nvPr>
             <p:ph type="title"/>
           </p:nvPr>
@@ -6163,7 +6291,7 @@
           </a:ln>
         </p:spPr>
         <p:txBody>
-          <a:bodyPr anchorCtr="0" anchor="t" bIns="91425" lIns="91425" spcFirstLastPara="1" rIns="91425" wrap="square" tIns="91425">
+          <a:bodyPr spcFirstLastPara="1" wrap="square" lIns="91425" tIns="91425" rIns="91425" bIns="91425" anchor="t" anchorCtr="0">
             <a:noAutofit/>
           </a:bodyPr>
           <a:lstStyle>
@@ -6294,15 +6422,19 @@
               <a:defRPr/>
             </a:lvl9pPr>
           </a:lstStyle>
-          <a:p/>
+          <a:p>
+            <a:endParaRPr/>
+          </a:p>
         </p:txBody>
       </p:sp>
       <p:sp>
         <p:nvSpPr>
           <p:cNvPr id="30" name="Google Shape;30;p6"/>
-          <p:cNvSpPr txBox="1"/>
+          <p:cNvSpPr txBox="1">
+            <a:spLocks noGrp="1"/>
+          </p:cNvSpPr>
           <p:nvPr>
-            <p:ph idx="12" type="sldNum"/>
+            <p:ph type="sldNum" idx="12"/>
           </p:nvPr>
         </p:nvSpPr>
         <p:spPr>
@@ -6319,11 +6451,11 @@
           </a:ln>
         </p:spPr>
         <p:txBody>
-          <a:bodyPr anchorCtr="0" anchor="ctr" bIns="91425" lIns="91425" spcFirstLastPara="1" rIns="91425" wrap="square" tIns="91425">
+          <a:bodyPr spcFirstLastPara="1" wrap="square" lIns="91425" tIns="91425" rIns="91425" bIns="91425" anchor="ctr" anchorCtr="0">
             <a:noAutofit/>
           </a:bodyPr>
           <a:lstStyle>
-            <a:lvl1pPr indent="0" lvl="0" marL="0" marR="0" algn="r">
+            <a:lvl1pPr marL="0" marR="0" lvl="0" indent="0" algn="r">
               <a:lnSpc>
                 <a:spcPct val="100000"/>
               </a:lnSpc>
@@ -6339,7 +6471,7 @@
               <a:buSzPts val="1000"/>
               <a:buFont typeface="Arial"/>
               <a:buNone/>
-              <a:defRPr b="0" i="0" sz="1000" u="none" cap="none" strike="noStrike">
+              <a:defRPr sz="1000" b="0" i="0" u="none" strike="noStrike" cap="none">
                 <a:solidFill>
                   <a:schemeClr val="dk1"/>
                 </a:solidFill>
@@ -6349,7 +6481,7 @@
                 <a:sym typeface="Proxima Nova"/>
               </a:defRPr>
             </a:lvl1pPr>
-            <a:lvl2pPr indent="0" lvl="1" marL="0" marR="0" algn="r">
+            <a:lvl2pPr marL="0" marR="0" lvl="1" indent="0" algn="r">
               <a:lnSpc>
                 <a:spcPct val="100000"/>
               </a:lnSpc>
@@ -6365,7 +6497,7 @@
               <a:buSzPts val="1000"/>
               <a:buFont typeface="Arial"/>
               <a:buNone/>
-              <a:defRPr b="0" i="0" sz="1000" u="none" cap="none" strike="noStrike">
+              <a:defRPr sz="1000" b="0" i="0" u="none" strike="noStrike" cap="none">
                 <a:solidFill>
                   <a:schemeClr val="dk1"/>
                 </a:solidFill>
@@ -6375,7 +6507,7 @@
                 <a:sym typeface="Proxima Nova"/>
               </a:defRPr>
             </a:lvl2pPr>
-            <a:lvl3pPr indent="0" lvl="2" marL="0" marR="0" algn="r">
+            <a:lvl3pPr marL="0" marR="0" lvl="2" indent="0" algn="r">
               <a:lnSpc>
                 <a:spcPct val="100000"/>
               </a:lnSpc>
@@ -6391,7 +6523,7 @@
               <a:buSzPts val="1000"/>
               <a:buFont typeface="Arial"/>
               <a:buNone/>
-              <a:defRPr b="0" i="0" sz="1000" u="none" cap="none" strike="noStrike">
+              <a:defRPr sz="1000" b="0" i="0" u="none" strike="noStrike" cap="none">
                 <a:solidFill>
                   <a:schemeClr val="dk1"/>
                 </a:solidFill>
@@ -6401,7 +6533,7 @@
                 <a:sym typeface="Proxima Nova"/>
               </a:defRPr>
             </a:lvl3pPr>
-            <a:lvl4pPr indent="0" lvl="3" marL="0" marR="0" algn="r">
+            <a:lvl4pPr marL="0" marR="0" lvl="3" indent="0" algn="r">
               <a:lnSpc>
                 <a:spcPct val="100000"/>
               </a:lnSpc>
@@ -6417,7 +6549,7 @@
               <a:buSzPts val="1000"/>
               <a:buFont typeface="Arial"/>
               <a:buNone/>
-              <a:defRPr b="0" i="0" sz="1000" u="none" cap="none" strike="noStrike">
+              <a:defRPr sz="1000" b="0" i="0" u="none" strike="noStrike" cap="none">
                 <a:solidFill>
                   <a:schemeClr val="dk1"/>
                 </a:solidFill>
@@ -6427,7 +6559,7 @@
                 <a:sym typeface="Proxima Nova"/>
               </a:defRPr>
             </a:lvl4pPr>
-            <a:lvl5pPr indent="0" lvl="4" marL="0" marR="0" algn="r">
+            <a:lvl5pPr marL="0" marR="0" lvl="4" indent="0" algn="r">
               <a:lnSpc>
                 <a:spcPct val="100000"/>
               </a:lnSpc>
@@ -6443,7 +6575,7 @@
               <a:buSzPts val="1000"/>
               <a:buFont typeface="Arial"/>
               <a:buNone/>
-              <a:defRPr b="0" i="0" sz="1000" u="none" cap="none" strike="noStrike">
+              <a:defRPr sz="1000" b="0" i="0" u="none" strike="noStrike" cap="none">
                 <a:solidFill>
                   <a:schemeClr val="dk1"/>
                 </a:solidFill>
@@ -6453,7 +6585,7 @@
                 <a:sym typeface="Proxima Nova"/>
               </a:defRPr>
             </a:lvl5pPr>
-            <a:lvl6pPr indent="0" lvl="5" marL="0" marR="0" algn="r">
+            <a:lvl6pPr marL="0" marR="0" lvl="5" indent="0" algn="r">
               <a:lnSpc>
                 <a:spcPct val="100000"/>
               </a:lnSpc>
@@ -6469,7 +6601,7 @@
               <a:buSzPts val="1000"/>
               <a:buFont typeface="Arial"/>
               <a:buNone/>
-              <a:defRPr b="0" i="0" sz="1000" u="none" cap="none" strike="noStrike">
+              <a:defRPr sz="1000" b="0" i="0" u="none" strike="noStrike" cap="none">
                 <a:solidFill>
                   <a:schemeClr val="dk1"/>
                 </a:solidFill>
@@ -6479,7 +6611,7 @@
                 <a:sym typeface="Proxima Nova"/>
               </a:defRPr>
             </a:lvl6pPr>
-            <a:lvl7pPr indent="0" lvl="6" marL="0" marR="0" algn="r">
+            <a:lvl7pPr marL="0" marR="0" lvl="6" indent="0" algn="r">
               <a:lnSpc>
                 <a:spcPct val="100000"/>
               </a:lnSpc>
@@ -6495,7 +6627,7 @@
               <a:buSzPts val="1000"/>
               <a:buFont typeface="Arial"/>
               <a:buNone/>
-              <a:defRPr b="0" i="0" sz="1000" u="none" cap="none" strike="noStrike">
+              <a:defRPr sz="1000" b="0" i="0" u="none" strike="noStrike" cap="none">
                 <a:solidFill>
                   <a:schemeClr val="dk1"/>
                 </a:solidFill>
@@ -6505,7 +6637,7 @@
                 <a:sym typeface="Proxima Nova"/>
               </a:defRPr>
             </a:lvl7pPr>
-            <a:lvl8pPr indent="0" lvl="7" marL="0" marR="0" algn="r">
+            <a:lvl8pPr marL="0" marR="0" lvl="7" indent="0" algn="r">
               <a:lnSpc>
                 <a:spcPct val="100000"/>
               </a:lnSpc>
@@ -6521,7 +6653,7 @@
               <a:buSzPts val="1000"/>
               <a:buFont typeface="Arial"/>
               <a:buNone/>
-              <a:defRPr b="0" i="0" sz="1000" u="none" cap="none" strike="noStrike">
+              <a:defRPr sz="1000" b="0" i="0" u="none" strike="noStrike" cap="none">
                 <a:solidFill>
                   <a:schemeClr val="dk1"/>
                 </a:solidFill>
@@ -6531,7 +6663,7 @@
                 <a:sym typeface="Proxima Nova"/>
               </a:defRPr>
             </a:lvl8pPr>
-            <a:lvl9pPr indent="0" lvl="8" marL="0" marR="0" algn="r">
+            <a:lvl9pPr marL="0" marR="0" lvl="8" indent="0" algn="r">
               <a:lnSpc>
                 <a:spcPct val="100000"/>
               </a:lnSpc>
@@ -6547,7 +6679,7 @@
               <a:buSzPts val="1000"/>
               <a:buFont typeface="Arial"/>
               <a:buNone/>
-              <a:defRPr b="0" i="0" sz="1000" u="none" cap="none" strike="noStrike">
+              <a:defRPr sz="1000" b="0" i="0" u="none" strike="noStrike" cap="none">
                 <a:solidFill>
                   <a:schemeClr val="dk1"/>
                 </a:solidFill>
@@ -6559,7 +6691,7 @@
             </a:lvl9pPr>
           </a:lstStyle>
           <a:p>
-            <a:pPr indent="0" lvl="0" marL="0" rtl="0" algn="r">
+            <a:pPr marL="0" lvl="0" indent="0" algn="r" rtl="0">
               <a:spcBef>
                 <a:spcPts val="0"/>
               </a:spcBef>
@@ -6585,11 +6717,11 @@
 </file>
 
 <file path=ppt/slideLayouts/slideLayout6.xml><?xml version="1.0" encoding="utf-8"?>
-<p:sldLayout xmlns:a="http://schemas.openxmlformats.org/drawingml/2006/main" xmlns:r="http://schemas.openxmlformats.org/officeDocument/2006/relationships" xmlns:mc="http://schemas.openxmlformats.org/markup-compatibility/2006" xmlns:mv="urn:schemas-microsoft-com:mac:vml" xmlns:p="http://schemas.openxmlformats.org/presentationml/2006/main" xmlns:c="http://schemas.openxmlformats.org/drawingml/2006/chart" xmlns:dgm="http://schemas.openxmlformats.org/drawingml/2006/diagram" xmlns:o="urn:schemas-microsoft-com:office:office" xmlns:v="urn:schemas-microsoft-com:vml" xmlns:pvml="urn:schemas-microsoft-com:office:powerpoint" xmlns:com="http://schemas.openxmlformats.org/drawingml/2006/compatibility" xmlns:p14="http://schemas.microsoft.com/office/powerpoint/2010/main" xmlns:p15="http://schemas.microsoft.com/office/powerpoint/2012/main" xmlns:ahyp="http://schemas.microsoft.com/office/drawing/2018/hyperlinkcolor" matchingName="One column text">
+<p:sldLayout xmlns:a="http://schemas.openxmlformats.org/drawingml/2006/main" xmlns:r="http://schemas.openxmlformats.org/officeDocument/2006/relationships" xmlns:p="http://schemas.openxmlformats.org/presentationml/2006/main" matchingName="One column text">
   <p:cSld name="ONE_COLUMN_TEXT">
     <p:spTree>
       <p:nvGrpSpPr>
-        <p:cNvPr id="31" name="Shape 31"/>
+        <p:cNvPr id="1" name="Shape 31"/>
         <p:cNvGrpSpPr/>
         <p:nvPr/>
       </p:nvGrpSpPr>
@@ -6604,7 +6736,9 @@
       <p:sp>
         <p:nvSpPr>
           <p:cNvPr id="32" name="Google Shape;32;p7"/>
-          <p:cNvSpPr txBox="1"/>
+          <p:cNvSpPr txBox="1">
+            <a:spLocks noGrp="1"/>
+          </p:cNvSpPr>
           <p:nvPr>
             <p:ph type="title"/>
           </p:nvPr>
@@ -6623,7 +6757,7 @@
           </a:ln>
         </p:spPr>
         <p:txBody>
-          <a:bodyPr anchorCtr="0" anchor="b" bIns="91425" lIns="91425" spcFirstLastPara="1" rIns="91425" wrap="square" tIns="91425">
+          <a:bodyPr spcFirstLastPara="1" wrap="square" lIns="91425" tIns="91425" rIns="91425" bIns="91425" anchor="b" anchorCtr="0">
             <a:noAutofit/>
           </a:bodyPr>
           <a:lstStyle>
@@ -6754,15 +6888,19 @@
               <a:defRPr sz="2400"/>
             </a:lvl9pPr>
           </a:lstStyle>
-          <a:p/>
+          <a:p>
+            <a:endParaRPr/>
+          </a:p>
         </p:txBody>
       </p:sp>
       <p:sp>
         <p:nvSpPr>
           <p:cNvPr id="33" name="Google Shape;33;p7"/>
-          <p:cNvSpPr txBox="1"/>
+          <p:cNvSpPr txBox="1">
+            <a:spLocks noGrp="1"/>
+          </p:cNvSpPr>
           <p:nvPr>
-            <p:ph idx="1" type="body"/>
+            <p:ph type="body" idx="1"/>
           </p:nvPr>
         </p:nvSpPr>
         <p:spPr>
@@ -6779,11 +6917,11 @@
           </a:ln>
         </p:spPr>
         <p:txBody>
-          <a:bodyPr anchorCtr="0" anchor="t" bIns="91425" lIns="91425" spcFirstLastPara="1" rIns="91425" wrap="square" tIns="91425">
+          <a:bodyPr spcFirstLastPara="1" wrap="square" lIns="91425" tIns="91425" rIns="91425" bIns="91425" anchor="t" anchorCtr="0">
             <a:noAutofit/>
           </a:bodyPr>
           <a:lstStyle>
-            <a:lvl1pPr indent="-304800" lvl="0" marL="457200" algn="l">
+            <a:lvl1pPr marL="457200" lvl="0" indent="-304800" algn="l">
               <a:lnSpc>
                 <a:spcPct val="115000"/>
               </a:lnSpc>
@@ -6797,7 +6935,7 @@
               <a:buChar char="●"/>
               <a:defRPr sz="1200"/>
             </a:lvl1pPr>
-            <a:lvl2pPr indent="-304800" lvl="1" marL="914400" algn="l">
+            <a:lvl2pPr marL="914400" lvl="1" indent="-304800" algn="l">
               <a:lnSpc>
                 <a:spcPct val="115000"/>
               </a:lnSpc>
@@ -6811,7 +6949,7 @@
               <a:buChar char="○"/>
               <a:defRPr sz="1200"/>
             </a:lvl2pPr>
-            <a:lvl3pPr indent="-304800" lvl="2" marL="1371600" algn="l">
+            <a:lvl3pPr marL="1371600" lvl="2" indent="-304800" algn="l">
               <a:lnSpc>
                 <a:spcPct val="115000"/>
               </a:lnSpc>
@@ -6825,7 +6963,7 @@
               <a:buChar char="■"/>
               <a:defRPr sz="1200"/>
             </a:lvl3pPr>
-            <a:lvl4pPr indent="-304800" lvl="3" marL="1828800" algn="l">
+            <a:lvl4pPr marL="1828800" lvl="3" indent="-304800" algn="l">
               <a:lnSpc>
                 <a:spcPct val="115000"/>
               </a:lnSpc>
@@ -6839,7 +6977,7 @@
               <a:buChar char="●"/>
               <a:defRPr sz="1200"/>
             </a:lvl4pPr>
-            <a:lvl5pPr indent="-304800" lvl="4" marL="2286000" algn="l">
+            <a:lvl5pPr marL="2286000" lvl="4" indent="-304800" algn="l">
               <a:lnSpc>
                 <a:spcPct val="115000"/>
               </a:lnSpc>
@@ -6853,7 +6991,7 @@
               <a:buChar char="○"/>
               <a:defRPr sz="1200"/>
             </a:lvl5pPr>
-            <a:lvl6pPr indent="-304800" lvl="5" marL="2743200" algn="l">
+            <a:lvl6pPr marL="2743200" lvl="5" indent="-304800" algn="l">
               <a:lnSpc>
                 <a:spcPct val="115000"/>
               </a:lnSpc>
@@ -6867,7 +7005,7 @@
               <a:buChar char="■"/>
               <a:defRPr sz="1200"/>
             </a:lvl6pPr>
-            <a:lvl7pPr indent="-304800" lvl="6" marL="3200400" algn="l">
+            <a:lvl7pPr marL="3200400" lvl="6" indent="-304800" algn="l">
               <a:lnSpc>
                 <a:spcPct val="115000"/>
               </a:lnSpc>
@@ -6881,7 +7019,7 @@
               <a:buChar char="●"/>
               <a:defRPr sz="1200"/>
             </a:lvl7pPr>
-            <a:lvl8pPr indent="-304800" lvl="7" marL="3657600" algn="l">
+            <a:lvl8pPr marL="3657600" lvl="7" indent="-304800" algn="l">
               <a:lnSpc>
                 <a:spcPct val="115000"/>
               </a:lnSpc>
@@ -6895,7 +7033,7 @@
               <a:buChar char="○"/>
               <a:defRPr sz="1200"/>
             </a:lvl8pPr>
-            <a:lvl9pPr indent="-304800" lvl="8" marL="4114800" algn="l">
+            <a:lvl9pPr marL="4114800" lvl="8" indent="-304800" algn="l">
               <a:lnSpc>
                 <a:spcPct val="115000"/>
               </a:lnSpc>
@@ -6910,15 +7048,19 @@
               <a:defRPr sz="1200"/>
             </a:lvl9pPr>
           </a:lstStyle>
-          <a:p/>
+          <a:p>
+            <a:endParaRPr/>
+          </a:p>
         </p:txBody>
       </p:sp>
       <p:sp>
         <p:nvSpPr>
           <p:cNvPr id="34" name="Google Shape;34;p7"/>
-          <p:cNvSpPr txBox="1"/>
+          <p:cNvSpPr txBox="1">
+            <a:spLocks noGrp="1"/>
+          </p:cNvSpPr>
           <p:nvPr>
-            <p:ph idx="12" type="sldNum"/>
+            <p:ph type="sldNum" idx="12"/>
           </p:nvPr>
         </p:nvSpPr>
         <p:spPr>
@@ -6935,11 +7077,11 @@
           </a:ln>
         </p:spPr>
         <p:txBody>
-          <a:bodyPr anchorCtr="0" anchor="ctr" bIns="91425" lIns="91425" spcFirstLastPara="1" rIns="91425" wrap="square" tIns="91425">
+          <a:bodyPr spcFirstLastPara="1" wrap="square" lIns="91425" tIns="91425" rIns="91425" bIns="91425" anchor="ctr" anchorCtr="0">
             <a:noAutofit/>
           </a:bodyPr>
           <a:lstStyle>
-            <a:lvl1pPr indent="0" lvl="0" marL="0" marR="0" algn="r">
+            <a:lvl1pPr marL="0" marR="0" lvl="0" indent="0" algn="r">
               <a:lnSpc>
                 <a:spcPct val="100000"/>
               </a:lnSpc>
@@ -6955,7 +7097,7 @@
               <a:buSzPts val="1000"/>
               <a:buFont typeface="Arial"/>
               <a:buNone/>
-              <a:defRPr b="0" i="0" sz="1000" u="none" cap="none" strike="noStrike">
+              <a:defRPr sz="1000" b="0" i="0" u="none" strike="noStrike" cap="none">
                 <a:solidFill>
                   <a:schemeClr val="dk1"/>
                 </a:solidFill>
@@ -6965,7 +7107,7 @@
                 <a:sym typeface="Proxima Nova"/>
               </a:defRPr>
             </a:lvl1pPr>
-            <a:lvl2pPr indent="0" lvl="1" marL="0" marR="0" algn="r">
+            <a:lvl2pPr marL="0" marR="0" lvl="1" indent="0" algn="r">
               <a:lnSpc>
                 <a:spcPct val="100000"/>
               </a:lnSpc>
@@ -6981,7 +7123,7 @@
               <a:buSzPts val="1000"/>
               <a:buFont typeface="Arial"/>
               <a:buNone/>
-              <a:defRPr b="0" i="0" sz="1000" u="none" cap="none" strike="noStrike">
+              <a:defRPr sz="1000" b="0" i="0" u="none" strike="noStrike" cap="none">
                 <a:solidFill>
                   <a:schemeClr val="dk1"/>
                 </a:solidFill>
@@ -6991,7 +7133,7 @@
                 <a:sym typeface="Proxima Nova"/>
               </a:defRPr>
             </a:lvl2pPr>
-            <a:lvl3pPr indent="0" lvl="2" marL="0" marR="0" algn="r">
+            <a:lvl3pPr marL="0" marR="0" lvl="2" indent="0" algn="r">
               <a:lnSpc>
                 <a:spcPct val="100000"/>
               </a:lnSpc>
@@ -7007,7 +7149,7 @@
               <a:buSzPts val="1000"/>
               <a:buFont typeface="Arial"/>
               <a:buNone/>
-              <a:defRPr b="0" i="0" sz="1000" u="none" cap="none" strike="noStrike">
+              <a:defRPr sz="1000" b="0" i="0" u="none" strike="noStrike" cap="none">
                 <a:solidFill>
                   <a:schemeClr val="dk1"/>
                 </a:solidFill>
@@ -7017,7 +7159,7 @@
                 <a:sym typeface="Proxima Nova"/>
               </a:defRPr>
             </a:lvl3pPr>
-            <a:lvl4pPr indent="0" lvl="3" marL="0" marR="0" algn="r">
+            <a:lvl4pPr marL="0" marR="0" lvl="3" indent="0" algn="r">
               <a:lnSpc>
                 <a:spcPct val="100000"/>
               </a:lnSpc>
@@ -7033,7 +7175,7 @@
               <a:buSzPts val="1000"/>
               <a:buFont typeface="Arial"/>
               <a:buNone/>
-              <a:defRPr b="0" i="0" sz="1000" u="none" cap="none" strike="noStrike">
+              <a:defRPr sz="1000" b="0" i="0" u="none" strike="noStrike" cap="none">
                 <a:solidFill>
                   <a:schemeClr val="dk1"/>
                 </a:solidFill>
@@ -7043,7 +7185,7 @@
                 <a:sym typeface="Proxima Nova"/>
               </a:defRPr>
             </a:lvl4pPr>
-            <a:lvl5pPr indent="0" lvl="4" marL="0" marR="0" algn="r">
+            <a:lvl5pPr marL="0" marR="0" lvl="4" indent="0" algn="r">
               <a:lnSpc>
                 <a:spcPct val="100000"/>
               </a:lnSpc>
@@ -7059,7 +7201,7 @@
               <a:buSzPts val="1000"/>
               <a:buFont typeface="Arial"/>
               <a:buNone/>
-              <a:defRPr b="0" i="0" sz="1000" u="none" cap="none" strike="noStrike">
+              <a:defRPr sz="1000" b="0" i="0" u="none" strike="noStrike" cap="none">
                 <a:solidFill>
                   <a:schemeClr val="dk1"/>
                 </a:solidFill>
@@ -7069,7 +7211,7 @@
                 <a:sym typeface="Proxima Nova"/>
               </a:defRPr>
             </a:lvl5pPr>
-            <a:lvl6pPr indent="0" lvl="5" marL="0" marR="0" algn="r">
+            <a:lvl6pPr marL="0" marR="0" lvl="5" indent="0" algn="r">
               <a:lnSpc>
                 <a:spcPct val="100000"/>
               </a:lnSpc>
@@ -7085,7 +7227,7 @@
               <a:buSzPts val="1000"/>
               <a:buFont typeface="Arial"/>
               <a:buNone/>
-              <a:defRPr b="0" i="0" sz="1000" u="none" cap="none" strike="noStrike">
+              <a:defRPr sz="1000" b="0" i="0" u="none" strike="noStrike" cap="none">
                 <a:solidFill>
                   <a:schemeClr val="dk1"/>
                 </a:solidFill>
@@ -7095,7 +7237,7 @@
                 <a:sym typeface="Proxima Nova"/>
               </a:defRPr>
             </a:lvl6pPr>
-            <a:lvl7pPr indent="0" lvl="6" marL="0" marR="0" algn="r">
+            <a:lvl7pPr marL="0" marR="0" lvl="6" indent="0" algn="r">
               <a:lnSpc>
                 <a:spcPct val="100000"/>
               </a:lnSpc>
@@ -7111,7 +7253,7 @@
               <a:buSzPts val="1000"/>
               <a:buFont typeface="Arial"/>
               <a:buNone/>
-              <a:defRPr b="0" i="0" sz="1000" u="none" cap="none" strike="noStrike">
+              <a:defRPr sz="1000" b="0" i="0" u="none" strike="noStrike" cap="none">
                 <a:solidFill>
                   <a:schemeClr val="dk1"/>
                 </a:solidFill>
@@ -7121,7 +7263,7 @@
                 <a:sym typeface="Proxima Nova"/>
               </a:defRPr>
             </a:lvl7pPr>
-            <a:lvl8pPr indent="0" lvl="7" marL="0" marR="0" algn="r">
+            <a:lvl8pPr marL="0" marR="0" lvl="7" indent="0" algn="r">
               <a:lnSpc>
                 <a:spcPct val="100000"/>
               </a:lnSpc>
@@ -7137,7 +7279,7 @@
               <a:buSzPts val="1000"/>
               <a:buFont typeface="Arial"/>
               <a:buNone/>
-              <a:defRPr b="0" i="0" sz="1000" u="none" cap="none" strike="noStrike">
+              <a:defRPr sz="1000" b="0" i="0" u="none" strike="noStrike" cap="none">
                 <a:solidFill>
                   <a:schemeClr val="dk1"/>
                 </a:solidFill>
@@ -7147,7 +7289,7 @@
                 <a:sym typeface="Proxima Nova"/>
               </a:defRPr>
             </a:lvl8pPr>
-            <a:lvl9pPr indent="0" lvl="8" marL="0" marR="0" algn="r">
+            <a:lvl9pPr marL="0" marR="0" lvl="8" indent="0" algn="r">
               <a:lnSpc>
                 <a:spcPct val="100000"/>
               </a:lnSpc>
@@ -7163,7 +7305,7 @@
               <a:buSzPts val="1000"/>
               <a:buFont typeface="Arial"/>
               <a:buNone/>
-              <a:defRPr b="0" i="0" sz="1000" u="none" cap="none" strike="noStrike">
+              <a:defRPr sz="1000" b="0" i="0" u="none" strike="noStrike" cap="none">
                 <a:solidFill>
                   <a:schemeClr val="dk1"/>
                 </a:solidFill>
@@ -7175,7 +7317,7 @@
             </a:lvl9pPr>
           </a:lstStyle>
           <a:p>
-            <a:pPr indent="0" lvl="0" marL="0" rtl="0" algn="r">
+            <a:pPr marL="0" lvl="0" indent="0" algn="r" rtl="0">
               <a:spcBef>
                 <a:spcPts val="0"/>
               </a:spcBef>
@@ -7201,18 +7343,19 @@
 </file>
 
 <file path=ppt/slideLayouts/slideLayout7.xml><?xml version="1.0" encoding="utf-8"?>
-<p:sldLayout xmlns:a="http://schemas.openxmlformats.org/drawingml/2006/main" xmlns:r="http://schemas.openxmlformats.org/officeDocument/2006/relationships" xmlns:mc="http://schemas.openxmlformats.org/markup-compatibility/2006" xmlns:mv="urn:schemas-microsoft-com:mac:vml" xmlns:p="http://schemas.openxmlformats.org/presentationml/2006/main" xmlns:c="http://schemas.openxmlformats.org/drawingml/2006/chart" xmlns:dgm="http://schemas.openxmlformats.org/drawingml/2006/diagram" xmlns:o="urn:schemas-microsoft-com:office:office" xmlns:v="urn:schemas-microsoft-com:vml" xmlns:pvml="urn:schemas-microsoft-com:office:powerpoint" xmlns:com="http://schemas.openxmlformats.org/drawingml/2006/compatibility" xmlns:p14="http://schemas.microsoft.com/office/powerpoint/2010/main" xmlns:p15="http://schemas.microsoft.com/office/powerpoint/2012/main" xmlns:ahyp="http://schemas.microsoft.com/office/drawing/2018/hyperlinkcolor" matchingName="Main point">
+<p:sldLayout xmlns:a="http://schemas.openxmlformats.org/drawingml/2006/main" xmlns:r="http://schemas.openxmlformats.org/officeDocument/2006/relationships" xmlns:p="http://schemas.openxmlformats.org/presentationml/2006/main" matchingName="Main point">
   <p:cSld name="MAIN_POINT">
     <p:bg>
       <p:bgPr>
         <a:solidFill>
           <a:schemeClr val="lt2"/>
         </a:solidFill>
+        <a:effectLst/>
       </p:bgPr>
     </p:bg>
     <p:spTree>
       <p:nvGrpSpPr>
-        <p:cNvPr id="35" name="Shape 35"/>
+        <p:cNvPr id="1" name="Shape 35"/>
         <p:cNvGrpSpPr/>
         <p:nvPr/>
       </p:nvGrpSpPr>
@@ -7227,7 +7370,9 @@
       <p:sp>
         <p:nvSpPr>
           <p:cNvPr id="36" name="Google Shape;36;p8"/>
-          <p:cNvSpPr txBox="1"/>
+          <p:cNvSpPr txBox="1">
+            <a:spLocks noGrp="1"/>
+          </p:cNvSpPr>
           <p:nvPr>
             <p:ph type="title"/>
           </p:nvPr>
@@ -7246,7 +7391,7 @@
           </a:ln>
         </p:spPr>
         <p:txBody>
-          <a:bodyPr anchorCtr="0" anchor="ctr" bIns="91425" lIns="91425" spcFirstLastPara="1" rIns="91425" wrap="square" tIns="91425">
+          <a:bodyPr spcFirstLastPara="1" wrap="square" lIns="91425" tIns="91425" rIns="91425" bIns="91425" anchor="ctr" anchorCtr="0">
             <a:noAutofit/>
           </a:bodyPr>
           <a:lstStyle>
@@ -7377,15 +7522,19 @@
               <a:defRPr sz="4800"/>
             </a:lvl9pPr>
           </a:lstStyle>
-          <a:p/>
+          <a:p>
+            <a:endParaRPr/>
+          </a:p>
         </p:txBody>
       </p:sp>
       <p:sp>
         <p:nvSpPr>
           <p:cNvPr id="37" name="Google Shape;37;p8"/>
-          <p:cNvSpPr txBox="1"/>
+          <p:cNvSpPr txBox="1">
+            <a:spLocks noGrp="1"/>
+          </p:cNvSpPr>
           <p:nvPr>
-            <p:ph idx="12" type="sldNum"/>
+            <p:ph type="sldNum" idx="12"/>
           </p:nvPr>
         </p:nvSpPr>
         <p:spPr>
@@ -7402,11 +7551,11 @@
           </a:ln>
         </p:spPr>
         <p:txBody>
-          <a:bodyPr anchorCtr="0" anchor="ctr" bIns="91425" lIns="91425" spcFirstLastPara="1" rIns="91425" wrap="square" tIns="91425">
+          <a:bodyPr spcFirstLastPara="1" wrap="square" lIns="91425" tIns="91425" rIns="91425" bIns="91425" anchor="ctr" anchorCtr="0">
             <a:noAutofit/>
           </a:bodyPr>
           <a:lstStyle>
-            <a:lvl1pPr indent="0" lvl="0" marL="0" marR="0" algn="r">
+            <a:lvl1pPr marL="0" marR="0" lvl="0" indent="0" algn="r">
               <a:lnSpc>
                 <a:spcPct val="100000"/>
               </a:lnSpc>
@@ -7422,7 +7571,7 @@
               <a:buSzPts val="1000"/>
               <a:buFont typeface="Arial"/>
               <a:buNone/>
-              <a:defRPr b="0" i="0" sz="1000" u="none" cap="none" strike="noStrike">
+              <a:defRPr sz="1000" b="0" i="0" u="none" strike="noStrike" cap="none">
                 <a:solidFill>
                   <a:schemeClr val="dk1"/>
                 </a:solidFill>
@@ -7432,7 +7581,7 @@
                 <a:sym typeface="Proxima Nova"/>
               </a:defRPr>
             </a:lvl1pPr>
-            <a:lvl2pPr indent="0" lvl="1" marL="0" marR="0" algn="r">
+            <a:lvl2pPr marL="0" marR="0" lvl="1" indent="0" algn="r">
               <a:lnSpc>
                 <a:spcPct val="100000"/>
               </a:lnSpc>
@@ -7448,7 +7597,7 @@
               <a:buSzPts val="1000"/>
               <a:buFont typeface="Arial"/>
               <a:buNone/>
-              <a:defRPr b="0" i="0" sz="1000" u="none" cap="none" strike="noStrike">
+              <a:defRPr sz="1000" b="0" i="0" u="none" strike="noStrike" cap="none">
                 <a:solidFill>
                   <a:schemeClr val="dk1"/>
                 </a:solidFill>
@@ -7458,7 +7607,7 @@
                 <a:sym typeface="Proxima Nova"/>
               </a:defRPr>
             </a:lvl2pPr>
-            <a:lvl3pPr indent="0" lvl="2" marL="0" marR="0" algn="r">
+            <a:lvl3pPr marL="0" marR="0" lvl="2" indent="0" algn="r">
               <a:lnSpc>
                 <a:spcPct val="100000"/>
               </a:lnSpc>
@@ -7474,7 +7623,7 @@
               <a:buSzPts val="1000"/>
               <a:buFont typeface="Arial"/>
               <a:buNone/>
-              <a:defRPr b="0" i="0" sz="1000" u="none" cap="none" strike="noStrike">
+              <a:defRPr sz="1000" b="0" i="0" u="none" strike="noStrike" cap="none">
                 <a:solidFill>
                   <a:schemeClr val="dk1"/>
                 </a:solidFill>
@@ -7484,7 +7633,7 @@
                 <a:sym typeface="Proxima Nova"/>
               </a:defRPr>
             </a:lvl3pPr>
-            <a:lvl4pPr indent="0" lvl="3" marL="0" marR="0" algn="r">
+            <a:lvl4pPr marL="0" marR="0" lvl="3" indent="0" algn="r">
               <a:lnSpc>
                 <a:spcPct val="100000"/>
               </a:lnSpc>
@@ -7500,7 +7649,7 @@
               <a:buSzPts val="1000"/>
               <a:buFont typeface="Arial"/>
               <a:buNone/>
-              <a:defRPr b="0" i="0" sz="1000" u="none" cap="none" strike="noStrike">
+              <a:defRPr sz="1000" b="0" i="0" u="none" strike="noStrike" cap="none">
                 <a:solidFill>
                   <a:schemeClr val="dk1"/>
                 </a:solidFill>
@@ -7510,7 +7659,7 @@
                 <a:sym typeface="Proxima Nova"/>
               </a:defRPr>
             </a:lvl4pPr>
-            <a:lvl5pPr indent="0" lvl="4" marL="0" marR="0" algn="r">
+            <a:lvl5pPr marL="0" marR="0" lvl="4" indent="0" algn="r">
               <a:lnSpc>
                 <a:spcPct val="100000"/>
               </a:lnSpc>
@@ -7526,7 +7675,7 @@
               <a:buSzPts val="1000"/>
               <a:buFont typeface="Arial"/>
               <a:buNone/>
-              <a:defRPr b="0" i="0" sz="1000" u="none" cap="none" strike="noStrike">
+              <a:defRPr sz="1000" b="0" i="0" u="none" strike="noStrike" cap="none">
                 <a:solidFill>
                   <a:schemeClr val="dk1"/>
                 </a:solidFill>
@@ -7536,7 +7685,7 @@
                 <a:sym typeface="Proxima Nova"/>
               </a:defRPr>
             </a:lvl5pPr>
-            <a:lvl6pPr indent="0" lvl="5" marL="0" marR="0" algn="r">
+            <a:lvl6pPr marL="0" marR="0" lvl="5" indent="0" algn="r">
               <a:lnSpc>
                 <a:spcPct val="100000"/>
               </a:lnSpc>
@@ -7552,7 +7701,7 @@
               <a:buSzPts val="1000"/>
               <a:buFont typeface="Arial"/>
               <a:buNone/>
-              <a:defRPr b="0" i="0" sz="1000" u="none" cap="none" strike="noStrike">
+              <a:defRPr sz="1000" b="0" i="0" u="none" strike="noStrike" cap="none">
                 <a:solidFill>
                   <a:schemeClr val="dk1"/>
                 </a:solidFill>
@@ -7562,7 +7711,7 @@
                 <a:sym typeface="Proxima Nova"/>
               </a:defRPr>
             </a:lvl6pPr>
-            <a:lvl7pPr indent="0" lvl="6" marL="0" marR="0" algn="r">
+            <a:lvl7pPr marL="0" marR="0" lvl="6" indent="0" algn="r">
               <a:lnSpc>
                 <a:spcPct val="100000"/>
               </a:lnSpc>
@@ -7578,7 +7727,7 @@
               <a:buSzPts val="1000"/>
               <a:buFont typeface="Arial"/>
               <a:buNone/>
-              <a:defRPr b="0" i="0" sz="1000" u="none" cap="none" strike="noStrike">
+              <a:defRPr sz="1000" b="0" i="0" u="none" strike="noStrike" cap="none">
                 <a:solidFill>
                   <a:schemeClr val="dk1"/>
                 </a:solidFill>
@@ -7588,7 +7737,7 @@
                 <a:sym typeface="Proxima Nova"/>
               </a:defRPr>
             </a:lvl7pPr>
-            <a:lvl8pPr indent="0" lvl="7" marL="0" marR="0" algn="r">
+            <a:lvl8pPr marL="0" marR="0" lvl="7" indent="0" algn="r">
               <a:lnSpc>
                 <a:spcPct val="100000"/>
               </a:lnSpc>
@@ -7604,7 +7753,7 @@
               <a:buSzPts val="1000"/>
               <a:buFont typeface="Arial"/>
               <a:buNone/>
-              <a:defRPr b="0" i="0" sz="1000" u="none" cap="none" strike="noStrike">
+              <a:defRPr sz="1000" b="0" i="0" u="none" strike="noStrike" cap="none">
                 <a:solidFill>
                   <a:schemeClr val="dk1"/>
                 </a:solidFill>
@@ -7614,7 +7763,7 @@
                 <a:sym typeface="Proxima Nova"/>
               </a:defRPr>
             </a:lvl8pPr>
-            <a:lvl9pPr indent="0" lvl="8" marL="0" marR="0" algn="r">
+            <a:lvl9pPr marL="0" marR="0" lvl="8" indent="0" algn="r">
               <a:lnSpc>
                 <a:spcPct val="100000"/>
               </a:lnSpc>
@@ -7630,7 +7779,7 @@
               <a:buSzPts val="1000"/>
               <a:buFont typeface="Arial"/>
               <a:buNone/>
-              <a:defRPr b="0" i="0" sz="1000" u="none" cap="none" strike="noStrike">
+              <a:defRPr sz="1000" b="0" i="0" u="none" strike="noStrike" cap="none">
                 <a:solidFill>
                   <a:schemeClr val="dk1"/>
                 </a:solidFill>
@@ -7642,7 +7791,7 @@
             </a:lvl9pPr>
           </a:lstStyle>
           <a:p>
-            <a:pPr indent="0" lvl="0" marL="0" rtl="0" algn="r">
+            <a:pPr marL="0" lvl="0" indent="0" algn="r" rtl="0">
               <a:spcBef>
                 <a:spcPts val="0"/>
               </a:spcBef>
@@ -7668,11 +7817,11 @@
 </file>
 
 <file path=ppt/slideLayouts/slideLayout8.xml><?xml version="1.0" encoding="utf-8"?>
-<p:sldLayout xmlns:a="http://schemas.openxmlformats.org/drawingml/2006/main" xmlns:r="http://schemas.openxmlformats.org/officeDocument/2006/relationships" xmlns:mc="http://schemas.openxmlformats.org/markup-compatibility/2006" xmlns:mv="urn:schemas-microsoft-com:mac:vml" xmlns:p="http://schemas.openxmlformats.org/presentationml/2006/main" xmlns:c="http://schemas.openxmlformats.org/drawingml/2006/chart" xmlns:dgm="http://schemas.openxmlformats.org/drawingml/2006/diagram" xmlns:o="urn:schemas-microsoft-com:office:office" xmlns:v="urn:schemas-microsoft-com:vml" xmlns:pvml="urn:schemas-microsoft-com:office:powerpoint" xmlns:com="http://schemas.openxmlformats.org/drawingml/2006/compatibility" xmlns:p14="http://schemas.microsoft.com/office/powerpoint/2010/main" xmlns:p15="http://schemas.microsoft.com/office/powerpoint/2012/main" xmlns:ahyp="http://schemas.microsoft.com/office/drawing/2018/hyperlinkcolor" matchingName="Section title and description">
+<p:sldLayout xmlns:a="http://schemas.openxmlformats.org/drawingml/2006/main" xmlns:r="http://schemas.openxmlformats.org/officeDocument/2006/relationships" xmlns:p="http://schemas.openxmlformats.org/presentationml/2006/main" matchingName="Section title and description">
   <p:cSld name="SECTION_TITLE_AND_DESCRIPTION">
     <p:spTree>
       <p:nvGrpSpPr>
-        <p:cNvPr id="38" name="Shape 38"/>
+        <p:cNvPr id="1" name="Shape 38"/>
         <p:cNvGrpSpPr/>
         <p:nvPr/>
       </p:nvGrpSpPr>
@@ -7706,12 +7855,12 @@
           </a:ln>
         </p:spPr>
         <p:txBody>
-          <a:bodyPr anchorCtr="0" anchor="ctr" bIns="91425" lIns="91425" spcFirstLastPara="1" rIns="91425" wrap="square" tIns="91425">
+          <a:bodyPr spcFirstLastPara="1" wrap="square" lIns="91425" tIns="91425" rIns="91425" bIns="91425" anchor="ctr" anchorCtr="0">
             <a:noAutofit/>
           </a:bodyPr>
           <a:lstStyle/>
           <a:p>
-            <a:pPr indent="0" lvl="0" marL="0" marR="0" rtl="0" algn="l">
+            <a:pPr marL="0" marR="0" lvl="0" indent="0" algn="l" rtl="0">
               <a:lnSpc>
                 <a:spcPct val="100000"/>
               </a:lnSpc>
@@ -7728,10 +7877,7 @@
               <a:buFont typeface="Arial"/>
               <a:buNone/>
             </a:pPr>
-            <a:r>
-              <a:t/>
-            </a:r>
-            <a:endParaRPr b="0" i="0" sz="1400" u="none" cap="none" strike="noStrike">
+            <a:endParaRPr sz="1400" b="0" i="0" u="none" strike="noStrike" cap="none">
               <a:solidFill>
                 <a:srgbClr val="000000"/>
               </a:solidFill>
@@ -7758,21 +7904,23 @@
             <a:avLst/>
           </a:prstGeom>
           <a:noFill/>
-          <a:ln cap="flat" cmpd="sng" w="19050">
+          <a:ln w="19050" cap="flat" cmpd="sng">
             <a:solidFill>
               <a:schemeClr val="lt2"/>
             </a:solidFill>
             <a:prstDash val="solid"/>
             <a:round/>
-            <a:headEnd len="sm" w="sm" type="none"/>
-            <a:tailEnd len="sm" w="sm" type="none"/>
+            <a:headEnd type="none" w="sm" len="sm"/>
+            <a:tailEnd type="none" w="sm" len="sm"/>
           </a:ln>
         </p:spPr>
       </p:cxnSp>
       <p:sp>
         <p:nvSpPr>
           <p:cNvPr id="41" name="Google Shape;41;p9"/>
-          <p:cNvSpPr txBox="1"/>
+          <p:cNvSpPr txBox="1">
+            <a:spLocks noGrp="1"/>
+          </p:cNvSpPr>
           <p:nvPr>
             <p:ph type="title"/>
           </p:nvPr>
@@ -7791,7 +7939,7 @@
           </a:ln>
         </p:spPr>
         <p:txBody>
-          <a:bodyPr anchorCtr="0" anchor="b" bIns="91425" lIns="91425" spcFirstLastPara="1" rIns="91425" wrap="square" tIns="91425">
+          <a:bodyPr spcFirstLastPara="1" wrap="square" lIns="91425" tIns="91425" rIns="91425" bIns="91425" anchor="b" anchorCtr="0">
             <a:noAutofit/>
           </a:bodyPr>
           <a:lstStyle>
@@ -7922,15 +8070,19 @@
               <a:defRPr sz="4200"/>
             </a:lvl9pPr>
           </a:lstStyle>
-          <a:p/>
+          <a:p>
+            <a:endParaRPr/>
+          </a:p>
         </p:txBody>
       </p:sp>
       <p:sp>
         <p:nvSpPr>
           <p:cNvPr id="42" name="Google Shape;42;p9"/>
-          <p:cNvSpPr txBox="1"/>
+          <p:cNvSpPr txBox="1">
+            <a:spLocks noGrp="1"/>
+          </p:cNvSpPr>
           <p:nvPr>
-            <p:ph idx="1" type="subTitle"/>
+            <p:ph type="subTitle" idx="1"/>
           </p:nvPr>
         </p:nvSpPr>
         <p:spPr>
@@ -7947,7 +8099,7 @@
           </a:ln>
         </p:spPr>
         <p:txBody>
-          <a:bodyPr anchorCtr="0" anchor="t" bIns="91425" lIns="91425" spcFirstLastPara="1" rIns="91425" wrap="square" tIns="91425">
+          <a:bodyPr spcFirstLastPara="1" wrap="square" lIns="91425" tIns="91425" rIns="91425" bIns="91425" anchor="t" anchorCtr="0">
             <a:noAutofit/>
           </a:bodyPr>
           <a:lstStyle>
@@ -8078,15 +8230,19 @@
               <a:defRPr sz="2100"/>
             </a:lvl9pPr>
           </a:lstStyle>
-          <a:p/>
+          <a:p>
+            <a:endParaRPr/>
+          </a:p>
         </p:txBody>
       </p:sp>
       <p:sp>
         <p:nvSpPr>
           <p:cNvPr id="43" name="Google Shape;43;p9"/>
-          <p:cNvSpPr txBox="1"/>
+          <p:cNvSpPr txBox="1">
+            <a:spLocks noGrp="1"/>
+          </p:cNvSpPr>
           <p:nvPr>
-            <p:ph idx="2" type="body"/>
+            <p:ph type="body" idx="2"/>
           </p:nvPr>
         </p:nvSpPr>
         <p:spPr>
@@ -8103,11 +8259,11 @@
           </a:ln>
         </p:spPr>
         <p:txBody>
-          <a:bodyPr anchorCtr="0" anchor="ctr" bIns="91425" lIns="91425" spcFirstLastPara="1" rIns="91425" wrap="square" tIns="91425">
+          <a:bodyPr spcFirstLastPara="1" wrap="square" lIns="91425" tIns="91425" rIns="91425" bIns="91425" anchor="ctr" anchorCtr="0">
             <a:noAutofit/>
           </a:bodyPr>
           <a:lstStyle>
-            <a:lvl1pPr indent="-342900" lvl="0" marL="457200" algn="l">
+            <a:lvl1pPr marL="457200" lvl="0" indent="-342900" algn="l">
               <a:lnSpc>
                 <a:spcPct val="115000"/>
               </a:lnSpc>
@@ -8128,7 +8284,7 @@
                 </a:solidFill>
               </a:defRPr>
             </a:lvl1pPr>
-            <a:lvl2pPr indent="-317500" lvl="1" marL="914400" algn="l">
+            <a:lvl2pPr marL="914400" lvl="1" indent="-317500" algn="l">
               <a:lnSpc>
                 <a:spcPct val="115000"/>
               </a:lnSpc>
@@ -8149,7 +8305,7 @@
                 </a:solidFill>
               </a:defRPr>
             </a:lvl2pPr>
-            <a:lvl3pPr indent="-317500" lvl="2" marL="1371600" algn="l">
+            <a:lvl3pPr marL="1371600" lvl="2" indent="-317500" algn="l">
               <a:lnSpc>
                 <a:spcPct val="115000"/>
               </a:lnSpc>
@@ -8170,7 +8326,7 @@
                 </a:solidFill>
               </a:defRPr>
             </a:lvl3pPr>
-            <a:lvl4pPr indent="-317500" lvl="3" marL="1828800" algn="l">
+            <a:lvl4pPr marL="1828800" lvl="3" indent="-317500" algn="l">
               <a:lnSpc>
                 <a:spcPct val="115000"/>
               </a:lnSpc>
@@ -8191,7 +8347,7 @@
                 </a:solidFill>
               </a:defRPr>
             </a:lvl4pPr>
-            <a:lvl5pPr indent="-317500" lvl="4" marL="2286000" algn="l">
+            <a:lvl5pPr marL="2286000" lvl="4" indent="-317500" algn="l">
               <a:lnSpc>
                 <a:spcPct val="115000"/>
               </a:lnSpc>
@@ -8212,7 +8368,7 @@
                 </a:solidFill>
               </a:defRPr>
             </a:lvl5pPr>
-            <a:lvl6pPr indent="-317500" lvl="5" marL="2743200" algn="l">
+            <a:lvl6pPr marL="2743200" lvl="5" indent="-317500" algn="l">
               <a:lnSpc>
                 <a:spcPct val="115000"/>
               </a:lnSpc>
@@ -8233,7 +8389,7 @@
                 </a:solidFill>
               </a:defRPr>
             </a:lvl6pPr>
-            <a:lvl7pPr indent="-317500" lvl="6" marL="3200400" algn="l">
+            <a:lvl7pPr marL="3200400" lvl="6" indent="-317500" algn="l">
               <a:lnSpc>
                 <a:spcPct val="115000"/>
               </a:lnSpc>
@@ -8254,7 +8410,7 @@
                 </a:solidFill>
               </a:defRPr>
             </a:lvl7pPr>
-            <a:lvl8pPr indent="-317500" lvl="7" marL="3657600" algn="l">
+            <a:lvl8pPr marL="3657600" lvl="7" indent="-317500" algn="l">
               <a:lnSpc>
                 <a:spcPct val="115000"/>
               </a:lnSpc>
@@ -8275,7 +8431,7 @@
                 </a:solidFill>
               </a:defRPr>
             </a:lvl8pPr>
-            <a:lvl9pPr indent="-317500" lvl="8" marL="4114800" algn="l">
+            <a:lvl9pPr marL="4114800" lvl="8" indent="-317500" algn="l">
               <a:lnSpc>
                 <a:spcPct val="115000"/>
               </a:lnSpc>
@@ -8297,15 +8453,19 @@
               </a:defRPr>
             </a:lvl9pPr>
           </a:lstStyle>
-          <a:p/>
+          <a:p>
+            <a:endParaRPr/>
+          </a:p>
         </p:txBody>
       </p:sp>
       <p:sp>
         <p:nvSpPr>
           <p:cNvPr id="44" name="Google Shape;44;p9"/>
-          <p:cNvSpPr txBox="1"/>
+          <p:cNvSpPr txBox="1">
+            <a:spLocks noGrp="1"/>
+          </p:cNvSpPr>
           <p:nvPr>
-            <p:ph idx="12" type="sldNum"/>
+            <p:ph type="sldNum" idx="12"/>
           </p:nvPr>
         </p:nvSpPr>
         <p:spPr>
@@ -8322,11 +8482,11 @@
           </a:ln>
         </p:spPr>
         <p:txBody>
-          <a:bodyPr anchorCtr="0" anchor="ctr" bIns="91425" lIns="91425" spcFirstLastPara="1" rIns="91425" wrap="square" tIns="91425">
+          <a:bodyPr spcFirstLastPara="1" wrap="square" lIns="91425" tIns="91425" rIns="91425" bIns="91425" anchor="ctr" anchorCtr="0">
             <a:noAutofit/>
           </a:bodyPr>
           <a:lstStyle>
-            <a:lvl1pPr indent="0" lvl="0" marL="0" marR="0" algn="r">
+            <a:lvl1pPr marL="0" marR="0" lvl="0" indent="0" algn="r">
               <a:lnSpc>
                 <a:spcPct val="100000"/>
               </a:lnSpc>
@@ -8342,7 +8502,7 @@
               <a:buSzPts val="1000"/>
               <a:buFont typeface="Arial"/>
               <a:buNone/>
-              <a:defRPr b="0" i="0" sz="1000" u="none" cap="none" strike="noStrike">
+              <a:defRPr sz="1000" b="0" i="0" u="none" strike="noStrike" cap="none">
                 <a:solidFill>
                   <a:schemeClr val="lt1"/>
                 </a:solidFill>
@@ -8352,7 +8512,7 @@
                 <a:sym typeface="Proxima Nova"/>
               </a:defRPr>
             </a:lvl1pPr>
-            <a:lvl2pPr indent="0" lvl="1" marL="0" marR="0" algn="r">
+            <a:lvl2pPr marL="0" marR="0" lvl="1" indent="0" algn="r">
               <a:lnSpc>
                 <a:spcPct val="100000"/>
               </a:lnSpc>
@@ -8368,7 +8528,7 @@
               <a:buSzPts val="1000"/>
               <a:buFont typeface="Arial"/>
               <a:buNone/>
-              <a:defRPr b="0" i="0" sz="1000" u="none" cap="none" strike="noStrike">
+              <a:defRPr sz="1000" b="0" i="0" u="none" strike="noStrike" cap="none">
                 <a:solidFill>
                   <a:schemeClr val="lt1"/>
                 </a:solidFill>
@@ -8378,7 +8538,7 @@
                 <a:sym typeface="Proxima Nova"/>
               </a:defRPr>
             </a:lvl2pPr>
-            <a:lvl3pPr indent="0" lvl="2" marL="0" marR="0" algn="r">
+            <a:lvl3pPr marL="0" marR="0" lvl="2" indent="0" algn="r">
               <a:lnSpc>
                 <a:spcPct val="100000"/>
               </a:lnSpc>
@@ -8394,7 +8554,7 @@
               <a:buSzPts val="1000"/>
               <a:buFont typeface="Arial"/>
               <a:buNone/>
-              <a:defRPr b="0" i="0" sz="1000" u="none" cap="none" strike="noStrike">
+              <a:defRPr sz="1000" b="0" i="0" u="none" strike="noStrike" cap="none">
                 <a:solidFill>
                   <a:schemeClr val="lt1"/>
                 </a:solidFill>
@@ -8404,7 +8564,7 @@
                 <a:sym typeface="Proxima Nova"/>
               </a:defRPr>
             </a:lvl3pPr>
-            <a:lvl4pPr indent="0" lvl="3" marL="0" marR="0" algn="r">
+            <a:lvl4pPr marL="0" marR="0" lvl="3" indent="0" algn="r">
               <a:lnSpc>
                 <a:spcPct val="100000"/>
               </a:lnSpc>
@@ -8420,7 +8580,7 @@
               <a:buSzPts val="1000"/>
               <a:buFont typeface="Arial"/>
               <a:buNone/>
-              <a:defRPr b="0" i="0" sz="1000" u="none" cap="none" strike="noStrike">
+              <a:defRPr sz="1000" b="0" i="0" u="none" strike="noStrike" cap="none">
                 <a:solidFill>
                   <a:schemeClr val="lt1"/>
                 </a:solidFill>
@@ -8430,7 +8590,7 @@
                 <a:sym typeface="Proxima Nova"/>
               </a:defRPr>
             </a:lvl4pPr>
-            <a:lvl5pPr indent="0" lvl="4" marL="0" marR="0" algn="r">
+            <a:lvl5pPr marL="0" marR="0" lvl="4" indent="0" algn="r">
               <a:lnSpc>
                 <a:spcPct val="100000"/>
               </a:lnSpc>
@@ -8446,7 +8606,7 @@
               <a:buSzPts val="1000"/>
               <a:buFont typeface="Arial"/>
               <a:buNone/>
-              <a:defRPr b="0" i="0" sz="1000" u="none" cap="none" strike="noStrike">
+              <a:defRPr sz="1000" b="0" i="0" u="none" strike="noStrike" cap="none">
                 <a:solidFill>
                   <a:schemeClr val="lt1"/>
                 </a:solidFill>
@@ -8456,7 +8616,7 @@
                 <a:sym typeface="Proxima Nova"/>
               </a:defRPr>
             </a:lvl5pPr>
-            <a:lvl6pPr indent="0" lvl="5" marL="0" marR="0" algn="r">
+            <a:lvl6pPr marL="0" marR="0" lvl="5" indent="0" algn="r">
               <a:lnSpc>
                 <a:spcPct val="100000"/>
               </a:lnSpc>
@@ -8472,7 +8632,7 @@
               <a:buSzPts val="1000"/>
               <a:buFont typeface="Arial"/>
               <a:buNone/>
-              <a:defRPr b="0" i="0" sz="1000" u="none" cap="none" strike="noStrike">
+              <a:defRPr sz="1000" b="0" i="0" u="none" strike="noStrike" cap="none">
                 <a:solidFill>
                   <a:schemeClr val="lt1"/>
                 </a:solidFill>
@@ -8482,7 +8642,7 @@
                 <a:sym typeface="Proxima Nova"/>
               </a:defRPr>
             </a:lvl6pPr>
-            <a:lvl7pPr indent="0" lvl="6" marL="0" marR="0" algn="r">
+            <a:lvl7pPr marL="0" marR="0" lvl="6" indent="0" algn="r">
               <a:lnSpc>
                 <a:spcPct val="100000"/>
               </a:lnSpc>
@@ -8498,7 +8658,7 @@
               <a:buSzPts val="1000"/>
               <a:buFont typeface="Arial"/>
               <a:buNone/>
-              <a:defRPr b="0" i="0" sz="1000" u="none" cap="none" strike="noStrike">
+              <a:defRPr sz="1000" b="0" i="0" u="none" strike="noStrike" cap="none">
                 <a:solidFill>
                   <a:schemeClr val="lt1"/>
                 </a:solidFill>
@@ -8508,7 +8668,7 @@
                 <a:sym typeface="Proxima Nova"/>
               </a:defRPr>
             </a:lvl7pPr>
-            <a:lvl8pPr indent="0" lvl="7" marL="0" marR="0" algn="r">
+            <a:lvl8pPr marL="0" marR="0" lvl="7" indent="0" algn="r">
               <a:lnSpc>
                 <a:spcPct val="100000"/>
               </a:lnSpc>
@@ -8524,7 +8684,7 @@
               <a:buSzPts val="1000"/>
               <a:buFont typeface="Arial"/>
               <a:buNone/>
-              <a:defRPr b="0" i="0" sz="1000" u="none" cap="none" strike="noStrike">
+              <a:defRPr sz="1000" b="0" i="0" u="none" strike="noStrike" cap="none">
                 <a:solidFill>
                   <a:schemeClr val="lt1"/>
                 </a:solidFill>
@@ -8534,7 +8694,7 @@
                 <a:sym typeface="Proxima Nova"/>
               </a:defRPr>
             </a:lvl8pPr>
-            <a:lvl9pPr indent="0" lvl="8" marL="0" marR="0" algn="r">
+            <a:lvl9pPr marL="0" marR="0" lvl="8" indent="0" algn="r">
               <a:lnSpc>
                 <a:spcPct val="100000"/>
               </a:lnSpc>
@@ -8550,7 +8710,7 @@
               <a:buSzPts val="1000"/>
               <a:buFont typeface="Arial"/>
               <a:buNone/>
-              <a:defRPr b="0" i="0" sz="1000" u="none" cap="none" strike="noStrike">
+              <a:defRPr sz="1000" b="0" i="0" u="none" strike="noStrike" cap="none">
                 <a:solidFill>
                   <a:schemeClr val="lt1"/>
                 </a:solidFill>
@@ -8562,7 +8722,7 @@
             </a:lvl9pPr>
           </a:lstStyle>
           <a:p>
-            <a:pPr indent="0" lvl="0" marL="0" rtl="0" algn="r">
+            <a:pPr marL="0" lvl="0" indent="0" algn="r" rtl="0">
               <a:spcBef>
                 <a:spcPts val="0"/>
               </a:spcBef>
@@ -8588,11 +8748,11 @@
 </file>
 
 <file path=ppt/slideLayouts/slideLayout9.xml><?xml version="1.0" encoding="utf-8"?>
-<p:sldLayout xmlns:a="http://schemas.openxmlformats.org/drawingml/2006/main" xmlns:r="http://schemas.openxmlformats.org/officeDocument/2006/relationships" xmlns:mc="http://schemas.openxmlformats.org/markup-compatibility/2006" xmlns:mv="urn:schemas-microsoft-com:mac:vml" xmlns:p="http://schemas.openxmlformats.org/presentationml/2006/main" xmlns:c="http://schemas.openxmlformats.org/drawingml/2006/chart" xmlns:dgm="http://schemas.openxmlformats.org/drawingml/2006/diagram" xmlns:o="urn:schemas-microsoft-com:office:office" xmlns:v="urn:schemas-microsoft-com:vml" xmlns:pvml="urn:schemas-microsoft-com:office:powerpoint" xmlns:com="http://schemas.openxmlformats.org/drawingml/2006/compatibility" xmlns:p14="http://schemas.microsoft.com/office/powerpoint/2010/main" xmlns:p15="http://schemas.microsoft.com/office/powerpoint/2012/main" xmlns:ahyp="http://schemas.microsoft.com/office/drawing/2018/hyperlinkcolor" matchingName="Caption">
+<p:sldLayout xmlns:a="http://schemas.openxmlformats.org/drawingml/2006/main" xmlns:r="http://schemas.openxmlformats.org/officeDocument/2006/relationships" xmlns:p="http://schemas.openxmlformats.org/presentationml/2006/main" matchingName="Caption">
   <p:cSld name="CAPTION_ONLY">
     <p:spTree>
       <p:nvGrpSpPr>
-        <p:cNvPr id="45" name="Shape 45"/>
+        <p:cNvPr id="1" name="Shape 45"/>
         <p:cNvGrpSpPr/>
         <p:nvPr/>
       </p:nvGrpSpPr>
@@ -8607,9 +8767,11 @@
       <p:sp>
         <p:nvSpPr>
           <p:cNvPr id="46" name="Google Shape;46;p10"/>
-          <p:cNvSpPr txBox="1"/>
+          <p:cNvSpPr txBox="1">
+            <a:spLocks noGrp="1"/>
+          </p:cNvSpPr>
           <p:nvPr>
-            <p:ph idx="1" type="body"/>
+            <p:ph type="body" idx="1"/>
           </p:nvPr>
         </p:nvSpPr>
         <p:spPr>
@@ -8626,11 +8788,11 @@
           </a:ln>
         </p:spPr>
         <p:txBody>
-          <a:bodyPr anchorCtr="0" anchor="ctr" bIns="91425" lIns="91425" spcFirstLastPara="1" rIns="91425" wrap="square" tIns="91425">
+          <a:bodyPr spcFirstLastPara="1" wrap="square" lIns="91425" tIns="91425" rIns="91425" bIns="91425" anchor="ctr" anchorCtr="0">
             <a:noAutofit/>
           </a:bodyPr>
           <a:lstStyle>
-            <a:lvl1pPr indent="-228600" lvl="0" marL="457200" algn="l">
+            <a:lvl1pPr marL="457200" lvl="0" indent="-228600" algn="l">
               <a:lnSpc>
                 <a:spcPct val="100000"/>
               </a:lnSpc>
@@ -8645,15 +8807,19 @@
               <a:defRPr sz="2100"/>
             </a:lvl1pPr>
           </a:lstStyle>
-          <a:p/>
+          <a:p>
+            <a:endParaRPr/>
+          </a:p>
         </p:txBody>
       </p:sp>
       <p:sp>
         <p:nvSpPr>
           <p:cNvPr id="47" name="Google Shape;47;p10"/>
-          <p:cNvSpPr txBox="1"/>
+          <p:cNvSpPr txBox="1">
+            <a:spLocks noGrp="1"/>
+          </p:cNvSpPr>
           <p:nvPr>
-            <p:ph idx="12" type="sldNum"/>
+            <p:ph type="sldNum" idx="12"/>
           </p:nvPr>
         </p:nvSpPr>
         <p:spPr>
@@ -8670,11 +8836,11 @@
           </a:ln>
         </p:spPr>
         <p:txBody>
-          <a:bodyPr anchorCtr="0" anchor="ctr" bIns="91425" lIns="91425" spcFirstLastPara="1" rIns="91425" wrap="square" tIns="91425">
+          <a:bodyPr spcFirstLastPara="1" wrap="square" lIns="91425" tIns="91425" rIns="91425" bIns="91425" anchor="ctr" anchorCtr="0">
             <a:noAutofit/>
           </a:bodyPr>
           <a:lstStyle>
-            <a:lvl1pPr indent="0" lvl="0" marL="0" marR="0" algn="r">
+            <a:lvl1pPr marL="0" marR="0" lvl="0" indent="0" algn="r">
               <a:lnSpc>
                 <a:spcPct val="100000"/>
               </a:lnSpc>
@@ -8690,7 +8856,7 @@
               <a:buSzPts val="1000"/>
               <a:buFont typeface="Arial"/>
               <a:buNone/>
-              <a:defRPr b="0" i="0" sz="1000" u="none" cap="none" strike="noStrike">
+              <a:defRPr sz="1000" b="0" i="0" u="none" strike="noStrike" cap="none">
                 <a:solidFill>
                   <a:schemeClr val="dk1"/>
                 </a:solidFill>
@@ -8700,7 +8866,7 @@
                 <a:sym typeface="Proxima Nova"/>
               </a:defRPr>
             </a:lvl1pPr>
-            <a:lvl2pPr indent="0" lvl="1" marL="0" marR="0" algn="r">
+            <a:lvl2pPr marL="0" marR="0" lvl="1" indent="0" algn="r">
               <a:lnSpc>
                 <a:spcPct val="100000"/>
               </a:lnSpc>
@@ -8716,7 +8882,7 @@
               <a:buSzPts val="1000"/>
               <a:buFont typeface="Arial"/>
               <a:buNone/>
-              <a:defRPr b="0" i="0" sz="1000" u="none" cap="none" strike="noStrike">
+              <a:defRPr sz="1000" b="0" i="0" u="none" strike="noStrike" cap="none">
                 <a:solidFill>
                   <a:schemeClr val="dk1"/>
                 </a:solidFill>
@@ -8726,7 +8892,7 @@
                 <a:sym typeface="Proxima Nova"/>
               </a:defRPr>
             </a:lvl2pPr>
-            <a:lvl3pPr indent="0" lvl="2" marL="0" marR="0" algn="r">
+            <a:lvl3pPr marL="0" marR="0" lvl="2" indent="0" algn="r">
               <a:lnSpc>
                 <a:spcPct val="100000"/>
               </a:lnSpc>
@@ -8742,7 +8908,7 @@
               <a:buSzPts val="1000"/>
               <a:buFont typeface="Arial"/>
               <a:buNone/>
-              <a:defRPr b="0" i="0" sz="1000" u="none" cap="none" strike="noStrike">
+              <a:defRPr sz="1000" b="0" i="0" u="none" strike="noStrike" cap="none">
                 <a:solidFill>
                   <a:schemeClr val="dk1"/>
                 </a:solidFill>
@@ -8752,7 +8918,7 @@
                 <a:sym typeface="Proxima Nova"/>
               </a:defRPr>
             </a:lvl3pPr>
-            <a:lvl4pPr indent="0" lvl="3" marL="0" marR="0" algn="r">
+            <a:lvl4pPr marL="0" marR="0" lvl="3" indent="0" algn="r">
               <a:lnSpc>
                 <a:spcPct val="100000"/>
               </a:lnSpc>
@@ -8768,7 +8934,7 @@
               <a:buSzPts val="1000"/>
               <a:buFont typeface="Arial"/>
               <a:buNone/>
-              <a:defRPr b="0" i="0" sz="1000" u="none" cap="none" strike="noStrike">
+              <a:defRPr sz="1000" b="0" i="0" u="none" strike="noStrike" cap="none">
                 <a:solidFill>
                   <a:schemeClr val="dk1"/>
                 </a:solidFill>
@@ -8778,7 +8944,7 @@
                 <a:sym typeface="Proxima Nova"/>
               </a:defRPr>
             </a:lvl4pPr>
-            <a:lvl5pPr indent="0" lvl="4" marL="0" marR="0" algn="r">
+            <a:lvl5pPr marL="0" marR="0" lvl="4" indent="0" algn="r">
               <a:lnSpc>
                 <a:spcPct val="100000"/>
               </a:lnSpc>
@@ -8794,7 +8960,7 @@
               <a:buSzPts val="1000"/>
               <a:buFont typeface="Arial"/>
               <a:buNone/>
-              <a:defRPr b="0" i="0" sz="1000" u="none" cap="none" strike="noStrike">
+              <a:defRPr sz="1000" b="0" i="0" u="none" strike="noStrike" cap="none">
                 <a:solidFill>
                   <a:schemeClr val="dk1"/>
                 </a:solidFill>
@@ -8804,7 +8970,7 @@
                 <a:sym typeface="Proxima Nova"/>
               </a:defRPr>
             </a:lvl5pPr>
-            <a:lvl6pPr indent="0" lvl="5" marL="0" marR="0" algn="r">
+            <a:lvl6pPr marL="0" marR="0" lvl="5" indent="0" algn="r">
               <a:lnSpc>
                 <a:spcPct val="100000"/>
               </a:lnSpc>
@@ -8820,7 +8986,7 @@
               <a:buSzPts val="1000"/>
               <a:buFont typeface="Arial"/>
               <a:buNone/>
-              <a:defRPr b="0" i="0" sz="1000" u="none" cap="none" strike="noStrike">
+              <a:defRPr sz="1000" b="0" i="0" u="none" strike="noStrike" cap="none">
                 <a:solidFill>
                   <a:schemeClr val="dk1"/>
                 </a:solidFill>
@@ -8830,7 +8996,7 @@
                 <a:sym typeface="Proxima Nova"/>
               </a:defRPr>
             </a:lvl6pPr>
-            <a:lvl7pPr indent="0" lvl="6" marL="0" marR="0" algn="r">
+            <a:lvl7pPr marL="0" marR="0" lvl="6" indent="0" algn="r">
               <a:lnSpc>
                 <a:spcPct val="100000"/>
               </a:lnSpc>
@@ -8846,7 +9012,7 @@
               <a:buSzPts val="1000"/>
               <a:buFont typeface="Arial"/>
               <a:buNone/>
-              <a:defRPr b="0" i="0" sz="1000" u="none" cap="none" strike="noStrike">
+              <a:defRPr sz="1000" b="0" i="0" u="none" strike="noStrike" cap="none">
                 <a:solidFill>
                   <a:schemeClr val="dk1"/>
                 </a:solidFill>
@@ -8856,7 +9022,7 @@
                 <a:sym typeface="Proxima Nova"/>
               </a:defRPr>
             </a:lvl7pPr>
-            <a:lvl8pPr indent="0" lvl="7" marL="0" marR="0" algn="r">
+            <a:lvl8pPr marL="0" marR="0" lvl="7" indent="0" algn="r">
               <a:lnSpc>
                 <a:spcPct val="100000"/>
               </a:lnSpc>
@@ -8872,7 +9038,7 @@
               <a:buSzPts val="1000"/>
               <a:buFont typeface="Arial"/>
               <a:buNone/>
-              <a:defRPr b="0" i="0" sz="1000" u="none" cap="none" strike="noStrike">
+              <a:defRPr sz="1000" b="0" i="0" u="none" strike="noStrike" cap="none">
                 <a:solidFill>
                   <a:schemeClr val="dk1"/>
                 </a:solidFill>
@@ -8882,7 +9048,7 @@
                 <a:sym typeface="Proxima Nova"/>
               </a:defRPr>
             </a:lvl8pPr>
-            <a:lvl9pPr indent="0" lvl="8" marL="0" marR="0" algn="r">
+            <a:lvl9pPr marL="0" marR="0" lvl="8" indent="0" algn="r">
               <a:lnSpc>
                 <a:spcPct val="100000"/>
               </a:lnSpc>
@@ -8898,7 +9064,7 @@
               <a:buSzPts val="1000"/>
               <a:buFont typeface="Arial"/>
               <a:buNone/>
-              <a:defRPr b="0" i="0" sz="1000" u="none" cap="none" strike="noStrike">
+              <a:defRPr sz="1000" b="0" i="0" u="none" strike="noStrike" cap="none">
                 <a:solidFill>
                   <a:schemeClr val="dk1"/>
                 </a:solidFill>
@@ -8910,7 +9076,7 @@
             </a:lvl9pPr>
           </a:lstStyle>
           <a:p>
-            <a:pPr indent="0" lvl="0" marL="0" rtl="0" algn="r">
+            <a:pPr marL="0" lvl="0" indent="0" algn="r" rtl="0">
               <a:spcBef>
                 <a:spcPts val="0"/>
               </a:spcBef>
@@ -8936,18 +9102,19 @@
 </file>
 
 <file path=ppt/slideMasters/slideMaster1.xml><?xml version="1.0" encoding="utf-8"?>
-<p:sldMaster xmlns:a="http://schemas.openxmlformats.org/drawingml/2006/main" xmlns:r="http://schemas.openxmlformats.org/officeDocument/2006/relationships" xmlns:mc="http://schemas.openxmlformats.org/markup-compatibility/2006" xmlns:mv="urn:schemas-microsoft-com:mac:vml" xmlns:p="http://schemas.openxmlformats.org/presentationml/2006/main" xmlns:c="http://schemas.openxmlformats.org/drawingml/2006/chart" xmlns:dgm="http://schemas.openxmlformats.org/drawingml/2006/diagram" xmlns:o="urn:schemas-microsoft-com:office:office" xmlns:v="urn:schemas-microsoft-com:vml" xmlns:pvml="urn:schemas-microsoft-com:office:powerpoint" xmlns:com="http://schemas.openxmlformats.org/drawingml/2006/compatibility" xmlns:p14="http://schemas.microsoft.com/office/powerpoint/2010/main" xmlns:p15="http://schemas.microsoft.com/office/powerpoint/2012/main" xmlns:ahyp="http://schemas.microsoft.com/office/drawing/2018/hyperlinkcolor">
+<p:sldMaster xmlns:a="http://schemas.openxmlformats.org/drawingml/2006/main" xmlns:r="http://schemas.openxmlformats.org/officeDocument/2006/relationships" xmlns:p="http://schemas.openxmlformats.org/presentationml/2006/main">
   <p:cSld name="spearmint">
     <p:bg>
       <p:bgPr>
         <a:solidFill>
           <a:schemeClr val="lt1"/>
         </a:solidFill>
+        <a:effectLst/>
       </p:bgPr>
     </p:bg>
     <p:spTree>
       <p:nvGrpSpPr>
-        <p:cNvPr id="5" name="Shape 5"/>
+        <p:cNvPr id="1" name="Shape 5"/>
         <p:cNvGrpSpPr/>
         <p:nvPr/>
       </p:nvGrpSpPr>
@@ -8962,7 +9129,9 @@
       <p:sp>
         <p:nvSpPr>
           <p:cNvPr id="6" name="Google Shape;6;p1"/>
-          <p:cNvSpPr txBox="1"/>
+          <p:cNvSpPr txBox="1">
+            <a:spLocks noGrp="1"/>
+          </p:cNvSpPr>
           <p:nvPr>
             <p:ph type="title"/>
           </p:nvPr>
@@ -8981,11 +9150,11 @@
           </a:ln>
         </p:spPr>
         <p:txBody>
-          <a:bodyPr anchorCtr="0" anchor="t" bIns="91425" lIns="91425" spcFirstLastPara="1" rIns="91425" wrap="square" tIns="91425">
+          <a:bodyPr spcFirstLastPara="1" wrap="square" lIns="91425" tIns="91425" rIns="91425" bIns="91425" anchor="t" anchorCtr="0">
             <a:noAutofit/>
           </a:bodyPr>
           <a:lstStyle>
-            <a:lvl1pPr lvl="0" marR="0" rtl="0" algn="l">
+            <a:lvl1pPr marR="0" lvl="0" algn="l" rtl="0">
               <a:lnSpc>
                 <a:spcPct val="100000"/>
               </a:lnSpc>
@@ -9001,7 +9170,7 @@
               <a:buSzPts val="2800"/>
               <a:buFont typeface="Proxima Nova"/>
               <a:buNone/>
-              <a:defRPr b="0" i="0" sz="2800" u="none" cap="none" strike="noStrike">
+              <a:defRPr sz="2800" b="0" i="0" u="none" strike="noStrike" cap="none">
                 <a:solidFill>
                   <a:schemeClr val="dk1"/>
                 </a:solidFill>
@@ -9011,7 +9180,7 @@
                 <a:sym typeface="Proxima Nova"/>
               </a:defRPr>
             </a:lvl1pPr>
-            <a:lvl2pPr lvl="1" marR="0" rtl="0" algn="l">
+            <a:lvl2pPr marR="0" lvl="1" algn="l" rtl="0">
               <a:lnSpc>
                 <a:spcPct val="100000"/>
               </a:lnSpc>
@@ -9027,7 +9196,7 @@
               <a:buSzPts val="2800"/>
               <a:buFont typeface="Proxima Nova"/>
               <a:buNone/>
-              <a:defRPr b="0" i="0" sz="2800" u="none" cap="none" strike="noStrike">
+              <a:defRPr sz="2800" b="0" i="0" u="none" strike="noStrike" cap="none">
                 <a:solidFill>
                   <a:schemeClr val="dk1"/>
                 </a:solidFill>
@@ -9037,7 +9206,7 @@
                 <a:sym typeface="Proxima Nova"/>
               </a:defRPr>
             </a:lvl2pPr>
-            <a:lvl3pPr lvl="2" marR="0" rtl="0" algn="l">
+            <a:lvl3pPr marR="0" lvl="2" algn="l" rtl="0">
               <a:lnSpc>
                 <a:spcPct val="100000"/>
               </a:lnSpc>
@@ -9053,7 +9222,7 @@
               <a:buSzPts val="2800"/>
               <a:buFont typeface="Proxima Nova"/>
               <a:buNone/>
-              <a:defRPr b="0" i="0" sz="2800" u="none" cap="none" strike="noStrike">
+              <a:defRPr sz="2800" b="0" i="0" u="none" strike="noStrike" cap="none">
                 <a:solidFill>
                   <a:schemeClr val="dk1"/>
                 </a:solidFill>
@@ -9063,7 +9232,7 @@
                 <a:sym typeface="Proxima Nova"/>
               </a:defRPr>
             </a:lvl3pPr>
-            <a:lvl4pPr lvl="3" marR="0" rtl="0" algn="l">
+            <a:lvl4pPr marR="0" lvl="3" algn="l" rtl="0">
               <a:lnSpc>
                 <a:spcPct val="100000"/>
               </a:lnSpc>
@@ -9079,7 +9248,7 @@
               <a:buSzPts val="2800"/>
               <a:buFont typeface="Proxima Nova"/>
               <a:buNone/>
-              <a:defRPr b="0" i="0" sz="2800" u="none" cap="none" strike="noStrike">
+              <a:defRPr sz="2800" b="0" i="0" u="none" strike="noStrike" cap="none">
                 <a:solidFill>
                   <a:schemeClr val="dk1"/>
                 </a:solidFill>
@@ -9089,7 +9258,7 @@
                 <a:sym typeface="Proxima Nova"/>
               </a:defRPr>
             </a:lvl4pPr>
-            <a:lvl5pPr lvl="4" marR="0" rtl="0" algn="l">
+            <a:lvl5pPr marR="0" lvl="4" algn="l" rtl="0">
               <a:lnSpc>
                 <a:spcPct val="100000"/>
               </a:lnSpc>
@@ -9105,7 +9274,7 @@
               <a:buSzPts val="2800"/>
               <a:buFont typeface="Proxima Nova"/>
               <a:buNone/>
-              <a:defRPr b="0" i="0" sz="2800" u="none" cap="none" strike="noStrike">
+              <a:defRPr sz="2800" b="0" i="0" u="none" strike="noStrike" cap="none">
                 <a:solidFill>
                   <a:schemeClr val="dk1"/>
                 </a:solidFill>
@@ -9115,7 +9284,7 @@
                 <a:sym typeface="Proxima Nova"/>
               </a:defRPr>
             </a:lvl5pPr>
-            <a:lvl6pPr lvl="5" marR="0" rtl="0" algn="l">
+            <a:lvl6pPr marR="0" lvl="5" algn="l" rtl="0">
               <a:lnSpc>
                 <a:spcPct val="100000"/>
               </a:lnSpc>
@@ -9131,7 +9300,7 @@
               <a:buSzPts val="2800"/>
               <a:buFont typeface="Proxima Nova"/>
               <a:buNone/>
-              <a:defRPr b="0" i="0" sz="2800" u="none" cap="none" strike="noStrike">
+              <a:defRPr sz="2800" b="0" i="0" u="none" strike="noStrike" cap="none">
                 <a:solidFill>
                   <a:schemeClr val="dk1"/>
                 </a:solidFill>
@@ -9141,7 +9310,7 @@
                 <a:sym typeface="Proxima Nova"/>
               </a:defRPr>
             </a:lvl6pPr>
-            <a:lvl7pPr lvl="6" marR="0" rtl="0" algn="l">
+            <a:lvl7pPr marR="0" lvl="6" algn="l" rtl="0">
               <a:lnSpc>
                 <a:spcPct val="100000"/>
               </a:lnSpc>
@@ -9157,7 +9326,7 @@
               <a:buSzPts val="2800"/>
               <a:buFont typeface="Proxima Nova"/>
               <a:buNone/>
-              <a:defRPr b="0" i="0" sz="2800" u="none" cap="none" strike="noStrike">
+              <a:defRPr sz="2800" b="0" i="0" u="none" strike="noStrike" cap="none">
                 <a:solidFill>
                   <a:schemeClr val="dk1"/>
                 </a:solidFill>
@@ -9167,7 +9336,7 @@
                 <a:sym typeface="Proxima Nova"/>
               </a:defRPr>
             </a:lvl7pPr>
-            <a:lvl8pPr lvl="7" marR="0" rtl="0" algn="l">
+            <a:lvl8pPr marR="0" lvl="7" algn="l" rtl="0">
               <a:lnSpc>
                 <a:spcPct val="100000"/>
               </a:lnSpc>
@@ -9183,7 +9352,7 @@
               <a:buSzPts val="2800"/>
               <a:buFont typeface="Proxima Nova"/>
               <a:buNone/>
-              <a:defRPr b="0" i="0" sz="2800" u="none" cap="none" strike="noStrike">
+              <a:defRPr sz="2800" b="0" i="0" u="none" strike="noStrike" cap="none">
                 <a:solidFill>
                   <a:schemeClr val="dk1"/>
                 </a:solidFill>
@@ -9193,7 +9362,7 @@
                 <a:sym typeface="Proxima Nova"/>
               </a:defRPr>
             </a:lvl8pPr>
-            <a:lvl9pPr lvl="8" marR="0" rtl="0" algn="l">
+            <a:lvl9pPr marR="0" lvl="8" algn="l" rtl="0">
               <a:lnSpc>
                 <a:spcPct val="100000"/>
               </a:lnSpc>
@@ -9209,7 +9378,7 @@
               <a:buSzPts val="2800"/>
               <a:buFont typeface="Proxima Nova"/>
               <a:buNone/>
-              <a:defRPr b="0" i="0" sz="2800" u="none" cap="none" strike="noStrike">
+              <a:defRPr sz="2800" b="0" i="0" u="none" strike="noStrike" cap="none">
                 <a:solidFill>
                   <a:schemeClr val="dk1"/>
                 </a:solidFill>
@@ -9220,15 +9389,19 @@
               </a:defRPr>
             </a:lvl9pPr>
           </a:lstStyle>
-          <a:p/>
+          <a:p>
+            <a:endParaRPr/>
+          </a:p>
         </p:txBody>
       </p:sp>
       <p:sp>
         <p:nvSpPr>
           <p:cNvPr id="7" name="Google Shape;7;p1"/>
-          <p:cNvSpPr txBox="1"/>
+          <p:cNvSpPr txBox="1">
+            <a:spLocks noGrp="1"/>
+          </p:cNvSpPr>
           <p:nvPr>
-            <p:ph idx="1" type="body"/>
+            <p:ph type="body" idx="1"/>
           </p:nvPr>
         </p:nvSpPr>
         <p:spPr>
@@ -9245,11 +9418,11 @@
           </a:ln>
         </p:spPr>
         <p:txBody>
-          <a:bodyPr anchorCtr="0" anchor="t" bIns="91425" lIns="91425" spcFirstLastPara="1" rIns="91425" wrap="square" tIns="91425">
+          <a:bodyPr spcFirstLastPara="1" wrap="square" lIns="91425" tIns="91425" rIns="91425" bIns="91425" anchor="t" anchorCtr="0">
             <a:noAutofit/>
           </a:bodyPr>
           <a:lstStyle>
-            <a:lvl1pPr indent="-342900" lvl="0" marL="457200" marR="0" rtl="0" algn="l">
+            <a:lvl1pPr marL="457200" marR="0" lvl="0" indent="-342900" algn="l" rtl="0">
               <a:lnSpc>
                 <a:spcPct val="115000"/>
               </a:lnSpc>
@@ -9265,7 +9438,7 @@
               <a:buSzPts val="1800"/>
               <a:buFont typeface="Proxima Nova"/>
               <a:buChar char="●"/>
-              <a:defRPr b="0" i="0" sz="1800" u="none" cap="none" strike="noStrike">
+              <a:defRPr sz="1800" b="0" i="0" u="none" strike="noStrike" cap="none">
                 <a:solidFill>
                   <a:schemeClr val="accent3"/>
                 </a:solidFill>
@@ -9275,7 +9448,7 @@
                 <a:sym typeface="Proxima Nova"/>
               </a:defRPr>
             </a:lvl1pPr>
-            <a:lvl2pPr indent="-317500" lvl="1" marL="914400" marR="0" rtl="0" algn="l">
+            <a:lvl2pPr marL="914400" marR="0" lvl="1" indent="-317500" algn="l" rtl="0">
               <a:lnSpc>
                 <a:spcPct val="115000"/>
               </a:lnSpc>
@@ -9291,7 +9464,7 @@
               <a:buSzPts val="1400"/>
               <a:buFont typeface="Proxima Nova"/>
               <a:buChar char="○"/>
-              <a:defRPr b="0" i="0" sz="1400" u="none" cap="none" strike="noStrike">
+              <a:defRPr sz="1400" b="0" i="0" u="none" strike="noStrike" cap="none">
                 <a:solidFill>
                   <a:schemeClr val="accent3"/>
                 </a:solidFill>
@@ -9301,7 +9474,7 @@
                 <a:sym typeface="Proxima Nova"/>
               </a:defRPr>
             </a:lvl2pPr>
-            <a:lvl3pPr indent="-317500" lvl="2" marL="1371600" marR="0" rtl="0" algn="l">
+            <a:lvl3pPr marL="1371600" marR="0" lvl="2" indent="-317500" algn="l" rtl="0">
               <a:lnSpc>
                 <a:spcPct val="115000"/>
               </a:lnSpc>
@@ -9317,7 +9490,7 @@
               <a:buSzPts val="1400"/>
               <a:buFont typeface="Proxima Nova"/>
               <a:buChar char="■"/>
-              <a:defRPr b="0" i="0" sz="1400" u="none" cap="none" strike="noStrike">
+              <a:defRPr sz="1400" b="0" i="0" u="none" strike="noStrike" cap="none">
                 <a:solidFill>
                   <a:schemeClr val="accent3"/>
                 </a:solidFill>
@@ -9327,7 +9500,7 @@
                 <a:sym typeface="Proxima Nova"/>
               </a:defRPr>
             </a:lvl3pPr>
-            <a:lvl4pPr indent="-317500" lvl="3" marL="1828800" marR="0" rtl="0" algn="l">
+            <a:lvl4pPr marL="1828800" marR="0" lvl="3" indent="-317500" algn="l" rtl="0">
               <a:lnSpc>
                 <a:spcPct val="115000"/>
               </a:lnSpc>
@@ -9343,7 +9516,7 @@
               <a:buSzPts val="1400"/>
               <a:buFont typeface="Proxima Nova"/>
               <a:buChar char="●"/>
-              <a:defRPr b="0" i="0" sz="1400" u="none" cap="none" strike="noStrike">
+              <a:defRPr sz="1400" b="0" i="0" u="none" strike="noStrike" cap="none">
                 <a:solidFill>
                   <a:schemeClr val="accent3"/>
                 </a:solidFill>
@@ -9353,7 +9526,7 @@
                 <a:sym typeface="Proxima Nova"/>
               </a:defRPr>
             </a:lvl4pPr>
-            <a:lvl5pPr indent="-317500" lvl="4" marL="2286000" marR="0" rtl="0" algn="l">
+            <a:lvl5pPr marL="2286000" marR="0" lvl="4" indent="-317500" algn="l" rtl="0">
               <a:lnSpc>
                 <a:spcPct val="115000"/>
               </a:lnSpc>
@@ -9369,7 +9542,7 @@
               <a:buSzPts val="1400"/>
               <a:buFont typeface="Proxima Nova"/>
               <a:buChar char="○"/>
-              <a:defRPr b="0" i="0" sz="1400" u="none" cap="none" strike="noStrike">
+              <a:defRPr sz="1400" b="0" i="0" u="none" strike="noStrike" cap="none">
                 <a:solidFill>
                   <a:schemeClr val="accent3"/>
                 </a:solidFill>
@@ -9379,7 +9552,7 @@
                 <a:sym typeface="Proxima Nova"/>
               </a:defRPr>
             </a:lvl5pPr>
-            <a:lvl6pPr indent="-317500" lvl="5" marL="2743200" marR="0" rtl="0" algn="l">
+            <a:lvl6pPr marL="2743200" marR="0" lvl="5" indent="-317500" algn="l" rtl="0">
               <a:lnSpc>
                 <a:spcPct val="115000"/>
               </a:lnSpc>
@@ -9395,7 +9568,7 @@
               <a:buSzPts val="1400"/>
               <a:buFont typeface="Proxima Nova"/>
               <a:buChar char="■"/>
-              <a:defRPr b="0" i="0" sz="1400" u="none" cap="none" strike="noStrike">
+              <a:defRPr sz="1400" b="0" i="0" u="none" strike="noStrike" cap="none">
                 <a:solidFill>
                   <a:schemeClr val="accent3"/>
                 </a:solidFill>
@@ -9405,7 +9578,7 @@
                 <a:sym typeface="Proxima Nova"/>
               </a:defRPr>
             </a:lvl6pPr>
-            <a:lvl7pPr indent="-317500" lvl="6" marL="3200400" marR="0" rtl="0" algn="l">
+            <a:lvl7pPr marL="3200400" marR="0" lvl="6" indent="-317500" algn="l" rtl="0">
               <a:lnSpc>
                 <a:spcPct val="115000"/>
               </a:lnSpc>
@@ -9421,7 +9594,7 @@
               <a:buSzPts val="1400"/>
               <a:buFont typeface="Proxima Nova"/>
               <a:buChar char="●"/>
-              <a:defRPr b="0" i="0" sz="1400" u="none" cap="none" strike="noStrike">
+              <a:defRPr sz="1400" b="0" i="0" u="none" strike="noStrike" cap="none">
                 <a:solidFill>
                   <a:schemeClr val="accent3"/>
                 </a:solidFill>
@@ -9431,7 +9604,7 @@
                 <a:sym typeface="Proxima Nova"/>
               </a:defRPr>
             </a:lvl7pPr>
-            <a:lvl8pPr indent="-317500" lvl="7" marL="3657600" marR="0" rtl="0" algn="l">
+            <a:lvl8pPr marL="3657600" marR="0" lvl="7" indent="-317500" algn="l" rtl="0">
               <a:lnSpc>
                 <a:spcPct val="115000"/>
               </a:lnSpc>
@@ -9447,7 +9620,7 @@
               <a:buSzPts val="1400"/>
               <a:buFont typeface="Proxima Nova"/>
               <a:buChar char="○"/>
-              <a:defRPr b="0" i="0" sz="1400" u="none" cap="none" strike="noStrike">
+              <a:defRPr sz="1400" b="0" i="0" u="none" strike="noStrike" cap="none">
                 <a:solidFill>
                   <a:schemeClr val="accent3"/>
                 </a:solidFill>
@@ -9457,7 +9630,7 @@
                 <a:sym typeface="Proxima Nova"/>
               </a:defRPr>
             </a:lvl8pPr>
-            <a:lvl9pPr indent="-317500" lvl="8" marL="4114800" marR="0" rtl="0" algn="l">
+            <a:lvl9pPr marL="4114800" marR="0" lvl="8" indent="-317500" algn="l" rtl="0">
               <a:lnSpc>
                 <a:spcPct val="115000"/>
               </a:lnSpc>
@@ -9473,7 +9646,7 @@
               <a:buSzPts val="1400"/>
               <a:buFont typeface="Proxima Nova"/>
               <a:buChar char="■"/>
-              <a:defRPr b="0" i="0" sz="1400" u="none" cap="none" strike="noStrike">
+              <a:defRPr sz="1400" b="0" i="0" u="none" strike="noStrike" cap="none">
                 <a:solidFill>
                   <a:schemeClr val="accent3"/>
                 </a:solidFill>
@@ -9484,15 +9657,19 @@
               </a:defRPr>
             </a:lvl9pPr>
           </a:lstStyle>
-          <a:p/>
+          <a:p>
+            <a:endParaRPr/>
+          </a:p>
         </p:txBody>
       </p:sp>
       <p:sp>
         <p:nvSpPr>
           <p:cNvPr id="8" name="Google Shape;8;p1"/>
-          <p:cNvSpPr txBox="1"/>
+          <p:cNvSpPr txBox="1">
+            <a:spLocks noGrp="1"/>
+          </p:cNvSpPr>
           <p:nvPr>
-            <p:ph idx="12" type="sldNum"/>
+            <p:ph type="sldNum" idx="12"/>
           </p:nvPr>
         </p:nvSpPr>
         <p:spPr>
@@ -9509,11 +9686,11 @@
           </a:ln>
         </p:spPr>
         <p:txBody>
-          <a:bodyPr anchorCtr="0" anchor="ctr" bIns="91425" lIns="91425" spcFirstLastPara="1" rIns="91425" wrap="square" tIns="91425">
+          <a:bodyPr spcFirstLastPara="1" wrap="square" lIns="91425" tIns="91425" rIns="91425" bIns="91425" anchor="ctr" anchorCtr="0">
             <a:noAutofit/>
           </a:bodyPr>
           <a:lstStyle>
-            <a:lvl1pPr indent="0" lvl="0" marL="0" marR="0" rtl="0" algn="r">
+            <a:lvl1pPr marL="0" marR="0" lvl="0" indent="0" algn="r" rtl="0">
               <a:lnSpc>
                 <a:spcPct val="100000"/>
               </a:lnSpc>
@@ -9529,7 +9706,7 @@
               <a:buSzPts val="1000"/>
               <a:buFont typeface="Arial"/>
               <a:buNone/>
-              <a:defRPr b="0" i="0" sz="1000" u="none" cap="none" strike="noStrike">
+              <a:defRPr sz="1000" b="0" i="0" u="none" strike="noStrike" cap="none">
                 <a:solidFill>
                   <a:schemeClr val="dk1"/>
                 </a:solidFill>
@@ -9539,7 +9716,7 @@
                 <a:sym typeface="Proxima Nova"/>
               </a:defRPr>
             </a:lvl1pPr>
-            <a:lvl2pPr indent="0" lvl="1" marL="0" marR="0" rtl="0" algn="r">
+            <a:lvl2pPr marL="0" marR="0" lvl="1" indent="0" algn="r" rtl="0">
               <a:lnSpc>
                 <a:spcPct val="100000"/>
               </a:lnSpc>
@@ -9555,7 +9732,7 @@
               <a:buSzPts val="1000"/>
               <a:buFont typeface="Arial"/>
               <a:buNone/>
-              <a:defRPr b="0" i="0" sz="1000" u="none" cap="none" strike="noStrike">
+              <a:defRPr sz="1000" b="0" i="0" u="none" strike="noStrike" cap="none">
                 <a:solidFill>
                   <a:schemeClr val="dk1"/>
                 </a:solidFill>
@@ -9565,7 +9742,7 @@
                 <a:sym typeface="Proxima Nova"/>
               </a:defRPr>
             </a:lvl2pPr>
-            <a:lvl3pPr indent="0" lvl="2" marL="0" marR="0" rtl="0" algn="r">
+            <a:lvl3pPr marL="0" marR="0" lvl="2" indent="0" algn="r" rtl="0">
               <a:lnSpc>
                 <a:spcPct val="100000"/>
               </a:lnSpc>
@@ -9581,7 +9758,7 @@
               <a:buSzPts val="1000"/>
               <a:buFont typeface="Arial"/>
               <a:buNone/>
-              <a:defRPr b="0" i="0" sz="1000" u="none" cap="none" strike="noStrike">
+              <a:defRPr sz="1000" b="0" i="0" u="none" strike="noStrike" cap="none">
                 <a:solidFill>
                   <a:schemeClr val="dk1"/>
                 </a:solidFill>
@@ -9591,7 +9768,7 @@
                 <a:sym typeface="Proxima Nova"/>
               </a:defRPr>
             </a:lvl3pPr>
-            <a:lvl4pPr indent="0" lvl="3" marL="0" marR="0" rtl="0" algn="r">
+            <a:lvl4pPr marL="0" marR="0" lvl="3" indent="0" algn="r" rtl="0">
               <a:lnSpc>
                 <a:spcPct val="100000"/>
               </a:lnSpc>
@@ -9607,7 +9784,7 @@
               <a:buSzPts val="1000"/>
               <a:buFont typeface="Arial"/>
               <a:buNone/>
-              <a:defRPr b="0" i="0" sz="1000" u="none" cap="none" strike="noStrike">
+              <a:defRPr sz="1000" b="0" i="0" u="none" strike="noStrike" cap="none">
                 <a:solidFill>
                   <a:schemeClr val="dk1"/>
                 </a:solidFill>
@@ -9617,7 +9794,7 @@
                 <a:sym typeface="Proxima Nova"/>
               </a:defRPr>
             </a:lvl4pPr>
-            <a:lvl5pPr indent="0" lvl="4" marL="0" marR="0" rtl="0" algn="r">
+            <a:lvl5pPr marL="0" marR="0" lvl="4" indent="0" algn="r" rtl="0">
               <a:lnSpc>
                 <a:spcPct val="100000"/>
               </a:lnSpc>
@@ -9633,7 +9810,7 @@
               <a:buSzPts val="1000"/>
               <a:buFont typeface="Arial"/>
               <a:buNone/>
-              <a:defRPr b="0" i="0" sz="1000" u="none" cap="none" strike="noStrike">
+              <a:defRPr sz="1000" b="0" i="0" u="none" strike="noStrike" cap="none">
                 <a:solidFill>
                   <a:schemeClr val="dk1"/>
                 </a:solidFill>
@@ -9643,7 +9820,7 @@
                 <a:sym typeface="Proxima Nova"/>
               </a:defRPr>
             </a:lvl5pPr>
-            <a:lvl6pPr indent="0" lvl="5" marL="0" marR="0" rtl="0" algn="r">
+            <a:lvl6pPr marL="0" marR="0" lvl="5" indent="0" algn="r" rtl="0">
               <a:lnSpc>
                 <a:spcPct val="100000"/>
               </a:lnSpc>
@@ -9659,7 +9836,7 @@
               <a:buSzPts val="1000"/>
               <a:buFont typeface="Arial"/>
               <a:buNone/>
-              <a:defRPr b="0" i="0" sz="1000" u="none" cap="none" strike="noStrike">
+              <a:defRPr sz="1000" b="0" i="0" u="none" strike="noStrike" cap="none">
                 <a:solidFill>
                   <a:schemeClr val="dk1"/>
                 </a:solidFill>
@@ -9669,7 +9846,7 @@
                 <a:sym typeface="Proxima Nova"/>
               </a:defRPr>
             </a:lvl6pPr>
-            <a:lvl7pPr indent="0" lvl="6" marL="0" marR="0" rtl="0" algn="r">
+            <a:lvl7pPr marL="0" marR="0" lvl="6" indent="0" algn="r" rtl="0">
               <a:lnSpc>
                 <a:spcPct val="100000"/>
               </a:lnSpc>
@@ -9685,7 +9862,7 @@
               <a:buSzPts val="1000"/>
               <a:buFont typeface="Arial"/>
               <a:buNone/>
-              <a:defRPr b="0" i="0" sz="1000" u="none" cap="none" strike="noStrike">
+              <a:defRPr sz="1000" b="0" i="0" u="none" strike="noStrike" cap="none">
                 <a:solidFill>
                   <a:schemeClr val="dk1"/>
                 </a:solidFill>
@@ -9695,7 +9872,7 @@
                 <a:sym typeface="Proxima Nova"/>
               </a:defRPr>
             </a:lvl7pPr>
-            <a:lvl8pPr indent="0" lvl="7" marL="0" marR="0" rtl="0" algn="r">
+            <a:lvl8pPr marL="0" marR="0" lvl="7" indent="0" algn="r" rtl="0">
               <a:lnSpc>
                 <a:spcPct val="100000"/>
               </a:lnSpc>
@@ -9711,7 +9888,7 @@
               <a:buSzPts val="1000"/>
               <a:buFont typeface="Arial"/>
               <a:buNone/>
-              <a:defRPr b="0" i="0" sz="1000" u="none" cap="none" strike="noStrike">
+              <a:defRPr sz="1000" b="0" i="0" u="none" strike="noStrike" cap="none">
                 <a:solidFill>
                   <a:schemeClr val="dk1"/>
                 </a:solidFill>
@@ -9721,7 +9898,7 @@
                 <a:sym typeface="Proxima Nova"/>
               </a:defRPr>
             </a:lvl8pPr>
-            <a:lvl9pPr indent="0" lvl="8" marL="0" marR="0" rtl="0" algn="r">
+            <a:lvl9pPr marL="0" marR="0" lvl="8" indent="0" algn="r" rtl="0">
               <a:lnSpc>
                 <a:spcPct val="100000"/>
               </a:lnSpc>
@@ -9737,7 +9914,7 @@
               <a:buSzPts val="1000"/>
               <a:buFont typeface="Arial"/>
               <a:buNone/>
-              <a:defRPr b="0" i="0" sz="1000" u="none" cap="none" strike="noStrike">
+              <a:defRPr sz="1000" b="0" i="0" u="none" strike="noStrike" cap="none">
                 <a:solidFill>
                   <a:schemeClr val="dk1"/>
                 </a:solidFill>
@@ -9749,7 +9926,7 @@
             </a:lvl9pPr>
           </a:lstStyle>
           <a:p>
-            <a:pPr indent="0" lvl="0" marL="0" rtl="0" algn="r">
+            <a:pPr marL="0" lvl="0" indent="0" algn="r" rtl="0">
               <a:spcBef>
                 <a:spcPts val="0"/>
               </a:spcBef>
@@ -9768,7 +9945,7 @@
       </p:sp>
     </p:spTree>
   </p:cSld>
-  <p:clrMap accent1="accent1" accent2="accent2" accent3="accent3" accent4="accent4" accent5="accent5" accent6="accent6" bg1="lt1" bg2="dk2" tx1="dk1" tx2="lt2" folHlink="folHlink" hlink="hlink"/>
+  <p:clrMap bg1="lt1" tx1="dk1" bg2="dk2" tx2="lt2" accent1="accent1" accent2="accent2" accent3="accent3" accent4="accent4" accent5="accent5" accent6="accent6" hlink="hlink" folHlink="folHlink"/>
   <p:sldLayoutIdLst>
     <p:sldLayoutId id="2147483648" r:id="rId1"/>
     <p:sldLayoutId id="2147483649" r:id="rId2"/>
@@ -9782,10 +9959,10 @@
     <p:sldLayoutId id="2147483657" r:id="rId10"/>
     <p:sldLayoutId id="2147483658" r:id="rId11"/>
   </p:sldLayoutIdLst>
-  <p:hf dt="0" ftr="0" hdr="0" sldNum="0"/>
+  <p:hf sldNum="0" hdr="0" ftr="0" dt="0"/>
   <p:txStyles>
     <p:titleStyle>
-      <a:defPPr lvl="0" marR="0" rtl="0" algn="l">
+      <a:defPPr marR="0" lvl="0" algn="l" rtl="0">
         <a:lnSpc>
           <a:spcPct val="100000"/>
         </a:lnSpc>
@@ -9796,7 +9973,7 @@
           <a:spcPts val="0"/>
         </a:spcAft>
       </a:defPPr>
-      <a:lvl1pPr lvl="0" marR="0" rtl="0" algn="l">
+      <a:lvl1pPr marR="0" lvl="0" algn="l" rtl="0">
         <a:lnSpc>
           <a:spcPct val="100000"/>
         </a:lnSpc>
@@ -9810,7 +9987,7 @@
           <a:srgbClr val="000000"/>
         </a:buClr>
         <a:buFont typeface="Arial"/>
-        <a:defRPr b="0" i="0" sz="1400" u="none" cap="none" strike="noStrike">
+        <a:defRPr sz="1400" b="0" i="0" u="none" strike="noStrike" cap="none">
           <a:solidFill>
             <a:srgbClr val="000000"/>
           </a:solidFill>
@@ -9820,7 +9997,7 @@
           <a:sym typeface="Arial"/>
         </a:defRPr>
       </a:lvl1pPr>
-      <a:lvl2pPr lvl="1" marR="0" rtl="0" algn="l">
+      <a:lvl2pPr marR="0" lvl="1" algn="l" rtl="0">
         <a:lnSpc>
           <a:spcPct val="100000"/>
         </a:lnSpc>
@@ -9834,7 +10011,7 @@
           <a:srgbClr val="000000"/>
         </a:buClr>
         <a:buFont typeface="Arial"/>
-        <a:defRPr b="0" i="0" sz="1400" u="none" cap="none" strike="noStrike">
+        <a:defRPr sz="1400" b="0" i="0" u="none" strike="noStrike" cap="none">
           <a:solidFill>
             <a:srgbClr val="000000"/>
           </a:solidFill>
@@ -9844,7 +10021,7 @@
           <a:sym typeface="Arial"/>
         </a:defRPr>
       </a:lvl2pPr>
-      <a:lvl3pPr lvl="2" marR="0" rtl="0" algn="l">
+      <a:lvl3pPr marR="0" lvl="2" algn="l" rtl="0">
         <a:lnSpc>
           <a:spcPct val="100000"/>
         </a:lnSpc>
@@ -9858,7 +10035,7 @@
           <a:srgbClr val="000000"/>
         </a:buClr>
         <a:buFont typeface="Arial"/>
-        <a:defRPr b="0" i="0" sz="1400" u="none" cap="none" strike="noStrike">
+        <a:defRPr sz="1400" b="0" i="0" u="none" strike="noStrike" cap="none">
           <a:solidFill>
             <a:srgbClr val="000000"/>
           </a:solidFill>
@@ -9868,7 +10045,7 @@
           <a:sym typeface="Arial"/>
         </a:defRPr>
       </a:lvl3pPr>
-      <a:lvl4pPr lvl="3" marR="0" rtl="0" algn="l">
+      <a:lvl4pPr marR="0" lvl="3" algn="l" rtl="0">
         <a:lnSpc>
           <a:spcPct val="100000"/>
         </a:lnSpc>
@@ -9882,7 +10059,7 @@
           <a:srgbClr val="000000"/>
         </a:buClr>
         <a:buFont typeface="Arial"/>
-        <a:defRPr b="0" i="0" sz="1400" u="none" cap="none" strike="noStrike">
+        <a:defRPr sz="1400" b="0" i="0" u="none" strike="noStrike" cap="none">
           <a:solidFill>
             <a:srgbClr val="000000"/>
           </a:solidFill>
@@ -9892,7 +10069,7 @@
           <a:sym typeface="Arial"/>
         </a:defRPr>
       </a:lvl4pPr>
-      <a:lvl5pPr lvl="4" marR="0" rtl="0" algn="l">
+      <a:lvl5pPr marR="0" lvl="4" algn="l" rtl="0">
         <a:lnSpc>
           <a:spcPct val="100000"/>
         </a:lnSpc>
@@ -9906,7 +10083,7 @@
           <a:srgbClr val="000000"/>
         </a:buClr>
         <a:buFont typeface="Arial"/>
-        <a:defRPr b="0" i="0" sz="1400" u="none" cap="none" strike="noStrike">
+        <a:defRPr sz="1400" b="0" i="0" u="none" strike="noStrike" cap="none">
           <a:solidFill>
             <a:srgbClr val="000000"/>
           </a:solidFill>
@@ -9916,7 +10093,7 @@
           <a:sym typeface="Arial"/>
         </a:defRPr>
       </a:lvl5pPr>
-      <a:lvl6pPr lvl="5" marR="0" rtl="0" algn="l">
+      <a:lvl6pPr marR="0" lvl="5" algn="l" rtl="0">
         <a:lnSpc>
           <a:spcPct val="100000"/>
         </a:lnSpc>
@@ -9930,7 +10107,7 @@
           <a:srgbClr val="000000"/>
         </a:buClr>
         <a:buFont typeface="Arial"/>
-        <a:defRPr b="0" i="0" sz="1400" u="none" cap="none" strike="noStrike">
+        <a:defRPr sz="1400" b="0" i="0" u="none" strike="noStrike" cap="none">
           <a:solidFill>
             <a:srgbClr val="000000"/>
           </a:solidFill>
@@ -9940,7 +10117,7 @@
           <a:sym typeface="Arial"/>
         </a:defRPr>
       </a:lvl6pPr>
-      <a:lvl7pPr lvl="6" marR="0" rtl="0" algn="l">
+      <a:lvl7pPr marR="0" lvl="6" algn="l" rtl="0">
         <a:lnSpc>
           <a:spcPct val="100000"/>
         </a:lnSpc>
@@ -9954,7 +10131,7 @@
           <a:srgbClr val="000000"/>
         </a:buClr>
         <a:buFont typeface="Arial"/>
-        <a:defRPr b="0" i="0" sz="1400" u="none" cap="none" strike="noStrike">
+        <a:defRPr sz="1400" b="0" i="0" u="none" strike="noStrike" cap="none">
           <a:solidFill>
             <a:srgbClr val="000000"/>
           </a:solidFill>
@@ -9964,7 +10141,7 @@
           <a:sym typeface="Arial"/>
         </a:defRPr>
       </a:lvl7pPr>
-      <a:lvl8pPr lvl="7" marR="0" rtl="0" algn="l">
+      <a:lvl8pPr marR="0" lvl="7" algn="l" rtl="0">
         <a:lnSpc>
           <a:spcPct val="100000"/>
         </a:lnSpc>
@@ -9978,7 +10155,7 @@
           <a:srgbClr val="000000"/>
         </a:buClr>
         <a:buFont typeface="Arial"/>
-        <a:defRPr b="0" i="0" sz="1400" u="none" cap="none" strike="noStrike">
+        <a:defRPr sz="1400" b="0" i="0" u="none" strike="noStrike" cap="none">
           <a:solidFill>
             <a:srgbClr val="000000"/>
           </a:solidFill>
@@ -9988,7 +10165,7 @@
           <a:sym typeface="Arial"/>
         </a:defRPr>
       </a:lvl8pPr>
-      <a:lvl9pPr lvl="8" marR="0" rtl="0" algn="l">
+      <a:lvl9pPr marR="0" lvl="8" algn="l" rtl="0">
         <a:lnSpc>
           <a:spcPct val="100000"/>
         </a:lnSpc>
@@ -10002,7 +10179,7 @@
           <a:srgbClr val="000000"/>
         </a:buClr>
         <a:buFont typeface="Arial"/>
-        <a:defRPr b="0" i="0" sz="1400" u="none" cap="none" strike="noStrike">
+        <a:defRPr sz="1400" b="0" i="0" u="none" strike="noStrike" cap="none">
           <a:solidFill>
             <a:srgbClr val="000000"/>
           </a:solidFill>
@@ -10014,7 +10191,7 @@
       </a:lvl9pPr>
     </p:titleStyle>
     <p:bodyStyle>
-      <a:defPPr lvl="0" marR="0" rtl="0" algn="l">
+      <a:defPPr marR="0" lvl="0" algn="l" rtl="0">
         <a:lnSpc>
           <a:spcPct val="100000"/>
         </a:lnSpc>
@@ -10025,7 +10202,7 @@
           <a:spcPts val="0"/>
         </a:spcAft>
       </a:defPPr>
-      <a:lvl1pPr lvl="0" marR="0" rtl="0" algn="l">
+      <a:lvl1pPr marR="0" lvl="0" algn="l" rtl="0">
         <a:lnSpc>
           <a:spcPct val="100000"/>
         </a:lnSpc>
@@ -10039,7 +10216,7 @@
           <a:srgbClr val="000000"/>
         </a:buClr>
         <a:buFont typeface="Arial"/>
-        <a:defRPr b="0" i="0" sz="1400" u="none" cap="none" strike="noStrike">
+        <a:defRPr sz="1400" b="0" i="0" u="none" strike="noStrike" cap="none">
           <a:solidFill>
             <a:srgbClr val="000000"/>
           </a:solidFill>
@@ -10049,7 +10226,7 @@
           <a:sym typeface="Arial"/>
         </a:defRPr>
       </a:lvl1pPr>
-      <a:lvl2pPr lvl="1" marR="0" rtl="0" algn="l">
+      <a:lvl2pPr marR="0" lvl="1" algn="l" rtl="0">
         <a:lnSpc>
           <a:spcPct val="100000"/>
         </a:lnSpc>
@@ -10063,7 +10240,7 @@
           <a:srgbClr val="000000"/>
         </a:buClr>
         <a:buFont typeface="Arial"/>
-        <a:defRPr b="0" i="0" sz="1400" u="none" cap="none" strike="noStrike">
+        <a:defRPr sz="1400" b="0" i="0" u="none" strike="noStrike" cap="none">
           <a:solidFill>
             <a:srgbClr val="000000"/>
           </a:solidFill>
@@ -10073,7 +10250,7 @@
           <a:sym typeface="Arial"/>
         </a:defRPr>
       </a:lvl2pPr>
-      <a:lvl3pPr lvl="2" marR="0" rtl="0" algn="l">
+      <a:lvl3pPr marR="0" lvl="2" algn="l" rtl="0">
         <a:lnSpc>
           <a:spcPct val="100000"/>
         </a:lnSpc>
@@ -10087,7 +10264,7 @@
           <a:srgbClr val="000000"/>
         </a:buClr>
         <a:buFont typeface="Arial"/>
-        <a:defRPr b="0" i="0" sz="1400" u="none" cap="none" strike="noStrike">
+        <a:defRPr sz="1400" b="0" i="0" u="none" strike="noStrike" cap="none">
           <a:solidFill>
             <a:srgbClr val="000000"/>
           </a:solidFill>
@@ -10097,7 +10274,7 @@
           <a:sym typeface="Arial"/>
         </a:defRPr>
       </a:lvl3pPr>
-      <a:lvl4pPr lvl="3" marR="0" rtl="0" algn="l">
+      <a:lvl4pPr marR="0" lvl="3" algn="l" rtl="0">
         <a:lnSpc>
           <a:spcPct val="100000"/>
         </a:lnSpc>
@@ -10111,7 +10288,7 @@
           <a:srgbClr val="000000"/>
         </a:buClr>
         <a:buFont typeface="Arial"/>
-        <a:defRPr b="0" i="0" sz="1400" u="none" cap="none" strike="noStrike">
+        <a:defRPr sz="1400" b="0" i="0" u="none" strike="noStrike" cap="none">
           <a:solidFill>
             <a:srgbClr val="000000"/>
           </a:solidFill>
@@ -10121,7 +10298,7 @@
           <a:sym typeface="Arial"/>
         </a:defRPr>
       </a:lvl4pPr>
-      <a:lvl5pPr lvl="4" marR="0" rtl="0" algn="l">
+      <a:lvl5pPr marR="0" lvl="4" algn="l" rtl="0">
         <a:lnSpc>
           <a:spcPct val="100000"/>
         </a:lnSpc>
@@ -10135,7 +10312,7 @@
           <a:srgbClr val="000000"/>
         </a:buClr>
         <a:buFont typeface="Arial"/>
-        <a:defRPr b="0" i="0" sz="1400" u="none" cap="none" strike="noStrike">
+        <a:defRPr sz="1400" b="0" i="0" u="none" strike="noStrike" cap="none">
           <a:solidFill>
             <a:srgbClr val="000000"/>
           </a:solidFill>
@@ -10145,7 +10322,7 @@
           <a:sym typeface="Arial"/>
         </a:defRPr>
       </a:lvl5pPr>
-      <a:lvl6pPr lvl="5" marR="0" rtl="0" algn="l">
+      <a:lvl6pPr marR="0" lvl="5" algn="l" rtl="0">
         <a:lnSpc>
           <a:spcPct val="100000"/>
         </a:lnSpc>
@@ -10159,7 +10336,7 @@
           <a:srgbClr val="000000"/>
         </a:buClr>
         <a:buFont typeface="Arial"/>
-        <a:defRPr b="0" i="0" sz="1400" u="none" cap="none" strike="noStrike">
+        <a:defRPr sz="1400" b="0" i="0" u="none" strike="noStrike" cap="none">
           <a:solidFill>
             <a:srgbClr val="000000"/>
           </a:solidFill>
@@ -10169,7 +10346,7 @@
           <a:sym typeface="Arial"/>
         </a:defRPr>
       </a:lvl6pPr>
-      <a:lvl7pPr lvl="6" marR="0" rtl="0" algn="l">
+      <a:lvl7pPr marR="0" lvl="6" algn="l" rtl="0">
         <a:lnSpc>
           <a:spcPct val="100000"/>
         </a:lnSpc>
@@ -10183,7 +10360,7 @@
           <a:srgbClr val="000000"/>
         </a:buClr>
         <a:buFont typeface="Arial"/>
-        <a:defRPr b="0" i="0" sz="1400" u="none" cap="none" strike="noStrike">
+        <a:defRPr sz="1400" b="0" i="0" u="none" strike="noStrike" cap="none">
           <a:solidFill>
             <a:srgbClr val="000000"/>
           </a:solidFill>
@@ -10193,7 +10370,7 @@
           <a:sym typeface="Arial"/>
         </a:defRPr>
       </a:lvl7pPr>
-      <a:lvl8pPr lvl="7" marR="0" rtl="0" algn="l">
+      <a:lvl8pPr marR="0" lvl="7" algn="l" rtl="0">
         <a:lnSpc>
           <a:spcPct val="100000"/>
         </a:lnSpc>
@@ -10207,7 +10384,7 @@
           <a:srgbClr val="000000"/>
         </a:buClr>
         <a:buFont typeface="Arial"/>
-        <a:defRPr b="0" i="0" sz="1400" u="none" cap="none" strike="noStrike">
+        <a:defRPr sz="1400" b="0" i="0" u="none" strike="noStrike" cap="none">
           <a:solidFill>
             <a:srgbClr val="000000"/>
           </a:solidFill>
@@ -10217,7 +10394,7 @@
           <a:sym typeface="Arial"/>
         </a:defRPr>
       </a:lvl8pPr>
-      <a:lvl9pPr lvl="8" marR="0" rtl="0" algn="l">
+      <a:lvl9pPr marR="0" lvl="8" algn="l" rtl="0">
         <a:lnSpc>
           <a:spcPct val="100000"/>
         </a:lnSpc>
@@ -10231,7 +10408,7 @@
           <a:srgbClr val="000000"/>
         </a:buClr>
         <a:buFont typeface="Arial"/>
-        <a:defRPr b="0" i="0" sz="1400" u="none" cap="none" strike="noStrike">
+        <a:defRPr sz="1400" b="0" i="0" u="none" strike="noStrike" cap="none">
           <a:solidFill>
             <a:srgbClr val="000000"/>
           </a:solidFill>
@@ -10243,7 +10420,7 @@
       </a:lvl9pPr>
     </p:bodyStyle>
     <p:otherStyle>
-      <a:defPPr lvl="0" marR="0" rtl="0" algn="l">
+      <a:defPPr marR="0" lvl="0" algn="l" rtl="0">
         <a:lnSpc>
           <a:spcPct val="100000"/>
         </a:lnSpc>
@@ -10254,7 +10431,7 @@
           <a:spcPts val="0"/>
         </a:spcAft>
       </a:defPPr>
-      <a:lvl1pPr lvl="0" marR="0" rtl="0" algn="l">
+      <a:lvl1pPr marR="0" lvl="0" algn="l" rtl="0">
         <a:lnSpc>
           <a:spcPct val="100000"/>
         </a:lnSpc>
@@ -10268,7 +10445,7 @@
           <a:srgbClr val="000000"/>
         </a:buClr>
         <a:buFont typeface="Arial"/>
-        <a:defRPr b="0" i="0" sz="1400" u="none" cap="none" strike="noStrike">
+        <a:defRPr sz="1400" b="0" i="0" u="none" strike="noStrike" cap="none">
           <a:solidFill>
             <a:srgbClr val="000000"/>
           </a:solidFill>
@@ -10278,7 +10455,7 @@
           <a:sym typeface="Arial"/>
         </a:defRPr>
       </a:lvl1pPr>
-      <a:lvl2pPr lvl="1" marR="0" rtl="0" algn="l">
+      <a:lvl2pPr marR="0" lvl="1" algn="l" rtl="0">
         <a:lnSpc>
           <a:spcPct val="100000"/>
         </a:lnSpc>
@@ -10292,7 +10469,7 @@
           <a:srgbClr val="000000"/>
         </a:buClr>
         <a:buFont typeface="Arial"/>
-        <a:defRPr b="0" i="0" sz="1400" u="none" cap="none" strike="noStrike">
+        <a:defRPr sz="1400" b="0" i="0" u="none" strike="noStrike" cap="none">
           <a:solidFill>
             <a:srgbClr val="000000"/>
           </a:solidFill>
@@ -10302,7 +10479,7 @@
           <a:sym typeface="Arial"/>
         </a:defRPr>
       </a:lvl2pPr>
-      <a:lvl3pPr lvl="2" marR="0" rtl="0" algn="l">
+      <a:lvl3pPr marR="0" lvl="2" algn="l" rtl="0">
         <a:lnSpc>
           <a:spcPct val="100000"/>
         </a:lnSpc>
@@ -10316,7 +10493,7 @@
           <a:srgbClr val="000000"/>
         </a:buClr>
         <a:buFont typeface="Arial"/>
-        <a:defRPr b="0" i="0" sz="1400" u="none" cap="none" strike="noStrike">
+        <a:defRPr sz="1400" b="0" i="0" u="none" strike="noStrike" cap="none">
           <a:solidFill>
             <a:srgbClr val="000000"/>
           </a:solidFill>
@@ -10326,7 +10503,7 @@
           <a:sym typeface="Arial"/>
         </a:defRPr>
       </a:lvl3pPr>
-      <a:lvl4pPr lvl="3" marR="0" rtl="0" algn="l">
+      <a:lvl4pPr marR="0" lvl="3" algn="l" rtl="0">
         <a:lnSpc>
           <a:spcPct val="100000"/>
         </a:lnSpc>
@@ -10340,7 +10517,7 @@
           <a:srgbClr val="000000"/>
         </a:buClr>
         <a:buFont typeface="Arial"/>
-        <a:defRPr b="0" i="0" sz="1400" u="none" cap="none" strike="noStrike">
+        <a:defRPr sz="1400" b="0" i="0" u="none" strike="noStrike" cap="none">
           <a:solidFill>
             <a:srgbClr val="000000"/>
           </a:solidFill>
@@ -10350,7 +10527,7 @@
           <a:sym typeface="Arial"/>
         </a:defRPr>
       </a:lvl4pPr>
-      <a:lvl5pPr lvl="4" marR="0" rtl="0" algn="l">
+      <a:lvl5pPr marR="0" lvl="4" algn="l" rtl="0">
         <a:lnSpc>
           <a:spcPct val="100000"/>
         </a:lnSpc>
@@ -10364,7 +10541,7 @@
           <a:srgbClr val="000000"/>
         </a:buClr>
         <a:buFont typeface="Arial"/>
-        <a:defRPr b="0" i="0" sz="1400" u="none" cap="none" strike="noStrike">
+        <a:defRPr sz="1400" b="0" i="0" u="none" strike="noStrike" cap="none">
           <a:solidFill>
             <a:srgbClr val="000000"/>
           </a:solidFill>
@@ -10374,7 +10551,7 @@
           <a:sym typeface="Arial"/>
         </a:defRPr>
       </a:lvl5pPr>
-      <a:lvl6pPr lvl="5" marR="0" rtl="0" algn="l">
+      <a:lvl6pPr marR="0" lvl="5" algn="l" rtl="0">
         <a:lnSpc>
           <a:spcPct val="100000"/>
         </a:lnSpc>
@@ -10388,7 +10565,7 @@
           <a:srgbClr val="000000"/>
         </a:buClr>
         <a:buFont typeface="Arial"/>
-        <a:defRPr b="0" i="0" sz="1400" u="none" cap="none" strike="noStrike">
+        <a:defRPr sz="1400" b="0" i="0" u="none" strike="noStrike" cap="none">
           <a:solidFill>
             <a:srgbClr val="000000"/>
           </a:solidFill>
@@ -10398,7 +10575,7 @@
           <a:sym typeface="Arial"/>
         </a:defRPr>
       </a:lvl6pPr>
-      <a:lvl7pPr lvl="6" marR="0" rtl="0" algn="l">
+      <a:lvl7pPr marR="0" lvl="6" algn="l" rtl="0">
         <a:lnSpc>
           <a:spcPct val="100000"/>
         </a:lnSpc>
@@ -10412,7 +10589,7 @@
           <a:srgbClr val="000000"/>
         </a:buClr>
         <a:buFont typeface="Arial"/>
-        <a:defRPr b="0" i="0" sz="1400" u="none" cap="none" strike="noStrike">
+        <a:defRPr sz="1400" b="0" i="0" u="none" strike="noStrike" cap="none">
           <a:solidFill>
             <a:srgbClr val="000000"/>
           </a:solidFill>
@@ -10422,7 +10599,7 @@
           <a:sym typeface="Arial"/>
         </a:defRPr>
       </a:lvl7pPr>
-      <a:lvl8pPr lvl="7" marR="0" rtl="0" algn="l">
+      <a:lvl8pPr marR="0" lvl="7" algn="l" rtl="0">
         <a:lnSpc>
           <a:spcPct val="100000"/>
         </a:lnSpc>
@@ -10436,7 +10613,7 @@
           <a:srgbClr val="000000"/>
         </a:buClr>
         <a:buFont typeface="Arial"/>
-        <a:defRPr b="0" i="0" sz="1400" u="none" cap="none" strike="noStrike">
+        <a:defRPr sz="1400" b="0" i="0" u="none" strike="noStrike" cap="none">
           <a:solidFill>
             <a:srgbClr val="000000"/>
           </a:solidFill>
@@ -10446,7 +10623,7 @@
           <a:sym typeface="Arial"/>
         </a:defRPr>
       </a:lvl8pPr>
-      <a:lvl9pPr lvl="8" marR="0" rtl="0" algn="l">
+      <a:lvl9pPr marR="0" lvl="8" algn="l" rtl="0">
         <a:lnSpc>
           <a:spcPct val="100000"/>
         </a:lnSpc>
@@ -10460,7 +10637,7 @@
           <a:srgbClr val="000000"/>
         </a:buClr>
         <a:buFont typeface="Arial"/>
-        <a:defRPr b="0" i="0" sz="1400" u="none" cap="none" strike="noStrike">
+        <a:defRPr sz="1400" b="0" i="0" u="none" strike="noStrike" cap="none">
           <a:solidFill>
             <a:srgbClr val="000000"/>
           </a:solidFill>
@@ -10476,11 +10653,11 @@
 </file>
 
 <file path=ppt/slides/slide1.xml><?xml version="1.0" encoding="utf-8"?>
-<p:sld xmlns:a="http://schemas.openxmlformats.org/drawingml/2006/main" xmlns:r="http://schemas.openxmlformats.org/officeDocument/2006/relationships" xmlns:mc="http://schemas.openxmlformats.org/markup-compatibility/2006" xmlns:mv="urn:schemas-microsoft-com:mac:vml" xmlns:p="http://schemas.openxmlformats.org/presentationml/2006/main" xmlns:c="http://schemas.openxmlformats.org/drawingml/2006/chart" xmlns:dgm="http://schemas.openxmlformats.org/drawingml/2006/diagram" xmlns:o="urn:schemas-microsoft-com:office:office" xmlns:v="urn:schemas-microsoft-com:vml" xmlns:pvml="urn:schemas-microsoft-com:office:powerpoint" xmlns:com="http://schemas.openxmlformats.org/drawingml/2006/compatibility" xmlns:p14="http://schemas.microsoft.com/office/powerpoint/2010/main" xmlns:p15="http://schemas.microsoft.com/office/powerpoint/2012/main" xmlns:ahyp="http://schemas.microsoft.com/office/drawing/2018/hyperlinkcolor">
+<p:sld xmlns:a="http://schemas.openxmlformats.org/drawingml/2006/main" xmlns:r="http://schemas.openxmlformats.org/officeDocument/2006/relationships" xmlns:p="http://schemas.openxmlformats.org/presentationml/2006/main">
   <p:cSld>
     <p:spTree>
       <p:nvGrpSpPr>
-        <p:cNvPr id="58" name="Shape 58"/>
+        <p:cNvPr id="1" name="Shape 58"/>
         <p:cNvGrpSpPr/>
         <p:nvPr/>
       </p:nvGrpSpPr>
@@ -10495,7 +10672,9 @@
       <p:sp>
         <p:nvSpPr>
           <p:cNvPr id="59" name="Google Shape;59;p13"/>
-          <p:cNvSpPr txBox="1"/>
+          <p:cNvSpPr txBox="1">
+            <a:spLocks noGrp="1"/>
+          </p:cNvSpPr>
           <p:nvPr>
             <p:ph type="ctrTitle"/>
           </p:nvPr>
@@ -10514,12 +10693,12 @@
           </a:ln>
         </p:spPr>
         <p:txBody>
-          <a:bodyPr anchorCtr="0" anchor="b" bIns="91425" lIns="91425" spcFirstLastPara="1" rIns="91425" wrap="square" tIns="91425">
+          <a:bodyPr spcFirstLastPara="1" wrap="square" lIns="91425" tIns="91425" rIns="91425" bIns="91425" anchor="b" anchorCtr="0">
             <a:noAutofit/>
           </a:bodyPr>
           <a:lstStyle/>
           <a:p>
-            <a:pPr indent="0" lvl="0" marL="0" rtl="0" algn="l">
+            <a:pPr marL="0" lvl="0" indent="0" algn="l" rtl="0">
               <a:lnSpc>
                 <a:spcPct val="100000"/>
               </a:lnSpc>
@@ -10543,9 +10722,11 @@
       <p:sp>
         <p:nvSpPr>
           <p:cNvPr id="60" name="Google Shape;60;p13"/>
-          <p:cNvSpPr txBox="1"/>
+          <p:cNvSpPr txBox="1">
+            <a:spLocks noGrp="1"/>
+          </p:cNvSpPr>
           <p:nvPr>
-            <p:ph idx="1" type="subTitle"/>
+            <p:ph type="subTitle" idx="1"/>
           </p:nvPr>
         </p:nvSpPr>
         <p:spPr>
@@ -10562,12 +10743,12 @@
           </a:ln>
         </p:spPr>
         <p:txBody>
-          <a:bodyPr anchorCtr="0" anchor="t" bIns="91425" lIns="91425" spcFirstLastPara="1" rIns="91425" wrap="square" tIns="91425">
+          <a:bodyPr spcFirstLastPara="1" wrap="square" lIns="91425" tIns="91425" rIns="91425" bIns="91425" anchor="t" anchorCtr="0">
             <a:noAutofit/>
           </a:bodyPr>
           <a:lstStyle/>
           <a:p>
-            <a:pPr indent="0" lvl="0" marL="0" rtl="0" algn="l">
+            <a:pPr marL="0" lvl="0" indent="0" algn="l" rtl="0">
               <a:lnSpc>
                 <a:spcPct val="100000"/>
               </a:lnSpc>
@@ -10581,30 +10762,10 @@
               <a:buNone/>
             </a:pPr>
             <a:r>
-              <a:rPr lang="en"/>
-              <a:t>Lesson 1</a:t>
+              <a:rPr lang="en" dirty="0"/>
+              <a:t>Lesson 2</a:t>
             </a:r>
-            <a:endParaRPr/>
-          </a:p>
-          <a:p>
-            <a:pPr indent="0" lvl="0" marL="0" rtl="0" algn="l">
-              <a:lnSpc>
-                <a:spcPct val="100000"/>
-              </a:lnSpc>
-              <a:spcBef>
-                <a:spcPts val="0"/>
-              </a:spcBef>
-              <a:spcAft>
-                <a:spcPts val="0"/>
-              </a:spcAft>
-              <a:buSzPts val="2400"/>
-              <a:buNone/>
-            </a:pPr>
-            <a:r>
-              <a:rPr lang="en"/>
-              <a:t>From https://www.futurelearn.com</a:t>
-            </a:r>
-            <a:endParaRPr/>
+            <a:endParaRPr dirty="0"/>
           </a:p>
         </p:txBody>
       </p:sp>
@@ -10617,11 +10778,11 @@
 </file>
 
 <file path=ppt/slides/slide10.xml><?xml version="1.0" encoding="utf-8"?>
-<p:sld xmlns:a="http://schemas.openxmlformats.org/drawingml/2006/main" xmlns:r="http://schemas.openxmlformats.org/officeDocument/2006/relationships" xmlns:mc="http://schemas.openxmlformats.org/markup-compatibility/2006" xmlns:mv="urn:schemas-microsoft-com:mac:vml" xmlns:p="http://schemas.openxmlformats.org/presentationml/2006/main" xmlns:c="http://schemas.openxmlformats.org/drawingml/2006/chart" xmlns:dgm="http://schemas.openxmlformats.org/drawingml/2006/diagram" xmlns:o="urn:schemas-microsoft-com:office:office" xmlns:v="urn:schemas-microsoft-com:vml" xmlns:pvml="urn:schemas-microsoft-com:office:powerpoint" xmlns:com="http://schemas.openxmlformats.org/drawingml/2006/compatibility" xmlns:p14="http://schemas.microsoft.com/office/powerpoint/2010/main" xmlns:p15="http://schemas.microsoft.com/office/powerpoint/2012/main" xmlns:ahyp="http://schemas.microsoft.com/office/drawing/2018/hyperlinkcolor">
+<p:sld xmlns:a="http://schemas.openxmlformats.org/drawingml/2006/main" xmlns:r="http://schemas.openxmlformats.org/officeDocument/2006/relationships" xmlns:p="http://schemas.openxmlformats.org/presentationml/2006/main">
   <p:cSld>
     <p:spTree>
       <p:nvGrpSpPr>
-        <p:cNvPr id="114" name="Shape 114"/>
+        <p:cNvPr id="1" name="Shape 114"/>
         <p:cNvGrpSpPr/>
         <p:nvPr/>
       </p:nvGrpSpPr>
@@ -10636,7 +10797,9 @@
       <p:sp>
         <p:nvSpPr>
           <p:cNvPr id="115" name="Google Shape;115;p22"/>
-          <p:cNvSpPr txBox="1"/>
+          <p:cNvSpPr txBox="1">
+            <a:spLocks noGrp="1"/>
+          </p:cNvSpPr>
           <p:nvPr>
             <p:ph type="title"/>
           </p:nvPr>
@@ -10655,12 +10818,12 @@
           </a:ln>
         </p:spPr>
         <p:txBody>
-          <a:bodyPr anchorCtr="0" anchor="t" bIns="91425" lIns="91425" spcFirstLastPara="1" rIns="91425" wrap="square" tIns="91425">
+          <a:bodyPr spcFirstLastPara="1" wrap="square" lIns="91425" tIns="91425" rIns="91425" bIns="91425" anchor="t" anchorCtr="0">
             <a:noAutofit/>
           </a:bodyPr>
           <a:lstStyle/>
           <a:p>
-            <a:pPr indent="0" lvl="0" marL="0" rtl="0" algn="l">
+            <a:pPr marL="0" lvl="0" indent="0" algn="l" rtl="0">
               <a:lnSpc>
                 <a:spcPct val="100000"/>
               </a:lnSpc>
@@ -10673,9 +10836,6 @@
               <a:buSzPts val="2800"/>
               <a:buNone/>
             </a:pPr>
-            <a:r>
-              <a:t/>
-            </a:r>
             <a:endParaRPr/>
           </a:p>
         </p:txBody>
@@ -10683,9 +10843,11 @@
       <p:sp>
         <p:nvSpPr>
           <p:cNvPr id="116" name="Google Shape;116;p22"/>
-          <p:cNvSpPr txBox="1"/>
+          <p:cNvSpPr txBox="1">
+            <a:spLocks noGrp="1"/>
+          </p:cNvSpPr>
           <p:nvPr>
-            <p:ph idx="1" type="body"/>
+            <p:ph type="body" idx="1"/>
           </p:nvPr>
         </p:nvSpPr>
         <p:spPr>
@@ -10702,12 +10864,12 @@
           </a:ln>
         </p:spPr>
         <p:txBody>
-          <a:bodyPr anchorCtr="0" anchor="t" bIns="91425" lIns="91425" spcFirstLastPara="1" rIns="91425" wrap="square" tIns="91425">
+          <a:bodyPr spcFirstLastPara="1" wrap="square" lIns="91425" tIns="91425" rIns="91425" bIns="91425" anchor="t" anchorCtr="0">
             <a:noAutofit/>
           </a:bodyPr>
           <a:lstStyle/>
           <a:p>
-            <a:pPr indent="0" lvl="0" marL="0" rtl="0" algn="l">
+            <a:pPr marL="0" lvl="0" indent="0" algn="l" rtl="0">
               <a:lnSpc>
                 <a:spcPct val="115000"/>
               </a:lnSpc>
@@ -10725,7 +10887,7 @@
               <a:t>The message </a:t>
             </a:r>
             <a:r>
-              <a:rPr b="1" lang="en"/>
+              <a:rPr lang="en" b="1"/>
               <a:t>“hello world”</a:t>
             </a:r>
             <a:r>
@@ -10735,7 +10897,7 @@
             <a:endParaRPr/>
           </a:p>
           <a:p>
-            <a:pPr indent="0" lvl="0" marL="0" rtl="0" algn="l">
+            <a:pPr marL="0" lvl="0" indent="0" algn="l" rtl="0">
               <a:lnSpc>
                 <a:spcPct val="115000"/>
               </a:lnSpc>
@@ -10748,13 +10910,10 @@
               <a:buSzPts val="1800"/>
               <a:buNone/>
             </a:pPr>
-            <a:r>
-              <a:t/>
-            </a:r>
             <a:endParaRPr/>
           </a:p>
           <a:p>
-            <a:pPr indent="0" lvl="0" marL="0" rtl="0" algn="l">
+            <a:pPr marL="0" lvl="0" indent="0" algn="l" rtl="0">
               <a:lnSpc>
                 <a:spcPct val="115000"/>
               </a:lnSpc>
@@ -10767,9 +10926,6 @@
               <a:buSzPts val="1800"/>
               <a:buNone/>
             </a:pPr>
-            <a:r>
-              <a:t/>
-            </a:r>
             <a:endParaRPr/>
           </a:p>
         </p:txBody>
@@ -10784,7 +10940,7 @@
           <a:blip r:embed="rId3">
             <a:alphaModFix/>
           </a:blip>
-          <a:srcRect b="0" l="0" r="0" t="0"/>
+          <a:srcRect/>
           <a:stretch/>
         </p:blipFill>
         <p:spPr>
@@ -10810,11 +10966,11 @@
 </file>
 
 <file path=ppt/slides/slide11.xml><?xml version="1.0" encoding="utf-8"?>
-<p:sld xmlns:a="http://schemas.openxmlformats.org/drawingml/2006/main" xmlns:r="http://schemas.openxmlformats.org/officeDocument/2006/relationships" xmlns:mc="http://schemas.openxmlformats.org/markup-compatibility/2006" xmlns:mv="urn:schemas-microsoft-com:mac:vml" xmlns:p="http://schemas.openxmlformats.org/presentationml/2006/main" xmlns:c="http://schemas.openxmlformats.org/drawingml/2006/chart" xmlns:dgm="http://schemas.openxmlformats.org/drawingml/2006/diagram" xmlns:o="urn:schemas-microsoft-com:office:office" xmlns:v="urn:schemas-microsoft-com:vml" xmlns:pvml="urn:schemas-microsoft-com:office:powerpoint" xmlns:com="http://schemas.openxmlformats.org/drawingml/2006/compatibility" xmlns:p14="http://schemas.microsoft.com/office/powerpoint/2010/main" xmlns:p15="http://schemas.microsoft.com/office/powerpoint/2012/main" xmlns:ahyp="http://schemas.microsoft.com/office/drawing/2018/hyperlinkcolor">
+<p:sld xmlns:a="http://schemas.openxmlformats.org/drawingml/2006/main" xmlns:r="http://schemas.openxmlformats.org/officeDocument/2006/relationships" xmlns:p="http://schemas.openxmlformats.org/presentationml/2006/main">
   <p:cSld>
     <p:spTree>
       <p:nvGrpSpPr>
-        <p:cNvPr id="121" name="Shape 121"/>
+        <p:cNvPr id="1" name="Shape 121"/>
         <p:cNvGrpSpPr/>
         <p:nvPr/>
       </p:nvGrpSpPr>
@@ -10829,7 +10985,9 @@
       <p:sp>
         <p:nvSpPr>
           <p:cNvPr id="122" name="Google Shape;122;p23"/>
-          <p:cNvSpPr txBox="1"/>
+          <p:cNvSpPr txBox="1">
+            <a:spLocks noGrp="1"/>
+          </p:cNvSpPr>
           <p:nvPr>
             <p:ph type="title"/>
           </p:nvPr>
@@ -10848,12 +11006,12 @@
           </a:ln>
         </p:spPr>
         <p:txBody>
-          <a:bodyPr anchorCtr="0" anchor="t" bIns="91425" lIns="91425" spcFirstLastPara="1" rIns="91425" wrap="square" tIns="91425">
+          <a:bodyPr spcFirstLastPara="1" wrap="square" lIns="91425" tIns="91425" rIns="91425" bIns="91425" anchor="t" anchorCtr="0">
             <a:noAutofit/>
           </a:bodyPr>
           <a:lstStyle/>
           <a:p>
-            <a:pPr indent="0" lvl="0" marL="0" rtl="0" algn="l">
+            <a:pPr marL="0" lvl="0" indent="0" algn="l" rtl="0">
               <a:lnSpc>
                 <a:spcPct val="100000"/>
               </a:lnSpc>
@@ -10877,9 +11035,11 @@
       <p:sp>
         <p:nvSpPr>
           <p:cNvPr id="123" name="Google Shape;123;p23"/>
-          <p:cNvSpPr txBox="1"/>
+          <p:cNvSpPr txBox="1">
+            <a:spLocks noGrp="1"/>
+          </p:cNvSpPr>
           <p:nvPr>
-            <p:ph idx="1" type="body"/>
+            <p:ph type="body" idx="1"/>
           </p:nvPr>
         </p:nvSpPr>
         <p:spPr>
@@ -10896,12 +11056,12 @@
           </a:ln>
         </p:spPr>
         <p:txBody>
-          <a:bodyPr anchorCtr="0" anchor="t" bIns="91425" lIns="91425" spcFirstLastPara="1" rIns="91425" wrap="square" tIns="91425">
+          <a:bodyPr spcFirstLastPara="1" wrap="square" lIns="91425" tIns="91425" rIns="91425" bIns="91425" anchor="t" anchorCtr="0">
             <a:noAutofit/>
           </a:bodyPr>
           <a:lstStyle/>
           <a:p>
-            <a:pPr indent="0" lvl="0" marL="0" rtl="0" algn="l">
+            <a:pPr marL="0" lvl="0" indent="0" algn="l" rtl="0">
               <a:lnSpc>
                 <a:spcPct val="115000"/>
               </a:lnSpc>
@@ -10921,7 +11081,7 @@
             <a:endParaRPr/>
           </a:p>
           <a:p>
-            <a:pPr indent="0" lvl="0" marL="0" rtl="0" algn="l">
+            <a:pPr marL="0" lvl="0" indent="0" algn="l" rtl="0">
               <a:lnSpc>
                 <a:spcPct val="115000"/>
               </a:lnSpc>
@@ -10934,9 +11094,6 @@
               <a:buSzPts val="1800"/>
               <a:buNone/>
             </a:pPr>
-            <a:r>
-              <a:t/>
-            </a:r>
             <a:endParaRPr/>
           </a:p>
         </p:txBody>
@@ -10951,7 +11108,7 @@
           <a:blip r:embed="rId3">
             <a:alphaModFix/>
           </a:blip>
-          <a:srcRect b="0" l="0" r="0" t="0"/>
+          <a:srcRect/>
           <a:stretch/>
         </p:blipFill>
         <p:spPr>
@@ -10977,11 +11134,11 @@
 </file>
 
 <file path=ppt/slides/slide12.xml><?xml version="1.0" encoding="utf-8"?>
-<p:sld xmlns:a="http://schemas.openxmlformats.org/drawingml/2006/main" xmlns:r="http://schemas.openxmlformats.org/officeDocument/2006/relationships" xmlns:mc="http://schemas.openxmlformats.org/markup-compatibility/2006" xmlns:mv="urn:schemas-microsoft-com:mac:vml" xmlns:p="http://schemas.openxmlformats.org/presentationml/2006/main" xmlns:c="http://schemas.openxmlformats.org/drawingml/2006/chart" xmlns:dgm="http://schemas.openxmlformats.org/drawingml/2006/diagram" xmlns:o="urn:schemas-microsoft-com:office:office" xmlns:v="urn:schemas-microsoft-com:vml" xmlns:pvml="urn:schemas-microsoft-com:office:powerpoint" xmlns:com="http://schemas.openxmlformats.org/drawingml/2006/compatibility" xmlns:p14="http://schemas.microsoft.com/office/powerpoint/2010/main" xmlns:p15="http://schemas.microsoft.com/office/powerpoint/2012/main" xmlns:ahyp="http://schemas.microsoft.com/office/drawing/2018/hyperlinkcolor">
+<p:sld xmlns:a="http://schemas.openxmlformats.org/drawingml/2006/main" xmlns:r="http://schemas.openxmlformats.org/officeDocument/2006/relationships" xmlns:p="http://schemas.openxmlformats.org/presentationml/2006/main">
   <p:cSld>
     <p:spTree>
       <p:nvGrpSpPr>
-        <p:cNvPr id="128" name="Shape 128"/>
+        <p:cNvPr id="1" name="Shape 128"/>
         <p:cNvGrpSpPr/>
         <p:nvPr/>
       </p:nvGrpSpPr>
@@ -10996,7 +11153,9 @@
       <p:sp>
         <p:nvSpPr>
           <p:cNvPr id="129" name="Google Shape;129;p24"/>
-          <p:cNvSpPr txBox="1"/>
+          <p:cNvSpPr txBox="1">
+            <a:spLocks noGrp="1"/>
+          </p:cNvSpPr>
           <p:nvPr>
             <p:ph type="title"/>
           </p:nvPr>
@@ -11015,12 +11174,12 @@
           </a:ln>
         </p:spPr>
         <p:txBody>
-          <a:bodyPr anchorCtr="0" anchor="t" bIns="91425" lIns="91425" spcFirstLastPara="1" rIns="91425" wrap="square" tIns="91425">
+          <a:bodyPr spcFirstLastPara="1" wrap="square" lIns="91425" tIns="91425" rIns="91425" bIns="91425" anchor="t" anchorCtr="0">
             <a:noAutofit/>
           </a:bodyPr>
           <a:lstStyle/>
           <a:p>
-            <a:pPr indent="0" lvl="0" marL="0" rtl="0" algn="l">
+            <a:pPr marL="0" lvl="0" indent="0" algn="l" rtl="0">
               <a:lnSpc>
                 <a:spcPct val="100000"/>
               </a:lnSpc>
@@ -11044,9 +11203,11 @@
       <p:sp>
         <p:nvSpPr>
           <p:cNvPr id="130" name="Google Shape;130;p24"/>
-          <p:cNvSpPr txBox="1"/>
+          <p:cNvSpPr txBox="1">
+            <a:spLocks noGrp="1"/>
+          </p:cNvSpPr>
           <p:nvPr>
-            <p:ph idx="1" type="body"/>
+            <p:ph type="body" idx="1"/>
           </p:nvPr>
         </p:nvSpPr>
         <p:spPr>
@@ -11063,12 +11224,12 @@
           </a:ln>
         </p:spPr>
         <p:txBody>
-          <a:bodyPr anchorCtr="0" anchor="t" bIns="91425" lIns="91425" spcFirstLastPara="1" rIns="91425" wrap="square" tIns="91425">
+          <a:bodyPr spcFirstLastPara="1" wrap="square" lIns="91425" tIns="91425" rIns="91425" bIns="91425" anchor="t" anchorCtr="0">
             <a:noAutofit/>
           </a:bodyPr>
           <a:lstStyle/>
           <a:p>
-            <a:pPr indent="0" lvl="0" marL="0" rtl="0" algn="l">
+            <a:pPr marL="0" lvl="0" indent="0" algn="l" rtl="0">
               <a:lnSpc>
                 <a:spcPct val="115000"/>
               </a:lnSpc>
@@ -11098,7 +11259,7 @@
             <a:endParaRPr/>
           </a:p>
           <a:p>
-            <a:pPr indent="-342900" lvl="0" marL="457200" rtl="0" algn="l">
+            <a:pPr marL="457200" lvl="0" indent="-342900" algn="l" rtl="0">
               <a:lnSpc>
                 <a:spcPct val="115000"/>
               </a:lnSpc>
@@ -11116,7 +11277,7 @@
               <a:t>The code is </a:t>
             </a:r>
             <a:r>
-              <a:rPr b="1" lang="en"/>
+              <a:rPr lang="en" b="1"/>
               <a:t>case-sensitive</a:t>
             </a:r>
             <a:r>
@@ -11153,7 +11314,7 @@
             </a:endParaRPr>
           </a:p>
           <a:p>
-            <a:pPr indent="-342900" lvl="0" marL="457200" rtl="0" algn="l">
+            <a:pPr marL="457200" lvl="0" indent="-342900" algn="l" rtl="0">
               <a:lnSpc>
                 <a:spcPct val="115000"/>
               </a:lnSpc>
@@ -11186,7 +11347,7 @@
             <a:endParaRPr/>
           </a:p>
           <a:p>
-            <a:pPr indent="-342900" lvl="0" marL="457200" rtl="0" algn="l">
+            <a:pPr marL="457200" lvl="0" indent="-342900" algn="l" rtl="0">
               <a:lnSpc>
                 <a:spcPct val="115000"/>
               </a:lnSpc>
@@ -11215,7 +11376,7 @@
             <a:endParaRPr/>
           </a:p>
           <a:p>
-            <a:pPr indent="-342900" lvl="0" marL="457200" rtl="0" algn="l">
+            <a:pPr marL="457200" lvl="0" indent="-342900" algn="l" rtl="0">
               <a:lnSpc>
                 <a:spcPct val="115000"/>
               </a:lnSpc>
@@ -11233,7 +11394,7 @@
               <a:t>If you need to change your program, stop it and run it again by clicking </a:t>
             </a:r>
             <a:r>
-              <a:rPr b="1" lang="en"/>
+              <a:rPr lang="en" b="1"/>
               <a:t>Stop</a:t>
             </a:r>
             <a:r>
@@ -11241,7 +11402,7 @@
               <a:t> and then </a:t>
             </a:r>
             <a:r>
-              <a:rPr b="1" lang="en"/>
+              <a:rPr lang="en" b="1"/>
               <a:t>Run</a:t>
             </a:r>
             <a:r>
@@ -11261,11 +11422,11 @@
 </file>
 
 <file path=ppt/slides/slide13.xml><?xml version="1.0" encoding="utf-8"?>
-<p:sld xmlns:a="http://schemas.openxmlformats.org/drawingml/2006/main" xmlns:r="http://schemas.openxmlformats.org/officeDocument/2006/relationships" xmlns:mc="http://schemas.openxmlformats.org/markup-compatibility/2006" xmlns:mv="urn:schemas-microsoft-com:mac:vml" xmlns:p="http://schemas.openxmlformats.org/presentationml/2006/main" xmlns:c="http://schemas.openxmlformats.org/drawingml/2006/chart" xmlns:dgm="http://schemas.openxmlformats.org/drawingml/2006/diagram" xmlns:o="urn:schemas-microsoft-com:office:office" xmlns:v="urn:schemas-microsoft-com:vml" xmlns:pvml="urn:schemas-microsoft-com:office:powerpoint" xmlns:com="http://schemas.openxmlformats.org/drawingml/2006/compatibility" xmlns:p14="http://schemas.microsoft.com/office/powerpoint/2010/main" xmlns:p15="http://schemas.microsoft.com/office/powerpoint/2012/main" xmlns:ahyp="http://schemas.microsoft.com/office/drawing/2018/hyperlinkcolor">
+<p:sld xmlns:a="http://schemas.openxmlformats.org/drawingml/2006/main" xmlns:r="http://schemas.openxmlformats.org/officeDocument/2006/relationships" xmlns:p="http://schemas.openxmlformats.org/presentationml/2006/main">
   <p:cSld>
     <p:spTree>
       <p:nvGrpSpPr>
-        <p:cNvPr id="134" name="Shape 134"/>
+        <p:cNvPr id="1" name="Shape 134"/>
         <p:cNvGrpSpPr/>
         <p:nvPr/>
       </p:nvGrpSpPr>
@@ -11280,7 +11441,9 @@
       <p:sp>
         <p:nvSpPr>
           <p:cNvPr id="135" name="Google Shape;135;p25"/>
-          <p:cNvSpPr txBox="1"/>
+          <p:cNvSpPr txBox="1">
+            <a:spLocks noGrp="1"/>
+          </p:cNvSpPr>
           <p:nvPr>
             <p:ph type="title"/>
           </p:nvPr>
@@ -11299,12 +11462,12 @@
           </a:ln>
         </p:spPr>
         <p:txBody>
-          <a:bodyPr anchorCtr="0" anchor="t" bIns="91425" lIns="91425" spcFirstLastPara="1" rIns="91425" wrap="square" tIns="91425">
+          <a:bodyPr spcFirstLastPara="1" wrap="square" lIns="91425" tIns="91425" rIns="91425" bIns="91425" anchor="t" anchorCtr="0">
             <a:noAutofit/>
           </a:bodyPr>
           <a:lstStyle/>
           <a:p>
-            <a:pPr indent="0" lvl="0" marL="0" rtl="0" algn="l">
+            <a:pPr marL="0" lvl="0" indent="0" algn="l" rtl="0">
               <a:lnSpc>
                 <a:spcPct val="100000"/>
               </a:lnSpc>
@@ -11328,9 +11491,11 @@
       <p:sp>
         <p:nvSpPr>
           <p:cNvPr id="136" name="Google Shape;136;p25"/>
-          <p:cNvSpPr txBox="1"/>
+          <p:cNvSpPr txBox="1">
+            <a:spLocks noGrp="1"/>
+          </p:cNvSpPr>
           <p:nvPr>
-            <p:ph idx="1" type="body"/>
+            <p:ph type="body" idx="1"/>
           </p:nvPr>
         </p:nvSpPr>
         <p:spPr>
@@ -11347,12 +11512,12 @@
           </a:ln>
         </p:spPr>
         <p:txBody>
-          <a:bodyPr anchorCtr="0" anchor="t" bIns="91425" lIns="91425" spcFirstLastPara="1" rIns="91425" wrap="square" tIns="91425">
+          <a:bodyPr spcFirstLastPara="1" wrap="square" lIns="91425" tIns="91425" rIns="91425" bIns="91425" anchor="t" anchorCtr="0">
             <a:noAutofit/>
           </a:bodyPr>
           <a:lstStyle/>
           <a:p>
-            <a:pPr indent="0" lvl="0" marL="0" rtl="0" algn="l">
+            <a:pPr marL="0" lvl="0" indent="0" algn="l" rtl="0">
               <a:lnSpc>
                 <a:spcPct val="115000"/>
               </a:lnSpc>
@@ -11382,11 +11547,11 @@
 </file>
 
 <file path=ppt/slides/slide2.xml><?xml version="1.0" encoding="utf-8"?>
-<p:sld xmlns:a="http://schemas.openxmlformats.org/drawingml/2006/main" xmlns:r="http://schemas.openxmlformats.org/officeDocument/2006/relationships" xmlns:mc="http://schemas.openxmlformats.org/markup-compatibility/2006" xmlns:mv="urn:schemas-microsoft-com:mac:vml" xmlns:p="http://schemas.openxmlformats.org/presentationml/2006/main" xmlns:c="http://schemas.openxmlformats.org/drawingml/2006/chart" xmlns:dgm="http://schemas.openxmlformats.org/drawingml/2006/diagram" xmlns:o="urn:schemas-microsoft-com:office:office" xmlns:v="urn:schemas-microsoft-com:vml" xmlns:pvml="urn:schemas-microsoft-com:office:powerpoint" xmlns:com="http://schemas.openxmlformats.org/drawingml/2006/compatibility" xmlns:p14="http://schemas.microsoft.com/office/powerpoint/2010/main" xmlns:p15="http://schemas.microsoft.com/office/powerpoint/2012/main" xmlns:ahyp="http://schemas.microsoft.com/office/drawing/2018/hyperlinkcolor">
+<p:sld xmlns:a="http://schemas.openxmlformats.org/drawingml/2006/main" xmlns:r="http://schemas.openxmlformats.org/officeDocument/2006/relationships" xmlns:p="http://schemas.openxmlformats.org/presentationml/2006/main">
   <p:cSld>
     <p:spTree>
       <p:nvGrpSpPr>
-        <p:cNvPr id="64" name="Shape 64"/>
+        <p:cNvPr id="1" name="Shape 64"/>
         <p:cNvGrpSpPr/>
         <p:nvPr/>
       </p:nvGrpSpPr>
@@ -11401,7 +11566,9 @@
       <p:sp>
         <p:nvSpPr>
           <p:cNvPr id="65" name="Google Shape;65;p14"/>
-          <p:cNvSpPr txBox="1"/>
+          <p:cNvSpPr txBox="1">
+            <a:spLocks noGrp="1"/>
+          </p:cNvSpPr>
           <p:nvPr>
             <p:ph type="title"/>
           </p:nvPr>
@@ -11420,12 +11587,12 @@
           </a:ln>
         </p:spPr>
         <p:txBody>
-          <a:bodyPr anchorCtr="0" anchor="t" bIns="91425" lIns="91425" spcFirstLastPara="1" rIns="91425" wrap="square" tIns="91425">
+          <a:bodyPr spcFirstLastPara="1" wrap="square" lIns="91425" tIns="91425" rIns="91425" bIns="91425" anchor="t" anchorCtr="0">
             <a:noAutofit/>
           </a:bodyPr>
           <a:lstStyle/>
           <a:p>
-            <a:pPr indent="0" lvl="0" marL="0" rtl="0" algn="l">
+            <a:pPr marL="0" lvl="0" indent="0" algn="l" rtl="0">
               <a:lnSpc>
                 <a:spcPct val="100000"/>
               </a:lnSpc>
@@ -11449,9 +11616,11 @@
       <p:sp>
         <p:nvSpPr>
           <p:cNvPr id="66" name="Google Shape;66;p14"/>
-          <p:cNvSpPr txBox="1"/>
+          <p:cNvSpPr txBox="1">
+            <a:spLocks noGrp="1"/>
+          </p:cNvSpPr>
           <p:nvPr>
-            <p:ph idx="1" type="body"/>
+            <p:ph type="body" idx="1"/>
           </p:nvPr>
         </p:nvSpPr>
         <p:spPr>
@@ -11468,12 +11637,12 @@
           </a:ln>
         </p:spPr>
         <p:txBody>
-          <a:bodyPr anchorCtr="0" anchor="t" bIns="91425" lIns="91425" spcFirstLastPara="1" rIns="91425" wrap="square" tIns="91425">
+          <a:bodyPr spcFirstLastPara="1" wrap="square" lIns="91425" tIns="91425" rIns="91425" bIns="91425" anchor="t" anchorCtr="0">
             <a:noAutofit/>
           </a:bodyPr>
           <a:lstStyle/>
           <a:p>
-            <a:pPr indent="0" lvl="0" marL="0" rtl="0" algn="l">
+            <a:pPr marL="0" lvl="0" indent="0" algn="l" rtl="0">
               <a:lnSpc>
                 <a:spcPct val="115000"/>
               </a:lnSpc>
@@ -11493,7 +11662,7 @@
             <a:endParaRPr/>
           </a:p>
           <a:p>
-            <a:pPr indent="0" lvl="0" marL="0" rtl="0" algn="l">
+            <a:pPr marL="0" lvl="0" indent="0" algn="l" rtl="0">
               <a:lnSpc>
                 <a:spcPct val="115000"/>
               </a:lnSpc>
@@ -11557,11 +11726,11 @@
 </file>
 
 <file path=ppt/slides/slide3.xml><?xml version="1.0" encoding="utf-8"?>
-<p:sld xmlns:a="http://schemas.openxmlformats.org/drawingml/2006/main" xmlns:r="http://schemas.openxmlformats.org/officeDocument/2006/relationships" xmlns:mc="http://schemas.openxmlformats.org/markup-compatibility/2006" xmlns:mv="urn:schemas-microsoft-com:mac:vml" xmlns:p="http://schemas.openxmlformats.org/presentationml/2006/main" xmlns:c="http://schemas.openxmlformats.org/drawingml/2006/chart" xmlns:dgm="http://schemas.openxmlformats.org/drawingml/2006/diagram" xmlns:o="urn:schemas-microsoft-com:office:office" xmlns:v="urn:schemas-microsoft-com:vml" xmlns:pvml="urn:schemas-microsoft-com:office:powerpoint" xmlns:com="http://schemas.openxmlformats.org/drawingml/2006/compatibility" xmlns:p14="http://schemas.microsoft.com/office/powerpoint/2010/main" xmlns:p15="http://schemas.microsoft.com/office/powerpoint/2012/main" xmlns:ahyp="http://schemas.microsoft.com/office/drawing/2018/hyperlinkcolor">
+<p:sld xmlns:a="http://schemas.openxmlformats.org/drawingml/2006/main" xmlns:r="http://schemas.openxmlformats.org/officeDocument/2006/relationships" xmlns:p="http://schemas.openxmlformats.org/presentationml/2006/main">
   <p:cSld>
     <p:spTree>
       <p:nvGrpSpPr>
-        <p:cNvPr id="70" name="Shape 70"/>
+        <p:cNvPr id="1" name="Shape 70"/>
         <p:cNvGrpSpPr/>
         <p:nvPr/>
       </p:nvGrpSpPr>
@@ -11576,7 +11745,9 @@
       <p:sp>
         <p:nvSpPr>
           <p:cNvPr id="71" name="Google Shape;71;p15"/>
-          <p:cNvSpPr txBox="1"/>
+          <p:cNvSpPr txBox="1">
+            <a:spLocks noGrp="1"/>
+          </p:cNvSpPr>
           <p:nvPr>
             <p:ph type="title"/>
           </p:nvPr>
@@ -11595,12 +11766,12 @@
           </a:ln>
         </p:spPr>
         <p:txBody>
-          <a:bodyPr anchorCtr="0" anchor="t" bIns="91425" lIns="91425" spcFirstLastPara="1" rIns="91425" wrap="square" tIns="91425">
+          <a:bodyPr spcFirstLastPara="1" wrap="square" lIns="91425" tIns="91425" rIns="91425" bIns="91425" anchor="t" anchorCtr="0">
             <a:noAutofit/>
           </a:bodyPr>
           <a:lstStyle/>
           <a:p>
-            <a:pPr indent="0" lvl="0" marL="0" rtl="0" algn="l">
+            <a:pPr marL="0" lvl="0" indent="0" algn="l" rtl="0">
               <a:lnSpc>
                 <a:spcPct val="100000"/>
               </a:lnSpc>
@@ -11613,9 +11784,6 @@
               <a:buSzPts val="2800"/>
               <a:buNone/>
             </a:pPr>
-            <a:r>
-              <a:t/>
-            </a:r>
             <a:endParaRPr/>
           </a:p>
         </p:txBody>
@@ -11623,9 +11791,11 @@
       <p:sp>
         <p:nvSpPr>
           <p:cNvPr id="72" name="Google Shape;72;p15"/>
-          <p:cNvSpPr txBox="1"/>
+          <p:cNvSpPr txBox="1">
+            <a:spLocks noGrp="1"/>
+          </p:cNvSpPr>
           <p:nvPr>
-            <p:ph idx="1" type="body"/>
+            <p:ph type="body" idx="1"/>
           </p:nvPr>
         </p:nvSpPr>
         <p:spPr>
@@ -11642,12 +11812,12 @@
           </a:ln>
         </p:spPr>
         <p:txBody>
-          <a:bodyPr anchorCtr="0" anchor="t" bIns="91425" lIns="91425" spcFirstLastPara="1" rIns="91425" wrap="square" tIns="91425">
+          <a:bodyPr spcFirstLastPara="1" wrap="square" lIns="91425" tIns="91425" rIns="91425" bIns="91425" anchor="t" anchorCtr="0">
             <a:noAutofit/>
           </a:bodyPr>
           <a:lstStyle/>
           <a:p>
-            <a:pPr indent="0" lvl="0" marL="0" rtl="0" algn="l">
+            <a:pPr marL="0" lvl="0" indent="0" algn="l" rtl="0">
               <a:lnSpc>
                 <a:spcPct val="115000"/>
               </a:lnSpc>
@@ -11708,7 +11878,7 @@
             <a:endParaRPr/>
           </a:p>
           <a:p>
-            <a:pPr indent="0" lvl="0" marL="0" rtl="0" algn="l">
+            <a:pPr marL="0" lvl="0" indent="0" algn="l" rtl="0">
               <a:lnSpc>
                 <a:spcPct val="115000"/>
               </a:lnSpc>
@@ -11721,9 +11891,6 @@
               <a:buSzPts val="1800"/>
               <a:buNone/>
             </a:pPr>
-            <a:r>
-              <a:t/>
-            </a:r>
             <a:endParaRPr/>
           </a:p>
         </p:txBody>
@@ -11737,11 +11904,11 @@
 </file>
 
 <file path=ppt/slides/slide4.xml><?xml version="1.0" encoding="utf-8"?>
-<p:sld xmlns:a="http://schemas.openxmlformats.org/drawingml/2006/main" xmlns:r="http://schemas.openxmlformats.org/officeDocument/2006/relationships" xmlns:mc="http://schemas.openxmlformats.org/markup-compatibility/2006" xmlns:mv="urn:schemas-microsoft-com:mac:vml" xmlns:p="http://schemas.openxmlformats.org/presentationml/2006/main" xmlns:c="http://schemas.openxmlformats.org/drawingml/2006/chart" xmlns:dgm="http://schemas.openxmlformats.org/drawingml/2006/diagram" xmlns:o="urn:schemas-microsoft-com:office:office" xmlns:v="urn:schemas-microsoft-com:vml" xmlns:pvml="urn:schemas-microsoft-com:office:powerpoint" xmlns:com="http://schemas.openxmlformats.org/drawingml/2006/compatibility" xmlns:p14="http://schemas.microsoft.com/office/powerpoint/2010/main" xmlns:p15="http://schemas.microsoft.com/office/powerpoint/2012/main" xmlns:ahyp="http://schemas.microsoft.com/office/drawing/2018/hyperlinkcolor">
+<p:sld xmlns:a="http://schemas.openxmlformats.org/drawingml/2006/main" xmlns:r="http://schemas.openxmlformats.org/officeDocument/2006/relationships" xmlns:p="http://schemas.openxmlformats.org/presentationml/2006/main">
   <p:cSld>
     <p:spTree>
       <p:nvGrpSpPr>
-        <p:cNvPr id="76" name="Shape 76"/>
+        <p:cNvPr id="1" name="Shape 76"/>
         <p:cNvGrpSpPr/>
         <p:nvPr/>
       </p:nvGrpSpPr>
@@ -11756,7 +11923,9 @@
       <p:sp>
         <p:nvSpPr>
           <p:cNvPr id="77" name="Google Shape;77;p16"/>
-          <p:cNvSpPr txBox="1"/>
+          <p:cNvSpPr txBox="1">
+            <a:spLocks noGrp="1"/>
+          </p:cNvSpPr>
           <p:nvPr>
             <p:ph type="title"/>
           </p:nvPr>
@@ -11775,12 +11944,12 @@
           </a:ln>
         </p:spPr>
         <p:txBody>
-          <a:bodyPr anchorCtr="0" anchor="t" bIns="91425" lIns="91425" spcFirstLastPara="1" rIns="91425" wrap="square" tIns="91425">
+          <a:bodyPr spcFirstLastPara="1" wrap="square" lIns="91425" tIns="91425" rIns="91425" bIns="91425" anchor="t" anchorCtr="0">
             <a:noAutofit/>
           </a:bodyPr>
           <a:lstStyle/>
           <a:p>
-            <a:pPr indent="0" lvl="0" marL="0" rtl="0" algn="l">
+            <a:pPr marL="0" lvl="0" indent="0" algn="l" rtl="0">
               <a:lnSpc>
                 <a:spcPct val="100000"/>
               </a:lnSpc>
@@ -11793,9 +11962,6 @@
               <a:buSzPts val="2800"/>
               <a:buNone/>
             </a:pPr>
-            <a:r>
-              <a:t/>
-            </a:r>
             <a:endParaRPr/>
           </a:p>
         </p:txBody>
@@ -11803,9 +11969,11 @@
       <p:sp>
         <p:nvSpPr>
           <p:cNvPr id="78" name="Google Shape;78;p16"/>
-          <p:cNvSpPr txBox="1"/>
+          <p:cNvSpPr txBox="1">
+            <a:spLocks noGrp="1"/>
+          </p:cNvSpPr>
           <p:nvPr>
-            <p:ph idx="1" type="body"/>
+            <p:ph type="body" idx="1"/>
           </p:nvPr>
         </p:nvSpPr>
         <p:spPr>
@@ -11822,12 +11990,12 @@
           </a:ln>
         </p:spPr>
         <p:txBody>
-          <a:bodyPr anchorCtr="0" anchor="t" bIns="91425" lIns="91425" spcFirstLastPara="1" rIns="91425" wrap="square" tIns="91425">
+          <a:bodyPr spcFirstLastPara="1" wrap="square" lIns="91425" tIns="91425" rIns="91425" bIns="91425" anchor="t" anchorCtr="0">
             <a:noAutofit/>
           </a:bodyPr>
           <a:lstStyle/>
           <a:p>
-            <a:pPr indent="0" lvl="0" marL="0" rtl="0" algn="l">
+            <a:pPr marL="0" lvl="0" indent="0" algn="l" rtl="0">
               <a:lnSpc>
                 <a:spcPct val="115000"/>
               </a:lnSpc>
@@ -11851,7 +12019,7 @@
               <a:rPr lang="en"/>
             </a:br>
             <a:r>
-              <a:rPr b="1" lang="en"/>
+              <a:rPr lang="en" b="1"/>
               <a:t>Sequence:</a:t>
             </a:r>
             <a:r>
@@ -11862,7 +12030,7 @@
               <a:rPr lang="en"/>
             </a:br>
             <a:r>
-              <a:rPr b="1" lang="en"/>
+              <a:rPr lang="en" b="1"/>
               <a:t>Selection: </a:t>
             </a:r>
             <a:r>
@@ -11873,7 +12041,7 @@
               <a:rPr lang="en"/>
             </a:br>
             <a:r>
-              <a:rPr b="1" lang="en"/>
+              <a:rPr lang="en" b="1"/>
               <a:t>Repetition: </a:t>
             </a:r>
             <a:r>
@@ -11883,7 +12051,7 @@
             <a:endParaRPr/>
           </a:p>
           <a:p>
-            <a:pPr indent="0" lvl="0" marL="0" rtl="0" algn="l">
+            <a:pPr marL="0" lvl="0" indent="0" algn="l" rtl="0">
               <a:lnSpc>
                 <a:spcPct val="115000"/>
               </a:lnSpc>
@@ -11904,7 +12072,7 @@
               <a:t>Add to these concepts the </a:t>
             </a:r>
             <a:r>
-              <a:rPr b="1" lang="en"/>
+              <a:rPr lang="en" b="1"/>
               <a:t>ability to deal with inputs and outputs and to store data</a:t>
             </a:r>
             <a:r>
@@ -11924,11 +12092,11 @@
 </file>
 
 <file path=ppt/slides/slide5.xml><?xml version="1.0" encoding="utf-8"?>
-<p:sld xmlns:a="http://schemas.openxmlformats.org/drawingml/2006/main" xmlns:r="http://schemas.openxmlformats.org/officeDocument/2006/relationships" xmlns:mc="http://schemas.openxmlformats.org/markup-compatibility/2006" xmlns:mv="urn:schemas-microsoft-com:mac:vml" xmlns:p="http://schemas.openxmlformats.org/presentationml/2006/main" xmlns:c="http://schemas.openxmlformats.org/drawingml/2006/chart" xmlns:dgm="http://schemas.openxmlformats.org/drawingml/2006/diagram" xmlns:o="urn:schemas-microsoft-com:office:office" xmlns:v="urn:schemas-microsoft-com:vml" xmlns:pvml="urn:schemas-microsoft-com:office:powerpoint" xmlns:com="http://schemas.openxmlformats.org/drawingml/2006/compatibility" xmlns:p14="http://schemas.microsoft.com/office/powerpoint/2010/main" xmlns:p15="http://schemas.microsoft.com/office/powerpoint/2012/main" xmlns:ahyp="http://schemas.microsoft.com/office/drawing/2018/hyperlinkcolor">
+<p:sld xmlns:a="http://schemas.openxmlformats.org/drawingml/2006/main" xmlns:r="http://schemas.openxmlformats.org/officeDocument/2006/relationships" xmlns:p="http://schemas.openxmlformats.org/presentationml/2006/main">
   <p:cSld>
     <p:spTree>
       <p:nvGrpSpPr>
-        <p:cNvPr id="82" name="Shape 82"/>
+        <p:cNvPr id="1" name="Shape 82"/>
         <p:cNvGrpSpPr/>
         <p:nvPr/>
       </p:nvGrpSpPr>
@@ -11943,7 +12111,9 @@
       <p:sp>
         <p:nvSpPr>
           <p:cNvPr id="83" name="Google Shape;83;p17"/>
-          <p:cNvSpPr txBox="1"/>
+          <p:cNvSpPr txBox="1">
+            <a:spLocks noGrp="1"/>
+          </p:cNvSpPr>
           <p:nvPr>
             <p:ph type="title"/>
           </p:nvPr>
@@ -11962,12 +12132,12 @@
           </a:ln>
         </p:spPr>
         <p:txBody>
-          <a:bodyPr anchorCtr="0" anchor="t" bIns="91425" lIns="91425" spcFirstLastPara="1" rIns="91425" wrap="square" tIns="91425">
+          <a:bodyPr spcFirstLastPara="1" wrap="square" lIns="91425" tIns="91425" rIns="91425" bIns="91425" anchor="t" anchorCtr="0">
             <a:noAutofit/>
           </a:bodyPr>
           <a:lstStyle/>
           <a:p>
-            <a:pPr indent="0" lvl="0" marL="0" rtl="0" algn="l">
+            <a:pPr marL="0" lvl="0" indent="0" algn="l" rtl="0">
               <a:lnSpc>
                 <a:spcPct val="100000"/>
               </a:lnSpc>
@@ -11991,9 +12161,11 @@
       <p:sp>
         <p:nvSpPr>
           <p:cNvPr id="84" name="Google Shape;84;p17"/>
-          <p:cNvSpPr txBox="1"/>
+          <p:cNvSpPr txBox="1">
+            <a:spLocks noGrp="1"/>
+          </p:cNvSpPr>
           <p:nvPr>
-            <p:ph idx="1" type="body"/>
+            <p:ph type="body" idx="1"/>
           </p:nvPr>
         </p:nvSpPr>
         <p:spPr>
@@ -12010,12 +12182,12 @@
           </a:ln>
         </p:spPr>
         <p:txBody>
-          <a:bodyPr anchorCtr="0" anchor="t" bIns="91425" lIns="91425" spcFirstLastPara="1" rIns="91425" wrap="square" tIns="91425">
+          <a:bodyPr spcFirstLastPara="1" wrap="square" lIns="91425" tIns="91425" rIns="91425" bIns="91425" anchor="t" anchorCtr="0">
             <a:noAutofit/>
           </a:bodyPr>
           <a:lstStyle/>
           <a:p>
-            <a:pPr indent="0" lvl="0" marL="0" rtl="0" algn="l">
+            <a:pPr marL="0" lvl="0" indent="0" algn="l" rtl="0">
               <a:lnSpc>
                 <a:spcPct val="115000"/>
               </a:lnSpc>
@@ -12071,11 +12243,11 @@
 </file>
 
 <file path=ppt/slides/slide6.xml><?xml version="1.0" encoding="utf-8"?>
-<p:sld xmlns:a="http://schemas.openxmlformats.org/drawingml/2006/main" xmlns:r="http://schemas.openxmlformats.org/officeDocument/2006/relationships" xmlns:mc="http://schemas.openxmlformats.org/markup-compatibility/2006" xmlns:mv="urn:schemas-microsoft-com:mac:vml" xmlns:p="http://schemas.openxmlformats.org/presentationml/2006/main" xmlns:c="http://schemas.openxmlformats.org/drawingml/2006/chart" xmlns:dgm="http://schemas.openxmlformats.org/drawingml/2006/diagram" xmlns:o="urn:schemas-microsoft-com:office:office" xmlns:v="urn:schemas-microsoft-com:vml" xmlns:pvml="urn:schemas-microsoft-com:office:powerpoint" xmlns:com="http://schemas.openxmlformats.org/drawingml/2006/compatibility" xmlns:p14="http://schemas.microsoft.com/office/powerpoint/2010/main" xmlns:p15="http://schemas.microsoft.com/office/powerpoint/2012/main" xmlns:ahyp="http://schemas.microsoft.com/office/drawing/2018/hyperlinkcolor">
+<p:sld xmlns:a="http://schemas.openxmlformats.org/drawingml/2006/main" xmlns:r="http://schemas.openxmlformats.org/officeDocument/2006/relationships" xmlns:p="http://schemas.openxmlformats.org/presentationml/2006/main">
   <p:cSld>
     <p:spTree>
       <p:nvGrpSpPr>
-        <p:cNvPr id="88" name="Shape 88"/>
+        <p:cNvPr id="1" name="Shape 88"/>
         <p:cNvGrpSpPr/>
         <p:nvPr/>
       </p:nvGrpSpPr>
@@ -12090,7 +12262,9 @@
       <p:sp>
         <p:nvSpPr>
           <p:cNvPr id="89" name="Google Shape;89;p18"/>
-          <p:cNvSpPr txBox="1"/>
+          <p:cNvSpPr txBox="1">
+            <a:spLocks noGrp="1"/>
+          </p:cNvSpPr>
           <p:nvPr>
             <p:ph type="title"/>
           </p:nvPr>
@@ -12109,12 +12283,12 @@
           </a:ln>
         </p:spPr>
         <p:txBody>
-          <a:bodyPr anchorCtr="0" anchor="t" bIns="91425" lIns="91425" spcFirstLastPara="1" rIns="91425" wrap="square" tIns="91425">
+          <a:bodyPr spcFirstLastPara="1" wrap="square" lIns="91425" tIns="91425" rIns="91425" bIns="91425" anchor="t" anchorCtr="0">
             <a:noAutofit/>
           </a:bodyPr>
           <a:lstStyle/>
           <a:p>
-            <a:pPr indent="0" lvl="0" marL="0" rtl="0" algn="l">
+            <a:pPr marL="0" lvl="0" indent="0" algn="l" rtl="0">
               <a:lnSpc>
                 <a:spcPct val="100000"/>
               </a:lnSpc>
@@ -12138,9 +12312,11 @@
       <p:sp>
         <p:nvSpPr>
           <p:cNvPr id="90" name="Google Shape;90;p18"/>
-          <p:cNvSpPr txBox="1"/>
+          <p:cNvSpPr txBox="1">
+            <a:spLocks noGrp="1"/>
+          </p:cNvSpPr>
           <p:nvPr>
-            <p:ph idx="1" type="body"/>
+            <p:ph type="body" idx="1"/>
           </p:nvPr>
         </p:nvSpPr>
         <p:spPr>
@@ -12157,12 +12333,12 @@
           </a:ln>
         </p:spPr>
         <p:txBody>
-          <a:bodyPr anchorCtr="0" anchor="t" bIns="91425" lIns="91425" spcFirstLastPara="1" rIns="91425" wrap="square" tIns="91425">
+          <a:bodyPr spcFirstLastPara="1" wrap="square" lIns="91425" tIns="91425" rIns="91425" bIns="91425" anchor="t" anchorCtr="0">
             <a:noAutofit/>
           </a:bodyPr>
           <a:lstStyle/>
           <a:p>
-            <a:pPr indent="0" lvl="0" marL="0" rtl="0" algn="l">
+            <a:pPr marL="0" lvl="0" indent="0" algn="l" rtl="0">
               <a:lnSpc>
                 <a:spcPct val="115000"/>
               </a:lnSpc>
@@ -12202,11 +12378,11 @@
 </file>
 
 <file path=ppt/slides/slide7.xml><?xml version="1.0" encoding="utf-8"?>
-<p:sld xmlns:a="http://schemas.openxmlformats.org/drawingml/2006/main" xmlns:r="http://schemas.openxmlformats.org/officeDocument/2006/relationships" xmlns:mc="http://schemas.openxmlformats.org/markup-compatibility/2006" xmlns:mv="urn:schemas-microsoft-com:mac:vml" xmlns:p="http://schemas.openxmlformats.org/presentationml/2006/main" xmlns:c="http://schemas.openxmlformats.org/drawingml/2006/chart" xmlns:dgm="http://schemas.openxmlformats.org/drawingml/2006/diagram" xmlns:o="urn:schemas-microsoft-com:office:office" xmlns:v="urn:schemas-microsoft-com:vml" xmlns:pvml="urn:schemas-microsoft-com:office:powerpoint" xmlns:com="http://schemas.openxmlformats.org/drawingml/2006/compatibility" xmlns:p14="http://schemas.microsoft.com/office/powerpoint/2010/main" xmlns:p15="http://schemas.microsoft.com/office/powerpoint/2012/main" xmlns:ahyp="http://schemas.microsoft.com/office/drawing/2018/hyperlinkcolor">
+<p:sld xmlns:a="http://schemas.openxmlformats.org/drawingml/2006/main" xmlns:r="http://schemas.openxmlformats.org/officeDocument/2006/relationships" xmlns:p="http://schemas.openxmlformats.org/presentationml/2006/main">
   <p:cSld>
     <p:spTree>
       <p:nvGrpSpPr>
-        <p:cNvPr id="94" name="Shape 94"/>
+        <p:cNvPr id="1" name="Shape 94"/>
         <p:cNvGrpSpPr/>
         <p:nvPr/>
       </p:nvGrpSpPr>
@@ -12221,7 +12397,9 @@
       <p:sp>
         <p:nvSpPr>
           <p:cNvPr id="95" name="Google Shape;95;p19"/>
-          <p:cNvSpPr txBox="1"/>
+          <p:cNvSpPr txBox="1">
+            <a:spLocks noGrp="1"/>
+          </p:cNvSpPr>
           <p:nvPr>
             <p:ph type="title"/>
           </p:nvPr>
@@ -12240,12 +12418,12 @@
           </a:ln>
         </p:spPr>
         <p:txBody>
-          <a:bodyPr anchorCtr="0" anchor="t" bIns="91425" lIns="91425" spcFirstLastPara="1" rIns="91425" wrap="square" tIns="91425">
+          <a:bodyPr spcFirstLastPara="1" wrap="square" lIns="91425" tIns="91425" rIns="91425" bIns="91425" anchor="t" anchorCtr="0">
             <a:noAutofit/>
           </a:bodyPr>
           <a:lstStyle/>
           <a:p>
-            <a:pPr indent="0" lvl="0" marL="0" rtl="0" algn="l">
+            <a:pPr marL="0" lvl="0" indent="0" algn="l" rtl="0">
               <a:lnSpc>
                 <a:spcPct val="100000"/>
               </a:lnSpc>
@@ -12258,9 +12436,6 @@
               <a:buSzPts val="2800"/>
               <a:buNone/>
             </a:pPr>
-            <a:r>
-              <a:t/>
-            </a:r>
             <a:endParaRPr/>
           </a:p>
         </p:txBody>
@@ -12268,9 +12443,11 @@
       <p:sp>
         <p:nvSpPr>
           <p:cNvPr id="96" name="Google Shape;96;p19"/>
-          <p:cNvSpPr txBox="1"/>
+          <p:cNvSpPr txBox="1">
+            <a:spLocks noGrp="1"/>
+          </p:cNvSpPr>
           <p:nvPr>
-            <p:ph idx="1" type="body"/>
+            <p:ph type="body" idx="1"/>
           </p:nvPr>
         </p:nvSpPr>
         <p:spPr>
@@ -12287,12 +12464,12 @@
           </a:ln>
         </p:spPr>
         <p:txBody>
-          <a:bodyPr anchorCtr="0" anchor="t" bIns="91425" lIns="91425" spcFirstLastPara="1" rIns="91425" wrap="square" tIns="91425">
+          <a:bodyPr spcFirstLastPara="1" wrap="square" lIns="91425" tIns="91425" rIns="91425" bIns="91425" anchor="t" anchorCtr="0">
             <a:noAutofit/>
           </a:bodyPr>
           <a:lstStyle/>
           <a:p>
-            <a:pPr indent="-342900" lvl="0" marL="457200" rtl="0" algn="l">
+            <a:pPr marL="457200" lvl="0" indent="-342900" algn="l" rtl="0">
               <a:lnSpc>
                 <a:spcPct val="115000"/>
               </a:lnSpc>
@@ -12307,15 +12484,7 @@
             </a:pPr>
             <a:r>
               <a:rPr lang="en"/>
-              <a:t>Create a new program in M</a:t>
-            </a:r>
-            <a:r>
-              <a:rPr lang="en"/>
-              <a:t>u</a:t>
-            </a:r>
-            <a:r>
-              <a:rPr lang="en"/>
-              <a:t> by clicking the New icon or open a new file in Idle.</a:t>
+              <a:t>Create a new program in Mu by clicking the New icon or open a new file in Idle.</a:t>
             </a:r>
             <a:br>
               <a:rPr lang="en"/>
@@ -12323,7 +12492,7 @@
             <a:endParaRPr/>
           </a:p>
           <a:p>
-            <a:pPr indent="0" lvl="0" marL="457200" rtl="0" algn="l">
+            <a:pPr marL="457200" lvl="0" indent="0" algn="l" rtl="0">
               <a:lnSpc>
                 <a:spcPct val="115000"/>
               </a:lnSpc>
@@ -12336,9 +12505,6 @@
               <a:buSzPts val="1800"/>
               <a:buNone/>
             </a:pPr>
-            <a:r>
-              <a:t/>
-            </a:r>
             <a:endParaRPr/>
           </a:p>
         </p:txBody>
@@ -12353,7 +12519,7 @@
           <a:blip r:embed="rId3">
             <a:alphaModFix/>
           </a:blip>
-          <a:srcRect b="0" l="0" r="0" t="0"/>
+          <a:srcRect/>
           <a:stretch/>
         </p:blipFill>
         <p:spPr>
@@ -12379,11 +12545,11 @@
 </file>
 
 <file path=ppt/slides/slide8.xml><?xml version="1.0" encoding="utf-8"?>
-<p:sld xmlns:a="http://schemas.openxmlformats.org/drawingml/2006/main" xmlns:r="http://schemas.openxmlformats.org/officeDocument/2006/relationships" xmlns:mc="http://schemas.openxmlformats.org/markup-compatibility/2006" xmlns:mv="urn:schemas-microsoft-com:mac:vml" xmlns:p="http://schemas.openxmlformats.org/presentationml/2006/main" xmlns:c="http://schemas.openxmlformats.org/drawingml/2006/chart" xmlns:dgm="http://schemas.openxmlformats.org/drawingml/2006/diagram" xmlns:o="urn:schemas-microsoft-com:office:office" xmlns:v="urn:schemas-microsoft-com:vml" xmlns:pvml="urn:schemas-microsoft-com:office:powerpoint" xmlns:com="http://schemas.openxmlformats.org/drawingml/2006/compatibility" xmlns:p14="http://schemas.microsoft.com/office/powerpoint/2010/main" xmlns:p15="http://schemas.microsoft.com/office/powerpoint/2012/main" xmlns:ahyp="http://schemas.microsoft.com/office/drawing/2018/hyperlinkcolor">
+<p:sld xmlns:a="http://schemas.openxmlformats.org/drawingml/2006/main" xmlns:r="http://schemas.openxmlformats.org/officeDocument/2006/relationships" xmlns:p="http://schemas.openxmlformats.org/presentationml/2006/main">
   <p:cSld>
     <p:spTree>
       <p:nvGrpSpPr>
-        <p:cNvPr id="101" name="Shape 101"/>
+        <p:cNvPr id="1" name="Shape 101"/>
         <p:cNvGrpSpPr/>
         <p:nvPr/>
       </p:nvGrpSpPr>
@@ -12398,7 +12564,9 @@
       <p:sp>
         <p:nvSpPr>
           <p:cNvPr id="102" name="Google Shape;102;p20"/>
-          <p:cNvSpPr txBox="1"/>
+          <p:cNvSpPr txBox="1">
+            <a:spLocks noGrp="1"/>
+          </p:cNvSpPr>
           <p:nvPr>
             <p:ph type="title"/>
           </p:nvPr>
@@ -12417,12 +12585,12 @@
           </a:ln>
         </p:spPr>
         <p:txBody>
-          <a:bodyPr anchorCtr="0" anchor="t" bIns="91425" lIns="91425" spcFirstLastPara="1" rIns="91425" wrap="square" tIns="91425">
+          <a:bodyPr spcFirstLastPara="1" wrap="square" lIns="91425" tIns="91425" rIns="91425" bIns="91425" anchor="t" anchorCtr="0">
             <a:noAutofit/>
           </a:bodyPr>
           <a:lstStyle/>
           <a:p>
-            <a:pPr indent="0" lvl="0" marL="0" rtl="0" algn="l">
+            <a:pPr marL="0" lvl="0" indent="0" algn="l" rtl="0">
               <a:lnSpc>
                 <a:spcPct val="100000"/>
               </a:lnSpc>
@@ -12435,9 +12603,6 @@
               <a:buSzPts val="2800"/>
               <a:buNone/>
             </a:pPr>
-            <a:r>
-              <a:t/>
-            </a:r>
             <a:endParaRPr/>
           </a:p>
         </p:txBody>
@@ -12445,9 +12610,11 @@
       <p:sp>
         <p:nvSpPr>
           <p:cNvPr id="103" name="Google Shape;103;p20"/>
-          <p:cNvSpPr txBox="1"/>
+          <p:cNvSpPr txBox="1">
+            <a:spLocks noGrp="1"/>
+          </p:cNvSpPr>
           <p:nvPr>
-            <p:ph idx="1" type="body"/>
+            <p:ph type="body" idx="1"/>
           </p:nvPr>
         </p:nvSpPr>
         <p:spPr>
@@ -12464,12 +12631,12 @@
           </a:ln>
         </p:spPr>
         <p:txBody>
-          <a:bodyPr anchorCtr="0" anchor="t" bIns="91425" lIns="91425" spcFirstLastPara="1" rIns="91425" wrap="square" tIns="91425">
+          <a:bodyPr spcFirstLastPara="1" wrap="square" lIns="91425" tIns="91425" rIns="91425" bIns="91425" anchor="t" anchorCtr="0">
             <a:noAutofit/>
           </a:bodyPr>
           <a:lstStyle/>
           <a:p>
-            <a:pPr indent="0" lvl="0" marL="0" rtl="0" algn="l">
+            <a:pPr marL="0" lvl="0" indent="0" algn="l" rtl="0">
               <a:lnSpc>
                 <a:spcPct val="115000"/>
               </a:lnSpc>
@@ -12483,18 +12650,18 @@
               <a:buNone/>
             </a:pPr>
             <a:r>
-              <a:rPr lang="en"/>
+              <a:rPr lang="en" dirty="0"/>
               <a:t>2. Type the following code into the editor:</a:t>
             </a:r>
             <a:br>
-              <a:rPr lang="en"/>
+              <a:rPr lang="en" dirty="0"/>
             </a:br>
             <a:r>
-              <a:rPr lang="en"/>
+              <a:rPr lang="en" dirty="0"/>
               <a:t>		</a:t>
             </a:r>
             <a:r>
-              <a:rPr lang="en">
+              <a:rPr lang="en" dirty="0">
                 <a:latin typeface="Courier New"/>
                 <a:ea typeface="Courier New"/>
                 <a:cs typeface="Courier New"/>
@@ -12503,7 +12670,7 @@
               <a:t>print(</a:t>
             </a:r>
             <a:r>
-              <a:rPr lang="en">
+              <a:rPr lang="en" dirty="0">
                 <a:solidFill>
                   <a:srgbClr val="FF0000"/>
                 </a:solidFill>
@@ -12515,7 +12682,7 @@
               <a:t>"hello world"</a:t>
             </a:r>
             <a:r>
-              <a:rPr lang="en">
+              <a:rPr lang="en" dirty="0">
                 <a:latin typeface="Courier New"/>
                 <a:ea typeface="Courier New"/>
                 <a:cs typeface="Courier New"/>
@@ -12523,7 +12690,7 @@
               </a:rPr>
               <a:t>)</a:t>
             </a:r>
-            <a:endParaRPr>
+            <a:endParaRPr dirty="0">
               <a:latin typeface="Courier New"/>
               <a:ea typeface="Courier New"/>
               <a:cs typeface="Courier New"/>
@@ -12531,7 +12698,7 @@
             </a:endParaRPr>
           </a:p>
           <a:p>
-            <a:pPr indent="0" lvl="0" marL="0" rtl="0" algn="l">
+            <a:pPr marL="0" lvl="0" indent="0" algn="l" rtl="0">
               <a:lnSpc>
                 <a:spcPct val="115000"/>
               </a:lnSpc>
@@ -12545,56 +12712,65 @@
               <a:buNone/>
             </a:pPr>
             <a:r>
-              <a:rPr lang="en"/>
+              <a:rPr lang="en" dirty="0"/>
               <a:t>3. Click </a:t>
             </a:r>
             <a:r>
-              <a:rPr b="1" lang="en"/>
+              <a:rPr lang="en" b="1" dirty="0"/>
               <a:t>Save</a:t>
             </a:r>
             <a:r>
-              <a:rPr lang="en"/>
-              <a:t> to save the program.</a:t>
+              <a:rPr lang="en" dirty="0"/>
+              <a:t> to save the </a:t>
             </a:r>
-            <a:endParaRPr/>
-          </a:p>
-          <a:p>
-            <a:pPr indent="0" lvl="0" marL="0" rtl="0" algn="l">
-              <a:lnSpc>
-                <a:spcPct val="115000"/>
-              </a:lnSpc>
-              <a:spcBef>
-                <a:spcPts val="1600"/>
-              </a:spcBef>
-              <a:spcAft>
-                <a:spcPts val="0"/>
-              </a:spcAft>
-              <a:buSzPts val="1800"/>
-              <a:buNone/>
-            </a:pPr>
             <a:r>
               <a:rPr lang="en"/>
-              <a:t>4. Navigate to the Unit 3 Activities folder.</a:t>
+              <a:t>program.</a:t>
             </a:r>
+            <a:br>
+              <a:rPr lang="en"/>
+            </a:br>
             <a:br>
               <a:rPr lang="en"/>
             </a:br>
             <a:r>
               <a:rPr lang="en"/>
+              <a:t>4</a:t>
+            </a:r>
+            <a:r>
+              <a:rPr lang="en" dirty="0"/>
+              <a:t>. Navigate to the </a:t>
+            </a:r>
+            <a:r>
+              <a:rPr lang="en" b="1" dirty="0"/>
+              <a:t>Unit 3 Activities </a:t>
+            </a:r>
+            <a:r>
+              <a:rPr lang="en" dirty="0"/>
+              <a:t>folder.</a:t>
+            </a:r>
+            <a:br>
+              <a:rPr lang="en" dirty="0"/>
+            </a:br>
+            <a:br>
+              <a:rPr lang="en" dirty="0"/>
+            </a:br>
+            <a:r>
+              <a:rPr lang="en" dirty="0"/>
               <a:t>5. Enter the file name </a:t>
             </a:r>
             <a:r>
-              <a:rPr b="1" lang="en"/>
-              <a:t>helloworld</a:t>
+              <a:rPr lang="en" b="1" dirty="0"/>
+              <a:t>hello_world</a:t>
             </a:r>
             <a:r>
-              <a:rPr lang="en"/>
+              <a:rPr lang="en" dirty="0"/>
               <a:t> and click the Save button.</a:t>
             </a:r>
-            <a:endParaRPr/>
+            <a:endParaRPr dirty="0"/>
           </a:p>
           <a:p>
-            <a:pPr indent="0" lvl="0" marL="0" rtl="0" algn="l">
+            <a:pPr marL="0" lvl="0" indent="0" algn="l" rtl="0">
               <a:lnSpc>
                 <a:spcPct val="115000"/>
               </a:lnSpc>
@@ -12607,13 +12783,10 @@
               <a:buSzPts val="1800"/>
               <a:buNone/>
             </a:pPr>
-            <a:r>
-              <a:t/>
-            </a:r>
-            <a:endParaRPr/>
+            <a:endParaRPr dirty="0"/>
           </a:p>
           <a:p>
-            <a:pPr indent="0" lvl="0" marL="0" rtl="0" algn="l">
+            <a:pPr marL="0" lvl="0" indent="0" algn="l" rtl="0">
               <a:lnSpc>
                 <a:spcPct val="115000"/>
               </a:lnSpc>
@@ -12626,10 +12799,7 @@
               <a:buSzPts val="1800"/>
               <a:buNone/>
             </a:pPr>
-            <a:r>
-              <a:t/>
-            </a:r>
-            <a:endParaRPr/>
+            <a:endParaRPr dirty="0"/>
           </a:p>
         </p:txBody>
       </p:sp>
@@ -12642,11 +12812,11 @@
 </file>
 
 <file path=ppt/slides/slide9.xml><?xml version="1.0" encoding="utf-8"?>
-<p:sld xmlns:a="http://schemas.openxmlformats.org/drawingml/2006/main" xmlns:r="http://schemas.openxmlformats.org/officeDocument/2006/relationships" xmlns:mc="http://schemas.openxmlformats.org/markup-compatibility/2006" xmlns:mv="urn:schemas-microsoft-com:mac:vml" xmlns:p="http://schemas.openxmlformats.org/presentationml/2006/main" xmlns:c="http://schemas.openxmlformats.org/drawingml/2006/chart" xmlns:dgm="http://schemas.openxmlformats.org/drawingml/2006/diagram" xmlns:o="urn:schemas-microsoft-com:office:office" xmlns:v="urn:schemas-microsoft-com:vml" xmlns:pvml="urn:schemas-microsoft-com:office:powerpoint" xmlns:com="http://schemas.openxmlformats.org/drawingml/2006/compatibility" xmlns:p14="http://schemas.microsoft.com/office/powerpoint/2010/main" xmlns:p15="http://schemas.microsoft.com/office/powerpoint/2012/main" xmlns:ahyp="http://schemas.microsoft.com/office/drawing/2018/hyperlinkcolor">
+<p:sld xmlns:a="http://schemas.openxmlformats.org/drawingml/2006/main" xmlns:r="http://schemas.openxmlformats.org/officeDocument/2006/relationships" xmlns:p="http://schemas.openxmlformats.org/presentationml/2006/main">
   <p:cSld>
     <p:spTree>
       <p:nvGrpSpPr>
-        <p:cNvPr id="107" name="Shape 107"/>
+        <p:cNvPr id="1" name="Shape 107"/>
         <p:cNvGrpSpPr/>
         <p:nvPr/>
       </p:nvGrpSpPr>
@@ -12661,7 +12831,9 @@
       <p:sp>
         <p:nvSpPr>
           <p:cNvPr id="108" name="Google Shape;108;p21"/>
-          <p:cNvSpPr txBox="1"/>
+          <p:cNvSpPr txBox="1">
+            <a:spLocks noGrp="1"/>
+          </p:cNvSpPr>
           <p:nvPr>
             <p:ph type="title"/>
           </p:nvPr>
@@ -12680,12 +12852,12 @@
           </a:ln>
         </p:spPr>
         <p:txBody>
-          <a:bodyPr anchorCtr="0" anchor="t" bIns="91425" lIns="91425" spcFirstLastPara="1" rIns="91425" wrap="square" tIns="91425">
+          <a:bodyPr spcFirstLastPara="1" wrap="square" lIns="91425" tIns="91425" rIns="91425" bIns="91425" anchor="t" anchorCtr="0">
             <a:noAutofit/>
           </a:bodyPr>
           <a:lstStyle/>
           <a:p>
-            <a:pPr indent="0" lvl="0" marL="0" rtl="0" algn="l">
+            <a:pPr marL="0" lvl="0" indent="0" algn="l" rtl="0">
               <a:lnSpc>
                 <a:spcPct val="100000"/>
               </a:lnSpc>
@@ -12698,9 +12870,6 @@
               <a:buSzPts val="2800"/>
               <a:buNone/>
             </a:pPr>
-            <a:r>
-              <a:t/>
-            </a:r>
             <a:endParaRPr/>
           </a:p>
         </p:txBody>
@@ -12708,9 +12877,11 @@
       <p:sp>
         <p:nvSpPr>
           <p:cNvPr id="109" name="Google Shape;109;p21"/>
-          <p:cNvSpPr txBox="1"/>
+          <p:cNvSpPr txBox="1">
+            <a:spLocks noGrp="1"/>
+          </p:cNvSpPr>
           <p:nvPr>
-            <p:ph idx="1" type="body"/>
+            <p:ph type="body" idx="1"/>
           </p:nvPr>
         </p:nvSpPr>
         <p:spPr>
@@ -12727,12 +12898,12 @@
           </a:ln>
         </p:spPr>
         <p:txBody>
-          <a:bodyPr anchorCtr="0" anchor="t" bIns="91425" lIns="91425" spcFirstLastPara="1" rIns="91425" wrap="square" tIns="91425">
+          <a:bodyPr spcFirstLastPara="1" wrap="square" lIns="91425" tIns="91425" rIns="91425" bIns="91425" anchor="t" anchorCtr="0">
             <a:noAutofit/>
           </a:bodyPr>
           <a:lstStyle/>
           <a:p>
-            <a:pPr indent="0" lvl="0" marL="0" rtl="0" algn="l">
+            <a:pPr marL="0" lvl="0" indent="0" algn="l" rtl="0">
               <a:lnSpc>
                 <a:spcPct val="115000"/>
               </a:lnSpc>
@@ -12750,29 +12921,17 @@
               <a:t>5. Click </a:t>
             </a:r>
             <a:r>
-              <a:rPr b="1" lang="en"/>
+              <a:rPr lang="en" b="1"/>
               <a:t>Run </a:t>
             </a:r>
             <a:r>
               <a:rPr lang="en"/>
-              <a:t>in Mu, or select Run then Run File in Idle </a:t>
-            </a:r>
-            <a:r>
-              <a:rPr lang="en"/>
-              <a:t>to test the program. </a:t>
-            </a:r>
-            <a:r>
-              <a:rPr lang="en"/>
-              <a:t>f</a:t>
-            </a:r>
-            <a:r>
-              <a:rPr lang="en"/>
-              <a:t>5 on your keyboard is the shortcut to run a file.</a:t>
+              <a:t>in Mu, or select Run then Run File in Idle to test the program. f5 on your keyboard is the shortcut to run a file.</a:t>
             </a:r>
             <a:endParaRPr/>
           </a:p>
           <a:p>
-            <a:pPr indent="0" lvl="0" marL="0" rtl="0" algn="l">
+            <a:pPr marL="0" lvl="0" indent="0" algn="l" rtl="0">
               <a:lnSpc>
                 <a:spcPct val="115000"/>
               </a:lnSpc>
@@ -12785,9 +12944,6 @@
               <a:buSzPts val="1800"/>
               <a:buNone/>
             </a:pPr>
-            <a:r>
-              <a:t/>
-            </a:r>
             <a:endParaRPr/>
           </a:p>
         </p:txBody>
@@ -12802,7 +12958,7 @@
           <a:blip r:embed="rId3">
             <a:alphaModFix/>
           </a:blip>
-          <a:srcRect b="0" l="0" r="0" t="0"/>
+          <a:srcRect/>
           <a:stretch/>
         </p:blipFill>
         <p:spPr>
@@ -12828,7 +12984,288 @@
 </file>
 
 <file path=ppt/theme/theme1.xml><?xml version="1.0" encoding="utf-8"?>
-<a:theme xmlns:a="http://schemas.openxmlformats.org/drawingml/2006/main" xmlns:r="http://schemas.openxmlformats.org/officeDocument/2006/relationships">
+<a:theme xmlns:a="http://schemas.openxmlformats.org/drawingml/2006/main" name="Spearmint">
+  <a:themeElements>
+    <a:clrScheme name="Spearmint">
+      <a:dk1>
+        <a:srgbClr val="202729"/>
+      </a:dk1>
+      <a:lt1>
+        <a:srgbClr val="FFFFFF"/>
+      </a:lt1>
+      <a:dk2>
+        <a:srgbClr val="4BA173"/>
+      </a:dk2>
+      <a:lt2>
+        <a:srgbClr val="63D297"/>
+      </a:lt2>
+      <a:accent1>
+        <a:srgbClr val="353744"/>
+      </a:accent1>
+      <a:accent2>
+        <a:srgbClr val="424242"/>
+      </a:accent2>
+      <a:accent3>
+        <a:srgbClr val="616161"/>
+      </a:accent3>
+      <a:accent4>
+        <a:srgbClr val="999999"/>
+      </a:accent4>
+      <a:accent5>
+        <a:srgbClr val="FF5252"/>
+      </a:accent5>
+      <a:accent6>
+        <a:srgbClr val="FFF176"/>
+      </a:accent6>
+      <a:hlink>
+        <a:srgbClr val="FF5252"/>
+      </a:hlink>
+      <a:folHlink>
+        <a:srgbClr val="FF5252"/>
+      </a:folHlink>
+    </a:clrScheme>
+    <a:fontScheme name="Office">
+      <a:majorFont>
+        <a:latin typeface="Arial"/>
+        <a:ea typeface=""/>
+        <a:cs typeface=""/>
+        <a:font script="Jpan" typeface="ＭＳ Ｐゴシック"/>
+        <a:font script="Hang" typeface="맑은 고딕"/>
+        <a:font script="Hans" typeface="宋体"/>
+        <a:font script="Hant" typeface="新細明體"/>
+        <a:font script="Arab" typeface="Times New Roman"/>
+        <a:font script="Hebr" typeface="Times New Roman"/>
+        <a:font script="Thai" typeface="Angsana New"/>
+        <a:font script="Ethi" typeface="Nyala"/>
+        <a:font script="Beng" typeface="Vrinda"/>
+        <a:font script="Gujr" typeface="Shruti"/>
+        <a:font script="Khmr" typeface="MoolBoran"/>
+        <a:font script="Knda" typeface="Tunga"/>
+        <a:font script="Guru" typeface="Raavi"/>
+        <a:font script="Cans" typeface="Euphemia"/>
+        <a:font script="Cher" typeface="Plantagenet Cherokee"/>
+        <a:font script="Yiii" typeface="Microsoft Yi Baiti"/>
+        <a:font script="Tibt" typeface="Microsoft Himalaya"/>
+        <a:font script="Thaa" typeface="MV Boli"/>
+        <a:font script="Deva" typeface="Mangal"/>
+        <a:font script="Telu" typeface="Gautami"/>
+        <a:font script="Taml" typeface="Latha"/>
+        <a:font script="Syrc" typeface="Estrangelo Edessa"/>
+        <a:font script="Orya" typeface="Kalinga"/>
+        <a:font script="Mlym" typeface="Kartika"/>
+        <a:font script="Laoo" typeface="DokChampa"/>
+        <a:font script="Sinh" typeface="Iskoola Pota"/>
+        <a:font script="Mong" typeface="Mongolian Baiti"/>
+        <a:font script="Viet" typeface="Times New Roman"/>
+        <a:font script="Uigh" typeface="Microsoft Uighur"/>
+        <a:font script="Geor" typeface="Sylfaen"/>
+      </a:majorFont>
+      <a:minorFont>
+        <a:latin typeface="Arial"/>
+        <a:ea typeface=""/>
+        <a:cs typeface=""/>
+        <a:font script="Jpan" typeface="ＭＳ Ｐゴシック"/>
+        <a:font script="Hang" typeface="맑은 고딕"/>
+        <a:font script="Hans" typeface="宋体"/>
+        <a:font script="Hant" typeface="新細明體"/>
+        <a:font script="Arab" typeface="Arial"/>
+        <a:font script="Hebr" typeface="Arial"/>
+        <a:font script="Thai" typeface="Cordia New"/>
+        <a:font script="Ethi" typeface="Nyala"/>
+        <a:font script="Beng" typeface="Vrinda"/>
+        <a:font script="Gujr" typeface="Shruti"/>
+        <a:font script="Khmr" typeface="DaunPenh"/>
+        <a:font script="Knda" typeface="Tunga"/>
+        <a:font script="Guru" typeface="Raavi"/>
+        <a:font script="Cans" typeface="Euphemia"/>
+        <a:font script="Cher" typeface="Plantagenet Cherokee"/>
+        <a:font script="Yiii" typeface="Microsoft Yi Baiti"/>
+        <a:font script="Tibt" typeface="Microsoft Himalaya"/>
+        <a:font script="Thaa" typeface="MV Boli"/>
+        <a:font script="Deva" typeface="Mangal"/>
+        <a:font script="Telu" typeface="Gautami"/>
+        <a:font script="Taml" typeface="Latha"/>
+        <a:font script="Syrc" typeface="Estrangelo Edessa"/>
+        <a:font script="Orya" typeface="Kalinga"/>
+        <a:font script="Mlym" typeface="Kartika"/>
+        <a:font script="Laoo" typeface="DokChampa"/>
+        <a:font script="Sinh" typeface="Iskoola Pota"/>
+        <a:font script="Mong" typeface="Mongolian Baiti"/>
+        <a:font script="Viet" typeface="Arial"/>
+        <a:font script="Uigh" typeface="Microsoft Uighur"/>
+        <a:font script="Geor" typeface="Sylfaen"/>
+      </a:minorFont>
+    </a:fontScheme>
+    <a:fmtScheme name="Office">
+      <a:fillStyleLst>
+        <a:solidFill>
+          <a:schemeClr val="phClr"/>
+        </a:solidFill>
+        <a:gradFill rotWithShape="1">
+          <a:gsLst>
+            <a:gs pos="0">
+              <a:schemeClr val="phClr">
+                <a:tint val="50000"/>
+                <a:satMod val="300000"/>
+              </a:schemeClr>
+            </a:gs>
+            <a:gs pos="35000">
+              <a:schemeClr val="phClr">
+                <a:tint val="37000"/>
+                <a:satMod val="300000"/>
+              </a:schemeClr>
+            </a:gs>
+            <a:gs pos="100000">
+              <a:schemeClr val="phClr">
+                <a:tint val="15000"/>
+                <a:satMod val="350000"/>
+              </a:schemeClr>
+            </a:gs>
+          </a:gsLst>
+          <a:lin ang="16200000" scaled="1"/>
+        </a:gradFill>
+        <a:gradFill rotWithShape="1">
+          <a:gsLst>
+            <a:gs pos="0">
+              <a:schemeClr val="phClr">
+                <a:tint val="100000"/>
+                <a:shade val="100000"/>
+                <a:satMod val="130000"/>
+              </a:schemeClr>
+            </a:gs>
+            <a:gs pos="100000">
+              <a:schemeClr val="phClr">
+                <a:tint val="50000"/>
+                <a:shade val="100000"/>
+                <a:satMod val="350000"/>
+              </a:schemeClr>
+            </a:gs>
+          </a:gsLst>
+          <a:lin ang="16200000" scaled="0"/>
+        </a:gradFill>
+      </a:fillStyleLst>
+      <a:lnStyleLst>
+        <a:ln w="9525" cap="flat" cmpd="sng" algn="ctr">
+          <a:solidFill>
+            <a:schemeClr val="phClr">
+              <a:shade val="95000"/>
+              <a:satMod val="105000"/>
+            </a:schemeClr>
+          </a:solidFill>
+          <a:prstDash val="solid"/>
+        </a:ln>
+        <a:ln w="25400" cap="flat" cmpd="sng" algn="ctr">
+          <a:solidFill>
+            <a:schemeClr val="phClr"/>
+          </a:solidFill>
+          <a:prstDash val="solid"/>
+        </a:ln>
+        <a:ln w="38100" cap="flat" cmpd="sng" algn="ctr">
+          <a:solidFill>
+            <a:schemeClr val="phClr"/>
+          </a:solidFill>
+          <a:prstDash val="solid"/>
+        </a:ln>
+      </a:lnStyleLst>
+      <a:effectStyleLst>
+        <a:effectStyle>
+          <a:effectLst>
+            <a:outerShdw blurRad="40000" dist="20000" dir="5400000" rotWithShape="0">
+              <a:srgbClr val="000000">
+                <a:alpha val="38000"/>
+              </a:srgbClr>
+            </a:outerShdw>
+          </a:effectLst>
+        </a:effectStyle>
+        <a:effectStyle>
+          <a:effectLst>
+            <a:outerShdw blurRad="40000" dist="23000" dir="5400000" rotWithShape="0">
+              <a:srgbClr val="000000">
+                <a:alpha val="35000"/>
+              </a:srgbClr>
+            </a:outerShdw>
+          </a:effectLst>
+        </a:effectStyle>
+        <a:effectStyle>
+          <a:effectLst>
+            <a:outerShdw blurRad="40000" dist="23000" dir="5400000" rotWithShape="0">
+              <a:srgbClr val="000000">
+                <a:alpha val="35000"/>
+              </a:srgbClr>
+            </a:outerShdw>
+          </a:effectLst>
+          <a:scene3d>
+            <a:camera prst="orthographicFront">
+              <a:rot lat="0" lon="0" rev="0"/>
+            </a:camera>
+            <a:lightRig rig="threePt" dir="t">
+              <a:rot lat="0" lon="0" rev="1200000"/>
+            </a:lightRig>
+          </a:scene3d>
+          <a:sp3d>
+            <a:bevelT w="63500" h="25400"/>
+          </a:sp3d>
+        </a:effectStyle>
+      </a:effectStyleLst>
+      <a:bgFillStyleLst>
+        <a:solidFill>
+          <a:schemeClr val="phClr"/>
+        </a:solidFill>
+        <a:gradFill rotWithShape="1">
+          <a:gsLst>
+            <a:gs pos="0">
+              <a:schemeClr val="phClr">
+                <a:tint val="40000"/>
+                <a:satMod val="350000"/>
+              </a:schemeClr>
+            </a:gs>
+            <a:gs pos="40000">
+              <a:schemeClr val="phClr">
+                <a:tint val="45000"/>
+                <a:shade val="99000"/>
+                <a:satMod val="350000"/>
+              </a:schemeClr>
+            </a:gs>
+            <a:gs pos="100000">
+              <a:schemeClr val="phClr">
+                <a:shade val="20000"/>
+                <a:satMod val="255000"/>
+              </a:schemeClr>
+            </a:gs>
+          </a:gsLst>
+          <a:path path="circle">
+            <a:fillToRect l="50000" t="-80000" r="50000" b="180000"/>
+          </a:path>
+        </a:gradFill>
+        <a:gradFill rotWithShape="1">
+          <a:gsLst>
+            <a:gs pos="0">
+              <a:schemeClr val="phClr">
+                <a:tint val="80000"/>
+                <a:satMod val="300000"/>
+              </a:schemeClr>
+            </a:gs>
+            <a:gs pos="100000">
+              <a:schemeClr val="phClr">
+                <a:shade val="30000"/>
+                <a:satMod val="200000"/>
+              </a:schemeClr>
+            </a:gs>
+          </a:gsLst>
+          <a:path path="circle">
+            <a:fillToRect l="50000" t="50000" r="50000" b="50000"/>
+          </a:path>
+        </a:gradFill>
+      </a:bgFillStyleLst>
+    </a:fmtScheme>
+  </a:themeElements>
+  <a:objectDefaults/>
+  <a:extraClrSchemeLst/>
+</a:theme>
+</file>
+
+<file path=ppt/theme/theme2.xml><?xml version="1.0" encoding="utf-8"?>
+<a:theme xmlns:a="http://schemas.openxmlformats.org/drawingml/2006/main">
   <a:themeElements>
     <a:clrScheme name="Default">
       <a:dk1>
@@ -13103,284 +13540,7 @@
       </a:bgFillStyleLst>
     </a:fmtScheme>
   </a:themeElements>
-</a:theme>
-</file>
-
-<file path=ppt/theme/theme2.xml><?xml version="1.0" encoding="utf-8"?>
-<a:theme xmlns:a="http://schemas.openxmlformats.org/drawingml/2006/main" xmlns:r="http://schemas.openxmlformats.org/officeDocument/2006/relationships" name="Spearmint">
-  <a:themeElements>
-    <a:clrScheme name="Spearmint">
-      <a:dk1>
-        <a:srgbClr val="202729"/>
-      </a:dk1>
-      <a:lt1>
-        <a:srgbClr val="FFFFFF"/>
-      </a:lt1>
-      <a:dk2>
-        <a:srgbClr val="4BA173"/>
-      </a:dk2>
-      <a:lt2>
-        <a:srgbClr val="63D297"/>
-      </a:lt2>
-      <a:accent1>
-        <a:srgbClr val="353744"/>
-      </a:accent1>
-      <a:accent2>
-        <a:srgbClr val="424242"/>
-      </a:accent2>
-      <a:accent3>
-        <a:srgbClr val="616161"/>
-      </a:accent3>
-      <a:accent4>
-        <a:srgbClr val="999999"/>
-      </a:accent4>
-      <a:accent5>
-        <a:srgbClr val="FF5252"/>
-      </a:accent5>
-      <a:accent6>
-        <a:srgbClr val="FFF176"/>
-      </a:accent6>
-      <a:hlink>
-        <a:srgbClr val="FF5252"/>
-      </a:hlink>
-      <a:folHlink>
-        <a:srgbClr val="FF5252"/>
-      </a:folHlink>
-    </a:clrScheme>
-    <a:fontScheme name="Office">
-      <a:majorFont>
-        <a:latin typeface="Arial"/>
-        <a:ea typeface=""/>
-        <a:cs typeface=""/>
-        <a:font script="Jpan" typeface="ＭＳ Ｐゴシック"/>
-        <a:font script="Hang" typeface="맑은 고딕"/>
-        <a:font script="Hans" typeface="宋体"/>
-        <a:font script="Hant" typeface="新細明體"/>
-        <a:font script="Arab" typeface="Times New Roman"/>
-        <a:font script="Hebr" typeface="Times New Roman"/>
-        <a:font script="Thai" typeface="Angsana New"/>
-        <a:font script="Ethi" typeface="Nyala"/>
-        <a:font script="Beng" typeface="Vrinda"/>
-        <a:font script="Gujr" typeface="Shruti"/>
-        <a:font script="Khmr" typeface="MoolBoran"/>
-        <a:font script="Knda" typeface="Tunga"/>
-        <a:font script="Guru" typeface="Raavi"/>
-        <a:font script="Cans" typeface="Euphemia"/>
-        <a:font script="Cher" typeface="Plantagenet Cherokee"/>
-        <a:font script="Yiii" typeface="Microsoft Yi Baiti"/>
-        <a:font script="Tibt" typeface="Microsoft Himalaya"/>
-        <a:font script="Thaa" typeface="MV Boli"/>
-        <a:font script="Deva" typeface="Mangal"/>
-        <a:font script="Telu" typeface="Gautami"/>
-        <a:font script="Taml" typeface="Latha"/>
-        <a:font script="Syrc" typeface="Estrangelo Edessa"/>
-        <a:font script="Orya" typeface="Kalinga"/>
-        <a:font script="Mlym" typeface="Kartika"/>
-        <a:font script="Laoo" typeface="DokChampa"/>
-        <a:font script="Sinh" typeface="Iskoola Pota"/>
-        <a:font script="Mong" typeface="Mongolian Baiti"/>
-        <a:font script="Viet" typeface="Times New Roman"/>
-        <a:font script="Uigh" typeface="Microsoft Uighur"/>
-        <a:font script="Geor" typeface="Sylfaen"/>
-      </a:majorFont>
-      <a:minorFont>
-        <a:latin typeface="Arial"/>
-        <a:ea typeface=""/>
-        <a:cs typeface=""/>
-        <a:font script="Jpan" typeface="ＭＳ Ｐゴシック"/>
-        <a:font script="Hang" typeface="맑은 고딕"/>
-        <a:font script="Hans" typeface="宋体"/>
-        <a:font script="Hant" typeface="新細明體"/>
-        <a:font script="Arab" typeface="Arial"/>
-        <a:font script="Hebr" typeface="Arial"/>
-        <a:font script="Thai" typeface="Cordia New"/>
-        <a:font script="Ethi" typeface="Nyala"/>
-        <a:font script="Beng" typeface="Vrinda"/>
-        <a:font script="Gujr" typeface="Shruti"/>
-        <a:font script="Khmr" typeface="DaunPenh"/>
-        <a:font script="Knda" typeface="Tunga"/>
-        <a:font script="Guru" typeface="Raavi"/>
-        <a:font script="Cans" typeface="Euphemia"/>
-        <a:font script="Cher" typeface="Plantagenet Cherokee"/>
-        <a:font script="Yiii" typeface="Microsoft Yi Baiti"/>
-        <a:font script="Tibt" typeface="Microsoft Himalaya"/>
-        <a:font script="Thaa" typeface="MV Boli"/>
-        <a:font script="Deva" typeface="Mangal"/>
-        <a:font script="Telu" typeface="Gautami"/>
-        <a:font script="Taml" typeface="Latha"/>
-        <a:font script="Syrc" typeface="Estrangelo Edessa"/>
-        <a:font script="Orya" typeface="Kalinga"/>
-        <a:font script="Mlym" typeface="Kartika"/>
-        <a:font script="Laoo" typeface="DokChampa"/>
-        <a:font script="Sinh" typeface="Iskoola Pota"/>
-        <a:font script="Mong" typeface="Mongolian Baiti"/>
-        <a:font script="Viet" typeface="Arial"/>
-        <a:font script="Uigh" typeface="Microsoft Uighur"/>
-        <a:font script="Geor" typeface="Sylfaen"/>
-      </a:minorFont>
-    </a:fontScheme>
-    <a:fmtScheme name="Office">
-      <a:fillStyleLst>
-        <a:solidFill>
-          <a:schemeClr val="phClr"/>
-        </a:solidFill>
-        <a:gradFill rotWithShape="1">
-          <a:gsLst>
-            <a:gs pos="0">
-              <a:schemeClr val="phClr">
-                <a:tint val="50000"/>
-                <a:satMod val="300000"/>
-              </a:schemeClr>
-            </a:gs>
-            <a:gs pos="35000">
-              <a:schemeClr val="phClr">
-                <a:tint val="37000"/>
-                <a:satMod val="300000"/>
-              </a:schemeClr>
-            </a:gs>
-            <a:gs pos="100000">
-              <a:schemeClr val="phClr">
-                <a:tint val="15000"/>
-                <a:satMod val="350000"/>
-              </a:schemeClr>
-            </a:gs>
-          </a:gsLst>
-          <a:lin ang="16200000" scaled="1"/>
-        </a:gradFill>
-        <a:gradFill rotWithShape="1">
-          <a:gsLst>
-            <a:gs pos="0">
-              <a:schemeClr val="phClr">
-                <a:tint val="100000"/>
-                <a:shade val="100000"/>
-                <a:satMod val="130000"/>
-              </a:schemeClr>
-            </a:gs>
-            <a:gs pos="100000">
-              <a:schemeClr val="phClr">
-                <a:tint val="50000"/>
-                <a:shade val="100000"/>
-                <a:satMod val="350000"/>
-              </a:schemeClr>
-            </a:gs>
-          </a:gsLst>
-          <a:lin ang="16200000" scaled="0"/>
-        </a:gradFill>
-      </a:fillStyleLst>
-      <a:lnStyleLst>
-        <a:ln w="9525" cap="flat" cmpd="sng" algn="ctr">
-          <a:solidFill>
-            <a:schemeClr val="phClr">
-              <a:shade val="95000"/>
-              <a:satMod val="105000"/>
-            </a:schemeClr>
-          </a:solidFill>
-          <a:prstDash val="solid"/>
-        </a:ln>
-        <a:ln w="25400" cap="flat" cmpd="sng" algn="ctr">
-          <a:solidFill>
-            <a:schemeClr val="phClr"/>
-          </a:solidFill>
-          <a:prstDash val="solid"/>
-        </a:ln>
-        <a:ln w="38100" cap="flat" cmpd="sng" algn="ctr">
-          <a:solidFill>
-            <a:schemeClr val="phClr"/>
-          </a:solidFill>
-          <a:prstDash val="solid"/>
-        </a:ln>
-      </a:lnStyleLst>
-      <a:effectStyleLst>
-        <a:effectStyle>
-          <a:effectLst>
-            <a:outerShdw blurRad="40000" dist="20000" dir="5400000" rotWithShape="0">
-              <a:srgbClr val="000000">
-                <a:alpha val="38000"/>
-              </a:srgbClr>
-            </a:outerShdw>
-          </a:effectLst>
-        </a:effectStyle>
-        <a:effectStyle>
-          <a:effectLst>
-            <a:outerShdw blurRad="40000" dist="23000" dir="5400000" rotWithShape="0">
-              <a:srgbClr val="000000">
-                <a:alpha val="35000"/>
-              </a:srgbClr>
-            </a:outerShdw>
-          </a:effectLst>
-        </a:effectStyle>
-        <a:effectStyle>
-          <a:effectLst>
-            <a:outerShdw blurRad="40000" dist="23000" dir="5400000" rotWithShape="0">
-              <a:srgbClr val="000000">
-                <a:alpha val="35000"/>
-              </a:srgbClr>
-            </a:outerShdw>
-          </a:effectLst>
-          <a:scene3d>
-            <a:camera prst="orthographicFront">
-              <a:rot lat="0" lon="0" rev="0"/>
-            </a:camera>
-            <a:lightRig rig="threePt" dir="t">
-              <a:rot lat="0" lon="0" rev="1200000"/>
-            </a:lightRig>
-          </a:scene3d>
-          <a:sp3d>
-            <a:bevelT w="63500" h="25400"/>
-          </a:sp3d>
-        </a:effectStyle>
-      </a:effectStyleLst>
-      <a:bgFillStyleLst>
-        <a:solidFill>
-          <a:schemeClr val="phClr"/>
-        </a:solidFill>
-        <a:gradFill rotWithShape="1">
-          <a:gsLst>
-            <a:gs pos="0">
-              <a:schemeClr val="phClr">
-                <a:tint val="40000"/>
-                <a:satMod val="350000"/>
-              </a:schemeClr>
-            </a:gs>
-            <a:gs pos="40000">
-              <a:schemeClr val="phClr">
-                <a:tint val="45000"/>
-                <a:shade val="99000"/>
-                <a:satMod val="350000"/>
-              </a:schemeClr>
-            </a:gs>
-            <a:gs pos="100000">
-              <a:schemeClr val="phClr">
-                <a:shade val="20000"/>
-                <a:satMod val="255000"/>
-              </a:schemeClr>
-            </a:gs>
-          </a:gsLst>
-          <a:path path="circle">
-            <a:fillToRect l="50000" t="-80000" r="50000" b="180000"/>
-          </a:path>
-        </a:gradFill>
-        <a:gradFill rotWithShape="1">
-          <a:gsLst>
-            <a:gs pos="0">
-              <a:schemeClr val="phClr">
-                <a:tint val="80000"/>
-                <a:satMod val="300000"/>
-              </a:schemeClr>
-            </a:gs>
-            <a:gs pos="100000">
-              <a:schemeClr val="phClr">
-                <a:shade val="30000"/>
-                <a:satMod val="200000"/>
-              </a:schemeClr>
-            </a:gs>
-          </a:gsLst>
-          <a:path path="circle">
-            <a:fillToRect l="50000" t="50000" r="50000" b="50000"/>
-          </a:path>
-        </a:gradFill>
-      </a:bgFillStyleLst>
-    </a:fmtScheme>
-  </a:themeElements>
+  <a:objectDefaults/>
+  <a:extraClrSchemeLst/>
 </a:theme>
 </file>